--- a/CSharp3.pptx
+++ b/CSharp3.pptx
@@ -11,7 +11,7 @@
     <p:sldId id="256" r:id="rId2"/>
     <p:sldId id="257" r:id="rId3"/>
     <p:sldId id="258" r:id="rId4"/>
-    <p:sldId id="259" r:id="rId5"/>
+    <p:sldId id="260" r:id="rId5"/>
   </p:sldIdLst>
   <p:sldSz cx="9144000" cy="6858000" type="screen4x3"/>
   <p:notesSz cx="6858000" cy="9144000"/>
@@ -528,6 +528,87 @@
             <a:fld id="{85CAAF2B-3AA5-4172-94F1-2CA2368BF571}" type="slidenum">
               <a:rPr lang="sv-SE" smtClean="0"/>
               <a:t>1</a:t>
+            </a:fld>
+            <a:endParaRPr lang="sv-SE"/>
+          </a:p>
+        </p:txBody>
+      </p:sp>
+    </p:spTree>
+  </p:cSld>
+  <p:clrMapOvr>
+    <a:masterClrMapping/>
+  </p:clrMapOvr>
+</p:notes>
+</file>
+
+<file path=ppt/notesSlides/notesSlide2.xml><?xml version="1.0" encoding="utf-8"?>
+<p:notes xmlns:a="http://schemas.openxmlformats.org/drawingml/2006/main" xmlns:r="http://schemas.openxmlformats.org/officeDocument/2006/relationships" xmlns:p="http://schemas.openxmlformats.org/presentationml/2006/main">
+  <p:cSld>
+    <p:spTree>
+      <p:nvGrpSpPr>
+        <p:cNvPr id="1" name=""/>
+        <p:cNvGrpSpPr/>
+        <p:nvPr/>
+      </p:nvGrpSpPr>
+      <p:grpSpPr>
+        <a:xfrm>
+          <a:off x="0" y="0"/>
+          <a:ext cx="0" cy="0"/>
+          <a:chOff x="0" y="0"/>
+          <a:chExt cx="0" cy="0"/>
+        </a:xfrm>
+      </p:grpSpPr>
+      <p:sp>
+        <p:nvSpPr>
+          <p:cNvPr id="2" name="Slide Image Placeholder 1"/>
+          <p:cNvSpPr>
+            <a:spLocks noGrp="1" noRot="1" noChangeAspect="1"/>
+          </p:cNvSpPr>
+          <p:nvPr>
+            <p:ph type="sldImg"/>
+          </p:nvPr>
+        </p:nvSpPr>
+        <p:spPr/>
+      </p:sp>
+      <p:sp>
+        <p:nvSpPr>
+          <p:cNvPr id="3" name="Notes Placeholder 2"/>
+          <p:cNvSpPr>
+            <a:spLocks noGrp="1"/>
+          </p:cNvSpPr>
+          <p:nvPr>
+            <p:ph type="body" idx="1"/>
+          </p:nvPr>
+        </p:nvSpPr>
+        <p:spPr/>
+        <p:txBody>
+          <a:bodyPr>
+            <a:normAutofit/>
+          </a:bodyPr>
+          <a:lstStyle/>
+          <a:p>
+            <a:endParaRPr lang="sv-SE" dirty="0"/>
+          </a:p>
+        </p:txBody>
+      </p:sp>
+      <p:sp>
+        <p:nvSpPr>
+          <p:cNvPr id="4" name="Slide Number Placeholder 3"/>
+          <p:cNvSpPr>
+            <a:spLocks noGrp="1"/>
+          </p:cNvSpPr>
+          <p:nvPr>
+            <p:ph type="sldNum" sz="quarter" idx="10"/>
+          </p:nvPr>
+        </p:nvSpPr>
+        <p:spPr/>
+        <p:txBody>
+          <a:bodyPr/>
+          <a:lstStyle/>
+          <a:p>
+            <a:fld id="{85CAAF2B-3AA5-4172-94F1-2CA2368BF571}" type="slidenum">
+              <a:rPr lang="sv-SE" smtClean="0"/>
+              <a:t>4</a:t>
             </a:fld>
             <a:endParaRPr lang="sv-SE"/>
           </a:p>
@@ -3485,10 +3566,10 @@
           <a:lstStyle/>
           <a:p>
             <a:r>
-              <a:rPr lang="sv-SE" dirty="0" smtClean="0"/>
+              <a:rPr lang="en-US" dirty="0" smtClean="0"/>
               <a:t>C#3</a:t>
             </a:r>
-            <a:endParaRPr lang="sv-SE" dirty="0"/>
+            <a:endParaRPr lang="en-US" dirty="0"/>
           </a:p>
         </p:txBody>
       </p:sp>
@@ -3508,10 +3589,10 @@
           <a:lstStyle/>
           <a:p>
             <a:r>
-              <a:rPr lang="sv-SE" dirty="0" smtClean="0"/>
+              <a:rPr lang="en-US" dirty="0" smtClean="0"/>
               <a:t>The functional revolution</a:t>
             </a:r>
-            <a:endParaRPr lang="sv-SE" dirty="0"/>
+            <a:endParaRPr lang="en-US" dirty="0"/>
           </a:p>
         </p:txBody>
       </p:sp>
@@ -3579,7 +3660,7 @@
         <p:spPr>
           <a:xfrm>
             <a:off x="1428728" y="1714488"/>
-            <a:ext cx="6862584" cy="4247317"/>
+            <a:ext cx="6862584" cy="3970318"/>
           </a:xfrm>
           <a:prstGeom prst="rect">
             <a:avLst/>
@@ -3597,7 +3678,7 @@
               <a:buChar char="•"/>
             </a:pPr>
             <a:r>
-              <a:rPr lang="sv-SE" dirty="0" smtClean="0"/>
+              <a:rPr lang="en-US" dirty="0" smtClean="0"/>
               <a:t>Immutability</a:t>
             </a:r>
           </a:p>
@@ -3607,7 +3688,7 @@
               <a:buChar char="•"/>
             </a:pPr>
             <a:r>
-              <a:rPr lang="sv-SE" dirty="0" smtClean="0"/>
+              <a:rPr lang="en-US" dirty="0" smtClean="0"/>
               <a:t>Values never change, instead new values are created</a:t>
             </a:r>
           </a:p>
@@ -3617,7 +3698,7 @@
               <a:buChar char="•"/>
             </a:pPr>
             <a:r>
-              <a:rPr lang="sv-SE" dirty="0" smtClean="0"/>
+              <a:rPr lang="en-US" dirty="0" smtClean="0"/>
               <a:t>Pure Functions</a:t>
             </a:r>
           </a:p>
@@ -3627,7 +3708,7 @@
               <a:buChar char="•"/>
             </a:pPr>
             <a:r>
-              <a:rPr lang="sv-SE" dirty="0" smtClean="0"/>
+              <a:rPr lang="en-US" dirty="0" smtClean="0"/>
               <a:t>Functions are dependent only on their parameters</a:t>
             </a:r>
           </a:p>
@@ -3637,10 +3718,10 @@
               <a:buChar char="•"/>
             </a:pPr>
             <a:r>
-              <a:rPr lang="sv-SE" dirty="0" smtClean="0"/>
-              <a:t>Given identical imputs identical results are guaranteed</a:t>
-            </a:r>
-            <a:endParaRPr lang="sv-SE" dirty="0" smtClean="0"/>
+              <a:rPr lang="en-US" dirty="0" smtClean="0"/>
+              <a:t>Given identical inputs identical results are guaranteed</a:t>
+            </a:r>
+            <a:endParaRPr lang="en-US" dirty="0" smtClean="0"/>
           </a:p>
           <a:p>
             <a:pPr>
@@ -3648,7 +3729,7 @@
               <a:buChar char="•"/>
             </a:pPr>
             <a:r>
-              <a:rPr lang="sv-SE" dirty="0" smtClean="0"/>
+              <a:rPr lang="en-US" dirty="0" smtClean="0"/>
               <a:t>Higher order functions</a:t>
             </a:r>
           </a:p>
@@ -3658,7 +3739,7 @@
               <a:buChar char="•"/>
             </a:pPr>
             <a:r>
-              <a:rPr lang="sv-SE" dirty="0" smtClean="0"/>
+              <a:rPr lang="en-US" dirty="0" smtClean="0"/>
               <a:t>Functions that take functions as parameters</a:t>
             </a:r>
           </a:p>
@@ -3668,7 +3749,7 @@
               <a:buChar char="•"/>
             </a:pPr>
             <a:r>
-              <a:rPr lang="sv-SE" dirty="0" smtClean="0"/>
+              <a:rPr lang="en-US" dirty="0" smtClean="0"/>
               <a:t>Functions that return functions</a:t>
             </a:r>
           </a:p>
@@ -3678,7 +3759,7 @@
               <a:buChar char="•"/>
             </a:pPr>
             <a:r>
-              <a:rPr lang="sv-SE" dirty="0" smtClean="0"/>
+              <a:rPr lang="en-US" dirty="0" smtClean="0"/>
               <a:t>Closures</a:t>
             </a:r>
           </a:p>
@@ -3688,15 +3769,8 @@
               <a:buChar char="•"/>
             </a:pPr>
             <a:r>
-              <a:rPr lang="sv-SE" dirty="0" smtClean="0"/>
-              <a:t>In line functions that capture variables in scope</a:t>
-            </a:r>
-          </a:p>
-          <a:p>
-            <a:pPr lvl="2"/>
-            <a:r>
-              <a:rPr lang="sv-SE" dirty="0" smtClean="0"/>
-              <a:t>(Yes. Functions can have state!)</a:t>
+              <a:rPr lang="en-US" dirty="0" smtClean="0"/>
+              <a:t>In line functions that capture values in scope</a:t>
             </a:r>
           </a:p>
           <a:p>
@@ -3705,7 +3779,7 @@
               <a:buChar char="•"/>
             </a:pPr>
             <a:r>
-              <a:rPr lang="sv-SE" dirty="0" smtClean="0"/>
+              <a:rPr lang="en-US" dirty="0" smtClean="0"/>
               <a:t>Recursion(Required because of immutability)</a:t>
             </a:r>
           </a:p>
@@ -3715,10 +3789,9 @@
               <a:buChar char="•"/>
             </a:pPr>
             <a:r>
-              <a:rPr lang="sv-SE" dirty="0" smtClean="0"/>
+              <a:rPr lang="en-US" dirty="0" smtClean="0"/>
               <a:t>Functions that directly or through other functions call themselves</a:t>
             </a:r>
-            <a:endParaRPr lang="sv-SE" dirty="0"/>
           </a:p>
           <a:p>
             <a:pPr>
@@ -3726,7 +3799,7 @@
               <a:buChar char="•"/>
             </a:pPr>
             <a:r>
-              <a:rPr lang="sv-SE" dirty="0" smtClean="0"/>
+              <a:rPr lang="en-US" dirty="0" smtClean="0"/>
               <a:t>Declarative style</a:t>
             </a:r>
           </a:p>
@@ -3736,8 +3809,8 @@
               <a:buChar char="•"/>
             </a:pPr>
             <a:r>
-              <a:rPr lang="sv-SE" dirty="0" smtClean="0"/>
-              <a:t>Well written functions read as a deklaration of their domain logic</a:t>
+              <a:rPr lang="en-US" dirty="0" smtClean="0"/>
+              <a:t>Well written functions read as a declaration of their domain logic</a:t>
             </a:r>
           </a:p>
         </p:txBody>
@@ -4252,15 +4325,33 @@
                                   </p:childTnLst>
                                 </p:cTn>
                               </p:par>
+                            </p:childTnLst>
+                          </p:cTn>
+                        </p:par>
+                      </p:childTnLst>
+                    </p:cTn>
+                  </p:par>
+                  <p:par>
+                    <p:cTn id="41" fill="hold">
+                      <p:stCondLst>
+                        <p:cond delay="indefinite"/>
+                      </p:stCondLst>
+                      <p:childTnLst>
+                        <p:par>
+                          <p:cTn id="42" fill="hold">
+                            <p:stCondLst>
+                              <p:cond delay="0"/>
+                            </p:stCondLst>
+                            <p:childTnLst>
                               <p:par>
-                                <p:cTn id="41" presetID="22" presetClass="entr" presetSubtype="4" fill="hold" grpId="0" nodeType="withEffect">
+                                <p:cTn id="43" presetID="22" presetClass="entr" presetSubtype="4" fill="hold" grpId="0" nodeType="clickEffect">
                                   <p:stCondLst>
                                     <p:cond delay="0"/>
                                   </p:stCondLst>
                                   <p:childTnLst>
                                     <p:set>
                                       <p:cBhvr>
-                                        <p:cTn id="42" dur="1" fill="hold">
+                                        <p:cTn id="44" dur="1" fill="hold">
                                           <p:stCondLst>
                                             <p:cond delay="0"/>
                                           </p:stCondLst>
@@ -4282,7 +4373,7 @@
                                     </p:set>
                                     <p:animEffect transition="in" filter="wipe(down)">
                                       <p:cBhvr>
-                                        <p:cTn id="43" dur="500"/>
+                                        <p:cTn id="45" dur="500"/>
                                         <p:tgtEl>
                                           <p:spTgt spid="4">
                                             <p:txEl>
@@ -4295,26 +4386,8 @@
                                   </p:childTnLst>
                                 </p:cTn>
                               </p:par>
-                            </p:childTnLst>
-                          </p:cTn>
-                        </p:par>
-                      </p:childTnLst>
-                    </p:cTn>
-                  </p:par>
-                  <p:par>
-                    <p:cTn id="44" fill="hold">
-                      <p:stCondLst>
-                        <p:cond delay="indefinite"/>
-                      </p:stCondLst>
-                      <p:childTnLst>
-                        <p:par>
-                          <p:cTn id="45" fill="hold">
-                            <p:stCondLst>
-                              <p:cond delay="0"/>
-                            </p:stCondLst>
-                            <p:childTnLst>
                               <p:par>
-                                <p:cTn id="46" presetID="22" presetClass="entr" presetSubtype="4" fill="hold" grpId="0" nodeType="clickEffect">
+                                <p:cTn id="46" presetID="22" presetClass="entr" presetSubtype="4" fill="hold" grpId="0" nodeType="withEffect">
                                   <p:stCondLst>
                                     <p:cond delay="0"/>
                                   </p:stCondLst>
@@ -4356,15 +4429,33 @@
                                   </p:childTnLst>
                                 </p:cTn>
                               </p:par>
+                            </p:childTnLst>
+                          </p:cTn>
+                        </p:par>
+                      </p:childTnLst>
+                    </p:cTn>
+                  </p:par>
+                  <p:par>
+                    <p:cTn id="49" fill="hold">
+                      <p:stCondLst>
+                        <p:cond delay="indefinite"/>
+                      </p:stCondLst>
+                      <p:childTnLst>
+                        <p:par>
+                          <p:cTn id="50" fill="hold">
+                            <p:stCondLst>
+                              <p:cond delay="0"/>
+                            </p:stCondLst>
+                            <p:childTnLst>
                               <p:par>
-                                <p:cTn id="49" presetID="22" presetClass="entr" presetSubtype="4" fill="hold" grpId="0" nodeType="withEffect">
+                                <p:cTn id="51" presetID="22" presetClass="entr" presetSubtype="4" fill="hold" grpId="0" nodeType="clickEffect">
                                   <p:stCondLst>
                                     <p:cond delay="0"/>
                                   </p:stCondLst>
                                   <p:childTnLst>
                                     <p:set>
                                       <p:cBhvr>
-                                        <p:cTn id="50" dur="1" fill="hold">
+                                        <p:cTn id="52" dur="1" fill="hold">
                                           <p:stCondLst>
                                             <p:cond delay="0"/>
                                           </p:stCondLst>
@@ -4386,7 +4477,7 @@
                                     </p:set>
                                     <p:animEffect transition="in" filter="wipe(down)">
                                       <p:cBhvr>
-                                        <p:cTn id="51" dur="500"/>
+                                        <p:cTn id="53" dur="500"/>
                                         <p:tgtEl>
                                           <p:spTgt spid="4">
                                             <p:txEl>
@@ -4399,26 +4490,8 @@
                                   </p:childTnLst>
                                 </p:cTn>
                               </p:par>
-                            </p:childTnLst>
-                          </p:cTn>
-                        </p:par>
-                      </p:childTnLst>
-                    </p:cTn>
-                  </p:par>
-                  <p:par>
-                    <p:cTn id="52" fill="hold">
-                      <p:stCondLst>
-                        <p:cond delay="indefinite"/>
-                      </p:stCondLst>
-                      <p:childTnLst>
-                        <p:par>
-                          <p:cTn id="53" fill="hold">
-                            <p:stCondLst>
-                              <p:cond delay="0"/>
-                            </p:stCondLst>
-                            <p:childTnLst>
                               <p:par>
-                                <p:cTn id="54" presetID="22" presetClass="entr" presetSubtype="4" fill="hold" grpId="0" nodeType="clickEffect">
+                                <p:cTn id="54" presetID="22" presetClass="entr" presetSubtype="4" fill="hold" grpId="0" nodeType="withEffect">
                                   <p:stCondLst>
                                     <p:cond delay="0"/>
                                   </p:stCondLst>
@@ -4452,49 +4525,6 @@
                                           <p:spTgt spid="4">
                                             <p:txEl>
                                               <p:pRg st="13" end="13"/>
-                                            </p:txEl>
-                                          </p:spTgt>
-                                        </p:tgtEl>
-                                      </p:cBhvr>
-                                    </p:animEffect>
-                                  </p:childTnLst>
-                                </p:cTn>
-                              </p:par>
-                              <p:par>
-                                <p:cTn id="57" presetID="22" presetClass="entr" presetSubtype="4" fill="hold" grpId="0" nodeType="withEffect">
-                                  <p:stCondLst>
-                                    <p:cond delay="0"/>
-                                  </p:stCondLst>
-                                  <p:childTnLst>
-                                    <p:set>
-                                      <p:cBhvr>
-                                        <p:cTn id="58" dur="1" fill="hold">
-                                          <p:stCondLst>
-                                            <p:cond delay="0"/>
-                                          </p:stCondLst>
-                                        </p:cTn>
-                                        <p:tgtEl>
-                                          <p:spTgt spid="4">
-                                            <p:txEl>
-                                              <p:pRg st="14" end="14"/>
-                                            </p:txEl>
-                                          </p:spTgt>
-                                        </p:tgtEl>
-                                        <p:attrNameLst>
-                                          <p:attrName>style.visibility</p:attrName>
-                                        </p:attrNameLst>
-                                      </p:cBhvr>
-                                      <p:to>
-                                        <p:strVal val="visible"/>
-                                      </p:to>
-                                    </p:set>
-                                    <p:animEffect transition="in" filter="wipe(down)">
-                                      <p:cBhvr>
-                                        <p:cTn id="59" dur="500"/>
-                                        <p:tgtEl>
-                                          <p:spTgt spid="4">
-                                            <p:txEl>
-                                              <p:pRg st="14" end="14"/>
                                             </p:txEl>
                                           </p:spTgt>
                                         </p:tgtEl>
@@ -4588,7 +4618,7 @@
         <p:spPr>
           <a:xfrm>
             <a:off x="785786" y="1357298"/>
-            <a:ext cx="7911140" cy="5693866"/>
+            <a:ext cx="7269362" cy="3693319"/>
           </a:xfrm>
           <a:prstGeom prst="rect">
             <a:avLst/>
@@ -4602,7 +4632,7 @@
           <a:lstStyle/>
           <a:p>
             <a:r>
-              <a:rPr lang="sv-SE" sz="2800" dirty="0" smtClean="0"/>
+              <a:rPr lang="sv-SE" dirty="0" smtClean="0"/>
               <a:t>Heard of Linq?</a:t>
             </a:r>
           </a:p>
@@ -4612,7 +4642,7 @@
               <a:buChar char="•"/>
             </a:pPr>
             <a:r>
-              <a:rPr lang="sv-SE" sz="2800" dirty="0" smtClean="0"/>
+              <a:rPr lang="sv-SE" dirty="0" smtClean="0"/>
               <a:t>Linq operators are pure functions</a:t>
             </a:r>
           </a:p>
@@ -4622,7 +4652,7 @@
               <a:buChar char="•"/>
             </a:pPr>
             <a:r>
-              <a:rPr lang="sv-SE" sz="2800" dirty="0" smtClean="0"/>
+              <a:rPr lang="sv-SE" dirty="0" smtClean="0"/>
               <a:t>Linq operators do not modify state</a:t>
             </a:r>
           </a:p>
@@ -4632,7 +4662,7 @@
               <a:buChar char="•"/>
             </a:pPr>
             <a:r>
-              <a:rPr lang="sv-SE" sz="2800" dirty="0" smtClean="0"/>
+              <a:rPr lang="sv-SE" dirty="0" smtClean="0"/>
               <a:t>Many Linq operators are higher order functions</a:t>
             </a:r>
           </a:p>
@@ -4642,7 +4672,7 @@
               <a:buChar char="•"/>
             </a:pPr>
             <a:r>
-              <a:rPr lang="sv-SE" sz="2800" dirty="0" smtClean="0"/>
+              <a:rPr lang="sv-SE" dirty="0" smtClean="0"/>
               <a:t>Lambdas are closures</a:t>
             </a:r>
           </a:p>
@@ -4652,7 +4682,7 @@
               <a:buChar char="•"/>
             </a:pPr>
             <a:r>
-              <a:rPr lang="sv-SE" sz="2800" dirty="0" smtClean="0"/>
+              <a:rPr lang="sv-SE" dirty="0" smtClean="0"/>
               <a:t>Linq code is declarative in style</a:t>
             </a:r>
           </a:p>
@@ -4662,14 +4692,14 @@
               <a:buChar char="•"/>
             </a:pPr>
             <a:r>
-              <a:rPr lang="sv-SE" sz="2800" dirty="0" smtClean="0"/>
+              <a:rPr lang="sv-SE" dirty="0" smtClean="0"/>
               <a:t>Query comprehension syntax is a variation on other </a:t>
             </a:r>
             <a:br>
-              <a:rPr lang="sv-SE" sz="2800" dirty="0" smtClean="0"/>
+              <a:rPr lang="sv-SE" dirty="0" smtClean="0"/>
             </a:br>
             <a:r>
-              <a:rPr lang="sv-SE" sz="2800" dirty="0" smtClean="0"/>
+              <a:rPr lang="sv-SE" dirty="0" smtClean="0"/>
               <a:t>  languages monad comprehension syntax.</a:t>
             </a:r>
           </a:p>
@@ -4678,31 +4708,31 @@
               <a:buFont typeface="Arial" pitchFamily="34" charset="0"/>
               <a:buChar char="•"/>
             </a:pPr>
-            <a:endParaRPr lang="sv-SE" sz="2800" dirty="0"/>
-          </a:p>
-          <a:p>
-            <a:r>
-              <a:rPr lang="sv-SE" sz="2800" dirty="0" smtClean="0"/>
-              <a:t>Linq is functional programming and the constructs </a:t>
+            <a:endParaRPr lang="sv-SE" dirty="0"/>
+          </a:p>
+          <a:p>
+            <a:r>
+              <a:rPr lang="sv-SE" dirty="0" smtClean="0"/>
+              <a:t>Linq is functional programming and the functional programming constructs </a:t>
             </a:r>
             <a:br>
-              <a:rPr lang="sv-SE" sz="2800" dirty="0" smtClean="0"/>
+              <a:rPr lang="sv-SE" dirty="0" smtClean="0"/>
             </a:br>
             <a:r>
-              <a:rPr lang="sv-SE" sz="2800" dirty="0" smtClean="0"/>
-              <a:t>introduced to support Linq lets you create far more </a:t>
+              <a:rPr lang="sv-SE" dirty="0" smtClean="0"/>
+              <a:t>introduced to support Linq lets you create far more SOLID code than you </a:t>
             </a:r>
             <a:br>
-              <a:rPr lang="sv-SE" sz="2800" dirty="0" smtClean="0"/>
+              <a:rPr lang="sv-SE" dirty="0" smtClean="0"/>
             </a:br>
             <a:r>
-              <a:rPr lang="sv-SE" sz="2800" dirty="0" smtClean="0"/>
-              <a:t>SOLID code than you could in C# before.</a:t>
+              <a:rPr lang="sv-SE" dirty="0" smtClean="0"/>
+              <a:t>could in C# before.</a:t>
             </a:r>
             <a:br>
-              <a:rPr lang="sv-SE" sz="2800" dirty="0" smtClean="0"/>
+              <a:rPr lang="sv-SE" dirty="0" smtClean="0"/>
             </a:br>
-            <a:endParaRPr lang="sv-SE" sz="2800" dirty="0" smtClean="0"/>
+            <a:endParaRPr lang="sv-SE" dirty="0" smtClean="0"/>
           </a:p>
         </p:txBody>
       </p:sp>
@@ -5267,7 +5297,174 @@
           <a:bodyPr/>
           <a:lstStyle/>
           <a:p>
-            <a:endParaRPr lang="sv-SE"/>
+            <a:r>
+              <a:rPr lang="sv-SE" dirty="0" smtClean="0"/>
+              <a:t>SOLID</a:t>
+            </a:r>
+            <a:endParaRPr lang="sv-SE" dirty="0"/>
+          </a:p>
+        </p:txBody>
+      </p:sp>
+      <p:sp>
+        <p:nvSpPr>
+          <p:cNvPr id="3" name="TextBox 2"/>
+          <p:cNvSpPr txBox="1"/>
+          <p:nvPr/>
+        </p:nvSpPr>
+        <p:spPr>
+          <a:xfrm>
+            <a:off x="500034" y="1714488"/>
+            <a:ext cx="7000924" cy="4247317"/>
+          </a:xfrm>
+          <a:prstGeom prst="rect">
+            <a:avLst/>
+          </a:prstGeom>
+          <a:noFill/>
+        </p:spPr>
+        <p:txBody>
+          <a:bodyPr wrap="square" rtlCol="0">
+            <a:spAutoFit/>
+          </a:bodyPr>
+          <a:lstStyle/>
+          <a:p>
+            <a:r>
+              <a:rPr lang="sv-SE" dirty="0" smtClean="0"/>
+              <a:t>Decades of experience birthing 5 principles coined by Robert C Martin Slightly rephrased to be more generic.</a:t>
+            </a:r>
+          </a:p>
+          <a:p>
+            <a:endParaRPr lang="sv-SE" dirty="0" smtClean="0"/>
+          </a:p>
+          <a:p>
+            <a:pPr>
+              <a:buFont typeface="Arial" pitchFamily="34" charset="0"/>
+              <a:buChar char="•"/>
+            </a:pPr>
+            <a:r>
+              <a:rPr lang="sv-SE" dirty="0" smtClean="0"/>
+              <a:t>The </a:t>
+            </a:r>
+            <a:r>
+              <a:rPr lang="sv-SE" u="sng" dirty="0" smtClean="0"/>
+              <a:t>S</a:t>
+            </a:r>
+            <a:r>
+              <a:rPr lang="sv-SE" dirty="0" smtClean="0"/>
+              <a:t>ingle responsibility principle	</a:t>
+            </a:r>
+            <a:br>
+              <a:rPr lang="sv-SE" dirty="0" smtClean="0"/>
+            </a:br>
+            <a:r>
+              <a:rPr lang="sv-SE" dirty="0" smtClean="0"/>
+              <a:t>	A code construct should have one and and only one reason to 	change</a:t>
+            </a:r>
+          </a:p>
+          <a:p>
+            <a:pPr>
+              <a:buFont typeface="Arial" pitchFamily="34" charset="0"/>
+              <a:buChar char="•"/>
+            </a:pPr>
+            <a:r>
+              <a:rPr lang="sv-SE" dirty="0" smtClean="0"/>
+              <a:t>The </a:t>
+            </a:r>
+            <a:r>
+              <a:rPr lang="sv-SE" u="sng" dirty="0" smtClean="0"/>
+              <a:t>O</a:t>
+            </a:r>
+            <a:r>
+              <a:rPr lang="sv-SE" dirty="0" smtClean="0"/>
+              <a:t>pen closed principle</a:t>
+            </a:r>
+            <a:br>
+              <a:rPr lang="sv-SE" dirty="0" smtClean="0"/>
+            </a:br>
+            <a:r>
+              <a:rPr lang="sv-SE" dirty="0" smtClean="0"/>
+              <a:t>	</a:t>
+            </a:r>
+            <a:r>
+              <a:rPr lang="sv-SE" dirty="0" smtClean="0"/>
+              <a:t>You should be able to extend a code construct behavior 	without modifying it</a:t>
+            </a:r>
+            <a:endParaRPr lang="sv-SE" dirty="0" smtClean="0"/>
+          </a:p>
+          <a:p>
+            <a:pPr>
+              <a:buFont typeface="Arial" pitchFamily="34" charset="0"/>
+              <a:buChar char="•"/>
+            </a:pPr>
+            <a:r>
+              <a:rPr lang="sv-SE" dirty="0" smtClean="0"/>
+              <a:t>The </a:t>
+            </a:r>
+            <a:r>
+              <a:rPr lang="sv-SE" u="sng" dirty="0" smtClean="0"/>
+              <a:t>L</a:t>
+            </a:r>
+            <a:r>
+              <a:rPr lang="sv-SE" dirty="0" smtClean="0"/>
+              <a:t>iskov substitution principle</a:t>
+            </a:r>
+            <a:br>
+              <a:rPr lang="sv-SE" dirty="0" smtClean="0"/>
+            </a:br>
+            <a:r>
+              <a:rPr lang="sv-SE" dirty="0" smtClean="0"/>
+              <a:t>	Derived classes must be substitutable for their base classes</a:t>
+            </a:r>
+          </a:p>
+          <a:p>
+            <a:pPr>
+              <a:buFont typeface="Arial" pitchFamily="34" charset="0"/>
+              <a:buChar char="•"/>
+            </a:pPr>
+            <a:r>
+              <a:rPr lang="sv-SE" dirty="0" smtClean="0"/>
+              <a:t>The </a:t>
+            </a:r>
+            <a:r>
+              <a:rPr lang="sv-SE" u="sng" dirty="0" smtClean="0"/>
+              <a:t>I</a:t>
+            </a:r>
+            <a:r>
+              <a:rPr lang="sv-SE" dirty="0" smtClean="0"/>
+              <a:t>nterface segregation principle</a:t>
+            </a:r>
+            <a:br>
+              <a:rPr lang="sv-SE" dirty="0" smtClean="0"/>
+            </a:br>
+            <a:r>
+              <a:rPr lang="sv-SE" dirty="0" smtClean="0"/>
+              <a:t>	Make fine grained interfaces that are client specific</a:t>
+            </a:r>
+          </a:p>
+          <a:p>
+            <a:pPr>
+              <a:buFont typeface="Arial" pitchFamily="34" charset="0"/>
+              <a:buChar char="•"/>
+            </a:pPr>
+            <a:r>
+              <a:rPr lang="sv-SE" dirty="0" smtClean="0"/>
+              <a:t>The </a:t>
+            </a:r>
+            <a:r>
+              <a:rPr lang="sv-SE" u="sng" dirty="0" smtClean="0"/>
+              <a:t>D</a:t>
+            </a:r>
+            <a:r>
+              <a:rPr lang="sv-SE" dirty="0" smtClean="0"/>
+              <a:t>ependency inversion principle</a:t>
+            </a:r>
+            <a:br>
+              <a:rPr lang="sv-SE" dirty="0" smtClean="0"/>
+            </a:br>
+            <a:r>
+              <a:rPr lang="sv-SE" dirty="0" smtClean="0"/>
+              <a:t>	Depend on abstractions, not on concretions</a:t>
+            </a:r>
+            <a:endParaRPr lang="sv-SE" dirty="0"/>
           </a:p>
         </p:txBody>
       </p:sp>
@@ -5279,9 +5476,401 @@
   <p:timing>
     <p:tnLst>
       <p:par>
-        <p:cTn id="1" dur="indefinite" restart="never" nodeType="tmRoot"/>
+        <p:cTn id="1" dur="indefinite" restart="never" nodeType="tmRoot">
+          <p:childTnLst>
+            <p:seq concurrent="1" nextAc="seek">
+              <p:cTn id="2" dur="indefinite" nodeType="mainSeq">
+                <p:childTnLst>
+                  <p:par>
+                    <p:cTn id="3" fill="hold">
+                      <p:stCondLst>
+                        <p:cond delay="indefinite"/>
+                      </p:stCondLst>
+                      <p:childTnLst>
+                        <p:par>
+                          <p:cTn id="4" fill="hold">
+                            <p:stCondLst>
+                              <p:cond delay="0"/>
+                            </p:stCondLst>
+                            <p:childTnLst>
+                              <p:par>
+                                <p:cTn id="5" presetID="22" presetClass="entr" presetSubtype="4" fill="hold" grpId="0" nodeType="clickEffect">
+                                  <p:stCondLst>
+                                    <p:cond delay="0"/>
+                                  </p:stCondLst>
+                                  <p:childTnLst>
+                                    <p:set>
+                                      <p:cBhvr>
+                                        <p:cTn id="6" dur="1" fill="hold">
+                                          <p:stCondLst>
+                                            <p:cond delay="0"/>
+                                          </p:stCondLst>
+                                        </p:cTn>
+                                        <p:tgtEl>
+                                          <p:spTgt spid="3">
+                                            <p:txEl>
+                                              <p:pRg st="0" end="0"/>
+                                            </p:txEl>
+                                          </p:spTgt>
+                                        </p:tgtEl>
+                                        <p:attrNameLst>
+                                          <p:attrName>style.visibility</p:attrName>
+                                        </p:attrNameLst>
+                                      </p:cBhvr>
+                                      <p:to>
+                                        <p:strVal val="visible"/>
+                                      </p:to>
+                                    </p:set>
+                                    <p:animEffect transition="in" filter="wipe(down)">
+                                      <p:cBhvr>
+                                        <p:cTn id="7" dur="500"/>
+                                        <p:tgtEl>
+                                          <p:spTgt spid="3">
+                                            <p:txEl>
+                                              <p:pRg st="0" end="0"/>
+                                            </p:txEl>
+                                          </p:spTgt>
+                                        </p:tgtEl>
+                                      </p:cBhvr>
+                                    </p:animEffect>
+                                  </p:childTnLst>
+                                </p:cTn>
+                              </p:par>
+                            </p:childTnLst>
+                          </p:cTn>
+                        </p:par>
+                      </p:childTnLst>
+                    </p:cTn>
+                  </p:par>
+                  <p:par>
+                    <p:cTn id="8" fill="hold">
+                      <p:stCondLst>
+                        <p:cond delay="indefinite"/>
+                      </p:stCondLst>
+                      <p:childTnLst>
+                        <p:par>
+                          <p:cTn id="9" fill="hold">
+                            <p:stCondLst>
+                              <p:cond delay="0"/>
+                            </p:stCondLst>
+                            <p:childTnLst>
+                              <p:par>
+                                <p:cTn id="10" presetID="22" presetClass="entr" presetSubtype="4" fill="hold" grpId="0" nodeType="clickEffect">
+                                  <p:stCondLst>
+                                    <p:cond delay="0"/>
+                                  </p:stCondLst>
+                                  <p:childTnLst>
+                                    <p:set>
+                                      <p:cBhvr>
+                                        <p:cTn id="11" dur="1" fill="hold">
+                                          <p:stCondLst>
+                                            <p:cond delay="0"/>
+                                          </p:stCondLst>
+                                        </p:cTn>
+                                        <p:tgtEl>
+                                          <p:spTgt spid="3">
+                                            <p:txEl>
+                                              <p:pRg st="2" end="2"/>
+                                            </p:txEl>
+                                          </p:spTgt>
+                                        </p:tgtEl>
+                                        <p:attrNameLst>
+                                          <p:attrName>style.visibility</p:attrName>
+                                        </p:attrNameLst>
+                                      </p:cBhvr>
+                                      <p:to>
+                                        <p:strVal val="visible"/>
+                                      </p:to>
+                                    </p:set>
+                                    <p:animEffect transition="in" filter="wipe(down)">
+                                      <p:cBhvr>
+                                        <p:cTn id="12" dur="500"/>
+                                        <p:tgtEl>
+                                          <p:spTgt spid="3">
+                                            <p:txEl>
+                                              <p:pRg st="2" end="2"/>
+                                            </p:txEl>
+                                          </p:spTgt>
+                                        </p:tgtEl>
+                                      </p:cBhvr>
+                                    </p:animEffect>
+                                  </p:childTnLst>
+                                </p:cTn>
+                              </p:par>
+                            </p:childTnLst>
+                          </p:cTn>
+                        </p:par>
+                      </p:childTnLst>
+                    </p:cTn>
+                  </p:par>
+                  <p:par>
+                    <p:cTn id="13" fill="hold">
+                      <p:stCondLst>
+                        <p:cond delay="indefinite"/>
+                      </p:stCondLst>
+                      <p:childTnLst>
+                        <p:par>
+                          <p:cTn id="14" fill="hold">
+                            <p:stCondLst>
+                              <p:cond delay="0"/>
+                            </p:stCondLst>
+                            <p:childTnLst>
+                              <p:par>
+                                <p:cTn id="15" presetID="22" presetClass="entr" presetSubtype="4" fill="hold" grpId="0" nodeType="clickEffect">
+                                  <p:stCondLst>
+                                    <p:cond delay="0"/>
+                                  </p:stCondLst>
+                                  <p:childTnLst>
+                                    <p:set>
+                                      <p:cBhvr>
+                                        <p:cTn id="16" dur="1" fill="hold">
+                                          <p:stCondLst>
+                                            <p:cond delay="0"/>
+                                          </p:stCondLst>
+                                        </p:cTn>
+                                        <p:tgtEl>
+                                          <p:spTgt spid="3">
+                                            <p:txEl>
+                                              <p:pRg st="3" end="3"/>
+                                            </p:txEl>
+                                          </p:spTgt>
+                                        </p:tgtEl>
+                                        <p:attrNameLst>
+                                          <p:attrName>style.visibility</p:attrName>
+                                        </p:attrNameLst>
+                                      </p:cBhvr>
+                                      <p:to>
+                                        <p:strVal val="visible"/>
+                                      </p:to>
+                                    </p:set>
+                                    <p:animEffect transition="in" filter="wipe(down)">
+                                      <p:cBhvr>
+                                        <p:cTn id="17" dur="500"/>
+                                        <p:tgtEl>
+                                          <p:spTgt spid="3">
+                                            <p:txEl>
+                                              <p:pRg st="3" end="3"/>
+                                            </p:txEl>
+                                          </p:spTgt>
+                                        </p:tgtEl>
+                                      </p:cBhvr>
+                                    </p:animEffect>
+                                  </p:childTnLst>
+                                </p:cTn>
+                              </p:par>
+                            </p:childTnLst>
+                          </p:cTn>
+                        </p:par>
+                      </p:childTnLst>
+                    </p:cTn>
+                  </p:par>
+                  <p:par>
+                    <p:cTn id="18" fill="hold">
+                      <p:stCondLst>
+                        <p:cond delay="indefinite"/>
+                      </p:stCondLst>
+                      <p:childTnLst>
+                        <p:par>
+                          <p:cTn id="19" fill="hold">
+                            <p:stCondLst>
+                              <p:cond delay="0"/>
+                            </p:stCondLst>
+                            <p:childTnLst>
+                              <p:par>
+                                <p:cTn id="20" presetID="22" presetClass="entr" presetSubtype="4" fill="hold" grpId="0" nodeType="clickEffect">
+                                  <p:stCondLst>
+                                    <p:cond delay="0"/>
+                                  </p:stCondLst>
+                                  <p:childTnLst>
+                                    <p:set>
+                                      <p:cBhvr>
+                                        <p:cTn id="21" dur="1" fill="hold">
+                                          <p:stCondLst>
+                                            <p:cond delay="0"/>
+                                          </p:stCondLst>
+                                        </p:cTn>
+                                        <p:tgtEl>
+                                          <p:spTgt spid="3">
+                                            <p:txEl>
+                                              <p:pRg st="4" end="4"/>
+                                            </p:txEl>
+                                          </p:spTgt>
+                                        </p:tgtEl>
+                                        <p:attrNameLst>
+                                          <p:attrName>style.visibility</p:attrName>
+                                        </p:attrNameLst>
+                                      </p:cBhvr>
+                                      <p:to>
+                                        <p:strVal val="visible"/>
+                                      </p:to>
+                                    </p:set>
+                                    <p:animEffect transition="in" filter="wipe(down)">
+                                      <p:cBhvr>
+                                        <p:cTn id="22" dur="500"/>
+                                        <p:tgtEl>
+                                          <p:spTgt spid="3">
+                                            <p:txEl>
+                                              <p:pRg st="4" end="4"/>
+                                            </p:txEl>
+                                          </p:spTgt>
+                                        </p:tgtEl>
+                                      </p:cBhvr>
+                                    </p:animEffect>
+                                  </p:childTnLst>
+                                </p:cTn>
+                              </p:par>
+                            </p:childTnLst>
+                          </p:cTn>
+                        </p:par>
+                      </p:childTnLst>
+                    </p:cTn>
+                  </p:par>
+                  <p:par>
+                    <p:cTn id="23" fill="hold">
+                      <p:stCondLst>
+                        <p:cond delay="indefinite"/>
+                      </p:stCondLst>
+                      <p:childTnLst>
+                        <p:par>
+                          <p:cTn id="24" fill="hold">
+                            <p:stCondLst>
+                              <p:cond delay="0"/>
+                            </p:stCondLst>
+                            <p:childTnLst>
+                              <p:par>
+                                <p:cTn id="25" presetID="22" presetClass="entr" presetSubtype="4" fill="hold" grpId="0" nodeType="clickEffect">
+                                  <p:stCondLst>
+                                    <p:cond delay="0"/>
+                                  </p:stCondLst>
+                                  <p:childTnLst>
+                                    <p:set>
+                                      <p:cBhvr>
+                                        <p:cTn id="26" dur="1" fill="hold">
+                                          <p:stCondLst>
+                                            <p:cond delay="0"/>
+                                          </p:stCondLst>
+                                        </p:cTn>
+                                        <p:tgtEl>
+                                          <p:spTgt spid="3">
+                                            <p:txEl>
+                                              <p:pRg st="5" end="5"/>
+                                            </p:txEl>
+                                          </p:spTgt>
+                                        </p:tgtEl>
+                                        <p:attrNameLst>
+                                          <p:attrName>style.visibility</p:attrName>
+                                        </p:attrNameLst>
+                                      </p:cBhvr>
+                                      <p:to>
+                                        <p:strVal val="visible"/>
+                                      </p:to>
+                                    </p:set>
+                                    <p:animEffect transition="in" filter="wipe(down)">
+                                      <p:cBhvr>
+                                        <p:cTn id="27" dur="500"/>
+                                        <p:tgtEl>
+                                          <p:spTgt spid="3">
+                                            <p:txEl>
+                                              <p:pRg st="5" end="5"/>
+                                            </p:txEl>
+                                          </p:spTgt>
+                                        </p:tgtEl>
+                                      </p:cBhvr>
+                                    </p:animEffect>
+                                  </p:childTnLst>
+                                </p:cTn>
+                              </p:par>
+                            </p:childTnLst>
+                          </p:cTn>
+                        </p:par>
+                      </p:childTnLst>
+                    </p:cTn>
+                  </p:par>
+                  <p:par>
+                    <p:cTn id="28" fill="hold">
+                      <p:stCondLst>
+                        <p:cond delay="indefinite"/>
+                      </p:stCondLst>
+                      <p:childTnLst>
+                        <p:par>
+                          <p:cTn id="29" fill="hold">
+                            <p:stCondLst>
+                              <p:cond delay="0"/>
+                            </p:stCondLst>
+                            <p:childTnLst>
+                              <p:par>
+                                <p:cTn id="30" presetID="22" presetClass="entr" presetSubtype="4" fill="hold" grpId="0" nodeType="clickEffect">
+                                  <p:stCondLst>
+                                    <p:cond delay="0"/>
+                                  </p:stCondLst>
+                                  <p:childTnLst>
+                                    <p:set>
+                                      <p:cBhvr>
+                                        <p:cTn id="31" dur="1" fill="hold">
+                                          <p:stCondLst>
+                                            <p:cond delay="0"/>
+                                          </p:stCondLst>
+                                        </p:cTn>
+                                        <p:tgtEl>
+                                          <p:spTgt spid="3">
+                                            <p:txEl>
+                                              <p:pRg st="6" end="6"/>
+                                            </p:txEl>
+                                          </p:spTgt>
+                                        </p:tgtEl>
+                                        <p:attrNameLst>
+                                          <p:attrName>style.visibility</p:attrName>
+                                        </p:attrNameLst>
+                                      </p:cBhvr>
+                                      <p:to>
+                                        <p:strVal val="visible"/>
+                                      </p:to>
+                                    </p:set>
+                                    <p:animEffect transition="in" filter="wipe(down)">
+                                      <p:cBhvr>
+                                        <p:cTn id="32" dur="500"/>
+                                        <p:tgtEl>
+                                          <p:spTgt spid="3">
+                                            <p:txEl>
+                                              <p:pRg st="6" end="6"/>
+                                            </p:txEl>
+                                          </p:spTgt>
+                                        </p:tgtEl>
+                                      </p:cBhvr>
+                                    </p:animEffect>
+                                  </p:childTnLst>
+                                </p:cTn>
+                              </p:par>
+                            </p:childTnLst>
+                          </p:cTn>
+                        </p:par>
+                      </p:childTnLst>
+                    </p:cTn>
+                  </p:par>
+                </p:childTnLst>
+              </p:cTn>
+              <p:prevCondLst>
+                <p:cond evt="onPrev" delay="0">
+                  <p:tgtEl>
+                    <p:sldTgt/>
+                  </p:tgtEl>
+                </p:cond>
+              </p:prevCondLst>
+              <p:nextCondLst>
+                <p:cond evt="onNext" delay="0">
+                  <p:tgtEl>
+                    <p:sldTgt/>
+                  </p:tgtEl>
+                </p:cond>
+              </p:nextCondLst>
+            </p:seq>
+          </p:childTnLst>
+        </p:cTn>
       </p:par>
     </p:tnLst>
+    <p:bldLst>
+      <p:bldP spid="3" grpId="0" build="p"/>
+    </p:bldLst>
   </p:timing>
 </p:sld>
 </file>

--- a/CSharp3.pptx
+++ b/CSharp3.pptx
@@ -5350,7 +5350,7 @@
             </a:r>
             <a:r>
               <a:rPr lang="sv-SE" dirty="0" smtClean="0"/>
-              <a:t>ingle responsibility principle	</a:t>
+              <a:t>ingle Responsibility Principle	</a:t>
             </a:r>
             <a:br>
               <a:rPr lang="sv-SE" dirty="0" smtClean="0"/>
@@ -5375,7 +5375,7 @@
             </a:r>
             <a:r>
               <a:rPr lang="sv-SE" dirty="0" smtClean="0"/>
-              <a:t>pen closed principle</a:t>
+              <a:t>pen Closed Principle</a:t>
             </a:r>
             <a:br>
               <a:rPr lang="sv-SE" dirty="0" smtClean="0"/>
@@ -5386,7 +5386,7 @@
             </a:r>
             <a:r>
               <a:rPr lang="sv-SE" dirty="0" smtClean="0"/>
-              <a:t>You should be able to extend a code construct behavior 	without modifying it</a:t>
+              <a:t>You should be able to extend a code construct’s behavior 	without modifying it</a:t>
             </a:r>
             <a:endParaRPr lang="sv-SE" dirty="0" smtClean="0"/>
           </a:p>
@@ -5405,7 +5405,7 @@
             </a:r>
             <a:r>
               <a:rPr lang="sv-SE" dirty="0" smtClean="0"/>
-              <a:t>iskov substitution principle</a:t>
+              <a:t>iskov Substitution Principle</a:t>
             </a:r>
             <a:br>
               <a:rPr lang="sv-SE" dirty="0" smtClean="0"/>
@@ -5430,7 +5430,7 @@
             </a:r>
             <a:r>
               <a:rPr lang="sv-SE" dirty="0" smtClean="0"/>
-              <a:t>nterface segregation principle</a:t>
+              <a:t>nterface Segregation Principle</a:t>
             </a:r>
             <a:br>
               <a:rPr lang="sv-SE" dirty="0" smtClean="0"/>
@@ -5455,7 +5455,15 @@
             </a:r>
             <a:r>
               <a:rPr lang="sv-SE" dirty="0" smtClean="0"/>
-              <a:t>ependency inversion principle</a:t>
+              <a:t>ependency </a:t>
+            </a:r>
+            <a:r>
+              <a:rPr lang="sv-SE" smtClean="0"/>
+              <a:t>Inversion Principle</a:t>
+            </a:r>
+            <a:r>
+              <a:rPr lang="sv-SE" dirty="0" smtClean="0"/>
+              <a:t/>
             </a:r>
             <a:br>
               <a:rPr lang="sv-SE" dirty="0" smtClean="0"/>

--- a/CSharp3.pptx
+++ b/CSharp3.pptx
@@ -195,7 +195,8 @@
           <a:p>
             <a:fld id="{B3C36E66-5700-46DF-A747-EB1263159AB0}" type="datetimeFigureOut">
               <a:rPr lang="sv-SE" smtClean="0"/>
-              <a:t>2010-01-11</a:t>
+              <a:pPr/>
+              <a:t>2010-01-13</a:t>
             </a:fld>
             <a:endParaRPr lang="sv-SE"/>
           </a:p>
@@ -356,6 +357,7 @@
           <a:p>
             <a:fld id="{85CAAF2B-3AA5-4172-94F1-2CA2368BF571}" type="slidenum">
               <a:rPr lang="sv-SE" smtClean="0"/>
+              <a:pPr/>
               <a:t>‹#›</a:t>
             </a:fld>
             <a:endParaRPr lang="sv-SE"/>
@@ -527,6 +529,7 @@
           <a:p>
             <a:fld id="{85CAAF2B-3AA5-4172-94F1-2CA2368BF571}" type="slidenum">
               <a:rPr lang="sv-SE" smtClean="0"/>
+              <a:pPr/>
               <a:t>1</a:t>
             </a:fld>
             <a:endParaRPr lang="sv-SE"/>
@@ -608,6 +611,7 @@
           <a:p>
             <a:fld id="{85CAAF2B-3AA5-4172-94F1-2CA2368BF571}" type="slidenum">
               <a:rPr lang="sv-SE" smtClean="0"/>
+              <a:pPr/>
               <a:t>4</a:t>
             </a:fld>
             <a:endParaRPr lang="sv-SE"/>
@@ -803,7 +807,8 @@
           <a:p>
             <a:fld id="{351ECD73-E38B-47F5-B197-B998FCFB2F11}" type="datetimeFigureOut">
               <a:rPr lang="sv-SE" smtClean="0"/>
-              <a:t>2010-01-11</a:t>
+              <a:pPr/>
+              <a:t>2010-01-13</a:t>
             </a:fld>
             <a:endParaRPr lang="sv-SE"/>
           </a:p>
@@ -845,6 +850,7 @@
           <a:p>
             <a:fld id="{532E8FD4-C26B-4D8C-863E-02DEACEC5D35}" type="slidenum">
               <a:rPr lang="sv-SE" smtClean="0"/>
+              <a:pPr/>
               <a:t>‹#›</a:t>
             </a:fld>
             <a:endParaRPr lang="sv-SE"/>
@@ -968,7 +974,8 @@
           <a:p>
             <a:fld id="{351ECD73-E38B-47F5-B197-B998FCFB2F11}" type="datetimeFigureOut">
               <a:rPr lang="sv-SE" smtClean="0"/>
-              <a:t>2010-01-11</a:t>
+              <a:pPr/>
+              <a:t>2010-01-13</a:t>
             </a:fld>
             <a:endParaRPr lang="sv-SE"/>
           </a:p>
@@ -1010,6 +1017,7 @@
           <a:p>
             <a:fld id="{532E8FD4-C26B-4D8C-863E-02DEACEC5D35}" type="slidenum">
               <a:rPr lang="sv-SE" smtClean="0"/>
+              <a:pPr/>
               <a:t>‹#›</a:t>
             </a:fld>
             <a:endParaRPr lang="sv-SE"/>
@@ -1143,7 +1151,8 @@
           <a:p>
             <a:fld id="{351ECD73-E38B-47F5-B197-B998FCFB2F11}" type="datetimeFigureOut">
               <a:rPr lang="sv-SE" smtClean="0"/>
-              <a:t>2010-01-11</a:t>
+              <a:pPr/>
+              <a:t>2010-01-13</a:t>
             </a:fld>
             <a:endParaRPr lang="sv-SE"/>
           </a:p>
@@ -1185,6 +1194,7 @@
           <a:p>
             <a:fld id="{532E8FD4-C26B-4D8C-863E-02DEACEC5D35}" type="slidenum">
               <a:rPr lang="sv-SE" smtClean="0"/>
+              <a:pPr/>
               <a:t>‹#›</a:t>
             </a:fld>
             <a:endParaRPr lang="sv-SE"/>
@@ -1308,7 +1318,8 @@
           <a:p>
             <a:fld id="{351ECD73-E38B-47F5-B197-B998FCFB2F11}" type="datetimeFigureOut">
               <a:rPr lang="sv-SE" smtClean="0"/>
-              <a:t>2010-01-11</a:t>
+              <a:pPr/>
+              <a:t>2010-01-13</a:t>
             </a:fld>
             <a:endParaRPr lang="sv-SE"/>
           </a:p>
@@ -1350,6 +1361,7 @@
           <a:p>
             <a:fld id="{532E8FD4-C26B-4D8C-863E-02DEACEC5D35}" type="slidenum">
               <a:rPr lang="sv-SE" smtClean="0"/>
+              <a:pPr/>
               <a:t>‹#›</a:t>
             </a:fld>
             <a:endParaRPr lang="sv-SE"/>
@@ -1549,7 +1561,8 @@
           <a:p>
             <a:fld id="{351ECD73-E38B-47F5-B197-B998FCFB2F11}" type="datetimeFigureOut">
               <a:rPr lang="sv-SE" smtClean="0"/>
-              <a:t>2010-01-11</a:t>
+              <a:pPr/>
+              <a:t>2010-01-13</a:t>
             </a:fld>
             <a:endParaRPr lang="sv-SE"/>
           </a:p>
@@ -1591,6 +1604,7 @@
           <a:p>
             <a:fld id="{532E8FD4-C26B-4D8C-863E-02DEACEC5D35}" type="slidenum">
               <a:rPr lang="sv-SE" smtClean="0"/>
+              <a:pPr/>
               <a:t>‹#›</a:t>
             </a:fld>
             <a:endParaRPr lang="sv-SE"/>
@@ -1832,7 +1846,8 @@
           <a:p>
             <a:fld id="{351ECD73-E38B-47F5-B197-B998FCFB2F11}" type="datetimeFigureOut">
               <a:rPr lang="sv-SE" smtClean="0"/>
-              <a:t>2010-01-11</a:t>
+              <a:pPr/>
+              <a:t>2010-01-13</a:t>
             </a:fld>
             <a:endParaRPr lang="sv-SE"/>
           </a:p>
@@ -1874,6 +1889,7 @@
           <a:p>
             <a:fld id="{532E8FD4-C26B-4D8C-863E-02DEACEC5D35}" type="slidenum">
               <a:rPr lang="sv-SE" smtClean="0"/>
+              <a:pPr/>
               <a:t>‹#›</a:t>
             </a:fld>
             <a:endParaRPr lang="sv-SE"/>
@@ -2249,7 +2265,8 @@
           <a:p>
             <a:fld id="{351ECD73-E38B-47F5-B197-B998FCFB2F11}" type="datetimeFigureOut">
               <a:rPr lang="sv-SE" smtClean="0"/>
-              <a:t>2010-01-11</a:t>
+              <a:pPr/>
+              <a:t>2010-01-13</a:t>
             </a:fld>
             <a:endParaRPr lang="sv-SE"/>
           </a:p>
@@ -2291,6 +2308,7 @@
           <a:p>
             <a:fld id="{532E8FD4-C26B-4D8C-863E-02DEACEC5D35}" type="slidenum">
               <a:rPr lang="sv-SE" smtClean="0"/>
+              <a:pPr/>
               <a:t>‹#›</a:t>
             </a:fld>
             <a:endParaRPr lang="sv-SE"/>
@@ -2362,7 +2380,8 @@
           <a:p>
             <a:fld id="{351ECD73-E38B-47F5-B197-B998FCFB2F11}" type="datetimeFigureOut">
               <a:rPr lang="sv-SE" smtClean="0"/>
-              <a:t>2010-01-11</a:t>
+              <a:pPr/>
+              <a:t>2010-01-13</a:t>
             </a:fld>
             <a:endParaRPr lang="sv-SE"/>
           </a:p>
@@ -2404,6 +2423,7 @@
           <a:p>
             <a:fld id="{532E8FD4-C26B-4D8C-863E-02DEACEC5D35}" type="slidenum">
               <a:rPr lang="sv-SE" smtClean="0"/>
+              <a:pPr/>
               <a:t>‹#›</a:t>
             </a:fld>
             <a:endParaRPr lang="sv-SE"/>
@@ -2452,7 +2472,8 @@
           <a:p>
             <a:fld id="{351ECD73-E38B-47F5-B197-B998FCFB2F11}" type="datetimeFigureOut">
               <a:rPr lang="sv-SE" smtClean="0"/>
-              <a:t>2010-01-11</a:t>
+              <a:pPr/>
+              <a:t>2010-01-13</a:t>
             </a:fld>
             <a:endParaRPr lang="sv-SE"/>
           </a:p>
@@ -2494,6 +2515,7 @@
           <a:p>
             <a:fld id="{532E8FD4-C26B-4D8C-863E-02DEACEC5D35}" type="slidenum">
               <a:rPr lang="sv-SE" smtClean="0"/>
+              <a:pPr/>
               <a:t>‹#›</a:t>
             </a:fld>
             <a:endParaRPr lang="sv-SE"/>
@@ -2724,7 +2746,8 @@
           <a:p>
             <a:fld id="{351ECD73-E38B-47F5-B197-B998FCFB2F11}" type="datetimeFigureOut">
               <a:rPr lang="sv-SE" smtClean="0"/>
-              <a:t>2010-01-11</a:t>
+              <a:pPr/>
+              <a:t>2010-01-13</a:t>
             </a:fld>
             <a:endParaRPr lang="sv-SE"/>
           </a:p>
@@ -2766,6 +2789,7 @@
           <a:p>
             <a:fld id="{532E8FD4-C26B-4D8C-863E-02DEACEC5D35}" type="slidenum">
               <a:rPr lang="sv-SE" smtClean="0"/>
+              <a:pPr/>
               <a:t>‹#›</a:t>
             </a:fld>
             <a:endParaRPr lang="sv-SE"/>
@@ -2972,7 +2996,8 @@
           <a:p>
             <a:fld id="{351ECD73-E38B-47F5-B197-B998FCFB2F11}" type="datetimeFigureOut">
               <a:rPr lang="sv-SE" smtClean="0"/>
-              <a:t>2010-01-11</a:t>
+              <a:pPr/>
+              <a:t>2010-01-13</a:t>
             </a:fld>
             <a:endParaRPr lang="sv-SE"/>
           </a:p>
@@ -3014,6 +3039,7 @@
           <a:p>
             <a:fld id="{532E8FD4-C26B-4D8C-863E-02DEACEC5D35}" type="slidenum">
               <a:rPr lang="sv-SE" smtClean="0"/>
+              <a:pPr/>
               <a:t>‹#›</a:t>
             </a:fld>
             <a:endParaRPr lang="sv-SE"/>
@@ -3180,7 +3206,8 @@
           <a:p>
             <a:fld id="{351ECD73-E38B-47F5-B197-B998FCFB2F11}" type="datetimeFigureOut">
               <a:rPr lang="sv-SE" smtClean="0"/>
-              <a:t>2010-01-11</a:t>
+              <a:pPr/>
+              <a:t>2010-01-13</a:t>
             </a:fld>
             <a:endParaRPr lang="sv-SE"/>
           </a:p>
@@ -3258,6 +3285,7 @@
           <a:p>
             <a:fld id="{532E8FD4-C26B-4D8C-863E-02DEACEC5D35}" type="slidenum">
               <a:rPr lang="sv-SE" smtClean="0"/>
+              <a:pPr/>
               <a:t>‹#›</a:t>
             </a:fld>
             <a:endParaRPr lang="sv-SE"/>
@@ -3721,7 +3749,6 @@
               <a:rPr lang="en-US" dirty="0" smtClean="0"/>
               <a:t>Given identical inputs identical results are guaranteed</a:t>
             </a:r>
-            <a:endParaRPr lang="en-US" dirty="0" smtClean="0"/>
           </a:p>
           <a:p>
             <a:pPr>
@@ -5382,13 +5409,8 @@
             </a:br>
             <a:r>
               <a:rPr lang="sv-SE" dirty="0" smtClean="0"/>
-              <a:t>	</a:t>
-            </a:r>
-            <a:r>
-              <a:rPr lang="sv-SE" dirty="0" smtClean="0"/>
-              <a:t>You should be able to extend a code construct’s behavior 	without modifying it</a:t>
-            </a:r>
-            <a:endParaRPr lang="sv-SE" dirty="0" smtClean="0"/>
+              <a:t>	You should be able to extend a code construct’s behavior 	without modifying it</a:t>
+            </a:r>
           </a:p>
           <a:p>
             <a:pPr>
@@ -5455,15 +5477,7 @@
             </a:r>
             <a:r>
               <a:rPr lang="sv-SE" dirty="0" smtClean="0"/>
-              <a:t>ependency </a:t>
-            </a:r>
-            <a:r>
-              <a:rPr lang="sv-SE" smtClean="0"/>
-              <a:t>Inversion Principle</a:t>
-            </a:r>
-            <a:r>
-              <a:rPr lang="sv-SE" dirty="0" smtClean="0"/>
-              <a:t/>
+              <a:t>ependency Inversion Principle</a:t>
             </a:r>
             <a:br>
               <a:rPr lang="sv-SE" dirty="0" smtClean="0"/>

--- a/CSharp3.pptx
+++ b/CSharp3.pptx
@@ -5,13 +5,15 @@
     <p:sldMasterId id="2147483684" r:id="rId1"/>
   </p:sldMasterIdLst>
   <p:notesMasterIdLst>
-    <p:notesMasterId r:id="rId6"/>
+    <p:notesMasterId r:id="rId8"/>
   </p:notesMasterIdLst>
   <p:sldIdLst>
-    <p:sldId id="256" r:id="rId2"/>
-    <p:sldId id="257" r:id="rId3"/>
-    <p:sldId id="258" r:id="rId4"/>
-    <p:sldId id="260" r:id="rId5"/>
+    <p:sldId id="260" r:id="rId2"/>
+    <p:sldId id="256" r:id="rId3"/>
+    <p:sldId id="257" r:id="rId4"/>
+    <p:sldId id="258" r:id="rId5"/>
+    <p:sldId id="261" r:id="rId6"/>
+    <p:sldId id="262" r:id="rId7"/>
   </p:sldIdLst>
   <p:sldSz cx="9144000" cy="6858000" type="screen4x3"/>
   <p:notesSz cx="6858000" cy="9144000"/>
@@ -196,7 +198,7 @@
             <a:fld id="{B3C36E66-5700-46DF-A747-EB1263159AB0}" type="datetimeFigureOut">
               <a:rPr lang="sv-SE" smtClean="0"/>
               <a:pPr/>
-              <a:t>2010-01-13</a:t>
+              <a:t>2010-01-15</a:t>
             </a:fld>
             <a:endParaRPr lang="sv-SE"/>
           </a:p>
@@ -508,7 +510,7 @@
           </a:bodyPr>
           <a:lstStyle/>
           <a:p>
-            <a:endParaRPr lang="sv-SE"/>
+            <a:endParaRPr lang="sv-SE" dirty="0"/>
           </a:p>
         </p:txBody>
       </p:sp>
@@ -590,7 +592,7 @@
           </a:bodyPr>
           <a:lstStyle/>
           <a:p>
-            <a:endParaRPr lang="sv-SE" dirty="0"/>
+            <a:endParaRPr lang="sv-SE"/>
           </a:p>
         </p:txBody>
       </p:sp>
@@ -612,7 +614,7 @@
             <a:fld id="{85CAAF2B-3AA5-4172-94F1-2CA2368BF571}" type="slidenum">
               <a:rPr lang="sv-SE" smtClean="0"/>
               <a:pPr/>
-              <a:t>4</a:t>
+              <a:t>2</a:t>
             </a:fld>
             <a:endParaRPr lang="sv-SE"/>
           </a:p>
@@ -808,7 +810,7 @@
             <a:fld id="{351ECD73-E38B-47F5-B197-B998FCFB2F11}" type="datetimeFigureOut">
               <a:rPr lang="sv-SE" smtClean="0"/>
               <a:pPr/>
-              <a:t>2010-01-13</a:t>
+              <a:t>2010-01-15</a:t>
             </a:fld>
             <a:endParaRPr lang="sv-SE"/>
           </a:p>
@@ -975,7 +977,7 @@
             <a:fld id="{351ECD73-E38B-47F5-B197-B998FCFB2F11}" type="datetimeFigureOut">
               <a:rPr lang="sv-SE" smtClean="0"/>
               <a:pPr/>
-              <a:t>2010-01-13</a:t>
+              <a:t>2010-01-15</a:t>
             </a:fld>
             <a:endParaRPr lang="sv-SE"/>
           </a:p>
@@ -1152,7 +1154,7 @@
             <a:fld id="{351ECD73-E38B-47F5-B197-B998FCFB2F11}" type="datetimeFigureOut">
               <a:rPr lang="sv-SE" smtClean="0"/>
               <a:pPr/>
-              <a:t>2010-01-13</a:t>
+              <a:t>2010-01-15</a:t>
             </a:fld>
             <a:endParaRPr lang="sv-SE"/>
           </a:p>
@@ -1319,7 +1321,7 @@
             <a:fld id="{351ECD73-E38B-47F5-B197-B998FCFB2F11}" type="datetimeFigureOut">
               <a:rPr lang="sv-SE" smtClean="0"/>
               <a:pPr/>
-              <a:t>2010-01-13</a:t>
+              <a:t>2010-01-15</a:t>
             </a:fld>
             <a:endParaRPr lang="sv-SE"/>
           </a:p>
@@ -1562,7 +1564,7 @@
             <a:fld id="{351ECD73-E38B-47F5-B197-B998FCFB2F11}" type="datetimeFigureOut">
               <a:rPr lang="sv-SE" smtClean="0"/>
               <a:pPr/>
-              <a:t>2010-01-13</a:t>
+              <a:t>2010-01-15</a:t>
             </a:fld>
             <a:endParaRPr lang="sv-SE"/>
           </a:p>
@@ -1847,7 +1849,7 @@
             <a:fld id="{351ECD73-E38B-47F5-B197-B998FCFB2F11}" type="datetimeFigureOut">
               <a:rPr lang="sv-SE" smtClean="0"/>
               <a:pPr/>
-              <a:t>2010-01-13</a:t>
+              <a:t>2010-01-15</a:t>
             </a:fld>
             <a:endParaRPr lang="sv-SE"/>
           </a:p>
@@ -2266,7 +2268,7 @@
             <a:fld id="{351ECD73-E38B-47F5-B197-B998FCFB2F11}" type="datetimeFigureOut">
               <a:rPr lang="sv-SE" smtClean="0"/>
               <a:pPr/>
-              <a:t>2010-01-13</a:t>
+              <a:t>2010-01-15</a:t>
             </a:fld>
             <a:endParaRPr lang="sv-SE"/>
           </a:p>
@@ -2381,7 +2383,7 @@
             <a:fld id="{351ECD73-E38B-47F5-B197-B998FCFB2F11}" type="datetimeFigureOut">
               <a:rPr lang="sv-SE" smtClean="0"/>
               <a:pPr/>
-              <a:t>2010-01-13</a:t>
+              <a:t>2010-01-15</a:t>
             </a:fld>
             <a:endParaRPr lang="sv-SE"/>
           </a:p>
@@ -2473,7 +2475,7 @@
             <a:fld id="{351ECD73-E38B-47F5-B197-B998FCFB2F11}" type="datetimeFigureOut">
               <a:rPr lang="sv-SE" smtClean="0"/>
               <a:pPr/>
-              <a:t>2010-01-13</a:t>
+              <a:t>2010-01-15</a:t>
             </a:fld>
             <a:endParaRPr lang="sv-SE"/>
           </a:p>
@@ -2747,7 +2749,7 @@
             <a:fld id="{351ECD73-E38B-47F5-B197-B998FCFB2F11}" type="datetimeFigureOut">
               <a:rPr lang="sv-SE" smtClean="0"/>
               <a:pPr/>
-              <a:t>2010-01-13</a:t>
+              <a:t>2010-01-15</a:t>
             </a:fld>
             <a:endParaRPr lang="sv-SE"/>
           </a:p>
@@ -2997,7 +2999,7 @@
             <a:fld id="{351ECD73-E38B-47F5-B197-B998FCFB2F11}" type="datetimeFigureOut">
               <a:rPr lang="sv-SE" smtClean="0"/>
               <a:pPr/>
-              <a:t>2010-01-13</a:t>
+              <a:t>2010-01-15</a:t>
             </a:fld>
             <a:endParaRPr lang="sv-SE"/>
           </a:p>
@@ -3207,7 +3209,7 @@
             <a:fld id="{351ECD73-E38B-47F5-B197-B998FCFB2F11}" type="datetimeFigureOut">
               <a:rPr lang="sv-SE" smtClean="0"/>
               <a:pPr/>
-              <a:t>2010-01-13</a:t>
+              <a:t>2010-01-15</a:t>
             </a:fld>
             <a:endParaRPr lang="sv-SE"/>
           </a:p>
@@ -3580,12 +3582,12 @@
       </p:grpSpPr>
       <p:sp>
         <p:nvSpPr>
-          <p:cNvPr id="5" name="Title 4"/>
-          <p:cNvSpPr>
-            <a:spLocks noGrp="1"/>
-          </p:cNvSpPr>
-          <p:nvPr>
-            <p:ph type="ctrTitle"/>
+          <p:cNvPr id="2" name="Title 1"/>
+          <p:cNvSpPr>
+            <a:spLocks noGrp="1"/>
+          </p:cNvSpPr>
+          <p:nvPr>
+            <p:ph type="title"/>
           </p:nvPr>
         </p:nvSpPr>
         <p:spPr/>
@@ -3594,33 +3596,213 @@
           <a:lstStyle/>
           <a:p>
             <a:r>
-              <a:rPr lang="en-US" dirty="0" smtClean="0"/>
-              <a:t>C#3</a:t>
-            </a:r>
-            <a:endParaRPr lang="en-US" dirty="0"/>
-          </a:p>
-        </p:txBody>
-      </p:sp>
-      <p:sp>
-        <p:nvSpPr>
-          <p:cNvPr id="6" name="Subtitle 5"/>
-          <p:cNvSpPr>
-            <a:spLocks noGrp="1"/>
-          </p:cNvSpPr>
-          <p:nvPr>
-            <p:ph type="subTitle" idx="1"/>
+              <a:rPr lang="sv-SE" dirty="0" smtClean="0"/>
+              <a:t>SOLID</a:t>
+            </a:r>
+            <a:endParaRPr lang="sv-SE" dirty="0"/>
+          </a:p>
+        </p:txBody>
+      </p:sp>
+      <p:sp>
+        <p:nvSpPr>
+          <p:cNvPr id="4" name="Content Placeholder 3"/>
+          <p:cNvSpPr>
+            <a:spLocks noGrp="1"/>
+          </p:cNvSpPr>
+          <p:nvPr>
+            <p:ph idx="1"/>
           </p:nvPr>
         </p:nvSpPr>
         <p:spPr/>
         <p:txBody>
-          <a:bodyPr/>
+          <a:bodyPr>
+            <a:normAutofit fontScale="62500" lnSpcReduction="20000"/>
+          </a:bodyPr>
           <a:lstStyle/>
           <a:p>
             <a:r>
-              <a:rPr lang="en-US" dirty="0" smtClean="0"/>
-              <a:t>The functional revolution</a:t>
-            </a:r>
-            <a:endParaRPr lang="en-US" dirty="0"/>
+              <a:rPr lang="sv-SE" dirty="0" smtClean="0"/>
+              <a:t>The </a:t>
+            </a:r>
+            <a:r>
+              <a:rPr lang="sv-SE" u="sng" dirty="0" smtClean="0"/>
+              <a:t>S</a:t>
+            </a:r>
+            <a:r>
+              <a:rPr lang="sv-SE" dirty="0" smtClean="0"/>
+              <a:t>ingle Responsibility </a:t>
+            </a:r>
+            <a:r>
+              <a:rPr lang="sv-SE" dirty="0" smtClean="0"/>
+              <a:t>Principle</a:t>
+            </a:r>
+            <a:br>
+              <a:rPr lang="sv-SE" dirty="0" smtClean="0"/>
+            </a:br>
+            <a:r>
+              <a:rPr lang="sv-SE" dirty="0" smtClean="0"/>
+              <a:t>Software </a:t>
+            </a:r>
+            <a:r>
+              <a:rPr lang="sv-SE" dirty="0" smtClean="0"/>
+              <a:t>entities* should have only one reason to change</a:t>
+            </a:r>
+          </a:p>
+          <a:p>
+            <a:r>
+              <a:rPr lang="sv-SE" dirty="0" smtClean="0"/>
+              <a:t>The </a:t>
+            </a:r>
+            <a:r>
+              <a:rPr lang="sv-SE" u="sng" dirty="0" smtClean="0"/>
+              <a:t>O</a:t>
+            </a:r>
+            <a:r>
+              <a:rPr lang="sv-SE" dirty="0" smtClean="0"/>
+              <a:t>pen Closed </a:t>
+            </a:r>
+            <a:r>
+              <a:rPr lang="sv-SE" dirty="0" smtClean="0"/>
+              <a:t>Principle</a:t>
+            </a:r>
+            <a:br>
+              <a:rPr lang="sv-SE" dirty="0" smtClean="0"/>
+            </a:br>
+            <a:r>
+              <a:rPr lang="sv-SE" dirty="0" smtClean="0"/>
+              <a:t>Software </a:t>
+            </a:r>
+            <a:r>
+              <a:rPr lang="sv-SE" dirty="0" smtClean="0"/>
+              <a:t>entities should be open for extension but closed for modification</a:t>
+            </a:r>
+          </a:p>
+          <a:p>
+            <a:r>
+              <a:rPr lang="sv-SE" dirty="0" smtClean="0"/>
+              <a:t>The </a:t>
+            </a:r>
+            <a:r>
+              <a:rPr lang="sv-SE" u="sng" dirty="0" smtClean="0"/>
+              <a:t>L</a:t>
+            </a:r>
+            <a:r>
+              <a:rPr lang="sv-SE" dirty="0" smtClean="0"/>
+              <a:t>iskov Substitution </a:t>
+            </a:r>
+            <a:r>
+              <a:rPr lang="sv-SE" dirty="0" smtClean="0"/>
+              <a:t>Principle</a:t>
+            </a:r>
+            <a:br>
+              <a:rPr lang="sv-SE" dirty="0" smtClean="0"/>
+            </a:br>
+            <a:r>
+              <a:rPr lang="sv-SE" dirty="0" smtClean="0"/>
+              <a:t>Derived </a:t>
+            </a:r>
+            <a:r>
+              <a:rPr lang="sv-SE" dirty="0" smtClean="0"/>
+              <a:t>classes must be substitutable for their base classes/interfaces</a:t>
+            </a:r>
+          </a:p>
+          <a:p>
+            <a:r>
+              <a:rPr lang="sv-SE" dirty="0" smtClean="0"/>
+              <a:t>The </a:t>
+            </a:r>
+            <a:r>
+              <a:rPr lang="sv-SE" u="sng" dirty="0" smtClean="0"/>
+              <a:t>I</a:t>
+            </a:r>
+            <a:r>
+              <a:rPr lang="sv-SE" dirty="0" smtClean="0"/>
+              <a:t>nterface Segregation </a:t>
+            </a:r>
+            <a:r>
+              <a:rPr lang="sv-SE" dirty="0" smtClean="0"/>
+              <a:t>Principle</a:t>
+            </a:r>
+            <a:br>
+              <a:rPr lang="sv-SE" dirty="0" smtClean="0"/>
+            </a:br>
+            <a:r>
+              <a:rPr lang="sv-SE" dirty="0" smtClean="0"/>
+              <a:t>Make </a:t>
+            </a:r>
+            <a:r>
+              <a:rPr lang="sv-SE" dirty="0" smtClean="0"/>
+              <a:t>fine grained interfaces that are client </a:t>
+            </a:r>
+            <a:r>
+              <a:rPr lang="sv-SE" dirty="0" smtClean="0"/>
+              <a:t>specific</a:t>
+            </a:r>
+            <a:br>
+              <a:rPr lang="sv-SE" dirty="0" smtClean="0"/>
+            </a:br>
+            <a:r>
+              <a:rPr lang="sv-SE" dirty="0" smtClean="0"/>
+              <a:t>Clients </a:t>
+            </a:r>
+            <a:r>
+              <a:rPr lang="sv-SE" dirty="0" smtClean="0"/>
+              <a:t>should not be forced to depend on methods they do not use</a:t>
+            </a:r>
+          </a:p>
+          <a:p>
+            <a:r>
+              <a:rPr lang="sv-SE" dirty="0" smtClean="0"/>
+              <a:t>The </a:t>
+            </a:r>
+            <a:r>
+              <a:rPr lang="sv-SE" u="sng" dirty="0" smtClean="0"/>
+              <a:t>D</a:t>
+            </a:r>
+            <a:r>
+              <a:rPr lang="sv-SE" dirty="0" smtClean="0"/>
+              <a:t>ependency Inversion </a:t>
+            </a:r>
+            <a:r>
+              <a:rPr lang="sv-SE" dirty="0" smtClean="0"/>
+              <a:t>Principle</a:t>
+            </a:r>
+            <a:br>
+              <a:rPr lang="sv-SE" dirty="0" smtClean="0"/>
+            </a:br>
+            <a:r>
+              <a:rPr lang="sv-SE" dirty="0" smtClean="0"/>
+              <a:t>Depend </a:t>
+            </a:r>
+            <a:r>
+              <a:rPr lang="sv-SE" dirty="0" smtClean="0"/>
+              <a:t>on abstractions, not on </a:t>
+            </a:r>
+            <a:r>
+              <a:rPr lang="sv-SE" dirty="0" smtClean="0"/>
+              <a:t>concretions</a:t>
+            </a:r>
+            <a:br>
+              <a:rPr lang="sv-SE" dirty="0" smtClean="0"/>
+            </a:br>
+            <a:r>
+              <a:rPr lang="sv-SE" dirty="0" smtClean="0"/>
+              <a:t>Abstractions </a:t>
+            </a:r>
+            <a:r>
+              <a:rPr lang="sv-SE" dirty="0" smtClean="0"/>
+              <a:t>should not depend on details, details should depend on abstractions</a:t>
+            </a:r>
+          </a:p>
+          <a:p>
+            <a:endParaRPr lang="sv-SE" dirty="0" smtClean="0"/>
+          </a:p>
+          <a:p>
+            <a:r>
+              <a:rPr lang="sv-SE" dirty="0" smtClean="0"/>
+              <a:t> *classes, interfaces, functions, etc (Lines of code? I think so.)</a:t>
+            </a:r>
+            <a:endParaRPr lang="sv-SE" dirty="0"/>
           </a:p>
         </p:txBody>
       </p:sp>
@@ -3629,225 +3811,6 @@
   <p:clrMapOvr>
     <a:masterClrMapping/>
   </p:clrMapOvr>
-  <p:timing>
-    <p:tnLst>
-      <p:par>
-        <p:cTn id="1" dur="indefinite" restart="never" nodeType="tmRoot"/>
-      </p:par>
-    </p:tnLst>
-  </p:timing>
-</p:sld>
-</file>
-
-<file path=ppt/slides/slide2.xml><?xml version="1.0" encoding="utf-8"?>
-<p:sld xmlns:a="http://schemas.openxmlformats.org/drawingml/2006/main" xmlns:r="http://schemas.openxmlformats.org/officeDocument/2006/relationships" xmlns:p="http://schemas.openxmlformats.org/presentationml/2006/main">
-  <p:cSld>
-    <p:spTree>
-      <p:nvGrpSpPr>
-        <p:cNvPr id="1" name=""/>
-        <p:cNvGrpSpPr/>
-        <p:nvPr/>
-      </p:nvGrpSpPr>
-      <p:grpSpPr>
-        <a:xfrm>
-          <a:off x="0" y="0"/>
-          <a:ext cx="0" cy="0"/>
-          <a:chOff x="0" y="0"/>
-          <a:chExt cx="0" cy="0"/>
-        </a:xfrm>
-      </p:grpSpPr>
-      <p:sp>
-        <p:nvSpPr>
-          <p:cNvPr id="2" name="Title 1"/>
-          <p:cNvSpPr>
-            <a:spLocks noGrp="1"/>
-          </p:cNvSpPr>
-          <p:nvPr>
-            <p:ph type="title"/>
-          </p:nvPr>
-        </p:nvSpPr>
-        <p:spPr/>
-        <p:txBody>
-          <a:bodyPr/>
-          <a:lstStyle/>
-          <a:p>
-            <a:r>
-              <a:rPr lang="sv-SE" dirty="0" smtClean="0"/>
-              <a:t>Functional programming</a:t>
-            </a:r>
-            <a:endParaRPr lang="sv-SE" dirty="0"/>
-          </a:p>
-        </p:txBody>
-      </p:sp>
-      <p:sp>
-        <p:nvSpPr>
-          <p:cNvPr id="4" name="TextBox 3"/>
-          <p:cNvSpPr txBox="1"/>
-          <p:nvPr/>
-        </p:nvSpPr>
-        <p:spPr>
-          <a:xfrm>
-            <a:off x="1428728" y="1714488"/>
-            <a:ext cx="6862584" cy="3970318"/>
-          </a:xfrm>
-          <a:prstGeom prst="rect">
-            <a:avLst/>
-          </a:prstGeom>
-          <a:noFill/>
-        </p:spPr>
-        <p:txBody>
-          <a:bodyPr wrap="none" rtlCol="0">
-            <a:spAutoFit/>
-          </a:bodyPr>
-          <a:lstStyle/>
-          <a:p>
-            <a:pPr>
-              <a:buFont typeface="Arial" pitchFamily="34" charset="0"/>
-              <a:buChar char="•"/>
-            </a:pPr>
-            <a:r>
-              <a:rPr lang="en-US" dirty="0" smtClean="0"/>
-              <a:t>Immutability</a:t>
-            </a:r>
-          </a:p>
-          <a:p>
-            <a:pPr lvl="1">
-              <a:buFont typeface="Arial" pitchFamily="34" charset="0"/>
-              <a:buChar char="•"/>
-            </a:pPr>
-            <a:r>
-              <a:rPr lang="en-US" dirty="0" smtClean="0"/>
-              <a:t>Values never change, instead new values are created</a:t>
-            </a:r>
-          </a:p>
-          <a:p>
-            <a:pPr>
-              <a:buFont typeface="Arial" pitchFamily="34" charset="0"/>
-              <a:buChar char="•"/>
-            </a:pPr>
-            <a:r>
-              <a:rPr lang="en-US" dirty="0" smtClean="0"/>
-              <a:t>Pure Functions</a:t>
-            </a:r>
-          </a:p>
-          <a:p>
-            <a:pPr lvl="1">
-              <a:buFont typeface="Arial" pitchFamily="34" charset="0"/>
-              <a:buChar char="•"/>
-            </a:pPr>
-            <a:r>
-              <a:rPr lang="en-US" dirty="0" smtClean="0"/>
-              <a:t>Functions are dependent only on their parameters</a:t>
-            </a:r>
-          </a:p>
-          <a:p>
-            <a:pPr lvl="1">
-              <a:buFont typeface="Arial" pitchFamily="34" charset="0"/>
-              <a:buChar char="•"/>
-            </a:pPr>
-            <a:r>
-              <a:rPr lang="en-US" dirty="0" smtClean="0"/>
-              <a:t>Given identical inputs identical results are guaranteed</a:t>
-            </a:r>
-          </a:p>
-          <a:p>
-            <a:pPr>
-              <a:buFont typeface="Arial" pitchFamily="34" charset="0"/>
-              <a:buChar char="•"/>
-            </a:pPr>
-            <a:r>
-              <a:rPr lang="en-US" dirty="0" smtClean="0"/>
-              <a:t>Higher order functions</a:t>
-            </a:r>
-          </a:p>
-          <a:p>
-            <a:pPr lvl="1">
-              <a:buFont typeface="Arial" pitchFamily="34" charset="0"/>
-              <a:buChar char="•"/>
-            </a:pPr>
-            <a:r>
-              <a:rPr lang="en-US" dirty="0" smtClean="0"/>
-              <a:t>Functions that take functions as parameters</a:t>
-            </a:r>
-          </a:p>
-          <a:p>
-            <a:pPr lvl="1">
-              <a:buFont typeface="Arial" pitchFamily="34" charset="0"/>
-              <a:buChar char="•"/>
-            </a:pPr>
-            <a:r>
-              <a:rPr lang="en-US" dirty="0" smtClean="0"/>
-              <a:t>Functions that return functions</a:t>
-            </a:r>
-          </a:p>
-          <a:p>
-            <a:pPr>
-              <a:buFont typeface="Arial" pitchFamily="34" charset="0"/>
-              <a:buChar char="•"/>
-            </a:pPr>
-            <a:r>
-              <a:rPr lang="en-US" dirty="0" smtClean="0"/>
-              <a:t>Closures</a:t>
-            </a:r>
-          </a:p>
-          <a:p>
-            <a:pPr lvl="1">
-              <a:buFont typeface="Arial" pitchFamily="34" charset="0"/>
-              <a:buChar char="•"/>
-            </a:pPr>
-            <a:r>
-              <a:rPr lang="en-US" dirty="0" smtClean="0"/>
-              <a:t>In line functions that capture values in scope</a:t>
-            </a:r>
-          </a:p>
-          <a:p>
-            <a:pPr>
-              <a:buFont typeface="Arial" pitchFamily="34" charset="0"/>
-              <a:buChar char="•"/>
-            </a:pPr>
-            <a:r>
-              <a:rPr lang="en-US" dirty="0" smtClean="0"/>
-              <a:t>Recursion(Required because of immutability)</a:t>
-            </a:r>
-          </a:p>
-          <a:p>
-            <a:pPr lvl="1">
-              <a:buFont typeface="Arial" pitchFamily="34" charset="0"/>
-              <a:buChar char="•"/>
-            </a:pPr>
-            <a:r>
-              <a:rPr lang="en-US" dirty="0" smtClean="0"/>
-              <a:t>Functions that directly or through other functions call themselves</a:t>
-            </a:r>
-          </a:p>
-          <a:p>
-            <a:pPr>
-              <a:buFont typeface="Arial" pitchFamily="34" charset="0"/>
-              <a:buChar char="•"/>
-            </a:pPr>
-            <a:r>
-              <a:rPr lang="en-US" dirty="0" smtClean="0"/>
-              <a:t>Declarative style</a:t>
-            </a:r>
-          </a:p>
-          <a:p>
-            <a:pPr lvl="1">
-              <a:buFont typeface="Arial" pitchFamily="34" charset="0"/>
-              <a:buChar char="•"/>
-            </a:pPr>
-            <a:r>
-              <a:rPr lang="en-US" dirty="0" smtClean="0"/>
-              <a:t>Well written functions read as a declaration of their domain logic</a:t>
-            </a:r>
-          </a:p>
-        </p:txBody>
-      </p:sp>
-    </p:spTree>
-  </p:cSld>
-  <p:clrMapOvr>
-    <a:masterClrMapping/>
-  </p:clrMapOvr>
-  <p:transition/>
   <p:timing>
     <p:tnLst>
       <p:par>
@@ -3869,7 +3832,7 @@
                             </p:stCondLst>
                             <p:childTnLst>
                               <p:par>
-                                <p:cTn id="5" presetID="22" presetClass="entr" presetSubtype="4" fill="hold" grpId="0" nodeType="clickEffect">
+                                <p:cTn id="5" presetID="10" presetClass="entr" presetSubtype="0" fill="hold" grpId="0" nodeType="clickEffect">
                                   <p:stCondLst>
                                     <p:cond delay="0"/>
                                   </p:stCondLst>
@@ -3896,56 +3859,13 @@
                                         <p:strVal val="visible"/>
                                       </p:to>
                                     </p:set>
-                                    <p:animEffect transition="in" filter="wipe(down)">
+                                    <p:animEffect transition="in" filter="fade">
                                       <p:cBhvr>
-                                        <p:cTn id="7" dur="500"/>
+                                        <p:cTn id="7" dur="2000"/>
                                         <p:tgtEl>
                                           <p:spTgt spid="4">
                                             <p:txEl>
                                               <p:pRg st="0" end="0"/>
-                                            </p:txEl>
-                                          </p:spTgt>
-                                        </p:tgtEl>
-                                      </p:cBhvr>
-                                    </p:animEffect>
-                                  </p:childTnLst>
-                                </p:cTn>
-                              </p:par>
-                              <p:par>
-                                <p:cTn id="8" presetID="22" presetClass="entr" presetSubtype="4" fill="hold" grpId="0" nodeType="withEffect">
-                                  <p:stCondLst>
-                                    <p:cond delay="0"/>
-                                  </p:stCondLst>
-                                  <p:childTnLst>
-                                    <p:set>
-                                      <p:cBhvr>
-                                        <p:cTn id="9" dur="1" fill="hold">
-                                          <p:stCondLst>
-                                            <p:cond delay="0"/>
-                                          </p:stCondLst>
-                                        </p:cTn>
-                                        <p:tgtEl>
-                                          <p:spTgt spid="4">
-                                            <p:txEl>
-                                              <p:pRg st="1" end="1"/>
-                                            </p:txEl>
-                                          </p:spTgt>
-                                        </p:tgtEl>
-                                        <p:attrNameLst>
-                                          <p:attrName>style.visibility</p:attrName>
-                                        </p:attrNameLst>
-                                      </p:cBhvr>
-                                      <p:to>
-                                        <p:strVal val="visible"/>
-                                      </p:to>
-                                    </p:set>
-                                    <p:animEffect transition="in" filter="wipe(down)">
-                                      <p:cBhvr>
-                                        <p:cTn id="10" dur="500"/>
-                                        <p:tgtEl>
-                                          <p:spTgt spid="4">
-                                            <p:txEl>
-                                              <p:pRg st="1" end="1"/>
                                             </p:txEl>
                                           </p:spTgt>
                                         </p:tgtEl>
@@ -3961,26 +3881,26 @@
                     </p:cTn>
                   </p:par>
                   <p:par>
-                    <p:cTn id="11" fill="hold">
+                    <p:cTn id="8" fill="hold">
                       <p:stCondLst>
                         <p:cond delay="indefinite"/>
                       </p:stCondLst>
                       <p:childTnLst>
                         <p:par>
-                          <p:cTn id="12" fill="hold">
+                          <p:cTn id="9" fill="hold">
                             <p:stCondLst>
                               <p:cond delay="0"/>
                             </p:stCondLst>
                             <p:childTnLst>
                               <p:par>
-                                <p:cTn id="13" presetID="22" presetClass="entr" presetSubtype="4" fill="hold" grpId="0" nodeType="clickEffect">
+                                <p:cTn id="10" presetID="10" presetClass="entr" presetSubtype="0" fill="hold" grpId="0" nodeType="clickEffect">
                                   <p:stCondLst>
                                     <p:cond delay="0"/>
                                   </p:stCondLst>
                                   <p:childTnLst>
                                     <p:set>
                                       <p:cBhvr>
-                                        <p:cTn id="14" dur="1" fill="hold">
+                                        <p:cTn id="11" dur="1" fill="hold">
                                           <p:stCondLst>
                                             <p:cond delay="0"/>
                                           </p:stCondLst>
@@ -3988,7 +3908,7 @@
                                         <p:tgtEl>
                                           <p:spTgt spid="4">
                                             <p:txEl>
-                                              <p:pRg st="2" end="2"/>
+                                              <p:pRg st="1" end="1"/>
                                             </p:txEl>
                                           </p:spTgt>
                                         </p:tgtEl>
@@ -4000,99 +3920,13 @@
                                         <p:strVal val="visible"/>
                                       </p:to>
                                     </p:set>
-                                    <p:animEffect transition="in" filter="wipe(down)">
+                                    <p:animEffect transition="in" filter="fade">
                                       <p:cBhvr>
-                                        <p:cTn id="15" dur="500"/>
+                                        <p:cTn id="12" dur="2000"/>
                                         <p:tgtEl>
                                           <p:spTgt spid="4">
                                             <p:txEl>
-                                              <p:pRg st="2" end="2"/>
-                                            </p:txEl>
-                                          </p:spTgt>
-                                        </p:tgtEl>
-                                      </p:cBhvr>
-                                    </p:animEffect>
-                                  </p:childTnLst>
-                                </p:cTn>
-                              </p:par>
-                              <p:par>
-                                <p:cTn id="16" presetID="22" presetClass="entr" presetSubtype="4" fill="hold" grpId="0" nodeType="withEffect">
-                                  <p:stCondLst>
-                                    <p:cond delay="0"/>
-                                  </p:stCondLst>
-                                  <p:childTnLst>
-                                    <p:set>
-                                      <p:cBhvr>
-                                        <p:cTn id="17" dur="1" fill="hold">
-                                          <p:stCondLst>
-                                            <p:cond delay="0"/>
-                                          </p:stCondLst>
-                                        </p:cTn>
-                                        <p:tgtEl>
-                                          <p:spTgt spid="4">
-                                            <p:txEl>
-                                              <p:pRg st="3" end="3"/>
-                                            </p:txEl>
-                                          </p:spTgt>
-                                        </p:tgtEl>
-                                        <p:attrNameLst>
-                                          <p:attrName>style.visibility</p:attrName>
-                                        </p:attrNameLst>
-                                      </p:cBhvr>
-                                      <p:to>
-                                        <p:strVal val="visible"/>
-                                      </p:to>
-                                    </p:set>
-                                    <p:animEffect transition="in" filter="wipe(down)">
-                                      <p:cBhvr>
-                                        <p:cTn id="18" dur="500"/>
-                                        <p:tgtEl>
-                                          <p:spTgt spid="4">
-                                            <p:txEl>
-                                              <p:pRg st="3" end="3"/>
-                                            </p:txEl>
-                                          </p:spTgt>
-                                        </p:tgtEl>
-                                      </p:cBhvr>
-                                    </p:animEffect>
-                                  </p:childTnLst>
-                                </p:cTn>
-                              </p:par>
-                              <p:par>
-                                <p:cTn id="19" presetID="22" presetClass="entr" presetSubtype="4" fill="hold" grpId="0" nodeType="withEffect">
-                                  <p:stCondLst>
-                                    <p:cond delay="0"/>
-                                  </p:stCondLst>
-                                  <p:childTnLst>
-                                    <p:set>
-                                      <p:cBhvr>
-                                        <p:cTn id="20" dur="1" fill="hold">
-                                          <p:stCondLst>
-                                            <p:cond delay="0"/>
-                                          </p:stCondLst>
-                                        </p:cTn>
-                                        <p:tgtEl>
-                                          <p:spTgt spid="4">
-                                            <p:txEl>
-                                              <p:pRg st="4" end="4"/>
-                                            </p:txEl>
-                                          </p:spTgt>
-                                        </p:tgtEl>
-                                        <p:attrNameLst>
-                                          <p:attrName>style.visibility</p:attrName>
-                                        </p:attrNameLst>
-                                      </p:cBhvr>
-                                      <p:to>
-                                        <p:strVal val="visible"/>
-                                      </p:to>
-                                    </p:set>
-                                    <p:animEffect transition="in" filter="wipe(down)">
-                                      <p:cBhvr>
-                                        <p:cTn id="21" dur="500"/>
-                                        <p:tgtEl>
-                                          <p:spTgt spid="4">
-                                            <p:txEl>
-                                              <p:pRg st="4" end="4"/>
+                                              <p:pRg st="1" end="1"/>
                                             </p:txEl>
                                           </p:spTgt>
                                         </p:tgtEl>
@@ -4108,26 +3942,26 @@
                     </p:cTn>
                   </p:par>
                   <p:par>
-                    <p:cTn id="22" fill="hold">
+                    <p:cTn id="13" fill="hold">
                       <p:stCondLst>
                         <p:cond delay="indefinite"/>
                       </p:stCondLst>
                       <p:childTnLst>
                         <p:par>
-                          <p:cTn id="23" fill="hold">
+                          <p:cTn id="14" fill="hold">
                             <p:stCondLst>
                               <p:cond delay="0"/>
                             </p:stCondLst>
                             <p:childTnLst>
                               <p:par>
-                                <p:cTn id="24" presetID="22" presetClass="entr" presetSubtype="4" fill="hold" grpId="0" nodeType="clickEffect">
+                                <p:cTn id="15" presetID="10" presetClass="entr" presetSubtype="0" fill="hold" grpId="0" nodeType="clickEffect">
                                   <p:stCondLst>
                                     <p:cond delay="0"/>
                                   </p:stCondLst>
                                   <p:childTnLst>
                                     <p:set>
                                       <p:cBhvr>
-                                        <p:cTn id="25" dur="1" fill="hold">
+                                        <p:cTn id="16" dur="1" fill="hold">
                                           <p:stCondLst>
                                             <p:cond delay="0"/>
                                           </p:stCondLst>
@@ -4135,7 +3969,7 @@
                                         <p:tgtEl>
                                           <p:spTgt spid="4">
                                             <p:txEl>
-                                              <p:pRg st="5" end="5"/>
+                                              <p:pRg st="2" end="2"/>
                                             </p:txEl>
                                           </p:spTgt>
                                         </p:tgtEl>
@@ -4147,13 +3981,13 @@
                                         <p:strVal val="visible"/>
                                       </p:to>
                                     </p:set>
-                                    <p:animEffect transition="in" filter="wipe(down)">
+                                    <p:animEffect transition="in" filter="fade">
                                       <p:cBhvr>
-                                        <p:cTn id="26" dur="500"/>
+                                        <p:cTn id="17" dur="2000"/>
                                         <p:tgtEl>
                                           <p:spTgt spid="4">
                                             <p:txEl>
-                                              <p:pRg st="5" end="5"/>
+                                              <p:pRg st="2" end="2"/>
                                             </p:txEl>
                                           </p:spTgt>
                                         </p:tgtEl>
@@ -4162,15 +3996,33 @@
                                   </p:childTnLst>
                                 </p:cTn>
                               </p:par>
+                            </p:childTnLst>
+                          </p:cTn>
+                        </p:par>
+                      </p:childTnLst>
+                    </p:cTn>
+                  </p:par>
+                  <p:par>
+                    <p:cTn id="18" fill="hold">
+                      <p:stCondLst>
+                        <p:cond delay="indefinite"/>
+                      </p:stCondLst>
+                      <p:childTnLst>
+                        <p:par>
+                          <p:cTn id="19" fill="hold">
+                            <p:stCondLst>
+                              <p:cond delay="0"/>
+                            </p:stCondLst>
+                            <p:childTnLst>
                               <p:par>
-                                <p:cTn id="27" presetID="22" presetClass="entr" presetSubtype="4" fill="hold" grpId="0" nodeType="withEffect">
+                                <p:cTn id="20" presetID="10" presetClass="entr" presetSubtype="0" fill="hold" grpId="0" nodeType="clickEffect">
                                   <p:stCondLst>
                                     <p:cond delay="0"/>
                                   </p:stCondLst>
                                   <p:childTnLst>
                                     <p:set>
                                       <p:cBhvr>
-                                        <p:cTn id="28" dur="1" fill="hold">
+                                        <p:cTn id="21" dur="1" fill="hold">
                                           <p:stCondLst>
                                             <p:cond delay="0"/>
                                           </p:stCondLst>
@@ -4178,7 +4030,7 @@
                                         <p:tgtEl>
                                           <p:spTgt spid="4">
                                             <p:txEl>
-                                              <p:pRg st="6" end="6"/>
+                                              <p:pRg st="3" end="3"/>
                                             </p:txEl>
                                           </p:spTgt>
                                         </p:tgtEl>
@@ -4190,13 +4042,13 @@
                                         <p:strVal val="visible"/>
                                       </p:to>
                                     </p:set>
-                                    <p:animEffect transition="in" filter="wipe(down)">
+                                    <p:animEffect transition="in" filter="fade">
                                       <p:cBhvr>
-                                        <p:cTn id="29" dur="500"/>
+                                        <p:cTn id="22" dur="2000"/>
                                         <p:tgtEl>
                                           <p:spTgt spid="4">
                                             <p:txEl>
-                                              <p:pRg st="6" end="6"/>
+                                              <p:pRg st="3" end="3"/>
                                             </p:txEl>
                                           </p:spTgt>
                                         </p:tgtEl>
@@ -4205,8 +4057,87 @@
                                   </p:childTnLst>
                                 </p:cTn>
                               </p:par>
+                            </p:childTnLst>
+                          </p:cTn>
+                        </p:par>
+                      </p:childTnLst>
+                    </p:cTn>
+                  </p:par>
+                  <p:par>
+                    <p:cTn id="23" fill="hold">
+                      <p:stCondLst>
+                        <p:cond delay="indefinite"/>
+                      </p:stCondLst>
+                      <p:childTnLst>
+                        <p:par>
+                          <p:cTn id="24" fill="hold">
+                            <p:stCondLst>
+                              <p:cond delay="0"/>
+                            </p:stCondLst>
+                            <p:childTnLst>
                               <p:par>
-                                <p:cTn id="30" presetID="22" presetClass="entr" presetSubtype="4" fill="hold" grpId="0" nodeType="withEffect">
+                                <p:cTn id="25" presetID="10" presetClass="entr" presetSubtype="0" fill="hold" grpId="0" nodeType="clickEffect">
+                                  <p:stCondLst>
+                                    <p:cond delay="0"/>
+                                  </p:stCondLst>
+                                  <p:childTnLst>
+                                    <p:set>
+                                      <p:cBhvr>
+                                        <p:cTn id="26" dur="1" fill="hold">
+                                          <p:stCondLst>
+                                            <p:cond delay="0"/>
+                                          </p:stCondLst>
+                                        </p:cTn>
+                                        <p:tgtEl>
+                                          <p:spTgt spid="4">
+                                            <p:txEl>
+                                              <p:pRg st="4" end="4"/>
+                                            </p:txEl>
+                                          </p:spTgt>
+                                        </p:tgtEl>
+                                        <p:attrNameLst>
+                                          <p:attrName>style.visibility</p:attrName>
+                                        </p:attrNameLst>
+                                      </p:cBhvr>
+                                      <p:to>
+                                        <p:strVal val="visible"/>
+                                      </p:to>
+                                    </p:set>
+                                    <p:animEffect transition="in" filter="fade">
+                                      <p:cBhvr>
+                                        <p:cTn id="27" dur="2000"/>
+                                        <p:tgtEl>
+                                          <p:spTgt spid="4">
+                                            <p:txEl>
+                                              <p:pRg st="4" end="4"/>
+                                            </p:txEl>
+                                          </p:spTgt>
+                                        </p:tgtEl>
+                                      </p:cBhvr>
+                                    </p:animEffect>
+                                  </p:childTnLst>
+                                </p:cTn>
+                              </p:par>
+                            </p:childTnLst>
+                          </p:cTn>
+                        </p:par>
+                      </p:childTnLst>
+                    </p:cTn>
+                  </p:par>
+                  <p:par>
+                    <p:cTn id="28" fill="hold">
+                      <p:stCondLst>
+                        <p:cond delay="indefinite"/>
+                      </p:stCondLst>
+                      <p:childTnLst>
+                        <p:par>
+                          <p:cTn id="29" fill="hold">
+                            <p:stCondLst>
+                              <p:cond delay="0"/>
+                            </p:stCondLst>
+                            <p:childTnLst>
+                              <p:par>
+                                <p:cTn id="30" presetID="10" presetClass="entr" presetSubtype="0" fill="hold" grpId="0" nodeType="clickEffect">
                                   <p:stCondLst>
                                     <p:cond delay="0"/>
                                   </p:stCondLst>
@@ -4221,7 +4152,7 @@
                                         <p:tgtEl>
                                           <p:spTgt spid="4">
                                             <p:txEl>
-                                              <p:pRg st="7" end="7"/>
+                                              <p:pRg st="6" end="6"/>
                                             </p:txEl>
                                           </p:spTgt>
                                         </p:tgtEl>
@@ -4233,325 +4164,13 @@
                                         <p:strVal val="visible"/>
                                       </p:to>
                                     </p:set>
-                                    <p:animEffect transition="in" filter="wipe(down)">
+                                    <p:animEffect transition="in" filter="fade">
                                       <p:cBhvr>
-                                        <p:cTn id="32" dur="500"/>
+                                        <p:cTn id="32" dur="2000"/>
                                         <p:tgtEl>
                                           <p:spTgt spid="4">
                                             <p:txEl>
-                                              <p:pRg st="7" end="7"/>
-                                            </p:txEl>
-                                          </p:spTgt>
-                                        </p:tgtEl>
-                                      </p:cBhvr>
-                                    </p:animEffect>
-                                  </p:childTnLst>
-                                </p:cTn>
-                              </p:par>
-                            </p:childTnLst>
-                          </p:cTn>
-                        </p:par>
-                      </p:childTnLst>
-                    </p:cTn>
-                  </p:par>
-                  <p:par>
-                    <p:cTn id="33" fill="hold">
-                      <p:stCondLst>
-                        <p:cond delay="indefinite"/>
-                      </p:stCondLst>
-                      <p:childTnLst>
-                        <p:par>
-                          <p:cTn id="34" fill="hold">
-                            <p:stCondLst>
-                              <p:cond delay="0"/>
-                            </p:stCondLst>
-                            <p:childTnLst>
-                              <p:par>
-                                <p:cTn id="35" presetID="22" presetClass="entr" presetSubtype="4" fill="hold" grpId="0" nodeType="clickEffect">
-                                  <p:stCondLst>
-                                    <p:cond delay="0"/>
-                                  </p:stCondLst>
-                                  <p:childTnLst>
-                                    <p:set>
-                                      <p:cBhvr>
-                                        <p:cTn id="36" dur="1" fill="hold">
-                                          <p:stCondLst>
-                                            <p:cond delay="0"/>
-                                          </p:stCondLst>
-                                        </p:cTn>
-                                        <p:tgtEl>
-                                          <p:spTgt spid="4">
-                                            <p:txEl>
-                                              <p:pRg st="8" end="8"/>
-                                            </p:txEl>
-                                          </p:spTgt>
-                                        </p:tgtEl>
-                                        <p:attrNameLst>
-                                          <p:attrName>style.visibility</p:attrName>
-                                        </p:attrNameLst>
-                                      </p:cBhvr>
-                                      <p:to>
-                                        <p:strVal val="visible"/>
-                                      </p:to>
-                                    </p:set>
-                                    <p:animEffect transition="in" filter="wipe(down)">
-                                      <p:cBhvr>
-                                        <p:cTn id="37" dur="500"/>
-                                        <p:tgtEl>
-                                          <p:spTgt spid="4">
-                                            <p:txEl>
-                                              <p:pRg st="8" end="8"/>
-                                            </p:txEl>
-                                          </p:spTgt>
-                                        </p:tgtEl>
-                                      </p:cBhvr>
-                                    </p:animEffect>
-                                  </p:childTnLst>
-                                </p:cTn>
-                              </p:par>
-                              <p:par>
-                                <p:cTn id="38" presetID="22" presetClass="entr" presetSubtype="4" fill="hold" grpId="0" nodeType="withEffect">
-                                  <p:stCondLst>
-                                    <p:cond delay="0"/>
-                                  </p:stCondLst>
-                                  <p:childTnLst>
-                                    <p:set>
-                                      <p:cBhvr>
-                                        <p:cTn id="39" dur="1" fill="hold">
-                                          <p:stCondLst>
-                                            <p:cond delay="0"/>
-                                          </p:stCondLst>
-                                        </p:cTn>
-                                        <p:tgtEl>
-                                          <p:spTgt spid="4">
-                                            <p:txEl>
-                                              <p:pRg st="9" end="9"/>
-                                            </p:txEl>
-                                          </p:spTgt>
-                                        </p:tgtEl>
-                                        <p:attrNameLst>
-                                          <p:attrName>style.visibility</p:attrName>
-                                        </p:attrNameLst>
-                                      </p:cBhvr>
-                                      <p:to>
-                                        <p:strVal val="visible"/>
-                                      </p:to>
-                                    </p:set>
-                                    <p:animEffect transition="in" filter="wipe(down)">
-                                      <p:cBhvr>
-                                        <p:cTn id="40" dur="500"/>
-                                        <p:tgtEl>
-                                          <p:spTgt spid="4">
-                                            <p:txEl>
-                                              <p:pRg st="9" end="9"/>
-                                            </p:txEl>
-                                          </p:spTgt>
-                                        </p:tgtEl>
-                                      </p:cBhvr>
-                                    </p:animEffect>
-                                  </p:childTnLst>
-                                </p:cTn>
-                              </p:par>
-                            </p:childTnLst>
-                          </p:cTn>
-                        </p:par>
-                      </p:childTnLst>
-                    </p:cTn>
-                  </p:par>
-                  <p:par>
-                    <p:cTn id="41" fill="hold">
-                      <p:stCondLst>
-                        <p:cond delay="indefinite"/>
-                      </p:stCondLst>
-                      <p:childTnLst>
-                        <p:par>
-                          <p:cTn id="42" fill="hold">
-                            <p:stCondLst>
-                              <p:cond delay="0"/>
-                            </p:stCondLst>
-                            <p:childTnLst>
-                              <p:par>
-                                <p:cTn id="43" presetID="22" presetClass="entr" presetSubtype="4" fill="hold" grpId="0" nodeType="clickEffect">
-                                  <p:stCondLst>
-                                    <p:cond delay="0"/>
-                                  </p:stCondLst>
-                                  <p:childTnLst>
-                                    <p:set>
-                                      <p:cBhvr>
-                                        <p:cTn id="44" dur="1" fill="hold">
-                                          <p:stCondLst>
-                                            <p:cond delay="0"/>
-                                          </p:stCondLst>
-                                        </p:cTn>
-                                        <p:tgtEl>
-                                          <p:spTgt spid="4">
-                                            <p:txEl>
-                                              <p:pRg st="10" end="10"/>
-                                            </p:txEl>
-                                          </p:spTgt>
-                                        </p:tgtEl>
-                                        <p:attrNameLst>
-                                          <p:attrName>style.visibility</p:attrName>
-                                        </p:attrNameLst>
-                                      </p:cBhvr>
-                                      <p:to>
-                                        <p:strVal val="visible"/>
-                                      </p:to>
-                                    </p:set>
-                                    <p:animEffect transition="in" filter="wipe(down)">
-                                      <p:cBhvr>
-                                        <p:cTn id="45" dur="500"/>
-                                        <p:tgtEl>
-                                          <p:spTgt spid="4">
-                                            <p:txEl>
-                                              <p:pRg st="10" end="10"/>
-                                            </p:txEl>
-                                          </p:spTgt>
-                                        </p:tgtEl>
-                                      </p:cBhvr>
-                                    </p:animEffect>
-                                  </p:childTnLst>
-                                </p:cTn>
-                              </p:par>
-                              <p:par>
-                                <p:cTn id="46" presetID="22" presetClass="entr" presetSubtype="4" fill="hold" grpId="0" nodeType="withEffect">
-                                  <p:stCondLst>
-                                    <p:cond delay="0"/>
-                                  </p:stCondLst>
-                                  <p:childTnLst>
-                                    <p:set>
-                                      <p:cBhvr>
-                                        <p:cTn id="47" dur="1" fill="hold">
-                                          <p:stCondLst>
-                                            <p:cond delay="0"/>
-                                          </p:stCondLst>
-                                        </p:cTn>
-                                        <p:tgtEl>
-                                          <p:spTgt spid="4">
-                                            <p:txEl>
-                                              <p:pRg st="11" end="11"/>
-                                            </p:txEl>
-                                          </p:spTgt>
-                                        </p:tgtEl>
-                                        <p:attrNameLst>
-                                          <p:attrName>style.visibility</p:attrName>
-                                        </p:attrNameLst>
-                                      </p:cBhvr>
-                                      <p:to>
-                                        <p:strVal val="visible"/>
-                                      </p:to>
-                                    </p:set>
-                                    <p:animEffect transition="in" filter="wipe(down)">
-                                      <p:cBhvr>
-                                        <p:cTn id="48" dur="500"/>
-                                        <p:tgtEl>
-                                          <p:spTgt spid="4">
-                                            <p:txEl>
-                                              <p:pRg st="11" end="11"/>
-                                            </p:txEl>
-                                          </p:spTgt>
-                                        </p:tgtEl>
-                                      </p:cBhvr>
-                                    </p:animEffect>
-                                  </p:childTnLst>
-                                </p:cTn>
-                              </p:par>
-                            </p:childTnLst>
-                          </p:cTn>
-                        </p:par>
-                      </p:childTnLst>
-                    </p:cTn>
-                  </p:par>
-                  <p:par>
-                    <p:cTn id="49" fill="hold">
-                      <p:stCondLst>
-                        <p:cond delay="indefinite"/>
-                      </p:stCondLst>
-                      <p:childTnLst>
-                        <p:par>
-                          <p:cTn id="50" fill="hold">
-                            <p:stCondLst>
-                              <p:cond delay="0"/>
-                            </p:stCondLst>
-                            <p:childTnLst>
-                              <p:par>
-                                <p:cTn id="51" presetID="22" presetClass="entr" presetSubtype="4" fill="hold" grpId="0" nodeType="clickEffect">
-                                  <p:stCondLst>
-                                    <p:cond delay="0"/>
-                                  </p:stCondLst>
-                                  <p:childTnLst>
-                                    <p:set>
-                                      <p:cBhvr>
-                                        <p:cTn id="52" dur="1" fill="hold">
-                                          <p:stCondLst>
-                                            <p:cond delay="0"/>
-                                          </p:stCondLst>
-                                        </p:cTn>
-                                        <p:tgtEl>
-                                          <p:spTgt spid="4">
-                                            <p:txEl>
-                                              <p:pRg st="12" end="12"/>
-                                            </p:txEl>
-                                          </p:spTgt>
-                                        </p:tgtEl>
-                                        <p:attrNameLst>
-                                          <p:attrName>style.visibility</p:attrName>
-                                        </p:attrNameLst>
-                                      </p:cBhvr>
-                                      <p:to>
-                                        <p:strVal val="visible"/>
-                                      </p:to>
-                                    </p:set>
-                                    <p:animEffect transition="in" filter="wipe(down)">
-                                      <p:cBhvr>
-                                        <p:cTn id="53" dur="500"/>
-                                        <p:tgtEl>
-                                          <p:spTgt spid="4">
-                                            <p:txEl>
-                                              <p:pRg st="12" end="12"/>
-                                            </p:txEl>
-                                          </p:spTgt>
-                                        </p:tgtEl>
-                                      </p:cBhvr>
-                                    </p:animEffect>
-                                  </p:childTnLst>
-                                </p:cTn>
-                              </p:par>
-                              <p:par>
-                                <p:cTn id="54" presetID="22" presetClass="entr" presetSubtype="4" fill="hold" grpId="0" nodeType="withEffect">
-                                  <p:stCondLst>
-                                    <p:cond delay="0"/>
-                                  </p:stCondLst>
-                                  <p:childTnLst>
-                                    <p:set>
-                                      <p:cBhvr>
-                                        <p:cTn id="55" dur="1" fill="hold">
-                                          <p:stCondLst>
-                                            <p:cond delay="0"/>
-                                          </p:stCondLst>
-                                        </p:cTn>
-                                        <p:tgtEl>
-                                          <p:spTgt spid="4">
-                                            <p:txEl>
-                                              <p:pRg st="13" end="13"/>
-                                            </p:txEl>
-                                          </p:spTgt>
-                                        </p:tgtEl>
-                                        <p:attrNameLst>
-                                          <p:attrName>style.visibility</p:attrName>
-                                        </p:attrNameLst>
-                                      </p:cBhvr>
-                                      <p:to>
-                                        <p:strVal val="visible"/>
-                                      </p:to>
-                                    </p:set>
-                                    <p:animEffect transition="in" filter="wipe(down)">
-                                      <p:cBhvr>
-                                        <p:cTn id="56" dur="500"/>
-                                        <p:tgtEl>
-                                          <p:spTgt spid="4">
-                                            <p:txEl>
-                                              <p:pRg st="13" end="13"/>
+                                              <p:pRg st="6" end="6"/>
                                             </p:txEl>
                                           </p:spTgt>
                                         </p:tgtEl>
@@ -4594,6 +4213,84 @@
 </p:sld>
 </file>
 
+<file path=ppt/slides/slide2.xml><?xml version="1.0" encoding="utf-8"?>
+<p:sld xmlns:a="http://schemas.openxmlformats.org/drawingml/2006/main" xmlns:r="http://schemas.openxmlformats.org/officeDocument/2006/relationships" xmlns:p="http://schemas.openxmlformats.org/presentationml/2006/main">
+  <p:cSld>
+    <p:spTree>
+      <p:nvGrpSpPr>
+        <p:cNvPr id="1" name=""/>
+        <p:cNvGrpSpPr/>
+        <p:nvPr/>
+      </p:nvGrpSpPr>
+      <p:grpSpPr>
+        <a:xfrm>
+          <a:off x="0" y="0"/>
+          <a:ext cx="0" cy="0"/>
+          <a:chOff x="0" y="0"/>
+          <a:chExt cx="0" cy="0"/>
+        </a:xfrm>
+      </p:grpSpPr>
+      <p:sp>
+        <p:nvSpPr>
+          <p:cNvPr id="5" name="Title 4"/>
+          <p:cNvSpPr>
+            <a:spLocks noGrp="1"/>
+          </p:cNvSpPr>
+          <p:nvPr>
+            <p:ph type="ctrTitle"/>
+          </p:nvPr>
+        </p:nvSpPr>
+        <p:spPr/>
+        <p:txBody>
+          <a:bodyPr/>
+          <a:lstStyle/>
+          <a:p>
+            <a:r>
+              <a:rPr lang="en-US" dirty="0" smtClean="0"/>
+              <a:t>C#3</a:t>
+            </a:r>
+            <a:endParaRPr lang="en-US" dirty="0"/>
+          </a:p>
+        </p:txBody>
+      </p:sp>
+      <p:sp>
+        <p:nvSpPr>
+          <p:cNvPr id="6" name="Subtitle 5"/>
+          <p:cNvSpPr>
+            <a:spLocks noGrp="1"/>
+          </p:cNvSpPr>
+          <p:nvPr>
+            <p:ph type="subTitle" idx="1"/>
+          </p:nvPr>
+        </p:nvSpPr>
+        <p:spPr/>
+        <p:txBody>
+          <a:bodyPr/>
+          <a:lstStyle/>
+          <a:p>
+            <a:r>
+              <a:rPr lang="en-US" dirty="0" smtClean="0"/>
+              <a:t>The functional revolution</a:t>
+            </a:r>
+            <a:endParaRPr lang="en-US" dirty="0"/>
+          </a:p>
+        </p:txBody>
+      </p:sp>
+    </p:spTree>
+  </p:cSld>
+  <p:clrMapOvr>
+    <a:masterClrMapping/>
+  </p:clrMapOvr>
+  <p:timing>
+    <p:tnLst>
+      <p:par>
+        <p:cTn id="1" dur="indefinite" restart="never" nodeType="tmRoot"/>
+      </p:par>
+    </p:tnLst>
+  </p:timing>
+</p:sld>
+</file>
+
 <file path=ppt/slides/slide3.xml><?xml version="1.0" encoding="utf-8"?>
 <p:sld xmlns:a="http://schemas.openxmlformats.org/drawingml/2006/main" xmlns:r="http://schemas.openxmlformats.org/officeDocument/2006/relationships" xmlns:p="http://schemas.openxmlformats.org/presentationml/2006/main">
   <p:cSld>
@@ -4621,145 +4318,192 @@
             <p:ph type="title"/>
           </p:nvPr>
         </p:nvSpPr>
-        <p:spPr/>
+        <p:spPr>
+          <a:xfrm>
+            <a:off x="457200" y="274638"/>
+            <a:ext cx="8229600" cy="939784"/>
+          </a:xfrm>
+        </p:spPr>
+        <p:txBody>
+          <a:bodyPr/>
+          <a:lstStyle/>
+          <a:p>
+            <a:r>
+              <a:rPr lang="sv-SE" dirty="0" smtClean="0"/>
+              <a:t>Functional programming</a:t>
+            </a:r>
+            <a:endParaRPr lang="sv-SE" dirty="0"/>
+          </a:p>
+        </p:txBody>
+      </p:sp>
+      <p:sp>
+        <p:nvSpPr>
+          <p:cNvPr id="5" name="Content Placeholder 4"/>
+          <p:cNvSpPr>
+            <a:spLocks noGrp="1"/>
+          </p:cNvSpPr>
+          <p:nvPr>
+            <p:ph idx="1"/>
+          </p:nvPr>
+        </p:nvSpPr>
+        <p:spPr>
+          <a:xfrm>
+            <a:off x="457200" y="1357298"/>
+            <a:ext cx="8229600" cy="5286412"/>
+          </a:xfrm>
+        </p:spPr>
         <p:txBody>
           <a:bodyPr>
-            <a:normAutofit fontScale="90000"/>
+            <a:noAutofit/>
           </a:bodyPr>
           <a:lstStyle/>
           <a:p>
             <a:r>
-              <a:rPr lang="sv-SE" dirty="0" smtClean="0"/>
-              <a:t>So how is that relevant to C# coders?</a:t>
-            </a:r>
-            <a:endParaRPr lang="sv-SE" dirty="0"/>
-          </a:p>
-        </p:txBody>
-      </p:sp>
-      <p:sp>
-        <p:nvSpPr>
-          <p:cNvPr id="4" name="TextBox 3"/>
-          <p:cNvSpPr txBox="1"/>
-          <p:nvPr/>
-        </p:nvSpPr>
-        <p:spPr>
-          <a:xfrm>
-            <a:off x="785786" y="1357298"/>
-            <a:ext cx="7269362" cy="3693319"/>
-          </a:xfrm>
-          <a:prstGeom prst="rect">
-            <a:avLst/>
-          </a:prstGeom>
-          <a:noFill/>
-        </p:spPr>
-        <p:txBody>
-          <a:bodyPr wrap="none" rtlCol="0">
-            <a:spAutoFit/>
-          </a:bodyPr>
-          <a:lstStyle/>
-          <a:p>
-            <a:r>
-              <a:rPr lang="sv-SE" dirty="0" smtClean="0"/>
-              <a:t>Heard of Linq?</a:t>
-            </a:r>
-          </a:p>
-          <a:p>
-            <a:pPr>
-              <a:buFont typeface="Arial" pitchFamily="34" charset="0"/>
-              <a:buChar char="•"/>
-            </a:pPr>
-            <a:r>
-              <a:rPr lang="sv-SE" dirty="0" smtClean="0"/>
-              <a:t>Linq operators are pure functions</a:t>
-            </a:r>
-          </a:p>
-          <a:p>
-            <a:pPr>
-              <a:buFont typeface="Arial" pitchFamily="34" charset="0"/>
-              <a:buChar char="•"/>
-            </a:pPr>
-            <a:r>
-              <a:rPr lang="sv-SE" dirty="0" smtClean="0"/>
-              <a:t>Linq operators do not modify state</a:t>
-            </a:r>
-          </a:p>
-          <a:p>
-            <a:pPr>
-              <a:buFont typeface="Arial" pitchFamily="34" charset="0"/>
-              <a:buChar char="•"/>
-            </a:pPr>
-            <a:r>
-              <a:rPr lang="sv-SE" dirty="0" smtClean="0"/>
-              <a:t>Many Linq operators are higher order functions</a:t>
-            </a:r>
-          </a:p>
-          <a:p>
-            <a:pPr>
-              <a:buFont typeface="Arial" pitchFamily="34" charset="0"/>
-              <a:buChar char="•"/>
-            </a:pPr>
-            <a:r>
-              <a:rPr lang="sv-SE" dirty="0" smtClean="0"/>
-              <a:t>Lambdas are closures</a:t>
-            </a:r>
-          </a:p>
-          <a:p>
-            <a:pPr>
-              <a:buFont typeface="Arial" pitchFamily="34" charset="0"/>
-              <a:buChar char="•"/>
-            </a:pPr>
-            <a:r>
-              <a:rPr lang="sv-SE" dirty="0" smtClean="0"/>
-              <a:t>Linq code is declarative in style</a:t>
-            </a:r>
-          </a:p>
-          <a:p>
-            <a:pPr>
-              <a:buFont typeface="Arial" pitchFamily="34" charset="0"/>
-              <a:buChar char="•"/>
-            </a:pPr>
-            <a:r>
-              <a:rPr lang="sv-SE" dirty="0" smtClean="0"/>
-              <a:t>Query comprehension syntax is a variation on other </a:t>
+              <a:rPr lang="en-US" sz="2000" dirty="0" smtClean="0"/>
+              <a:t>Immutability</a:t>
             </a:r>
             <a:br>
-              <a:rPr lang="sv-SE" dirty="0" smtClean="0"/>
+              <a:rPr lang="en-US" sz="2000" dirty="0" smtClean="0"/>
             </a:br>
             <a:r>
-              <a:rPr lang="sv-SE" dirty="0" smtClean="0"/>
-              <a:t>  languages monad comprehension syntax.</a:t>
-            </a:r>
-          </a:p>
-          <a:p>
-            <a:pPr>
-              <a:buFont typeface="Arial" pitchFamily="34" charset="0"/>
-              <a:buChar char="•"/>
-            </a:pPr>
-            <a:endParaRPr lang="sv-SE" dirty="0"/>
-          </a:p>
-          <a:p>
-            <a:r>
-              <a:rPr lang="sv-SE" dirty="0" smtClean="0"/>
-              <a:t>Linq is functional programming and the functional programming constructs </a:t>
+              <a:rPr lang="en-US" sz="2000" dirty="0" smtClean="0"/>
+              <a:t>Values </a:t>
+            </a:r>
+            <a:r>
+              <a:rPr lang="en-US" sz="2000" dirty="0" smtClean="0"/>
+              <a:t>never change, instead new values are created</a:t>
+            </a:r>
+          </a:p>
+          <a:p>
+            <a:r>
+              <a:rPr lang="en-US" sz="2000" dirty="0" smtClean="0"/>
+              <a:t>Pure </a:t>
+            </a:r>
+            <a:r>
+              <a:rPr lang="en-US" sz="2000" dirty="0" smtClean="0"/>
+              <a:t>Functions</a:t>
             </a:r>
             <a:br>
-              <a:rPr lang="sv-SE" dirty="0" smtClean="0"/>
+              <a:rPr lang="en-US" sz="2000" dirty="0" smtClean="0"/>
             </a:br>
             <a:r>
-              <a:rPr lang="sv-SE" dirty="0" smtClean="0"/>
-              <a:t>introduced to support Linq lets you create far more SOLID code than you </a:t>
+              <a:rPr lang="en-US" sz="2000" dirty="0" smtClean="0"/>
+              <a:t>Functions </a:t>
+            </a:r>
+            <a:r>
+              <a:rPr lang="en-US" sz="2000" dirty="0" smtClean="0"/>
+              <a:t>are dependent only on their </a:t>
+            </a:r>
+            <a:r>
+              <a:rPr lang="en-US" sz="2000" dirty="0" smtClean="0"/>
+              <a:t>parameters</a:t>
             </a:r>
             <a:br>
-              <a:rPr lang="sv-SE" dirty="0" smtClean="0"/>
+              <a:rPr lang="en-US" sz="2000" dirty="0" smtClean="0"/>
             </a:br>
             <a:r>
-              <a:rPr lang="sv-SE" dirty="0" smtClean="0"/>
-              <a:t>could in C# before.</a:t>
+              <a:rPr lang="en-US" sz="2000" dirty="0" smtClean="0"/>
+              <a:t>Given </a:t>
+            </a:r>
+            <a:r>
+              <a:rPr lang="en-US" sz="2000" dirty="0" smtClean="0"/>
+              <a:t>identical inputs identical results are guaranteed</a:t>
+            </a:r>
+          </a:p>
+          <a:p>
+            <a:r>
+              <a:rPr lang="en-US" sz="2000" dirty="0" smtClean="0"/>
+              <a:t>Higher order </a:t>
+            </a:r>
+            <a:r>
+              <a:rPr lang="en-US" sz="2000" dirty="0" smtClean="0"/>
+              <a:t>functions</a:t>
             </a:r>
             <a:br>
-              <a:rPr lang="sv-SE" dirty="0" smtClean="0"/>
+              <a:rPr lang="en-US" sz="2000" dirty="0" smtClean="0"/>
             </a:br>
-            <a:endParaRPr lang="sv-SE" dirty="0" smtClean="0"/>
+            <a:r>
+              <a:rPr lang="en-US" sz="2000" dirty="0" smtClean="0"/>
+              <a:t>Functions </a:t>
+            </a:r>
+            <a:r>
+              <a:rPr lang="en-US" sz="2000" dirty="0" smtClean="0"/>
+              <a:t>that take functions as </a:t>
+            </a:r>
+            <a:r>
+              <a:rPr lang="en-US" sz="2000" dirty="0" smtClean="0"/>
+              <a:t>parameters</a:t>
+            </a:r>
+            <a:br>
+              <a:rPr lang="en-US" sz="2000" dirty="0" smtClean="0"/>
+            </a:br>
+            <a:r>
+              <a:rPr lang="en-US" sz="2000" dirty="0" smtClean="0"/>
+              <a:t>Functions </a:t>
+            </a:r>
+            <a:r>
+              <a:rPr lang="en-US" sz="2000" dirty="0" smtClean="0"/>
+              <a:t>that return functions</a:t>
+            </a:r>
+          </a:p>
+          <a:p>
+            <a:r>
+              <a:rPr lang="en-US" sz="2000" dirty="0" smtClean="0"/>
+              <a:t>Closures</a:t>
+            </a:r>
+            <a:br>
+              <a:rPr lang="en-US" sz="2000" dirty="0" smtClean="0"/>
+            </a:br>
+            <a:r>
+              <a:rPr lang="en-US" sz="2000" dirty="0" smtClean="0"/>
+              <a:t>In </a:t>
+            </a:r>
+            <a:r>
+              <a:rPr lang="en-US" sz="2000" dirty="0" smtClean="0"/>
+              <a:t>line functions that capture values in scope</a:t>
+            </a:r>
+          </a:p>
+          <a:p>
+            <a:r>
+              <a:rPr lang="en-US" sz="2000" dirty="0" smtClean="0"/>
+              <a:t>Recursion(Required because of </a:t>
+            </a:r>
+            <a:r>
+              <a:rPr lang="en-US" sz="2000" dirty="0" smtClean="0"/>
+              <a:t>immutability)</a:t>
+            </a:r>
+            <a:br>
+              <a:rPr lang="en-US" sz="2000" dirty="0" smtClean="0"/>
+            </a:br>
+            <a:r>
+              <a:rPr lang="en-US" sz="2000" dirty="0" smtClean="0"/>
+              <a:t>Functions </a:t>
+            </a:r>
+            <a:r>
+              <a:rPr lang="en-US" sz="2000" dirty="0" smtClean="0"/>
+              <a:t>that directly or through other functions call themselves</a:t>
+            </a:r>
+          </a:p>
+          <a:p>
+            <a:r>
+              <a:rPr lang="en-US" sz="2000" dirty="0" smtClean="0"/>
+              <a:t>Declarative </a:t>
+            </a:r>
+            <a:r>
+              <a:rPr lang="en-US" sz="2000" dirty="0" smtClean="0"/>
+              <a:t>style</a:t>
+            </a:r>
+            <a:br>
+              <a:rPr lang="en-US" sz="2000" dirty="0" smtClean="0"/>
+            </a:br>
+            <a:r>
+              <a:rPr lang="en-US" sz="2000" dirty="0" smtClean="0"/>
+              <a:t>Well </a:t>
+            </a:r>
+            <a:r>
+              <a:rPr lang="en-US" sz="2000" dirty="0" smtClean="0"/>
+              <a:t>written functions read as a declaration of their domain logic</a:t>
+            </a:r>
           </a:p>
         </p:txBody>
       </p:sp>
@@ -4768,6 +4512,7 @@
   <p:clrMapOvr>
     <a:masterClrMapping/>
   </p:clrMapOvr>
+  <p:transition/>
   <p:timing>
     <p:tnLst>
       <p:par>
@@ -4789,7 +4534,7 @@
                             </p:stCondLst>
                             <p:childTnLst>
                               <p:par>
-                                <p:cTn id="5" presetID="22" presetClass="entr" presetSubtype="4" fill="hold" grpId="0" nodeType="clickEffect">
+                                <p:cTn id="5" presetID="2" presetClass="entr" presetSubtype="4" fill="hold" grpId="0" nodeType="clickEffect">
                                   <p:stCondLst>
                                     <p:cond delay="0"/>
                                   </p:stCondLst>
@@ -4802,7 +4547,7 @@
                                           </p:stCondLst>
                                         </p:cTn>
                                         <p:tgtEl>
-                                          <p:spTgt spid="4">
+                                          <p:spTgt spid="5">
                                             <p:txEl>
                                               <p:pRg st="0" end="0"/>
                                             </p:txEl>
@@ -4816,18 +4561,60 @@
                                         <p:strVal val="visible"/>
                                       </p:to>
                                     </p:set>
-                                    <p:animEffect transition="in" filter="wipe(down)">
-                                      <p:cBhvr>
-                                        <p:cTn id="7" dur="500"/>
-                                        <p:tgtEl>
-                                          <p:spTgt spid="4">
+                                    <p:anim calcmode="lin" valueType="num">
+                                      <p:cBhvr additive="base">
+                                        <p:cTn id="7" dur="500" fill="hold"/>
+                                        <p:tgtEl>
+                                          <p:spTgt spid="5">
                                             <p:txEl>
                                               <p:pRg st="0" end="0"/>
                                             </p:txEl>
                                           </p:spTgt>
                                         </p:tgtEl>
-                                      </p:cBhvr>
-                                    </p:animEffect>
+                                        <p:attrNameLst>
+                                          <p:attrName>ppt_x</p:attrName>
+                                        </p:attrNameLst>
+                                      </p:cBhvr>
+                                      <p:tavLst>
+                                        <p:tav tm="0">
+                                          <p:val>
+                                            <p:strVal val="#ppt_x"/>
+                                          </p:val>
+                                        </p:tav>
+                                        <p:tav tm="100000">
+                                          <p:val>
+                                            <p:strVal val="#ppt_x"/>
+                                          </p:val>
+                                        </p:tav>
+                                      </p:tavLst>
+                                    </p:anim>
+                                    <p:anim calcmode="lin" valueType="num">
+                                      <p:cBhvr additive="base">
+                                        <p:cTn id="8" dur="500" fill="hold"/>
+                                        <p:tgtEl>
+                                          <p:spTgt spid="5">
+                                            <p:txEl>
+                                              <p:pRg st="0" end="0"/>
+                                            </p:txEl>
+                                          </p:spTgt>
+                                        </p:tgtEl>
+                                        <p:attrNameLst>
+                                          <p:attrName>ppt_y</p:attrName>
+                                        </p:attrNameLst>
+                                      </p:cBhvr>
+                                      <p:tavLst>
+                                        <p:tav tm="0">
+                                          <p:val>
+                                            <p:strVal val="1+#ppt_h/2"/>
+                                          </p:val>
+                                        </p:tav>
+                                        <p:tav tm="100000">
+                                          <p:val>
+                                            <p:strVal val="#ppt_y"/>
+                                          </p:val>
+                                        </p:tav>
+                                      </p:tavLst>
+                                    </p:anim>
                                   </p:childTnLst>
                                 </p:cTn>
                               </p:par>
@@ -4838,32 +4625,32 @@
                     </p:cTn>
                   </p:par>
                   <p:par>
-                    <p:cTn id="8" fill="hold">
+                    <p:cTn id="9" fill="hold">
                       <p:stCondLst>
                         <p:cond delay="indefinite"/>
                       </p:stCondLst>
                       <p:childTnLst>
                         <p:par>
-                          <p:cTn id="9" fill="hold">
+                          <p:cTn id="10" fill="hold">
                             <p:stCondLst>
                               <p:cond delay="0"/>
                             </p:stCondLst>
                             <p:childTnLst>
                               <p:par>
-                                <p:cTn id="10" presetID="22" presetClass="entr" presetSubtype="4" fill="hold" grpId="0" nodeType="clickEffect">
+                                <p:cTn id="11" presetID="2" presetClass="entr" presetSubtype="4" fill="hold" grpId="0" nodeType="clickEffect">
                                   <p:stCondLst>
                                     <p:cond delay="0"/>
                                   </p:stCondLst>
                                   <p:childTnLst>
                                     <p:set>
                                       <p:cBhvr>
-                                        <p:cTn id="11" dur="1" fill="hold">
+                                        <p:cTn id="12" dur="1" fill="hold">
                                           <p:stCondLst>
                                             <p:cond delay="0"/>
                                           </p:stCondLst>
                                         </p:cTn>
                                         <p:tgtEl>
-                                          <p:spTgt spid="4">
+                                          <p:spTgt spid="5">
                                             <p:txEl>
                                               <p:pRg st="1" end="1"/>
                                             </p:txEl>
@@ -4877,18 +4664,60 @@
                                         <p:strVal val="visible"/>
                                       </p:to>
                                     </p:set>
-                                    <p:animEffect transition="in" filter="wipe(down)">
-                                      <p:cBhvr>
-                                        <p:cTn id="12" dur="500"/>
-                                        <p:tgtEl>
-                                          <p:spTgt spid="4">
+                                    <p:anim calcmode="lin" valueType="num">
+                                      <p:cBhvr additive="base">
+                                        <p:cTn id="13" dur="500" fill="hold"/>
+                                        <p:tgtEl>
+                                          <p:spTgt spid="5">
                                             <p:txEl>
                                               <p:pRg st="1" end="1"/>
                                             </p:txEl>
                                           </p:spTgt>
                                         </p:tgtEl>
-                                      </p:cBhvr>
-                                    </p:animEffect>
+                                        <p:attrNameLst>
+                                          <p:attrName>ppt_x</p:attrName>
+                                        </p:attrNameLst>
+                                      </p:cBhvr>
+                                      <p:tavLst>
+                                        <p:tav tm="0">
+                                          <p:val>
+                                            <p:strVal val="#ppt_x"/>
+                                          </p:val>
+                                        </p:tav>
+                                        <p:tav tm="100000">
+                                          <p:val>
+                                            <p:strVal val="#ppt_x"/>
+                                          </p:val>
+                                        </p:tav>
+                                      </p:tavLst>
+                                    </p:anim>
+                                    <p:anim calcmode="lin" valueType="num">
+                                      <p:cBhvr additive="base">
+                                        <p:cTn id="14" dur="500" fill="hold"/>
+                                        <p:tgtEl>
+                                          <p:spTgt spid="5">
+                                            <p:txEl>
+                                              <p:pRg st="1" end="1"/>
+                                            </p:txEl>
+                                          </p:spTgt>
+                                        </p:tgtEl>
+                                        <p:attrNameLst>
+                                          <p:attrName>ppt_y</p:attrName>
+                                        </p:attrNameLst>
+                                      </p:cBhvr>
+                                      <p:tavLst>
+                                        <p:tav tm="0">
+                                          <p:val>
+                                            <p:strVal val="1+#ppt_h/2"/>
+                                          </p:val>
+                                        </p:tav>
+                                        <p:tav tm="100000">
+                                          <p:val>
+                                            <p:strVal val="#ppt_y"/>
+                                          </p:val>
+                                        </p:tav>
+                                      </p:tavLst>
+                                    </p:anim>
                                   </p:childTnLst>
                                 </p:cTn>
                               </p:par>
@@ -4899,32 +4728,32 @@
                     </p:cTn>
                   </p:par>
                   <p:par>
-                    <p:cTn id="13" fill="hold">
+                    <p:cTn id="15" fill="hold">
                       <p:stCondLst>
                         <p:cond delay="indefinite"/>
                       </p:stCondLst>
                       <p:childTnLst>
                         <p:par>
-                          <p:cTn id="14" fill="hold">
+                          <p:cTn id="16" fill="hold">
                             <p:stCondLst>
                               <p:cond delay="0"/>
                             </p:stCondLst>
                             <p:childTnLst>
                               <p:par>
-                                <p:cTn id="15" presetID="22" presetClass="entr" presetSubtype="4" fill="hold" grpId="0" nodeType="clickEffect">
+                                <p:cTn id="17" presetID="2" presetClass="entr" presetSubtype="4" fill="hold" grpId="0" nodeType="clickEffect">
                                   <p:stCondLst>
                                     <p:cond delay="0"/>
                                   </p:stCondLst>
                                   <p:childTnLst>
                                     <p:set>
                                       <p:cBhvr>
-                                        <p:cTn id="16" dur="1" fill="hold">
+                                        <p:cTn id="18" dur="1" fill="hold">
                                           <p:stCondLst>
                                             <p:cond delay="0"/>
                                           </p:stCondLst>
                                         </p:cTn>
                                         <p:tgtEl>
-                                          <p:spTgt spid="4">
+                                          <p:spTgt spid="5">
                                             <p:txEl>
                                               <p:pRg st="2" end="2"/>
                                             </p:txEl>
@@ -4938,18 +4767,60 @@
                                         <p:strVal val="visible"/>
                                       </p:to>
                                     </p:set>
-                                    <p:animEffect transition="in" filter="wipe(down)">
-                                      <p:cBhvr>
-                                        <p:cTn id="17" dur="500"/>
-                                        <p:tgtEl>
-                                          <p:spTgt spid="4">
+                                    <p:anim calcmode="lin" valueType="num">
+                                      <p:cBhvr additive="base">
+                                        <p:cTn id="19" dur="500" fill="hold"/>
+                                        <p:tgtEl>
+                                          <p:spTgt spid="5">
                                             <p:txEl>
                                               <p:pRg st="2" end="2"/>
                                             </p:txEl>
                                           </p:spTgt>
                                         </p:tgtEl>
-                                      </p:cBhvr>
-                                    </p:animEffect>
+                                        <p:attrNameLst>
+                                          <p:attrName>ppt_x</p:attrName>
+                                        </p:attrNameLst>
+                                      </p:cBhvr>
+                                      <p:tavLst>
+                                        <p:tav tm="0">
+                                          <p:val>
+                                            <p:strVal val="#ppt_x"/>
+                                          </p:val>
+                                        </p:tav>
+                                        <p:tav tm="100000">
+                                          <p:val>
+                                            <p:strVal val="#ppt_x"/>
+                                          </p:val>
+                                        </p:tav>
+                                      </p:tavLst>
+                                    </p:anim>
+                                    <p:anim calcmode="lin" valueType="num">
+                                      <p:cBhvr additive="base">
+                                        <p:cTn id="20" dur="500" fill="hold"/>
+                                        <p:tgtEl>
+                                          <p:spTgt spid="5">
+                                            <p:txEl>
+                                              <p:pRg st="2" end="2"/>
+                                            </p:txEl>
+                                          </p:spTgt>
+                                        </p:tgtEl>
+                                        <p:attrNameLst>
+                                          <p:attrName>ppt_y</p:attrName>
+                                        </p:attrNameLst>
+                                      </p:cBhvr>
+                                      <p:tavLst>
+                                        <p:tav tm="0">
+                                          <p:val>
+                                            <p:strVal val="1+#ppt_h/2"/>
+                                          </p:val>
+                                        </p:tav>
+                                        <p:tav tm="100000">
+                                          <p:val>
+                                            <p:strVal val="#ppt_y"/>
+                                          </p:val>
+                                        </p:tav>
+                                      </p:tavLst>
+                                    </p:anim>
                                   </p:childTnLst>
                                 </p:cTn>
                               </p:par>
@@ -4960,32 +4831,32 @@
                     </p:cTn>
                   </p:par>
                   <p:par>
-                    <p:cTn id="18" fill="hold">
+                    <p:cTn id="21" fill="hold">
                       <p:stCondLst>
                         <p:cond delay="indefinite"/>
                       </p:stCondLst>
                       <p:childTnLst>
                         <p:par>
-                          <p:cTn id="19" fill="hold">
+                          <p:cTn id="22" fill="hold">
                             <p:stCondLst>
                               <p:cond delay="0"/>
                             </p:stCondLst>
                             <p:childTnLst>
                               <p:par>
-                                <p:cTn id="20" presetID="22" presetClass="entr" presetSubtype="4" fill="hold" grpId="0" nodeType="clickEffect">
+                                <p:cTn id="23" presetID="2" presetClass="entr" presetSubtype="4" fill="hold" grpId="0" nodeType="clickEffect">
                                   <p:stCondLst>
                                     <p:cond delay="0"/>
                                   </p:stCondLst>
                                   <p:childTnLst>
                                     <p:set>
                                       <p:cBhvr>
-                                        <p:cTn id="21" dur="1" fill="hold">
+                                        <p:cTn id="24" dur="1" fill="hold">
                                           <p:stCondLst>
                                             <p:cond delay="0"/>
                                           </p:stCondLst>
                                         </p:cTn>
                                         <p:tgtEl>
-                                          <p:spTgt spid="4">
+                                          <p:spTgt spid="5">
                                             <p:txEl>
                                               <p:pRg st="3" end="3"/>
                                             </p:txEl>
@@ -4999,18 +4870,60 @@
                                         <p:strVal val="visible"/>
                                       </p:to>
                                     </p:set>
-                                    <p:animEffect transition="in" filter="wipe(down)">
-                                      <p:cBhvr>
-                                        <p:cTn id="22" dur="500"/>
-                                        <p:tgtEl>
-                                          <p:spTgt spid="4">
+                                    <p:anim calcmode="lin" valueType="num">
+                                      <p:cBhvr additive="base">
+                                        <p:cTn id="25" dur="500" fill="hold"/>
+                                        <p:tgtEl>
+                                          <p:spTgt spid="5">
                                             <p:txEl>
                                               <p:pRg st="3" end="3"/>
                                             </p:txEl>
                                           </p:spTgt>
                                         </p:tgtEl>
-                                      </p:cBhvr>
-                                    </p:animEffect>
+                                        <p:attrNameLst>
+                                          <p:attrName>ppt_x</p:attrName>
+                                        </p:attrNameLst>
+                                      </p:cBhvr>
+                                      <p:tavLst>
+                                        <p:tav tm="0">
+                                          <p:val>
+                                            <p:strVal val="#ppt_x"/>
+                                          </p:val>
+                                        </p:tav>
+                                        <p:tav tm="100000">
+                                          <p:val>
+                                            <p:strVal val="#ppt_x"/>
+                                          </p:val>
+                                        </p:tav>
+                                      </p:tavLst>
+                                    </p:anim>
+                                    <p:anim calcmode="lin" valueType="num">
+                                      <p:cBhvr additive="base">
+                                        <p:cTn id="26" dur="500" fill="hold"/>
+                                        <p:tgtEl>
+                                          <p:spTgt spid="5">
+                                            <p:txEl>
+                                              <p:pRg st="3" end="3"/>
+                                            </p:txEl>
+                                          </p:spTgt>
+                                        </p:tgtEl>
+                                        <p:attrNameLst>
+                                          <p:attrName>ppt_y</p:attrName>
+                                        </p:attrNameLst>
+                                      </p:cBhvr>
+                                      <p:tavLst>
+                                        <p:tav tm="0">
+                                          <p:val>
+                                            <p:strVal val="1+#ppt_h/2"/>
+                                          </p:val>
+                                        </p:tav>
+                                        <p:tav tm="100000">
+                                          <p:val>
+                                            <p:strVal val="#ppt_y"/>
+                                          </p:val>
+                                        </p:tav>
+                                      </p:tavLst>
+                                    </p:anim>
                                   </p:childTnLst>
                                 </p:cTn>
                               </p:par>
@@ -5021,32 +4934,32 @@
                     </p:cTn>
                   </p:par>
                   <p:par>
-                    <p:cTn id="23" fill="hold">
+                    <p:cTn id="27" fill="hold">
                       <p:stCondLst>
                         <p:cond delay="indefinite"/>
                       </p:stCondLst>
                       <p:childTnLst>
                         <p:par>
-                          <p:cTn id="24" fill="hold">
+                          <p:cTn id="28" fill="hold">
                             <p:stCondLst>
                               <p:cond delay="0"/>
                             </p:stCondLst>
                             <p:childTnLst>
                               <p:par>
-                                <p:cTn id="25" presetID="22" presetClass="entr" presetSubtype="4" fill="hold" grpId="0" nodeType="clickEffect">
+                                <p:cTn id="29" presetID="2" presetClass="entr" presetSubtype="4" fill="hold" grpId="0" nodeType="clickEffect">
                                   <p:stCondLst>
                                     <p:cond delay="0"/>
                                   </p:stCondLst>
                                   <p:childTnLst>
                                     <p:set>
                                       <p:cBhvr>
-                                        <p:cTn id="26" dur="1" fill="hold">
+                                        <p:cTn id="30" dur="1" fill="hold">
                                           <p:stCondLst>
                                             <p:cond delay="0"/>
                                           </p:stCondLst>
                                         </p:cTn>
                                         <p:tgtEl>
-                                          <p:spTgt spid="4">
+                                          <p:spTgt spid="5">
                                             <p:txEl>
                                               <p:pRg st="4" end="4"/>
                                             </p:txEl>
@@ -5060,79 +4973,60 @@
                                         <p:strVal val="visible"/>
                                       </p:to>
                                     </p:set>
-                                    <p:animEffect transition="in" filter="wipe(down)">
-                                      <p:cBhvr>
-                                        <p:cTn id="27" dur="500"/>
-                                        <p:tgtEl>
-                                          <p:spTgt spid="4">
+                                    <p:anim calcmode="lin" valueType="num">
+                                      <p:cBhvr additive="base">
+                                        <p:cTn id="31" dur="500" fill="hold"/>
+                                        <p:tgtEl>
+                                          <p:spTgt spid="5">
                                             <p:txEl>
                                               <p:pRg st="4" end="4"/>
                                             </p:txEl>
                                           </p:spTgt>
                                         </p:tgtEl>
-                                      </p:cBhvr>
-                                    </p:animEffect>
-                                  </p:childTnLst>
-                                </p:cTn>
-                              </p:par>
-                            </p:childTnLst>
-                          </p:cTn>
-                        </p:par>
-                      </p:childTnLst>
-                    </p:cTn>
-                  </p:par>
-                  <p:par>
-                    <p:cTn id="28" fill="hold">
-                      <p:stCondLst>
-                        <p:cond delay="indefinite"/>
-                      </p:stCondLst>
-                      <p:childTnLst>
-                        <p:par>
-                          <p:cTn id="29" fill="hold">
-                            <p:stCondLst>
-                              <p:cond delay="0"/>
-                            </p:stCondLst>
-                            <p:childTnLst>
-                              <p:par>
-                                <p:cTn id="30" presetID="22" presetClass="entr" presetSubtype="4" fill="hold" grpId="0" nodeType="clickEffect">
-                                  <p:stCondLst>
-                                    <p:cond delay="0"/>
-                                  </p:stCondLst>
-                                  <p:childTnLst>
-                                    <p:set>
-                                      <p:cBhvr>
-                                        <p:cTn id="31" dur="1" fill="hold">
-                                          <p:stCondLst>
-                                            <p:cond delay="0"/>
-                                          </p:stCondLst>
-                                        </p:cTn>
-                                        <p:tgtEl>
-                                          <p:spTgt spid="4">
-                                            <p:txEl>
-                                              <p:pRg st="5" end="5"/>
-                                            </p:txEl>
-                                          </p:spTgt>
-                                        </p:tgtEl>
                                         <p:attrNameLst>
-                                          <p:attrName>style.visibility</p:attrName>
+                                          <p:attrName>ppt_x</p:attrName>
                                         </p:attrNameLst>
                                       </p:cBhvr>
-                                      <p:to>
-                                        <p:strVal val="visible"/>
-                                      </p:to>
-                                    </p:set>
-                                    <p:animEffect transition="in" filter="wipe(down)">
-                                      <p:cBhvr>
-                                        <p:cTn id="32" dur="500"/>
-                                        <p:tgtEl>
-                                          <p:spTgt spid="4">
-                                            <p:txEl>
-                                              <p:pRg st="5" end="5"/>
-                                            </p:txEl>
-                                          </p:spTgt>
-                                        </p:tgtEl>
-                                      </p:cBhvr>
-                                    </p:animEffect>
+                                      <p:tavLst>
+                                        <p:tav tm="0">
+                                          <p:val>
+                                            <p:strVal val="#ppt_x"/>
+                                          </p:val>
+                                        </p:tav>
+                                        <p:tav tm="100000">
+                                          <p:val>
+                                            <p:strVal val="#ppt_x"/>
+                                          </p:val>
+                                        </p:tav>
+                                      </p:tavLst>
+                                    </p:anim>
+                                    <p:anim calcmode="lin" valueType="num">
+                                      <p:cBhvr additive="base">
+                                        <p:cTn id="32" dur="500" fill="hold"/>
+                                        <p:tgtEl>
+                                          <p:spTgt spid="5">
+                                            <p:txEl>
+                                              <p:pRg st="4" end="4"/>
+                                            </p:txEl>
+                                          </p:spTgt>
+                                        </p:tgtEl>
+                                        <p:attrNameLst>
+                                          <p:attrName>ppt_y</p:attrName>
+                                        </p:attrNameLst>
+                                      </p:cBhvr>
+                                      <p:tavLst>
+                                        <p:tav tm="0">
+                                          <p:val>
+                                            <p:strVal val="1+#ppt_h/2"/>
+                                          </p:val>
+                                        </p:tav>
+                                        <p:tav tm="100000">
+                                          <p:val>
+                                            <p:strVal val="#ppt_y"/>
+                                          </p:val>
+                                        </p:tav>
+                                      </p:tavLst>
+                                    </p:anim>
                                   </p:childTnLst>
                                 </p:cTn>
                               </p:par>
@@ -5155,7 +5049,7 @@
                             </p:stCondLst>
                             <p:childTnLst>
                               <p:par>
-                                <p:cTn id="35" presetID="22" presetClass="entr" presetSubtype="4" fill="hold" grpId="0" nodeType="clickEffect">
+                                <p:cTn id="35" presetID="2" presetClass="entr" presetSubtype="4" fill="hold" grpId="0" nodeType="clickEffect">
                                   <p:stCondLst>
                                     <p:cond delay="0"/>
                                   </p:stCondLst>
@@ -5168,9 +5062,9 @@
                                           </p:stCondLst>
                                         </p:cTn>
                                         <p:tgtEl>
-                                          <p:spTgt spid="4">
-                                            <p:txEl>
-                                              <p:pRg st="6" end="6"/>
+                                          <p:spTgt spid="5">
+                                            <p:txEl>
+                                              <p:pRg st="5" end="5"/>
                                             </p:txEl>
                                           </p:spTgt>
                                         </p:tgtEl>
@@ -5182,79 +5076,60 @@
                                         <p:strVal val="visible"/>
                                       </p:to>
                                     </p:set>
-                                    <p:animEffect transition="in" filter="wipe(down)">
-                                      <p:cBhvr>
-                                        <p:cTn id="37" dur="500"/>
-                                        <p:tgtEl>
-                                          <p:spTgt spid="4">
-                                            <p:txEl>
-                                              <p:pRg st="6" end="6"/>
-                                            </p:txEl>
-                                          </p:spTgt>
-                                        </p:tgtEl>
-                                      </p:cBhvr>
-                                    </p:animEffect>
-                                  </p:childTnLst>
-                                </p:cTn>
-                              </p:par>
-                            </p:childTnLst>
-                          </p:cTn>
-                        </p:par>
-                      </p:childTnLst>
-                    </p:cTn>
-                  </p:par>
-                  <p:par>
-                    <p:cTn id="38" fill="hold">
-                      <p:stCondLst>
-                        <p:cond delay="indefinite"/>
-                      </p:stCondLst>
-                      <p:childTnLst>
-                        <p:par>
-                          <p:cTn id="39" fill="hold">
-                            <p:stCondLst>
-                              <p:cond delay="0"/>
-                            </p:stCondLst>
-                            <p:childTnLst>
-                              <p:par>
-                                <p:cTn id="40" presetID="22" presetClass="entr" presetSubtype="4" fill="hold" grpId="0" nodeType="clickEffect">
-                                  <p:stCondLst>
-                                    <p:cond delay="0"/>
-                                  </p:stCondLst>
-                                  <p:childTnLst>
-                                    <p:set>
-                                      <p:cBhvr>
-                                        <p:cTn id="41" dur="1" fill="hold">
-                                          <p:stCondLst>
-                                            <p:cond delay="0"/>
-                                          </p:stCondLst>
-                                        </p:cTn>
-                                        <p:tgtEl>
-                                          <p:spTgt spid="4">
-                                            <p:txEl>
-                                              <p:pRg st="8" end="8"/>
+                                    <p:anim calcmode="lin" valueType="num">
+                                      <p:cBhvr additive="base">
+                                        <p:cTn id="37" dur="500" fill="hold"/>
+                                        <p:tgtEl>
+                                          <p:spTgt spid="5">
+                                            <p:txEl>
+                                              <p:pRg st="5" end="5"/>
                                             </p:txEl>
                                           </p:spTgt>
                                         </p:tgtEl>
                                         <p:attrNameLst>
-                                          <p:attrName>style.visibility</p:attrName>
+                                          <p:attrName>ppt_x</p:attrName>
                                         </p:attrNameLst>
                                       </p:cBhvr>
-                                      <p:to>
-                                        <p:strVal val="visible"/>
-                                      </p:to>
-                                    </p:set>
-                                    <p:animEffect transition="in" filter="wipe(down)">
-                                      <p:cBhvr>
-                                        <p:cTn id="42" dur="500"/>
-                                        <p:tgtEl>
-                                          <p:spTgt spid="4">
-                                            <p:txEl>
-                                              <p:pRg st="8" end="8"/>
-                                            </p:txEl>
-                                          </p:spTgt>
-                                        </p:tgtEl>
-                                      </p:cBhvr>
-                                    </p:animEffect>
+                                      <p:tavLst>
+                                        <p:tav tm="0">
+                                          <p:val>
+                                            <p:strVal val="#ppt_x"/>
+                                          </p:val>
+                                        </p:tav>
+                                        <p:tav tm="100000">
+                                          <p:val>
+                                            <p:strVal val="#ppt_x"/>
+                                          </p:val>
+                                        </p:tav>
+                                      </p:tavLst>
+                                    </p:anim>
+                                    <p:anim calcmode="lin" valueType="num">
+                                      <p:cBhvr additive="base">
+                                        <p:cTn id="38" dur="500" fill="hold"/>
+                                        <p:tgtEl>
+                                          <p:spTgt spid="5">
+                                            <p:txEl>
+                                              <p:pRg st="5" end="5"/>
+                                            </p:txEl>
+                                          </p:spTgt>
+                                        </p:tgtEl>
+                                        <p:attrNameLst>
+                                          <p:attrName>ppt_y</p:attrName>
+                                        </p:attrNameLst>
+                                      </p:cBhvr>
+                                      <p:tavLst>
+                                        <p:tav tm="0">
+                                          <p:val>
+                                            <p:strVal val="1+#ppt_h/2"/>
+                                          </p:val>
+                                        </p:tav>
+                                        <p:tav tm="100000">
+                                          <p:val>
+                                            <p:strVal val="#ppt_y"/>
+                                          </p:val>
+                                        </p:tav>
+                                      </p:tavLst>
+                                    </p:anim>
                                   </p:childTnLst>
                                 </p:cTn>
                               </p:par>
@@ -5286,7 +5161,7 @@
       </p:par>
     </p:tnLst>
     <p:bldLst>
-      <p:bldP spid="4" grpId="0" build="p"/>
+      <p:bldP spid="5" grpId="0" build="p"/>
     </p:bldLst>
   </p:timing>
 </p:sld>
@@ -5321,172 +5196,83 @@
         </p:nvSpPr>
         <p:spPr/>
         <p:txBody>
-          <a:bodyPr/>
-          <a:lstStyle/>
-          <a:p>
-            <a:r>
-              <a:rPr lang="sv-SE" dirty="0" smtClean="0"/>
-              <a:t>SOLID</a:t>
-            </a:r>
-            <a:endParaRPr lang="sv-SE" dirty="0"/>
-          </a:p>
-        </p:txBody>
-      </p:sp>
-      <p:sp>
-        <p:nvSpPr>
-          <p:cNvPr id="3" name="TextBox 2"/>
-          <p:cNvSpPr txBox="1"/>
-          <p:nvPr/>
-        </p:nvSpPr>
-        <p:spPr>
-          <a:xfrm>
-            <a:off x="500034" y="1714488"/>
-            <a:ext cx="7000924" cy="4247317"/>
-          </a:xfrm>
-          <a:prstGeom prst="rect">
-            <a:avLst/>
-          </a:prstGeom>
-          <a:noFill/>
-        </p:spPr>
-        <p:txBody>
-          <a:bodyPr wrap="square" rtlCol="0">
-            <a:spAutoFit/>
+          <a:bodyPr>
+            <a:normAutofit fontScale="90000"/>
           </a:bodyPr>
           <a:lstStyle/>
           <a:p>
             <a:r>
               <a:rPr lang="sv-SE" dirty="0" smtClean="0"/>
-              <a:t>Decades of experience birthing 5 principles coined by Robert C Martin Slightly rephrased to be more generic.</a:t>
-            </a:r>
-          </a:p>
-          <a:p>
-            <a:endParaRPr lang="sv-SE" dirty="0" smtClean="0"/>
+              <a:t>So how is that relevant to C# coders?</a:t>
+            </a:r>
+            <a:endParaRPr lang="sv-SE" dirty="0"/>
+          </a:p>
+        </p:txBody>
+      </p:sp>
+      <p:sp>
+        <p:nvSpPr>
+          <p:cNvPr id="5" name="Content Placeholder 4"/>
+          <p:cNvSpPr>
+            <a:spLocks noGrp="1"/>
+          </p:cNvSpPr>
+          <p:nvPr>
+            <p:ph idx="1"/>
+          </p:nvPr>
+        </p:nvSpPr>
+        <p:spPr/>
+        <p:txBody>
+          <a:bodyPr>
+            <a:normAutofit/>
+          </a:bodyPr>
+          <a:lstStyle/>
+          <a:p>
+            <a:r>
+              <a:rPr lang="sv-SE" sz="2000" dirty="0" smtClean="0"/>
+              <a:t>Linq operators are pure functions</a:t>
+            </a:r>
+          </a:p>
+          <a:p>
+            <a:r>
+              <a:rPr lang="sv-SE" sz="2000" dirty="0" smtClean="0"/>
+              <a:t>Linq operators do not modify state</a:t>
+            </a:r>
+          </a:p>
+          <a:p>
+            <a:r>
+              <a:rPr lang="sv-SE" sz="2000" dirty="0" smtClean="0"/>
+              <a:t>Many Linq operators are higher order functions</a:t>
+            </a:r>
+          </a:p>
+          <a:p>
+            <a:r>
+              <a:rPr lang="sv-SE" sz="2000" dirty="0" smtClean="0"/>
+              <a:t>Lambdas are closures</a:t>
+            </a:r>
+          </a:p>
+          <a:p>
+            <a:r>
+              <a:rPr lang="sv-SE" sz="2000" dirty="0" smtClean="0"/>
+              <a:t>Linq code is declarative in style</a:t>
+            </a:r>
+          </a:p>
+          <a:p>
+            <a:r>
+              <a:rPr lang="sv-SE" sz="2000" dirty="0" smtClean="0"/>
+              <a:t>Query comprehension syntax is a variation on other </a:t>
+            </a:r>
+            <a:br>
+              <a:rPr lang="sv-SE" sz="2000" dirty="0" smtClean="0"/>
+            </a:br>
+            <a:r>
+              <a:rPr lang="sv-SE" sz="2000" dirty="0" smtClean="0"/>
+              <a:t>  languages monad comprehension syntax.</a:t>
+            </a:r>
           </a:p>
           <a:p>
             <a:pPr>
-              <a:buFont typeface="Arial" pitchFamily="34" charset="0"/>
-              <a:buChar char="•"/>
+              <a:buNone/>
             </a:pPr>
-            <a:r>
-              <a:rPr lang="sv-SE" dirty="0" smtClean="0"/>
-              <a:t>The </a:t>
-            </a:r>
-            <a:r>
-              <a:rPr lang="sv-SE" u="sng" dirty="0" smtClean="0"/>
-              <a:t>S</a:t>
-            </a:r>
-            <a:r>
-              <a:rPr lang="sv-SE" dirty="0" smtClean="0"/>
-              <a:t>ingle Responsibility Principle	</a:t>
-            </a:r>
-            <a:br>
-              <a:rPr lang="sv-SE" dirty="0" smtClean="0"/>
-            </a:br>
-            <a:r>
-              <a:rPr lang="sv-SE" dirty="0" smtClean="0"/>
-              <a:t>	A code construct should have one and and only one reason to 	change</a:t>
-            </a:r>
-          </a:p>
-          <a:p>
-            <a:pPr>
-              <a:buFont typeface="Arial" pitchFamily="34" charset="0"/>
-              <a:buChar char="•"/>
-            </a:pPr>
-            <a:r>
-              <a:rPr lang="sv-SE" dirty="0" smtClean="0"/>
-              <a:t>The </a:t>
-            </a:r>
-            <a:r>
-              <a:rPr lang="sv-SE" u="sng" dirty="0" smtClean="0"/>
-              <a:t>O</a:t>
-            </a:r>
-            <a:r>
-              <a:rPr lang="sv-SE" dirty="0" smtClean="0"/>
-              <a:t>pen Closed Principle</a:t>
-            </a:r>
-            <a:br>
-              <a:rPr lang="sv-SE" dirty="0" smtClean="0"/>
-            </a:br>
-            <a:r>
-              <a:rPr lang="sv-SE" dirty="0" smtClean="0"/>
-              <a:t>	You should be able to extend a code construct’s behavior 	without modifying it</a:t>
-            </a:r>
-          </a:p>
-          <a:p>
-            <a:pPr>
-              <a:buFont typeface="Arial" pitchFamily="34" charset="0"/>
-              <a:buChar char="•"/>
-            </a:pPr>
-            <a:r>
-              <a:rPr lang="sv-SE" dirty="0" smtClean="0"/>
-              <a:t>The </a:t>
-            </a:r>
-            <a:r>
-              <a:rPr lang="sv-SE" u="sng" dirty="0" smtClean="0"/>
-              <a:t>L</a:t>
-            </a:r>
-            <a:r>
-              <a:rPr lang="sv-SE" dirty="0" smtClean="0"/>
-              <a:t>iskov Substitution Principle</a:t>
-            </a:r>
-            <a:br>
-              <a:rPr lang="sv-SE" dirty="0" smtClean="0"/>
-            </a:br>
-            <a:r>
-              <a:rPr lang="sv-SE" dirty="0" smtClean="0"/>
-              <a:t>	Derived classes must be substitutable for their base classes</a:t>
-            </a:r>
-          </a:p>
-          <a:p>
-            <a:pPr>
-              <a:buFont typeface="Arial" pitchFamily="34" charset="0"/>
-              <a:buChar char="•"/>
-            </a:pPr>
-            <a:r>
-              <a:rPr lang="sv-SE" dirty="0" smtClean="0"/>
-              <a:t>The </a:t>
-            </a:r>
-            <a:r>
-              <a:rPr lang="sv-SE" u="sng" dirty="0" smtClean="0"/>
-              <a:t>I</a:t>
-            </a:r>
-            <a:r>
-              <a:rPr lang="sv-SE" dirty="0" smtClean="0"/>
-              <a:t>nterface Segregation Principle</a:t>
-            </a:r>
-            <a:br>
-              <a:rPr lang="sv-SE" dirty="0" smtClean="0"/>
-            </a:br>
-            <a:r>
-              <a:rPr lang="sv-SE" dirty="0" smtClean="0"/>
-              <a:t>	Make fine grained interfaces that are client specific</a:t>
-            </a:r>
-          </a:p>
-          <a:p>
-            <a:pPr>
-              <a:buFont typeface="Arial" pitchFamily="34" charset="0"/>
-              <a:buChar char="•"/>
-            </a:pPr>
-            <a:r>
-              <a:rPr lang="sv-SE" dirty="0" smtClean="0"/>
-              <a:t>The </a:t>
-            </a:r>
-            <a:r>
-              <a:rPr lang="sv-SE" u="sng" dirty="0" smtClean="0"/>
-              <a:t>D</a:t>
-            </a:r>
-            <a:r>
-              <a:rPr lang="sv-SE" dirty="0" smtClean="0"/>
-              <a:t>ependency Inversion Principle</a:t>
-            </a:r>
-            <a:br>
-              <a:rPr lang="sv-SE" dirty="0" smtClean="0"/>
-            </a:br>
-            <a:r>
-              <a:rPr lang="sv-SE" dirty="0" smtClean="0"/>
-              <a:t>	Depend on abstractions, not on concretions</a:t>
-            </a:r>
-            <a:endParaRPr lang="sv-SE" dirty="0"/>
+            <a:endParaRPr lang="sv-SE" sz="2000" dirty="0"/>
           </a:p>
         </p:txBody>
       </p:sp>
@@ -5516,7 +5302,7 @@
                             </p:stCondLst>
                             <p:childTnLst>
                               <p:par>
-                                <p:cTn id="5" presetID="22" presetClass="entr" presetSubtype="4" fill="hold" grpId="0" nodeType="clickEffect">
+                                <p:cTn id="5" presetID="2" presetClass="entr" presetSubtype="4" fill="hold" grpId="0" nodeType="clickEffect">
                                   <p:stCondLst>
                                     <p:cond delay="0"/>
                                   </p:stCondLst>
@@ -5529,7 +5315,7 @@
                                           </p:stCondLst>
                                         </p:cTn>
                                         <p:tgtEl>
-                                          <p:spTgt spid="3">
+                                          <p:spTgt spid="5">
                                             <p:txEl>
                                               <p:pRg st="0" end="0"/>
                                             </p:txEl>
@@ -5543,18 +5329,60 @@
                                         <p:strVal val="visible"/>
                                       </p:to>
                                     </p:set>
-                                    <p:animEffect transition="in" filter="wipe(down)">
-                                      <p:cBhvr>
-                                        <p:cTn id="7" dur="500"/>
-                                        <p:tgtEl>
-                                          <p:spTgt spid="3">
+                                    <p:anim calcmode="lin" valueType="num">
+                                      <p:cBhvr additive="base">
+                                        <p:cTn id="7" dur="500" fill="hold"/>
+                                        <p:tgtEl>
+                                          <p:spTgt spid="5">
                                             <p:txEl>
                                               <p:pRg st="0" end="0"/>
                                             </p:txEl>
                                           </p:spTgt>
                                         </p:tgtEl>
-                                      </p:cBhvr>
-                                    </p:animEffect>
+                                        <p:attrNameLst>
+                                          <p:attrName>ppt_x</p:attrName>
+                                        </p:attrNameLst>
+                                      </p:cBhvr>
+                                      <p:tavLst>
+                                        <p:tav tm="0">
+                                          <p:val>
+                                            <p:strVal val="#ppt_x"/>
+                                          </p:val>
+                                        </p:tav>
+                                        <p:tav tm="100000">
+                                          <p:val>
+                                            <p:strVal val="#ppt_x"/>
+                                          </p:val>
+                                        </p:tav>
+                                      </p:tavLst>
+                                    </p:anim>
+                                    <p:anim calcmode="lin" valueType="num">
+                                      <p:cBhvr additive="base">
+                                        <p:cTn id="8" dur="500" fill="hold"/>
+                                        <p:tgtEl>
+                                          <p:spTgt spid="5">
+                                            <p:txEl>
+                                              <p:pRg st="0" end="0"/>
+                                            </p:txEl>
+                                          </p:spTgt>
+                                        </p:tgtEl>
+                                        <p:attrNameLst>
+                                          <p:attrName>ppt_y</p:attrName>
+                                        </p:attrNameLst>
+                                      </p:cBhvr>
+                                      <p:tavLst>
+                                        <p:tav tm="0">
+                                          <p:val>
+                                            <p:strVal val="1+#ppt_h/2"/>
+                                          </p:val>
+                                        </p:tav>
+                                        <p:tav tm="100000">
+                                          <p:val>
+                                            <p:strVal val="#ppt_y"/>
+                                          </p:val>
+                                        </p:tav>
+                                      </p:tavLst>
+                                    </p:anim>
                                   </p:childTnLst>
                                 </p:cTn>
                               </p:par>
@@ -5565,34 +5393,34 @@
                     </p:cTn>
                   </p:par>
                   <p:par>
-                    <p:cTn id="8" fill="hold">
+                    <p:cTn id="9" fill="hold">
                       <p:stCondLst>
                         <p:cond delay="indefinite"/>
                       </p:stCondLst>
                       <p:childTnLst>
                         <p:par>
-                          <p:cTn id="9" fill="hold">
+                          <p:cTn id="10" fill="hold">
                             <p:stCondLst>
                               <p:cond delay="0"/>
                             </p:stCondLst>
                             <p:childTnLst>
                               <p:par>
-                                <p:cTn id="10" presetID="22" presetClass="entr" presetSubtype="4" fill="hold" grpId="0" nodeType="clickEffect">
+                                <p:cTn id="11" presetID="2" presetClass="entr" presetSubtype="4" fill="hold" grpId="0" nodeType="clickEffect">
                                   <p:stCondLst>
                                     <p:cond delay="0"/>
                                   </p:stCondLst>
                                   <p:childTnLst>
                                     <p:set>
                                       <p:cBhvr>
-                                        <p:cTn id="11" dur="1" fill="hold">
+                                        <p:cTn id="12" dur="1" fill="hold">
                                           <p:stCondLst>
                                             <p:cond delay="0"/>
                                           </p:stCondLst>
                                         </p:cTn>
                                         <p:tgtEl>
-                                          <p:spTgt spid="3">
-                                            <p:txEl>
-                                              <p:pRg st="2" end="2"/>
+                                          <p:spTgt spid="5">
+                                            <p:txEl>
+                                              <p:pRg st="1" end="1"/>
                                             </p:txEl>
                                           </p:spTgt>
                                         </p:tgtEl>
@@ -5604,18 +5432,60 @@
                                         <p:strVal val="visible"/>
                                       </p:to>
                                     </p:set>
-                                    <p:animEffect transition="in" filter="wipe(down)">
-                                      <p:cBhvr>
-                                        <p:cTn id="12" dur="500"/>
-                                        <p:tgtEl>
-                                          <p:spTgt spid="3">
-                                            <p:txEl>
-                                              <p:pRg st="2" end="2"/>
-                                            </p:txEl>
-                                          </p:spTgt>
-                                        </p:tgtEl>
-                                      </p:cBhvr>
-                                    </p:animEffect>
+                                    <p:anim calcmode="lin" valueType="num">
+                                      <p:cBhvr additive="base">
+                                        <p:cTn id="13" dur="500" fill="hold"/>
+                                        <p:tgtEl>
+                                          <p:spTgt spid="5">
+                                            <p:txEl>
+                                              <p:pRg st="1" end="1"/>
+                                            </p:txEl>
+                                          </p:spTgt>
+                                        </p:tgtEl>
+                                        <p:attrNameLst>
+                                          <p:attrName>ppt_x</p:attrName>
+                                        </p:attrNameLst>
+                                      </p:cBhvr>
+                                      <p:tavLst>
+                                        <p:tav tm="0">
+                                          <p:val>
+                                            <p:strVal val="#ppt_x"/>
+                                          </p:val>
+                                        </p:tav>
+                                        <p:tav tm="100000">
+                                          <p:val>
+                                            <p:strVal val="#ppt_x"/>
+                                          </p:val>
+                                        </p:tav>
+                                      </p:tavLst>
+                                    </p:anim>
+                                    <p:anim calcmode="lin" valueType="num">
+                                      <p:cBhvr additive="base">
+                                        <p:cTn id="14" dur="500" fill="hold"/>
+                                        <p:tgtEl>
+                                          <p:spTgt spid="5">
+                                            <p:txEl>
+                                              <p:pRg st="1" end="1"/>
+                                            </p:txEl>
+                                          </p:spTgt>
+                                        </p:tgtEl>
+                                        <p:attrNameLst>
+                                          <p:attrName>ppt_y</p:attrName>
+                                        </p:attrNameLst>
+                                      </p:cBhvr>
+                                      <p:tavLst>
+                                        <p:tav tm="0">
+                                          <p:val>
+                                            <p:strVal val="1+#ppt_h/2"/>
+                                          </p:val>
+                                        </p:tav>
+                                        <p:tav tm="100000">
+                                          <p:val>
+                                            <p:strVal val="#ppt_y"/>
+                                          </p:val>
+                                        </p:tav>
+                                      </p:tavLst>
+                                    </p:anim>
                                   </p:childTnLst>
                                 </p:cTn>
                               </p:par>
@@ -5626,34 +5496,34 @@
                     </p:cTn>
                   </p:par>
                   <p:par>
-                    <p:cTn id="13" fill="hold">
+                    <p:cTn id="15" fill="hold">
                       <p:stCondLst>
                         <p:cond delay="indefinite"/>
                       </p:stCondLst>
                       <p:childTnLst>
                         <p:par>
-                          <p:cTn id="14" fill="hold">
+                          <p:cTn id="16" fill="hold">
                             <p:stCondLst>
                               <p:cond delay="0"/>
                             </p:stCondLst>
                             <p:childTnLst>
                               <p:par>
-                                <p:cTn id="15" presetID="22" presetClass="entr" presetSubtype="4" fill="hold" grpId="0" nodeType="clickEffect">
+                                <p:cTn id="17" presetID="2" presetClass="entr" presetSubtype="4" fill="hold" grpId="0" nodeType="clickEffect">
                                   <p:stCondLst>
                                     <p:cond delay="0"/>
                                   </p:stCondLst>
                                   <p:childTnLst>
                                     <p:set>
                                       <p:cBhvr>
-                                        <p:cTn id="16" dur="1" fill="hold">
+                                        <p:cTn id="18" dur="1" fill="hold">
                                           <p:stCondLst>
                                             <p:cond delay="0"/>
                                           </p:stCondLst>
                                         </p:cTn>
                                         <p:tgtEl>
-                                          <p:spTgt spid="3">
-                                            <p:txEl>
-                                              <p:pRg st="3" end="3"/>
+                                          <p:spTgt spid="5">
+                                            <p:txEl>
+                                              <p:pRg st="2" end="2"/>
                                             </p:txEl>
                                           </p:spTgt>
                                         </p:tgtEl>
@@ -5665,18 +5535,60 @@
                                         <p:strVal val="visible"/>
                                       </p:to>
                                     </p:set>
-                                    <p:animEffect transition="in" filter="wipe(down)">
-                                      <p:cBhvr>
-                                        <p:cTn id="17" dur="500"/>
-                                        <p:tgtEl>
-                                          <p:spTgt spid="3">
-                                            <p:txEl>
-                                              <p:pRg st="3" end="3"/>
-                                            </p:txEl>
-                                          </p:spTgt>
-                                        </p:tgtEl>
-                                      </p:cBhvr>
-                                    </p:animEffect>
+                                    <p:anim calcmode="lin" valueType="num">
+                                      <p:cBhvr additive="base">
+                                        <p:cTn id="19" dur="500" fill="hold"/>
+                                        <p:tgtEl>
+                                          <p:spTgt spid="5">
+                                            <p:txEl>
+                                              <p:pRg st="2" end="2"/>
+                                            </p:txEl>
+                                          </p:spTgt>
+                                        </p:tgtEl>
+                                        <p:attrNameLst>
+                                          <p:attrName>ppt_x</p:attrName>
+                                        </p:attrNameLst>
+                                      </p:cBhvr>
+                                      <p:tavLst>
+                                        <p:tav tm="0">
+                                          <p:val>
+                                            <p:strVal val="#ppt_x"/>
+                                          </p:val>
+                                        </p:tav>
+                                        <p:tav tm="100000">
+                                          <p:val>
+                                            <p:strVal val="#ppt_x"/>
+                                          </p:val>
+                                        </p:tav>
+                                      </p:tavLst>
+                                    </p:anim>
+                                    <p:anim calcmode="lin" valueType="num">
+                                      <p:cBhvr additive="base">
+                                        <p:cTn id="20" dur="500" fill="hold"/>
+                                        <p:tgtEl>
+                                          <p:spTgt spid="5">
+                                            <p:txEl>
+                                              <p:pRg st="2" end="2"/>
+                                            </p:txEl>
+                                          </p:spTgt>
+                                        </p:tgtEl>
+                                        <p:attrNameLst>
+                                          <p:attrName>ppt_y</p:attrName>
+                                        </p:attrNameLst>
+                                      </p:cBhvr>
+                                      <p:tavLst>
+                                        <p:tav tm="0">
+                                          <p:val>
+                                            <p:strVal val="1+#ppt_h/2"/>
+                                          </p:val>
+                                        </p:tav>
+                                        <p:tav tm="100000">
+                                          <p:val>
+                                            <p:strVal val="#ppt_y"/>
+                                          </p:val>
+                                        </p:tav>
+                                      </p:tavLst>
+                                    </p:anim>
                                   </p:childTnLst>
                                 </p:cTn>
                               </p:par>
@@ -5687,34 +5599,34 @@
                     </p:cTn>
                   </p:par>
                   <p:par>
-                    <p:cTn id="18" fill="hold">
+                    <p:cTn id="21" fill="hold">
                       <p:stCondLst>
                         <p:cond delay="indefinite"/>
                       </p:stCondLst>
                       <p:childTnLst>
                         <p:par>
-                          <p:cTn id="19" fill="hold">
+                          <p:cTn id="22" fill="hold">
                             <p:stCondLst>
                               <p:cond delay="0"/>
                             </p:stCondLst>
                             <p:childTnLst>
                               <p:par>
-                                <p:cTn id="20" presetID="22" presetClass="entr" presetSubtype="4" fill="hold" grpId="0" nodeType="clickEffect">
+                                <p:cTn id="23" presetID="2" presetClass="entr" presetSubtype="4" fill="hold" grpId="0" nodeType="clickEffect">
                                   <p:stCondLst>
                                     <p:cond delay="0"/>
                                   </p:stCondLst>
                                   <p:childTnLst>
                                     <p:set>
                                       <p:cBhvr>
-                                        <p:cTn id="21" dur="1" fill="hold">
+                                        <p:cTn id="24" dur="1" fill="hold">
                                           <p:stCondLst>
                                             <p:cond delay="0"/>
                                           </p:stCondLst>
                                         </p:cTn>
                                         <p:tgtEl>
-                                          <p:spTgt spid="3">
-                                            <p:txEl>
-                                              <p:pRg st="4" end="4"/>
+                                          <p:spTgt spid="5">
+                                            <p:txEl>
+                                              <p:pRg st="3" end="3"/>
                                             </p:txEl>
                                           </p:spTgt>
                                         </p:tgtEl>
@@ -5726,18 +5638,60 @@
                                         <p:strVal val="visible"/>
                                       </p:to>
                                     </p:set>
-                                    <p:animEffect transition="in" filter="wipe(down)">
-                                      <p:cBhvr>
-                                        <p:cTn id="22" dur="500"/>
-                                        <p:tgtEl>
-                                          <p:spTgt spid="3">
-                                            <p:txEl>
-                                              <p:pRg st="4" end="4"/>
-                                            </p:txEl>
-                                          </p:spTgt>
-                                        </p:tgtEl>
-                                      </p:cBhvr>
-                                    </p:animEffect>
+                                    <p:anim calcmode="lin" valueType="num">
+                                      <p:cBhvr additive="base">
+                                        <p:cTn id="25" dur="500" fill="hold"/>
+                                        <p:tgtEl>
+                                          <p:spTgt spid="5">
+                                            <p:txEl>
+                                              <p:pRg st="3" end="3"/>
+                                            </p:txEl>
+                                          </p:spTgt>
+                                        </p:tgtEl>
+                                        <p:attrNameLst>
+                                          <p:attrName>ppt_x</p:attrName>
+                                        </p:attrNameLst>
+                                      </p:cBhvr>
+                                      <p:tavLst>
+                                        <p:tav tm="0">
+                                          <p:val>
+                                            <p:strVal val="#ppt_x"/>
+                                          </p:val>
+                                        </p:tav>
+                                        <p:tav tm="100000">
+                                          <p:val>
+                                            <p:strVal val="#ppt_x"/>
+                                          </p:val>
+                                        </p:tav>
+                                      </p:tavLst>
+                                    </p:anim>
+                                    <p:anim calcmode="lin" valueType="num">
+                                      <p:cBhvr additive="base">
+                                        <p:cTn id="26" dur="500" fill="hold"/>
+                                        <p:tgtEl>
+                                          <p:spTgt spid="5">
+                                            <p:txEl>
+                                              <p:pRg st="3" end="3"/>
+                                            </p:txEl>
+                                          </p:spTgt>
+                                        </p:tgtEl>
+                                        <p:attrNameLst>
+                                          <p:attrName>ppt_y</p:attrName>
+                                        </p:attrNameLst>
+                                      </p:cBhvr>
+                                      <p:tavLst>
+                                        <p:tav tm="0">
+                                          <p:val>
+                                            <p:strVal val="1+#ppt_h/2"/>
+                                          </p:val>
+                                        </p:tav>
+                                        <p:tav tm="100000">
+                                          <p:val>
+                                            <p:strVal val="#ppt_y"/>
+                                          </p:val>
+                                        </p:tav>
+                                      </p:tavLst>
+                                    </p:anim>
                                   </p:childTnLst>
                                 </p:cTn>
                               </p:par>
@@ -5748,34 +5702,34 @@
                     </p:cTn>
                   </p:par>
                   <p:par>
-                    <p:cTn id="23" fill="hold">
+                    <p:cTn id="27" fill="hold">
                       <p:stCondLst>
                         <p:cond delay="indefinite"/>
                       </p:stCondLst>
                       <p:childTnLst>
                         <p:par>
-                          <p:cTn id="24" fill="hold">
+                          <p:cTn id="28" fill="hold">
                             <p:stCondLst>
                               <p:cond delay="0"/>
                             </p:stCondLst>
                             <p:childTnLst>
                               <p:par>
-                                <p:cTn id="25" presetID="22" presetClass="entr" presetSubtype="4" fill="hold" grpId="0" nodeType="clickEffect">
+                                <p:cTn id="29" presetID="2" presetClass="entr" presetSubtype="4" fill="hold" grpId="0" nodeType="clickEffect">
                                   <p:stCondLst>
                                     <p:cond delay="0"/>
                                   </p:stCondLst>
                                   <p:childTnLst>
                                     <p:set>
                                       <p:cBhvr>
-                                        <p:cTn id="26" dur="1" fill="hold">
+                                        <p:cTn id="30" dur="1" fill="hold">
                                           <p:stCondLst>
                                             <p:cond delay="0"/>
                                           </p:stCondLst>
                                         </p:cTn>
                                         <p:tgtEl>
-                                          <p:spTgt spid="3">
-                                            <p:txEl>
-                                              <p:pRg st="5" end="5"/>
+                                          <p:spTgt spid="5">
+                                            <p:txEl>
+                                              <p:pRg st="4" end="4"/>
                                             </p:txEl>
                                           </p:spTgt>
                                         </p:tgtEl>
@@ -5787,18 +5741,60 @@
                                         <p:strVal val="visible"/>
                                       </p:to>
                                     </p:set>
-                                    <p:animEffect transition="in" filter="wipe(down)">
-                                      <p:cBhvr>
-                                        <p:cTn id="27" dur="500"/>
-                                        <p:tgtEl>
-                                          <p:spTgt spid="3">
-                                            <p:txEl>
-                                              <p:pRg st="5" end="5"/>
-                                            </p:txEl>
-                                          </p:spTgt>
-                                        </p:tgtEl>
-                                      </p:cBhvr>
-                                    </p:animEffect>
+                                    <p:anim calcmode="lin" valueType="num">
+                                      <p:cBhvr additive="base">
+                                        <p:cTn id="31" dur="500" fill="hold"/>
+                                        <p:tgtEl>
+                                          <p:spTgt spid="5">
+                                            <p:txEl>
+                                              <p:pRg st="4" end="4"/>
+                                            </p:txEl>
+                                          </p:spTgt>
+                                        </p:tgtEl>
+                                        <p:attrNameLst>
+                                          <p:attrName>ppt_x</p:attrName>
+                                        </p:attrNameLst>
+                                      </p:cBhvr>
+                                      <p:tavLst>
+                                        <p:tav tm="0">
+                                          <p:val>
+                                            <p:strVal val="#ppt_x"/>
+                                          </p:val>
+                                        </p:tav>
+                                        <p:tav tm="100000">
+                                          <p:val>
+                                            <p:strVal val="#ppt_x"/>
+                                          </p:val>
+                                        </p:tav>
+                                      </p:tavLst>
+                                    </p:anim>
+                                    <p:anim calcmode="lin" valueType="num">
+                                      <p:cBhvr additive="base">
+                                        <p:cTn id="32" dur="500" fill="hold"/>
+                                        <p:tgtEl>
+                                          <p:spTgt spid="5">
+                                            <p:txEl>
+                                              <p:pRg st="4" end="4"/>
+                                            </p:txEl>
+                                          </p:spTgt>
+                                        </p:tgtEl>
+                                        <p:attrNameLst>
+                                          <p:attrName>ppt_y</p:attrName>
+                                        </p:attrNameLst>
+                                      </p:cBhvr>
+                                      <p:tavLst>
+                                        <p:tav tm="0">
+                                          <p:val>
+                                            <p:strVal val="1+#ppt_h/2"/>
+                                          </p:val>
+                                        </p:tav>
+                                        <p:tav tm="100000">
+                                          <p:val>
+                                            <p:strVal val="#ppt_y"/>
+                                          </p:val>
+                                        </p:tav>
+                                      </p:tavLst>
+                                    </p:anim>
                                   </p:childTnLst>
                                 </p:cTn>
                               </p:par>
@@ -5809,34 +5805,34 @@
                     </p:cTn>
                   </p:par>
                   <p:par>
-                    <p:cTn id="28" fill="hold">
+                    <p:cTn id="33" fill="hold">
                       <p:stCondLst>
                         <p:cond delay="indefinite"/>
                       </p:stCondLst>
                       <p:childTnLst>
                         <p:par>
-                          <p:cTn id="29" fill="hold">
+                          <p:cTn id="34" fill="hold">
                             <p:stCondLst>
                               <p:cond delay="0"/>
                             </p:stCondLst>
                             <p:childTnLst>
                               <p:par>
-                                <p:cTn id="30" presetID="22" presetClass="entr" presetSubtype="4" fill="hold" grpId="0" nodeType="clickEffect">
+                                <p:cTn id="35" presetID="2" presetClass="entr" presetSubtype="4" fill="hold" grpId="0" nodeType="clickEffect">
                                   <p:stCondLst>
                                     <p:cond delay="0"/>
                                   </p:stCondLst>
                                   <p:childTnLst>
                                     <p:set>
                                       <p:cBhvr>
-                                        <p:cTn id="31" dur="1" fill="hold">
+                                        <p:cTn id="36" dur="1" fill="hold">
                                           <p:stCondLst>
                                             <p:cond delay="0"/>
                                           </p:stCondLst>
                                         </p:cTn>
                                         <p:tgtEl>
-                                          <p:spTgt spid="3">
-                                            <p:txEl>
-                                              <p:pRg st="6" end="6"/>
+                                          <p:spTgt spid="5">
+                                            <p:txEl>
+                                              <p:pRg st="5" end="5"/>
                                             </p:txEl>
                                           </p:spTgt>
                                         </p:tgtEl>
@@ -5848,18 +5844,1501 @@
                                         <p:strVal val="visible"/>
                                       </p:to>
                                     </p:set>
-                                    <p:animEffect transition="in" filter="wipe(down)">
+                                    <p:anim calcmode="lin" valueType="num">
+                                      <p:cBhvr additive="base">
+                                        <p:cTn id="37" dur="500" fill="hold"/>
+                                        <p:tgtEl>
+                                          <p:spTgt spid="5">
+                                            <p:txEl>
+                                              <p:pRg st="5" end="5"/>
+                                            </p:txEl>
+                                          </p:spTgt>
+                                        </p:tgtEl>
+                                        <p:attrNameLst>
+                                          <p:attrName>ppt_x</p:attrName>
+                                        </p:attrNameLst>
+                                      </p:cBhvr>
+                                      <p:tavLst>
+                                        <p:tav tm="0">
+                                          <p:val>
+                                            <p:strVal val="#ppt_x"/>
+                                          </p:val>
+                                        </p:tav>
+                                        <p:tav tm="100000">
+                                          <p:val>
+                                            <p:strVal val="#ppt_x"/>
+                                          </p:val>
+                                        </p:tav>
+                                      </p:tavLst>
+                                    </p:anim>
+                                    <p:anim calcmode="lin" valueType="num">
+                                      <p:cBhvr additive="base">
+                                        <p:cTn id="38" dur="500" fill="hold"/>
+                                        <p:tgtEl>
+                                          <p:spTgt spid="5">
+                                            <p:txEl>
+                                              <p:pRg st="5" end="5"/>
+                                            </p:txEl>
+                                          </p:spTgt>
+                                        </p:tgtEl>
+                                        <p:attrNameLst>
+                                          <p:attrName>ppt_y</p:attrName>
+                                        </p:attrNameLst>
+                                      </p:cBhvr>
+                                      <p:tavLst>
+                                        <p:tav tm="0">
+                                          <p:val>
+                                            <p:strVal val="1+#ppt_h/2"/>
+                                          </p:val>
+                                        </p:tav>
+                                        <p:tav tm="100000">
+                                          <p:val>
+                                            <p:strVal val="#ppt_y"/>
+                                          </p:val>
+                                        </p:tav>
+                                      </p:tavLst>
+                                    </p:anim>
+                                  </p:childTnLst>
+                                </p:cTn>
+                              </p:par>
+                            </p:childTnLst>
+                          </p:cTn>
+                        </p:par>
+                      </p:childTnLst>
+                    </p:cTn>
+                  </p:par>
+                </p:childTnLst>
+              </p:cTn>
+              <p:prevCondLst>
+                <p:cond evt="onPrev" delay="0">
+                  <p:tgtEl>
+                    <p:sldTgt/>
+                  </p:tgtEl>
+                </p:cond>
+              </p:prevCondLst>
+              <p:nextCondLst>
+                <p:cond evt="onNext" delay="0">
+                  <p:tgtEl>
+                    <p:sldTgt/>
+                  </p:tgtEl>
+                </p:cond>
+              </p:nextCondLst>
+            </p:seq>
+          </p:childTnLst>
+        </p:cTn>
+      </p:par>
+    </p:tnLst>
+    <p:bldLst>
+      <p:bldP spid="5" grpId="0" build="p"/>
+    </p:bldLst>
+  </p:timing>
+</p:sld>
+</file>
+
+<file path=ppt/slides/slide5.xml><?xml version="1.0" encoding="utf-8"?>
+<p:sld xmlns:a="http://schemas.openxmlformats.org/drawingml/2006/main" xmlns:r="http://schemas.openxmlformats.org/officeDocument/2006/relationships" xmlns:p="http://schemas.openxmlformats.org/presentationml/2006/main">
+  <p:cSld>
+    <p:spTree>
+      <p:nvGrpSpPr>
+        <p:cNvPr id="1" name=""/>
+        <p:cNvGrpSpPr/>
+        <p:nvPr/>
+      </p:nvGrpSpPr>
+      <p:grpSpPr>
+        <a:xfrm>
+          <a:off x="0" y="0"/>
+          <a:ext cx="0" cy="0"/>
+          <a:chOff x="0" y="0"/>
+          <a:chExt cx="0" cy="0"/>
+        </a:xfrm>
+      </p:grpSpPr>
+      <p:sp>
+        <p:nvSpPr>
+          <p:cNvPr id="2" name="Title 1"/>
+          <p:cNvSpPr>
+            <a:spLocks noGrp="1"/>
+          </p:cNvSpPr>
+          <p:nvPr>
+            <p:ph type="title"/>
+          </p:nvPr>
+        </p:nvSpPr>
+        <p:spPr/>
+        <p:txBody>
+          <a:bodyPr/>
+          <a:lstStyle/>
+          <a:p>
+            <a:r>
+              <a:rPr lang="sv-SE" dirty="0" smtClean="0"/>
+              <a:t>In C# 3.0 YOU could write Linq</a:t>
+            </a:r>
+            <a:endParaRPr lang="sv-SE" dirty="0"/>
+          </a:p>
+        </p:txBody>
+      </p:sp>
+      <p:sp>
+        <p:nvSpPr>
+          <p:cNvPr id="3" name="Content Placeholder 2"/>
+          <p:cNvSpPr>
+            <a:spLocks noGrp="1"/>
+          </p:cNvSpPr>
+          <p:nvPr>
+            <p:ph idx="1"/>
+          </p:nvPr>
+        </p:nvSpPr>
+        <p:spPr/>
+        <p:txBody>
+          <a:bodyPr>
+            <a:normAutofit/>
+          </a:bodyPr>
+          <a:lstStyle/>
+          <a:p>
+            <a:r>
+              <a:rPr lang="sv-SE" sz="2000" dirty="0" smtClean="0"/>
+              <a:t>Linq is NOT a new language feature</a:t>
+            </a:r>
+            <a:br>
+              <a:rPr lang="sv-SE" sz="2000" dirty="0" smtClean="0"/>
+            </a:br>
+            <a:r>
+              <a:rPr lang="sv-SE" sz="2000" dirty="0" smtClean="0"/>
+              <a:t>Linq is a library written on top of new language features</a:t>
+            </a:r>
+          </a:p>
+          <a:p>
+            <a:r>
+              <a:rPr lang="sv-SE" sz="2000" dirty="0" smtClean="0"/>
+              <a:t>These language features are available to all C# developers</a:t>
+            </a:r>
+            <a:endParaRPr lang="sv-SE" sz="2000" dirty="0" smtClean="0"/>
+          </a:p>
+          <a:p>
+            <a:r>
+              <a:rPr lang="sv-SE" sz="2000" dirty="0" smtClean="0"/>
+              <a:t>There’s more than one Linq implementation</a:t>
+            </a:r>
+            <a:br>
+              <a:rPr lang="sv-SE" sz="2000" dirty="0" smtClean="0"/>
+            </a:br>
+            <a:r>
+              <a:rPr lang="sv-SE" sz="2000" dirty="0" smtClean="0"/>
+              <a:t>(Linqbridge </a:t>
+            </a:r>
+            <a:r>
+              <a:rPr lang="sv-SE" sz="2000" dirty="0" smtClean="0"/>
+              <a:t>for </a:t>
+            </a:r>
+            <a:r>
+              <a:rPr lang="sv-SE" sz="2000" dirty="0" smtClean="0"/>
+              <a:t>targeting .Net 2.0)</a:t>
+            </a:r>
+          </a:p>
+          <a:p>
+            <a:r>
+              <a:rPr lang="sv-SE" sz="2000" dirty="0" smtClean="0"/>
+              <a:t>There’s more than one Linq styled library</a:t>
+            </a:r>
+            <a:br>
+              <a:rPr lang="sv-SE" sz="2000" dirty="0" smtClean="0"/>
+            </a:br>
+            <a:r>
+              <a:rPr lang="sv-SE" sz="2000" dirty="0" smtClean="0"/>
+              <a:t>(Reactive Extensions)</a:t>
+            </a:r>
+          </a:p>
+          <a:p>
+            <a:endParaRPr lang="sv-SE" sz="2000" dirty="0" smtClean="0"/>
+          </a:p>
+        </p:txBody>
+      </p:sp>
+    </p:spTree>
+  </p:cSld>
+  <p:clrMapOvr>
+    <a:masterClrMapping/>
+  </p:clrMapOvr>
+  <p:timing>
+    <p:tnLst>
+      <p:par>
+        <p:cTn id="1" dur="indefinite" restart="never" nodeType="tmRoot">
+          <p:childTnLst>
+            <p:seq concurrent="1" nextAc="seek">
+              <p:cTn id="2" dur="indefinite" nodeType="mainSeq">
+                <p:childTnLst>
+                  <p:par>
+                    <p:cTn id="3" fill="hold">
+                      <p:stCondLst>
+                        <p:cond delay="indefinite"/>
+                      </p:stCondLst>
+                      <p:childTnLst>
+                        <p:par>
+                          <p:cTn id="4" fill="hold">
+                            <p:stCondLst>
+                              <p:cond delay="0"/>
+                            </p:stCondLst>
+                            <p:childTnLst>
+                              <p:par>
+                                <p:cTn id="5" presetID="2" presetClass="entr" presetSubtype="4" fill="hold" grpId="0" nodeType="clickEffect">
+                                  <p:stCondLst>
+                                    <p:cond delay="0"/>
+                                  </p:stCondLst>
+                                  <p:childTnLst>
+                                    <p:set>
                                       <p:cBhvr>
-                                        <p:cTn id="32" dur="500"/>
+                                        <p:cTn id="6" dur="1" fill="hold">
+                                          <p:stCondLst>
+                                            <p:cond delay="0"/>
+                                          </p:stCondLst>
+                                        </p:cTn>
                                         <p:tgtEl>
                                           <p:spTgt spid="3">
                                             <p:txEl>
+                                              <p:pRg st="0" end="0"/>
+                                            </p:txEl>
+                                          </p:spTgt>
+                                        </p:tgtEl>
+                                        <p:attrNameLst>
+                                          <p:attrName>style.visibility</p:attrName>
+                                        </p:attrNameLst>
+                                      </p:cBhvr>
+                                      <p:to>
+                                        <p:strVal val="visible"/>
+                                      </p:to>
+                                    </p:set>
+                                    <p:anim calcmode="lin" valueType="num">
+                                      <p:cBhvr additive="base">
+                                        <p:cTn id="7" dur="500" fill="hold"/>
+                                        <p:tgtEl>
+                                          <p:spTgt spid="3">
+                                            <p:txEl>
+                                              <p:pRg st="0" end="0"/>
+                                            </p:txEl>
+                                          </p:spTgt>
+                                        </p:tgtEl>
+                                        <p:attrNameLst>
+                                          <p:attrName>ppt_x</p:attrName>
+                                        </p:attrNameLst>
+                                      </p:cBhvr>
+                                      <p:tavLst>
+                                        <p:tav tm="0">
+                                          <p:val>
+                                            <p:strVal val="#ppt_x"/>
+                                          </p:val>
+                                        </p:tav>
+                                        <p:tav tm="100000">
+                                          <p:val>
+                                            <p:strVal val="#ppt_x"/>
+                                          </p:val>
+                                        </p:tav>
+                                      </p:tavLst>
+                                    </p:anim>
+                                    <p:anim calcmode="lin" valueType="num">
+                                      <p:cBhvr additive="base">
+                                        <p:cTn id="8" dur="500" fill="hold"/>
+                                        <p:tgtEl>
+                                          <p:spTgt spid="3">
+                                            <p:txEl>
+                                              <p:pRg st="0" end="0"/>
+                                            </p:txEl>
+                                          </p:spTgt>
+                                        </p:tgtEl>
+                                        <p:attrNameLst>
+                                          <p:attrName>ppt_y</p:attrName>
+                                        </p:attrNameLst>
+                                      </p:cBhvr>
+                                      <p:tavLst>
+                                        <p:tav tm="0">
+                                          <p:val>
+                                            <p:strVal val="1+#ppt_h/2"/>
+                                          </p:val>
+                                        </p:tav>
+                                        <p:tav tm="100000">
+                                          <p:val>
+                                            <p:strVal val="#ppt_y"/>
+                                          </p:val>
+                                        </p:tav>
+                                      </p:tavLst>
+                                    </p:anim>
+                                  </p:childTnLst>
+                                </p:cTn>
+                              </p:par>
+                            </p:childTnLst>
+                          </p:cTn>
+                        </p:par>
+                      </p:childTnLst>
+                    </p:cTn>
+                  </p:par>
+                  <p:par>
+                    <p:cTn id="9" fill="hold">
+                      <p:stCondLst>
+                        <p:cond delay="indefinite"/>
+                      </p:stCondLst>
+                      <p:childTnLst>
+                        <p:par>
+                          <p:cTn id="10" fill="hold">
+                            <p:stCondLst>
+                              <p:cond delay="0"/>
+                            </p:stCondLst>
+                            <p:childTnLst>
+                              <p:par>
+                                <p:cTn id="11" presetID="2" presetClass="entr" presetSubtype="4" fill="hold" grpId="0" nodeType="clickEffect">
+                                  <p:stCondLst>
+                                    <p:cond delay="0"/>
+                                  </p:stCondLst>
+                                  <p:childTnLst>
+                                    <p:set>
+                                      <p:cBhvr>
+                                        <p:cTn id="12" dur="1" fill="hold">
+                                          <p:stCondLst>
+                                            <p:cond delay="0"/>
+                                          </p:stCondLst>
+                                        </p:cTn>
+                                        <p:tgtEl>
+                                          <p:spTgt spid="3">
+                                            <p:txEl>
+                                              <p:pRg st="1" end="1"/>
+                                            </p:txEl>
+                                          </p:spTgt>
+                                        </p:tgtEl>
+                                        <p:attrNameLst>
+                                          <p:attrName>style.visibility</p:attrName>
+                                        </p:attrNameLst>
+                                      </p:cBhvr>
+                                      <p:to>
+                                        <p:strVal val="visible"/>
+                                      </p:to>
+                                    </p:set>
+                                    <p:anim calcmode="lin" valueType="num">
+                                      <p:cBhvr additive="base">
+                                        <p:cTn id="13" dur="500" fill="hold"/>
+                                        <p:tgtEl>
+                                          <p:spTgt spid="3">
+                                            <p:txEl>
+                                              <p:pRg st="1" end="1"/>
+                                            </p:txEl>
+                                          </p:spTgt>
+                                        </p:tgtEl>
+                                        <p:attrNameLst>
+                                          <p:attrName>ppt_x</p:attrName>
+                                        </p:attrNameLst>
+                                      </p:cBhvr>
+                                      <p:tavLst>
+                                        <p:tav tm="0">
+                                          <p:val>
+                                            <p:strVal val="#ppt_x"/>
+                                          </p:val>
+                                        </p:tav>
+                                        <p:tav tm="100000">
+                                          <p:val>
+                                            <p:strVal val="#ppt_x"/>
+                                          </p:val>
+                                        </p:tav>
+                                      </p:tavLst>
+                                    </p:anim>
+                                    <p:anim calcmode="lin" valueType="num">
+                                      <p:cBhvr additive="base">
+                                        <p:cTn id="14" dur="500" fill="hold"/>
+                                        <p:tgtEl>
+                                          <p:spTgt spid="3">
+                                            <p:txEl>
+                                              <p:pRg st="1" end="1"/>
+                                            </p:txEl>
+                                          </p:spTgt>
+                                        </p:tgtEl>
+                                        <p:attrNameLst>
+                                          <p:attrName>ppt_y</p:attrName>
+                                        </p:attrNameLst>
+                                      </p:cBhvr>
+                                      <p:tavLst>
+                                        <p:tav tm="0">
+                                          <p:val>
+                                            <p:strVal val="1+#ppt_h/2"/>
+                                          </p:val>
+                                        </p:tav>
+                                        <p:tav tm="100000">
+                                          <p:val>
+                                            <p:strVal val="#ppt_y"/>
+                                          </p:val>
+                                        </p:tav>
+                                      </p:tavLst>
+                                    </p:anim>
+                                  </p:childTnLst>
+                                </p:cTn>
+                              </p:par>
+                            </p:childTnLst>
+                          </p:cTn>
+                        </p:par>
+                      </p:childTnLst>
+                    </p:cTn>
+                  </p:par>
+                  <p:par>
+                    <p:cTn id="15" fill="hold">
+                      <p:stCondLst>
+                        <p:cond delay="indefinite"/>
+                      </p:stCondLst>
+                      <p:childTnLst>
+                        <p:par>
+                          <p:cTn id="16" fill="hold">
+                            <p:stCondLst>
+                              <p:cond delay="0"/>
+                            </p:stCondLst>
+                            <p:childTnLst>
+                              <p:par>
+                                <p:cTn id="17" presetID="2" presetClass="entr" presetSubtype="4" fill="hold" grpId="0" nodeType="clickEffect">
+                                  <p:stCondLst>
+                                    <p:cond delay="0"/>
+                                  </p:stCondLst>
+                                  <p:childTnLst>
+                                    <p:set>
+                                      <p:cBhvr>
+                                        <p:cTn id="18" dur="1" fill="hold">
+                                          <p:stCondLst>
+                                            <p:cond delay="0"/>
+                                          </p:stCondLst>
+                                        </p:cTn>
+                                        <p:tgtEl>
+                                          <p:spTgt spid="3">
+                                            <p:txEl>
+                                              <p:pRg st="2" end="2"/>
+                                            </p:txEl>
+                                          </p:spTgt>
+                                        </p:tgtEl>
+                                        <p:attrNameLst>
+                                          <p:attrName>style.visibility</p:attrName>
+                                        </p:attrNameLst>
+                                      </p:cBhvr>
+                                      <p:to>
+                                        <p:strVal val="visible"/>
+                                      </p:to>
+                                    </p:set>
+                                    <p:anim calcmode="lin" valueType="num">
+                                      <p:cBhvr additive="base">
+                                        <p:cTn id="19" dur="500" fill="hold"/>
+                                        <p:tgtEl>
+                                          <p:spTgt spid="3">
+                                            <p:txEl>
+                                              <p:pRg st="2" end="2"/>
+                                            </p:txEl>
+                                          </p:spTgt>
+                                        </p:tgtEl>
+                                        <p:attrNameLst>
+                                          <p:attrName>ppt_x</p:attrName>
+                                        </p:attrNameLst>
+                                      </p:cBhvr>
+                                      <p:tavLst>
+                                        <p:tav tm="0">
+                                          <p:val>
+                                            <p:strVal val="#ppt_x"/>
+                                          </p:val>
+                                        </p:tav>
+                                        <p:tav tm="100000">
+                                          <p:val>
+                                            <p:strVal val="#ppt_x"/>
+                                          </p:val>
+                                        </p:tav>
+                                      </p:tavLst>
+                                    </p:anim>
+                                    <p:anim calcmode="lin" valueType="num">
+                                      <p:cBhvr additive="base">
+                                        <p:cTn id="20" dur="500" fill="hold"/>
+                                        <p:tgtEl>
+                                          <p:spTgt spid="3">
+                                            <p:txEl>
+                                              <p:pRg st="2" end="2"/>
+                                            </p:txEl>
+                                          </p:spTgt>
+                                        </p:tgtEl>
+                                        <p:attrNameLst>
+                                          <p:attrName>ppt_y</p:attrName>
+                                        </p:attrNameLst>
+                                      </p:cBhvr>
+                                      <p:tavLst>
+                                        <p:tav tm="0">
+                                          <p:val>
+                                            <p:strVal val="1+#ppt_h/2"/>
+                                          </p:val>
+                                        </p:tav>
+                                        <p:tav tm="100000">
+                                          <p:val>
+                                            <p:strVal val="#ppt_y"/>
+                                          </p:val>
+                                        </p:tav>
+                                      </p:tavLst>
+                                    </p:anim>
+                                  </p:childTnLst>
+                                </p:cTn>
+                              </p:par>
+                            </p:childTnLst>
+                          </p:cTn>
+                        </p:par>
+                      </p:childTnLst>
+                    </p:cTn>
+                  </p:par>
+                  <p:par>
+                    <p:cTn id="21" fill="hold">
+                      <p:stCondLst>
+                        <p:cond delay="indefinite"/>
+                      </p:stCondLst>
+                      <p:childTnLst>
+                        <p:par>
+                          <p:cTn id="22" fill="hold">
+                            <p:stCondLst>
+                              <p:cond delay="0"/>
+                            </p:stCondLst>
+                            <p:childTnLst>
+                              <p:par>
+                                <p:cTn id="23" presetID="2" presetClass="entr" presetSubtype="4" fill="hold" grpId="0" nodeType="clickEffect">
+                                  <p:stCondLst>
+                                    <p:cond delay="0"/>
+                                  </p:stCondLst>
+                                  <p:childTnLst>
+                                    <p:set>
+                                      <p:cBhvr>
+                                        <p:cTn id="24" dur="1" fill="hold">
+                                          <p:stCondLst>
+                                            <p:cond delay="0"/>
+                                          </p:stCondLst>
+                                        </p:cTn>
+                                        <p:tgtEl>
+                                          <p:spTgt spid="3">
+                                            <p:txEl>
+                                              <p:pRg st="3" end="3"/>
+                                            </p:txEl>
+                                          </p:spTgt>
+                                        </p:tgtEl>
+                                        <p:attrNameLst>
+                                          <p:attrName>style.visibility</p:attrName>
+                                        </p:attrNameLst>
+                                      </p:cBhvr>
+                                      <p:to>
+                                        <p:strVal val="visible"/>
+                                      </p:to>
+                                    </p:set>
+                                    <p:anim calcmode="lin" valueType="num">
+                                      <p:cBhvr additive="base">
+                                        <p:cTn id="25" dur="500" fill="hold"/>
+                                        <p:tgtEl>
+                                          <p:spTgt spid="3">
+                                            <p:txEl>
+                                              <p:pRg st="3" end="3"/>
+                                            </p:txEl>
+                                          </p:spTgt>
+                                        </p:tgtEl>
+                                        <p:attrNameLst>
+                                          <p:attrName>ppt_x</p:attrName>
+                                        </p:attrNameLst>
+                                      </p:cBhvr>
+                                      <p:tavLst>
+                                        <p:tav tm="0">
+                                          <p:val>
+                                            <p:strVal val="#ppt_x"/>
+                                          </p:val>
+                                        </p:tav>
+                                        <p:tav tm="100000">
+                                          <p:val>
+                                            <p:strVal val="#ppt_x"/>
+                                          </p:val>
+                                        </p:tav>
+                                      </p:tavLst>
+                                    </p:anim>
+                                    <p:anim calcmode="lin" valueType="num">
+                                      <p:cBhvr additive="base">
+                                        <p:cTn id="26" dur="500" fill="hold"/>
+                                        <p:tgtEl>
+                                          <p:spTgt spid="3">
+                                            <p:txEl>
+                                              <p:pRg st="3" end="3"/>
+                                            </p:txEl>
+                                          </p:spTgt>
+                                        </p:tgtEl>
+                                        <p:attrNameLst>
+                                          <p:attrName>ppt_y</p:attrName>
+                                        </p:attrNameLst>
+                                      </p:cBhvr>
+                                      <p:tavLst>
+                                        <p:tav tm="0">
+                                          <p:val>
+                                            <p:strVal val="1+#ppt_h/2"/>
+                                          </p:val>
+                                        </p:tav>
+                                        <p:tav tm="100000">
+                                          <p:val>
+                                            <p:strVal val="#ppt_y"/>
+                                          </p:val>
+                                        </p:tav>
+                                      </p:tavLst>
+                                    </p:anim>
+                                  </p:childTnLst>
+                                </p:cTn>
+                              </p:par>
+                            </p:childTnLst>
+                          </p:cTn>
+                        </p:par>
+                      </p:childTnLst>
+                    </p:cTn>
+                  </p:par>
+                </p:childTnLst>
+              </p:cTn>
+              <p:prevCondLst>
+                <p:cond evt="onPrev" delay="0">
+                  <p:tgtEl>
+                    <p:sldTgt/>
+                  </p:tgtEl>
+                </p:cond>
+              </p:prevCondLst>
+              <p:nextCondLst>
+                <p:cond evt="onNext" delay="0">
+                  <p:tgtEl>
+                    <p:sldTgt/>
+                  </p:tgtEl>
+                </p:cond>
+              </p:nextCondLst>
+            </p:seq>
+          </p:childTnLst>
+        </p:cTn>
+      </p:par>
+    </p:tnLst>
+    <p:bldLst>
+      <p:bldP spid="3" grpId="0" build="p"/>
+    </p:bldLst>
+  </p:timing>
+</p:sld>
+</file>
+
+<file path=ppt/slides/slide6.xml><?xml version="1.0" encoding="utf-8"?>
+<p:sld xmlns:a="http://schemas.openxmlformats.org/drawingml/2006/main" xmlns:r="http://schemas.openxmlformats.org/officeDocument/2006/relationships" xmlns:p="http://schemas.openxmlformats.org/presentationml/2006/main">
+  <p:cSld>
+    <p:spTree>
+      <p:nvGrpSpPr>
+        <p:cNvPr id="1" name=""/>
+        <p:cNvGrpSpPr/>
+        <p:nvPr/>
+      </p:nvGrpSpPr>
+      <p:grpSpPr>
+        <a:xfrm>
+          <a:off x="0" y="0"/>
+          <a:ext cx="0" cy="0"/>
+          <a:chOff x="0" y="0"/>
+          <a:chExt cx="0" cy="0"/>
+        </a:xfrm>
+      </p:grpSpPr>
+      <p:sp>
+        <p:nvSpPr>
+          <p:cNvPr id="2" name="Title 1"/>
+          <p:cNvSpPr>
+            <a:spLocks noGrp="1"/>
+          </p:cNvSpPr>
+          <p:nvPr>
+            <p:ph type="title"/>
+          </p:nvPr>
+        </p:nvSpPr>
+        <p:spPr/>
+        <p:txBody>
+          <a:bodyPr/>
+          <a:lstStyle/>
+          <a:p>
+            <a:r>
+              <a:rPr lang="sv-SE" dirty="0" smtClean="0"/>
+              <a:t>New language features</a:t>
+            </a:r>
+            <a:endParaRPr lang="sv-SE" dirty="0"/>
+          </a:p>
+        </p:txBody>
+      </p:sp>
+      <p:sp>
+        <p:nvSpPr>
+          <p:cNvPr id="3" name="Content Placeholder 2"/>
+          <p:cNvSpPr>
+            <a:spLocks noGrp="1"/>
+          </p:cNvSpPr>
+          <p:nvPr>
+            <p:ph idx="1"/>
+          </p:nvPr>
+        </p:nvSpPr>
+        <p:spPr/>
+        <p:txBody>
+          <a:bodyPr>
+            <a:normAutofit/>
+          </a:bodyPr>
+          <a:lstStyle/>
+          <a:p>
+            <a:r>
+              <a:rPr lang="sv-SE" sz="2000" dirty="0" smtClean="0"/>
+              <a:t>Type inference and the var keyword</a:t>
+            </a:r>
+          </a:p>
+          <a:p>
+            <a:r>
+              <a:rPr lang="sv-SE" sz="2000" dirty="0" smtClean="0"/>
+              <a:t>Anonymous types</a:t>
+            </a:r>
+          </a:p>
+          <a:p>
+            <a:r>
+              <a:rPr lang="sv-SE" sz="2000" dirty="0" smtClean="0"/>
+              <a:t>Lamda expressions</a:t>
+            </a:r>
+          </a:p>
+          <a:p>
+            <a:r>
+              <a:rPr lang="sv-SE" sz="2000" dirty="0" smtClean="0"/>
+              <a:t>Expression&lt;T</a:t>
+            </a:r>
+            <a:r>
+              <a:rPr lang="sv-SE" sz="2000" dirty="0" smtClean="0"/>
+              <a:t>&gt; (This IS a language feature!)</a:t>
+            </a:r>
+          </a:p>
+          <a:p>
+            <a:r>
+              <a:rPr lang="sv-SE" sz="2000" dirty="0" smtClean="0"/>
+              <a:t>Extension methods</a:t>
+            </a:r>
+          </a:p>
+          <a:p>
+            <a:r>
+              <a:rPr lang="sv-SE" sz="2000" dirty="0" smtClean="0"/>
+              <a:t>Comprehension syntax</a:t>
+            </a:r>
+          </a:p>
+          <a:p>
+            <a:r>
+              <a:rPr lang="sv-SE" sz="2000" dirty="0" smtClean="0"/>
+              <a:t>Initializer expressions</a:t>
+            </a:r>
+            <a:br>
+              <a:rPr lang="sv-SE" sz="2000" dirty="0" smtClean="0"/>
+            </a:br>
+            <a:r>
+              <a:rPr lang="sv-SE" sz="2000" dirty="0" smtClean="0"/>
+              <a:t>Classes, Collections</a:t>
+            </a:r>
+          </a:p>
+        </p:txBody>
+      </p:sp>
+    </p:spTree>
+  </p:cSld>
+  <p:clrMapOvr>
+    <a:masterClrMapping/>
+  </p:clrMapOvr>
+  <p:timing>
+    <p:tnLst>
+      <p:par>
+        <p:cTn id="1" dur="indefinite" restart="never" nodeType="tmRoot">
+          <p:childTnLst>
+            <p:seq concurrent="1" nextAc="seek">
+              <p:cTn id="2" dur="indefinite" nodeType="mainSeq">
+                <p:childTnLst>
+                  <p:par>
+                    <p:cTn id="3" fill="hold">
+                      <p:stCondLst>
+                        <p:cond delay="indefinite"/>
+                      </p:stCondLst>
+                      <p:childTnLst>
+                        <p:par>
+                          <p:cTn id="4" fill="hold">
+                            <p:stCondLst>
+                              <p:cond delay="0"/>
+                            </p:stCondLst>
+                            <p:childTnLst>
+                              <p:par>
+                                <p:cTn id="5" presetID="2" presetClass="entr" presetSubtype="4" fill="hold" grpId="0" nodeType="clickEffect">
+                                  <p:stCondLst>
+                                    <p:cond delay="0"/>
+                                  </p:stCondLst>
+                                  <p:childTnLst>
+                                    <p:set>
+                                      <p:cBhvr>
+                                        <p:cTn id="6" dur="1" fill="hold">
+                                          <p:stCondLst>
+                                            <p:cond delay="0"/>
+                                          </p:stCondLst>
+                                        </p:cTn>
+                                        <p:tgtEl>
+                                          <p:spTgt spid="3">
+                                            <p:txEl>
+                                              <p:pRg st="0" end="0"/>
+                                            </p:txEl>
+                                          </p:spTgt>
+                                        </p:tgtEl>
+                                        <p:attrNameLst>
+                                          <p:attrName>style.visibility</p:attrName>
+                                        </p:attrNameLst>
+                                      </p:cBhvr>
+                                      <p:to>
+                                        <p:strVal val="visible"/>
+                                      </p:to>
+                                    </p:set>
+                                    <p:anim calcmode="lin" valueType="num">
+                                      <p:cBhvr additive="base">
+                                        <p:cTn id="7" dur="500" fill="hold"/>
+                                        <p:tgtEl>
+                                          <p:spTgt spid="3">
+                                            <p:txEl>
+                                              <p:pRg st="0" end="0"/>
+                                            </p:txEl>
+                                          </p:spTgt>
+                                        </p:tgtEl>
+                                        <p:attrNameLst>
+                                          <p:attrName>ppt_x</p:attrName>
+                                        </p:attrNameLst>
+                                      </p:cBhvr>
+                                      <p:tavLst>
+                                        <p:tav tm="0">
+                                          <p:val>
+                                            <p:strVal val="#ppt_x"/>
+                                          </p:val>
+                                        </p:tav>
+                                        <p:tav tm="100000">
+                                          <p:val>
+                                            <p:strVal val="#ppt_x"/>
+                                          </p:val>
+                                        </p:tav>
+                                      </p:tavLst>
+                                    </p:anim>
+                                    <p:anim calcmode="lin" valueType="num">
+                                      <p:cBhvr additive="base">
+                                        <p:cTn id="8" dur="500" fill="hold"/>
+                                        <p:tgtEl>
+                                          <p:spTgt spid="3">
+                                            <p:txEl>
+                                              <p:pRg st="0" end="0"/>
+                                            </p:txEl>
+                                          </p:spTgt>
+                                        </p:tgtEl>
+                                        <p:attrNameLst>
+                                          <p:attrName>ppt_y</p:attrName>
+                                        </p:attrNameLst>
+                                      </p:cBhvr>
+                                      <p:tavLst>
+                                        <p:tav tm="0">
+                                          <p:val>
+                                            <p:strVal val="1+#ppt_h/2"/>
+                                          </p:val>
+                                        </p:tav>
+                                        <p:tav tm="100000">
+                                          <p:val>
+                                            <p:strVal val="#ppt_y"/>
+                                          </p:val>
+                                        </p:tav>
+                                      </p:tavLst>
+                                    </p:anim>
+                                  </p:childTnLst>
+                                </p:cTn>
+                              </p:par>
+                            </p:childTnLst>
+                          </p:cTn>
+                        </p:par>
+                      </p:childTnLst>
+                    </p:cTn>
+                  </p:par>
+                  <p:par>
+                    <p:cTn id="9" fill="hold">
+                      <p:stCondLst>
+                        <p:cond delay="indefinite"/>
+                      </p:stCondLst>
+                      <p:childTnLst>
+                        <p:par>
+                          <p:cTn id="10" fill="hold">
+                            <p:stCondLst>
+                              <p:cond delay="0"/>
+                            </p:stCondLst>
+                            <p:childTnLst>
+                              <p:par>
+                                <p:cTn id="11" presetID="2" presetClass="entr" presetSubtype="4" fill="hold" grpId="0" nodeType="clickEffect">
+                                  <p:stCondLst>
+                                    <p:cond delay="0"/>
+                                  </p:stCondLst>
+                                  <p:childTnLst>
+                                    <p:set>
+                                      <p:cBhvr>
+                                        <p:cTn id="12" dur="1" fill="hold">
+                                          <p:stCondLst>
+                                            <p:cond delay="0"/>
+                                          </p:stCondLst>
+                                        </p:cTn>
+                                        <p:tgtEl>
+                                          <p:spTgt spid="3">
+                                            <p:txEl>
+                                              <p:pRg st="1" end="1"/>
+                                            </p:txEl>
+                                          </p:spTgt>
+                                        </p:tgtEl>
+                                        <p:attrNameLst>
+                                          <p:attrName>style.visibility</p:attrName>
+                                        </p:attrNameLst>
+                                      </p:cBhvr>
+                                      <p:to>
+                                        <p:strVal val="visible"/>
+                                      </p:to>
+                                    </p:set>
+                                    <p:anim calcmode="lin" valueType="num">
+                                      <p:cBhvr additive="base">
+                                        <p:cTn id="13" dur="500" fill="hold"/>
+                                        <p:tgtEl>
+                                          <p:spTgt spid="3">
+                                            <p:txEl>
+                                              <p:pRg st="1" end="1"/>
+                                            </p:txEl>
+                                          </p:spTgt>
+                                        </p:tgtEl>
+                                        <p:attrNameLst>
+                                          <p:attrName>ppt_x</p:attrName>
+                                        </p:attrNameLst>
+                                      </p:cBhvr>
+                                      <p:tavLst>
+                                        <p:tav tm="0">
+                                          <p:val>
+                                            <p:strVal val="#ppt_x"/>
+                                          </p:val>
+                                        </p:tav>
+                                        <p:tav tm="100000">
+                                          <p:val>
+                                            <p:strVal val="#ppt_x"/>
+                                          </p:val>
+                                        </p:tav>
+                                      </p:tavLst>
+                                    </p:anim>
+                                    <p:anim calcmode="lin" valueType="num">
+                                      <p:cBhvr additive="base">
+                                        <p:cTn id="14" dur="500" fill="hold"/>
+                                        <p:tgtEl>
+                                          <p:spTgt spid="3">
+                                            <p:txEl>
+                                              <p:pRg st="1" end="1"/>
+                                            </p:txEl>
+                                          </p:spTgt>
+                                        </p:tgtEl>
+                                        <p:attrNameLst>
+                                          <p:attrName>ppt_y</p:attrName>
+                                        </p:attrNameLst>
+                                      </p:cBhvr>
+                                      <p:tavLst>
+                                        <p:tav tm="0">
+                                          <p:val>
+                                            <p:strVal val="1+#ppt_h/2"/>
+                                          </p:val>
+                                        </p:tav>
+                                        <p:tav tm="100000">
+                                          <p:val>
+                                            <p:strVal val="#ppt_y"/>
+                                          </p:val>
+                                        </p:tav>
+                                      </p:tavLst>
+                                    </p:anim>
+                                  </p:childTnLst>
+                                </p:cTn>
+                              </p:par>
+                            </p:childTnLst>
+                          </p:cTn>
+                        </p:par>
+                      </p:childTnLst>
+                    </p:cTn>
+                  </p:par>
+                  <p:par>
+                    <p:cTn id="15" fill="hold">
+                      <p:stCondLst>
+                        <p:cond delay="indefinite"/>
+                      </p:stCondLst>
+                      <p:childTnLst>
+                        <p:par>
+                          <p:cTn id="16" fill="hold">
+                            <p:stCondLst>
+                              <p:cond delay="0"/>
+                            </p:stCondLst>
+                            <p:childTnLst>
+                              <p:par>
+                                <p:cTn id="17" presetID="2" presetClass="entr" presetSubtype="4" fill="hold" grpId="0" nodeType="clickEffect">
+                                  <p:stCondLst>
+                                    <p:cond delay="0"/>
+                                  </p:stCondLst>
+                                  <p:childTnLst>
+                                    <p:set>
+                                      <p:cBhvr>
+                                        <p:cTn id="18" dur="1" fill="hold">
+                                          <p:stCondLst>
+                                            <p:cond delay="0"/>
+                                          </p:stCondLst>
+                                        </p:cTn>
+                                        <p:tgtEl>
+                                          <p:spTgt spid="3">
+                                            <p:txEl>
+                                              <p:pRg st="2" end="2"/>
+                                            </p:txEl>
+                                          </p:spTgt>
+                                        </p:tgtEl>
+                                        <p:attrNameLst>
+                                          <p:attrName>style.visibility</p:attrName>
+                                        </p:attrNameLst>
+                                      </p:cBhvr>
+                                      <p:to>
+                                        <p:strVal val="visible"/>
+                                      </p:to>
+                                    </p:set>
+                                    <p:anim calcmode="lin" valueType="num">
+                                      <p:cBhvr additive="base">
+                                        <p:cTn id="19" dur="500" fill="hold"/>
+                                        <p:tgtEl>
+                                          <p:spTgt spid="3">
+                                            <p:txEl>
+                                              <p:pRg st="2" end="2"/>
+                                            </p:txEl>
+                                          </p:spTgt>
+                                        </p:tgtEl>
+                                        <p:attrNameLst>
+                                          <p:attrName>ppt_x</p:attrName>
+                                        </p:attrNameLst>
+                                      </p:cBhvr>
+                                      <p:tavLst>
+                                        <p:tav tm="0">
+                                          <p:val>
+                                            <p:strVal val="#ppt_x"/>
+                                          </p:val>
+                                        </p:tav>
+                                        <p:tav tm="100000">
+                                          <p:val>
+                                            <p:strVal val="#ppt_x"/>
+                                          </p:val>
+                                        </p:tav>
+                                      </p:tavLst>
+                                    </p:anim>
+                                    <p:anim calcmode="lin" valueType="num">
+                                      <p:cBhvr additive="base">
+                                        <p:cTn id="20" dur="500" fill="hold"/>
+                                        <p:tgtEl>
+                                          <p:spTgt spid="3">
+                                            <p:txEl>
+                                              <p:pRg st="2" end="2"/>
+                                            </p:txEl>
+                                          </p:spTgt>
+                                        </p:tgtEl>
+                                        <p:attrNameLst>
+                                          <p:attrName>ppt_y</p:attrName>
+                                        </p:attrNameLst>
+                                      </p:cBhvr>
+                                      <p:tavLst>
+                                        <p:tav tm="0">
+                                          <p:val>
+                                            <p:strVal val="1+#ppt_h/2"/>
+                                          </p:val>
+                                        </p:tav>
+                                        <p:tav tm="100000">
+                                          <p:val>
+                                            <p:strVal val="#ppt_y"/>
+                                          </p:val>
+                                        </p:tav>
+                                      </p:tavLst>
+                                    </p:anim>
+                                  </p:childTnLst>
+                                </p:cTn>
+                              </p:par>
+                            </p:childTnLst>
+                          </p:cTn>
+                        </p:par>
+                      </p:childTnLst>
+                    </p:cTn>
+                  </p:par>
+                  <p:par>
+                    <p:cTn id="21" fill="hold">
+                      <p:stCondLst>
+                        <p:cond delay="indefinite"/>
+                      </p:stCondLst>
+                      <p:childTnLst>
+                        <p:par>
+                          <p:cTn id="22" fill="hold">
+                            <p:stCondLst>
+                              <p:cond delay="0"/>
+                            </p:stCondLst>
+                            <p:childTnLst>
+                              <p:par>
+                                <p:cTn id="23" presetID="2" presetClass="entr" presetSubtype="4" fill="hold" grpId="0" nodeType="clickEffect">
+                                  <p:stCondLst>
+                                    <p:cond delay="0"/>
+                                  </p:stCondLst>
+                                  <p:childTnLst>
+                                    <p:set>
+                                      <p:cBhvr>
+                                        <p:cTn id="24" dur="1" fill="hold">
+                                          <p:stCondLst>
+                                            <p:cond delay="0"/>
+                                          </p:stCondLst>
+                                        </p:cTn>
+                                        <p:tgtEl>
+                                          <p:spTgt spid="3">
+                                            <p:txEl>
+                                              <p:pRg st="3" end="3"/>
+                                            </p:txEl>
+                                          </p:spTgt>
+                                        </p:tgtEl>
+                                        <p:attrNameLst>
+                                          <p:attrName>style.visibility</p:attrName>
+                                        </p:attrNameLst>
+                                      </p:cBhvr>
+                                      <p:to>
+                                        <p:strVal val="visible"/>
+                                      </p:to>
+                                    </p:set>
+                                    <p:anim calcmode="lin" valueType="num">
+                                      <p:cBhvr additive="base">
+                                        <p:cTn id="25" dur="500" fill="hold"/>
+                                        <p:tgtEl>
+                                          <p:spTgt spid="3">
+                                            <p:txEl>
+                                              <p:pRg st="3" end="3"/>
+                                            </p:txEl>
+                                          </p:spTgt>
+                                        </p:tgtEl>
+                                        <p:attrNameLst>
+                                          <p:attrName>ppt_x</p:attrName>
+                                        </p:attrNameLst>
+                                      </p:cBhvr>
+                                      <p:tavLst>
+                                        <p:tav tm="0">
+                                          <p:val>
+                                            <p:strVal val="#ppt_x"/>
+                                          </p:val>
+                                        </p:tav>
+                                        <p:tav tm="100000">
+                                          <p:val>
+                                            <p:strVal val="#ppt_x"/>
+                                          </p:val>
+                                        </p:tav>
+                                      </p:tavLst>
+                                    </p:anim>
+                                    <p:anim calcmode="lin" valueType="num">
+                                      <p:cBhvr additive="base">
+                                        <p:cTn id="26" dur="500" fill="hold"/>
+                                        <p:tgtEl>
+                                          <p:spTgt spid="3">
+                                            <p:txEl>
+                                              <p:pRg st="3" end="3"/>
+                                            </p:txEl>
+                                          </p:spTgt>
+                                        </p:tgtEl>
+                                        <p:attrNameLst>
+                                          <p:attrName>ppt_y</p:attrName>
+                                        </p:attrNameLst>
+                                      </p:cBhvr>
+                                      <p:tavLst>
+                                        <p:tav tm="0">
+                                          <p:val>
+                                            <p:strVal val="1+#ppt_h/2"/>
+                                          </p:val>
+                                        </p:tav>
+                                        <p:tav tm="100000">
+                                          <p:val>
+                                            <p:strVal val="#ppt_y"/>
+                                          </p:val>
+                                        </p:tav>
+                                      </p:tavLst>
+                                    </p:anim>
+                                  </p:childTnLst>
+                                </p:cTn>
+                              </p:par>
+                            </p:childTnLst>
+                          </p:cTn>
+                        </p:par>
+                      </p:childTnLst>
+                    </p:cTn>
+                  </p:par>
+                  <p:par>
+                    <p:cTn id="27" fill="hold">
+                      <p:stCondLst>
+                        <p:cond delay="indefinite"/>
+                      </p:stCondLst>
+                      <p:childTnLst>
+                        <p:par>
+                          <p:cTn id="28" fill="hold">
+                            <p:stCondLst>
+                              <p:cond delay="0"/>
+                            </p:stCondLst>
+                            <p:childTnLst>
+                              <p:par>
+                                <p:cTn id="29" presetID="2" presetClass="entr" presetSubtype="4" fill="hold" grpId="0" nodeType="clickEffect">
+                                  <p:stCondLst>
+                                    <p:cond delay="0"/>
+                                  </p:stCondLst>
+                                  <p:childTnLst>
+                                    <p:set>
+                                      <p:cBhvr>
+                                        <p:cTn id="30" dur="1" fill="hold">
+                                          <p:stCondLst>
+                                            <p:cond delay="0"/>
+                                          </p:stCondLst>
+                                        </p:cTn>
+                                        <p:tgtEl>
+                                          <p:spTgt spid="3">
+                                            <p:txEl>
+                                              <p:pRg st="4" end="4"/>
+                                            </p:txEl>
+                                          </p:spTgt>
+                                        </p:tgtEl>
+                                        <p:attrNameLst>
+                                          <p:attrName>style.visibility</p:attrName>
+                                        </p:attrNameLst>
+                                      </p:cBhvr>
+                                      <p:to>
+                                        <p:strVal val="visible"/>
+                                      </p:to>
+                                    </p:set>
+                                    <p:anim calcmode="lin" valueType="num">
+                                      <p:cBhvr additive="base">
+                                        <p:cTn id="31" dur="500" fill="hold"/>
+                                        <p:tgtEl>
+                                          <p:spTgt spid="3">
+                                            <p:txEl>
+                                              <p:pRg st="4" end="4"/>
+                                            </p:txEl>
+                                          </p:spTgt>
+                                        </p:tgtEl>
+                                        <p:attrNameLst>
+                                          <p:attrName>ppt_x</p:attrName>
+                                        </p:attrNameLst>
+                                      </p:cBhvr>
+                                      <p:tavLst>
+                                        <p:tav tm="0">
+                                          <p:val>
+                                            <p:strVal val="#ppt_x"/>
+                                          </p:val>
+                                        </p:tav>
+                                        <p:tav tm="100000">
+                                          <p:val>
+                                            <p:strVal val="#ppt_x"/>
+                                          </p:val>
+                                        </p:tav>
+                                      </p:tavLst>
+                                    </p:anim>
+                                    <p:anim calcmode="lin" valueType="num">
+                                      <p:cBhvr additive="base">
+                                        <p:cTn id="32" dur="500" fill="hold"/>
+                                        <p:tgtEl>
+                                          <p:spTgt spid="3">
+                                            <p:txEl>
+                                              <p:pRg st="4" end="4"/>
+                                            </p:txEl>
+                                          </p:spTgt>
+                                        </p:tgtEl>
+                                        <p:attrNameLst>
+                                          <p:attrName>ppt_y</p:attrName>
+                                        </p:attrNameLst>
+                                      </p:cBhvr>
+                                      <p:tavLst>
+                                        <p:tav tm="0">
+                                          <p:val>
+                                            <p:strVal val="1+#ppt_h/2"/>
+                                          </p:val>
+                                        </p:tav>
+                                        <p:tav tm="100000">
+                                          <p:val>
+                                            <p:strVal val="#ppt_y"/>
+                                          </p:val>
+                                        </p:tav>
+                                      </p:tavLst>
+                                    </p:anim>
+                                  </p:childTnLst>
+                                </p:cTn>
+                              </p:par>
+                            </p:childTnLst>
+                          </p:cTn>
+                        </p:par>
+                      </p:childTnLst>
+                    </p:cTn>
+                  </p:par>
+                  <p:par>
+                    <p:cTn id="33" fill="hold">
+                      <p:stCondLst>
+                        <p:cond delay="indefinite"/>
+                      </p:stCondLst>
+                      <p:childTnLst>
+                        <p:par>
+                          <p:cTn id="34" fill="hold">
+                            <p:stCondLst>
+                              <p:cond delay="0"/>
+                            </p:stCondLst>
+                            <p:childTnLst>
+                              <p:par>
+                                <p:cTn id="35" presetID="2" presetClass="entr" presetSubtype="4" fill="hold" grpId="0" nodeType="clickEffect">
+                                  <p:stCondLst>
+                                    <p:cond delay="0"/>
+                                  </p:stCondLst>
+                                  <p:childTnLst>
+                                    <p:set>
+                                      <p:cBhvr>
+                                        <p:cTn id="36" dur="1" fill="hold">
+                                          <p:stCondLst>
+                                            <p:cond delay="0"/>
+                                          </p:stCondLst>
+                                        </p:cTn>
+                                        <p:tgtEl>
+                                          <p:spTgt spid="3">
+                                            <p:txEl>
+                                              <p:pRg st="5" end="5"/>
+                                            </p:txEl>
+                                          </p:spTgt>
+                                        </p:tgtEl>
+                                        <p:attrNameLst>
+                                          <p:attrName>style.visibility</p:attrName>
+                                        </p:attrNameLst>
+                                      </p:cBhvr>
+                                      <p:to>
+                                        <p:strVal val="visible"/>
+                                      </p:to>
+                                    </p:set>
+                                    <p:anim calcmode="lin" valueType="num">
+                                      <p:cBhvr additive="base">
+                                        <p:cTn id="37" dur="500" fill="hold"/>
+                                        <p:tgtEl>
+                                          <p:spTgt spid="3">
+                                            <p:txEl>
+                                              <p:pRg st="5" end="5"/>
+                                            </p:txEl>
+                                          </p:spTgt>
+                                        </p:tgtEl>
+                                        <p:attrNameLst>
+                                          <p:attrName>ppt_x</p:attrName>
+                                        </p:attrNameLst>
+                                      </p:cBhvr>
+                                      <p:tavLst>
+                                        <p:tav tm="0">
+                                          <p:val>
+                                            <p:strVal val="#ppt_x"/>
+                                          </p:val>
+                                        </p:tav>
+                                        <p:tav tm="100000">
+                                          <p:val>
+                                            <p:strVal val="#ppt_x"/>
+                                          </p:val>
+                                        </p:tav>
+                                      </p:tavLst>
+                                    </p:anim>
+                                    <p:anim calcmode="lin" valueType="num">
+                                      <p:cBhvr additive="base">
+                                        <p:cTn id="38" dur="500" fill="hold"/>
+                                        <p:tgtEl>
+                                          <p:spTgt spid="3">
+                                            <p:txEl>
+                                              <p:pRg st="5" end="5"/>
+                                            </p:txEl>
+                                          </p:spTgt>
+                                        </p:tgtEl>
+                                        <p:attrNameLst>
+                                          <p:attrName>ppt_y</p:attrName>
+                                        </p:attrNameLst>
+                                      </p:cBhvr>
+                                      <p:tavLst>
+                                        <p:tav tm="0">
+                                          <p:val>
+                                            <p:strVal val="1+#ppt_h/2"/>
+                                          </p:val>
+                                        </p:tav>
+                                        <p:tav tm="100000">
+                                          <p:val>
+                                            <p:strVal val="#ppt_y"/>
+                                          </p:val>
+                                        </p:tav>
+                                      </p:tavLst>
+                                    </p:anim>
+                                  </p:childTnLst>
+                                </p:cTn>
+                              </p:par>
+                            </p:childTnLst>
+                          </p:cTn>
+                        </p:par>
+                      </p:childTnLst>
+                    </p:cTn>
+                  </p:par>
+                  <p:par>
+                    <p:cTn id="39" fill="hold">
+                      <p:stCondLst>
+                        <p:cond delay="indefinite"/>
+                      </p:stCondLst>
+                      <p:childTnLst>
+                        <p:par>
+                          <p:cTn id="40" fill="hold">
+                            <p:stCondLst>
+                              <p:cond delay="0"/>
+                            </p:stCondLst>
+                            <p:childTnLst>
+                              <p:par>
+                                <p:cTn id="41" presetID="2" presetClass="entr" presetSubtype="4" fill="hold" grpId="0" nodeType="clickEffect">
+                                  <p:stCondLst>
+                                    <p:cond delay="0"/>
+                                  </p:stCondLst>
+                                  <p:childTnLst>
+                                    <p:set>
+                                      <p:cBhvr>
+                                        <p:cTn id="42" dur="1" fill="hold">
+                                          <p:stCondLst>
+                                            <p:cond delay="0"/>
+                                          </p:stCondLst>
+                                        </p:cTn>
+                                        <p:tgtEl>
+                                          <p:spTgt spid="3">
+                                            <p:txEl>
                                               <p:pRg st="6" end="6"/>
                                             </p:txEl>
                                           </p:spTgt>
                                         </p:tgtEl>
-                                      </p:cBhvr>
-                                    </p:animEffect>
+                                        <p:attrNameLst>
+                                          <p:attrName>style.visibility</p:attrName>
+                                        </p:attrNameLst>
+                                      </p:cBhvr>
+                                      <p:to>
+                                        <p:strVal val="visible"/>
+                                      </p:to>
+                                    </p:set>
+                                    <p:anim calcmode="lin" valueType="num">
+                                      <p:cBhvr additive="base">
+                                        <p:cTn id="43" dur="500" fill="hold"/>
+                                        <p:tgtEl>
+                                          <p:spTgt spid="3">
+                                            <p:txEl>
+                                              <p:pRg st="6" end="6"/>
+                                            </p:txEl>
+                                          </p:spTgt>
+                                        </p:tgtEl>
+                                        <p:attrNameLst>
+                                          <p:attrName>ppt_x</p:attrName>
+                                        </p:attrNameLst>
+                                      </p:cBhvr>
+                                      <p:tavLst>
+                                        <p:tav tm="0">
+                                          <p:val>
+                                            <p:strVal val="#ppt_x"/>
+                                          </p:val>
+                                        </p:tav>
+                                        <p:tav tm="100000">
+                                          <p:val>
+                                            <p:strVal val="#ppt_x"/>
+                                          </p:val>
+                                        </p:tav>
+                                      </p:tavLst>
+                                    </p:anim>
+                                    <p:anim calcmode="lin" valueType="num">
+                                      <p:cBhvr additive="base">
+                                        <p:cTn id="44" dur="500" fill="hold"/>
+                                        <p:tgtEl>
+                                          <p:spTgt spid="3">
+                                            <p:txEl>
+                                              <p:pRg st="6" end="6"/>
+                                            </p:txEl>
+                                          </p:spTgt>
+                                        </p:tgtEl>
+                                        <p:attrNameLst>
+                                          <p:attrName>ppt_y</p:attrName>
+                                        </p:attrNameLst>
+                                      </p:cBhvr>
+                                      <p:tavLst>
+                                        <p:tav tm="0">
+                                          <p:val>
+                                            <p:strVal val="1+#ppt_h/2"/>
+                                          </p:val>
+                                        </p:tav>
+                                        <p:tav tm="100000">
+                                          <p:val>
+                                            <p:strVal val="#ppt_y"/>
+                                          </p:val>
+                                        </p:tav>
+                                      </p:tavLst>
+                                    </p:anim>
                                   </p:childTnLst>
                                 </p:cTn>
                               </p:par>

--- a/CSharp3.pptx
+++ b/CSharp3.pptx
@@ -3811,6 +3811,9 @@
   <p:clrMapOvr>
     <a:masterClrMapping/>
   </p:clrMapOvr>
+  <p:transition>
+    <p:wipe dir="r"/>
+  </p:transition>
   <p:timing>
     <p:tnLst>
       <p:par>
@@ -3832,7 +3835,7 @@
                             </p:stCondLst>
                             <p:childTnLst>
                               <p:par>
-                                <p:cTn id="5" presetID="10" presetClass="entr" presetSubtype="0" fill="hold" grpId="0" nodeType="clickEffect">
+                                <p:cTn id="5" presetID="2" presetClass="entr" presetSubtype="4" fill="hold" grpId="0" nodeType="clickEffect">
                                   <p:stCondLst>
                                     <p:cond delay="0"/>
                                   </p:stCondLst>
@@ -3859,9 +3862,9 @@
                                         <p:strVal val="visible"/>
                                       </p:to>
                                     </p:set>
-                                    <p:animEffect transition="in" filter="fade">
-                                      <p:cBhvr>
-                                        <p:cTn id="7" dur="2000"/>
+                                    <p:anim calcmode="lin" valueType="num">
+                                      <p:cBhvr additive="base">
+                                        <p:cTn id="7" dur="500" fill="hold"/>
                                         <p:tgtEl>
                                           <p:spTgt spid="4">
                                             <p:txEl>
@@ -3869,8 +3872,50 @@
                                             </p:txEl>
                                           </p:spTgt>
                                         </p:tgtEl>
+                                        <p:attrNameLst>
+                                          <p:attrName>ppt_x</p:attrName>
+                                        </p:attrNameLst>
                                       </p:cBhvr>
-                                    </p:animEffect>
+                                      <p:tavLst>
+                                        <p:tav tm="0">
+                                          <p:val>
+                                            <p:strVal val="#ppt_x"/>
+                                          </p:val>
+                                        </p:tav>
+                                        <p:tav tm="100000">
+                                          <p:val>
+                                            <p:strVal val="#ppt_x"/>
+                                          </p:val>
+                                        </p:tav>
+                                      </p:tavLst>
+                                    </p:anim>
+                                    <p:anim calcmode="lin" valueType="num">
+                                      <p:cBhvr additive="base">
+                                        <p:cTn id="8" dur="500" fill="hold"/>
+                                        <p:tgtEl>
+                                          <p:spTgt spid="4">
+                                            <p:txEl>
+                                              <p:pRg st="0" end="0"/>
+                                            </p:txEl>
+                                          </p:spTgt>
+                                        </p:tgtEl>
+                                        <p:attrNameLst>
+                                          <p:attrName>ppt_y</p:attrName>
+                                        </p:attrNameLst>
+                                      </p:cBhvr>
+                                      <p:tavLst>
+                                        <p:tav tm="0">
+                                          <p:val>
+                                            <p:strVal val="1+#ppt_h/2"/>
+                                          </p:val>
+                                        </p:tav>
+                                        <p:tav tm="100000">
+                                          <p:val>
+                                            <p:strVal val="#ppt_y"/>
+                                          </p:val>
+                                        </p:tav>
+                                      </p:tavLst>
+                                    </p:anim>
                                   </p:childTnLst>
                                 </p:cTn>
                               </p:par>
@@ -3881,26 +3926,26 @@
                     </p:cTn>
                   </p:par>
                   <p:par>
-                    <p:cTn id="8" fill="hold">
+                    <p:cTn id="9" fill="hold">
                       <p:stCondLst>
                         <p:cond delay="indefinite"/>
                       </p:stCondLst>
                       <p:childTnLst>
                         <p:par>
-                          <p:cTn id="9" fill="hold">
+                          <p:cTn id="10" fill="hold">
                             <p:stCondLst>
                               <p:cond delay="0"/>
                             </p:stCondLst>
                             <p:childTnLst>
                               <p:par>
-                                <p:cTn id="10" presetID="10" presetClass="entr" presetSubtype="0" fill="hold" grpId="0" nodeType="clickEffect">
+                                <p:cTn id="11" presetID="2" presetClass="entr" presetSubtype="4" fill="hold" grpId="0" nodeType="clickEffect">
                                   <p:stCondLst>
                                     <p:cond delay="0"/>
                                   </p:stCondLst>
                                   <p:childTnLst>
                                     <p:set>
                                       <p:cBhvr>
-                                        <p:cTn id="11" dur="1" fill="hold">
+                                        <p:cTn id="12" dur="1" fill="hold">
                                           <p:stCondLst>
                                             <p:cond delay="0"/>
                                           </p:stCondLst>
@@ -3920,9 +3965,9 @@
                                         <p:strVal val="visible"/>
                                       </p:to>
                                     </p:set>
-                                    <p:animEffect transition="in" filter="fade">
-                                      <p:cBhvr>
-                                        <p:cTn id="12" dur="2000"/>
+                                    <p:anim calcmode="lin" valueType="num">
+                                      <p:cBhvr additive="base">
+                                        <p:cTn id="13" dur="500" fill="hold"/>
                                         <p:tgtEl>
                                           <p:spTgt spid="4">
                                             <p:txEl>
@@ -3930,8 +3975,50 @@
                                             </p:txEl>
                                           </p:spTgt>
                                         </p:tgtEl>
+                                        <p:attrNameLst>
+                                          <p:attrName>ppt_x</p:attrName>
+                                        </p:attrNameLst>
                                       </p:cBhvr>
-                                    </p:animEffect>
+                                      <p:tavLst>
+                                        <p:tav tm="0">
+                                          <p:val>
+                                            <p:strVal val="#ppt_x"/>
+                                          </p:val>
+                                        </p:tav>
+                                        <p:tav tm="100000">
+                                          <p:val>
+                                            <p:strVal val="#ppt_x"/>
+                                          </p:val>
+                                        </p:tav>
+                                      </p:tavLst>
+                                    </p:anim>
+                                    <p:anim calcmode="lin" valueType="num">
+                                      <p:cBhvr additive="base">
+                                        <p:cTn id="14" dur="500" fill="hold"/>
+                                        <p:tgtEl>
+                                          <p:spTgt spid="4">
+                                            <p:txEl>
+                                              <p:pRg st="1" end="1"/>
+                                            </p:txEl>
+                                          </p:spTgt>
+                                        </p:tgtEl>
+                                        <p:attrNameLst>
+                                          <p:attrName>ppt_y</p:attrName>
+                                        </p:attrNameLst>
+                                      </p:cBhvr>
+                                      <p:tavLst>
+                                        <p:tav tm="0">
+                                          <p:val>
+                                            <p:strVal val="1+#ppt_h/2"/>
+                                          </p:val>
+                                        </p:tav>
+                                        <p:tav tm="100000">
+                                          <p:val>
+                                            <p:strVal val="#ppt_y"/>
+                                          </p:val>
+                                        </p:tav>
+                                      </p:tavLst>
+                                    </p:anim>
                                   </p:childTnLst>
                                 </p:cTn>
                               </p:par>
@@ -3942,26 +4029,26 @@
                     </p:cTn>
                   </p:par>
                   <p:par>
-                    <p:cTn id="13" fill="hold">
+                    <p:cTn id="15" fill="hold">
                       <p:stCondLst>
                         <p:cond delay="indefinite"/>
                       </p:stCondLst>
                       <p:childTnLst>
                         <p:par>
-                          <p:cTn id="14" fill="hold">
+                          <p:cTn id="16" fill="hold">
                             <p:stCondLst>
                               <p:cond delay="0"/>
                             </p:stCondLst>
                             <p:childTnLst>
                               <p:par>
-                                <p:cTn id="15" presetID="10" presetClass="entr" presetSubtype="0" fill="hold" grpId="0" nodeType="clickEffect">
+                                <p:cTn id="17" presetID="2" presetClass="entr" presetSubtype="4" fill="hold" grpId="0" nodeType="clickEffect">
                                   <p:stCondLst>
                                     <p:cond delay="0"/>
                                   </p:stCondLst>
                                   <p:childTnLst>
                                     <p:set>
                                       <p:cBhvr>
-                                        <p:cTn id="16" dur="1" fill="hold">
+                                        <p:cTn id="18" dur="1" fill="hold">
                                           <p:stCondLst>
                                             <p:cond delay="0"/>
                                           </p:stCondLst>
@@ -3981,9 +4068,9 @@
                                         <p:strVal val="visible"/>
                                       </p:to>
                                     </p:set>
-                                    <p:animEffect transition="in" filter="fade">
-                                      <p:cBhvr>
-                                        <p:cTn id="17" dur="2000"/>
+                                    <p:anim calcmode="lin" valueType="num">
+                                      <p:cBhvr additive="base">
+                                        <p:cTn id="19" dur="500" fill="hold"/>
                                         <p:tgtEl>
                                           <p:spTgt spid="4">
                                             <p:txEl>
@@ -3991,8 +4078,50 @@
                                             </p:txEl>
                                           </p:spTgt>
                                         </p:tgtEl>
+                                        <p:attrNameLst>
+                                          <p:attrName>ppt_x</p:attrName>
+                                        </p:attrNameLst>
                                       </p:cBhvr>
-                                    </p:animEffect>
+                                      <p:tavLst>
+                                        <p:tav tm="0">
+                                          <p:val>
+                                            <p:strVal val="#ppt_x"/>
+                                          </p:val>
+                                        </p:tav>
+                                        <p:tav tm="100000">
+                                          <p:val>
+                                            <p:strVal val="#ppt_x"/>
+                                          </p:val>
+                                        </p:tav>
+                                      </p:tavLst>
+                                    </p:anim>
+                                    <p:anim calcmode="lin" valueType="num">
+                                      <p:cBhvr additive="base">
+                                        <p:cTn id="20" dur="500" fill="hold"/>
+                                        <p:tgtEl>
+                                          <p:spTgt spid="4">
+                                            <p:txEl>
+                                              <p:pRg st="2" end="2"/>
+                                            </p:txEl>
+                                          </p:spTgt>
+                                        </p:tgtEl>
+                                        <p:attrNameLst>
+                                          <p:attrName>ppt_y</p:attrName>
+                                        </p:attrNameLst>
+                                      </p:cBhvr>
+                                      <p:tavLst>
+                                        <p:tav tm="0">
+                                          <p:val>
+                                            <p:strVal val="1+#ppt_h/2"/>
+                                          </p:val>
+                                        </p:tav>
+                                        <p:tav tm="100000">
+                                          <p:val>
+                                            <p:strVal val="#ppt_y"/>
+                                          </p:val>
+                                        </p:tav>
+                                      </p:tavLst>
+                                    </p:anim>
                                   </p:childTnLst>
                                 </p:cTn>
                               </p:par>
@@ -4003,26 +4132,26 @@
                     </p:cTn>
                   </p:par>
                   <p:par>
-                    <p:cTn id="18" fill="hold">
+                    <p:cTn id="21" fill="hold">
                       <p:stCondLst>
                         <p:cond delay="indefinite"/>
                       </p:stCondLst>
                       <p:childTnLst>
                         <p:par>
-                          <p:cTn id="19" fill="hold">
+                          <p:cTn id="22" fill="hold">
                             <p:stCondLst>
                               <p:cond delay="0"/>
                             </p:stCondLst>
                             <p:childTnLst>
                               <p:par>
-                                <p:cTn id="20" presetID="10" presetClass="entr" presetSubtype="0" fill="hold" grpId="0" nodeType="clickEffect">
+                                <p:cTn id="23" presetID="2" presetClass="entr" presetSubtype="4" fill="hold" grpId="0" nodeType="clickEffect">
                                   <p:stCondLst>
                                     <p:cond delay="0"/>
                                   </p:stCondLst>
                                   <p:childTnLst>
                                     <p:set>
                                       <p:cBhvr>
-                                        <p:cTn id="21" dur="1" fill="hold">
+                                        <p:cTn id="24" dur="1" fill="hold">
                                           <p:stCondLst>
                                             <p:cond delay="0"/>
                                           </p:stCondLst>
@@ -4042,9 +4171,9 @@
                                         <p:strVal val="visible"/>
                                       </p:to>
                                     </p:set>
-                                    <p:animEffect transition="in" filter="fade">
-                                      <p:cBhvr>
-                                        <p:cTn id="22" dur="2000"/>
+                                    <p:anim calcmode="lin" valueType="num">
+                                      <p:cBhvr additive="base">
+                                        <p:cTn id="25" dur="500" fill="hold"/>
                                         <p:tgtEl>
                                           <p:spTgt spid="4">
                                             <p:txEl>
@@ -4052,8 +4181,50 @@
                                             </p:txEl>
                                           </p:spTgt>
                                         </p:tgtEl>
+                                        <p:attrNameLst>
+                                          <p:attrName>ppt_x</p:attrName>
+                                        </p:attrNameLst>
                                       </p:cBhvr>
-                                    </p:animEffect>
+                                      <p:tavLst>
+                                        <p:tav tm="0">
+                                          <p:val>
+                                            <p:strVal val="#ppt_x"/>
+                                          </p:val>
+                                        </p:tav>
+                                        <p:tav tm="100000">
+                                          <p:val>
+                                            <p:strVal val="#ppt_x"/>
+                                          </p:val>
+                                        </p:tav>
+                                      </p:tavLst>
+                                    </p:anim>
+                                    <p:anim calcmode="lin" valueType="num">
+                                      <p:cBhvr additive="base">
+                                        <p:cTn id="26" dur="500" fill="hold"/>
+                                        <p:tgtEl>
+                                          <p:spTgt spid="4">
+                                            <p:txEl>
+                                              <p:pRg st="3" end="3"/>
+                                            </p:txEl>
+                                          </p:spTgt>
+                                        </p:tgtEl>
+                                        <p:attrNameLst>
+                                          <p:attrName>ppt_y</p:attrName>
+                                        </p:attrNameLst>
+                                      </p:cBhvr>
+                                      <p:tavLst>
+                                        <p:tav tm="0">
+                                          <p:val>
+                                            <p:strVal val="1+#ppt_h/2"/>
+                                          </p:val>
+                                        </p:tav>
+                                        <p:tav tm="100000">
+                                          <p:val>
+                                            <p:strVal val="#ppt_y"/>
+                                          </p:val>
+                                        </p:tav>
+                                      </p:tavLst>
+                                    </p:anim>
                                   </p:childTnLst>
                                 </p:cTn>
                               </p:par>
@@ -4064,26 +4235,26 @@
                     </p:cTn>
                   </p:par>
                   <p:par>
-                    <p:cTn id="23" fill="hold">
+                    <p:cTn id="27" fill="hold">
                       <p:stCondLst>
                         <p:cond delay="indefinite"/>
                       </p:stCondLst>
                       <p:childTnLst>
                         <p:par>
-                          <p:cTn id="24" fill="hold">
+                          <p:cTn id="28" fill="hold">
                             <p:stCondLst>
                               <p:cond delay="0"/>
                             </p:stCondLst>
                             <p:childTnLst>
                               <p:par>
-                                <p:cTn id="25" presetID="10" presetClass="entr" presetSubtype="0" fill="hold" grpId="0" nodeType="clickEffect">
+                                <p:cTn id="29" presetID="2" presetClass="entr" presetSubtype="4" fill="hold" grpId="0" nodeType="clickEffect">
                                   <p:stCondLst>
                                     <p:cond delay="0"/>
                                   </p:stCondLst>
                                   <p:childTnLst>
                                     <p:set>
                                       <p:cBhvr>
-                                        <p:cTn id="26" dur="1" fill="hold">
+                                        <p:cTn id="30" dur="1" fill="hold">
                                           <p:stCondLst>
                                             <p:cond delay="0"/>
                                           </p:stCondLst>
@@ -4103,9 +4274,9 @@
                                         <p:strVal val="visible"/>
                                       </p:to>
                                     </p:set>
-                                    <p:animEffect transition="in" filter="fade">
-                                      <p:cBhvr>
-                                        <p:cTn id="27" dur="2000"/>
+                                    <p:anim calcmode="lin" valueType="num">
+                                      <p:cBhvr additive="base">
+                                        <p:cTn id="31" dur="500" fill="hold"/>
                                         <p:tgtEl>
                                           <p:spTgt spid="4">
                                             <p:txEl>
@@ -4113,8 +4284,50 @@
                                             </p:txEl>
                                           </p:spTgt>
                                         </p:tgtEl>
+                                        <p:attrNameLst>
+                                          <p:attrName>ppt_x</p:attrName>
+                                        </p:attrNameLst>
                                       </p:cBhvr>
-                                    </p:animEffect>
+                                      <p:tavLst>
+                                        <p:tav tm="0">
+                                          <p:val>
+                                            <p:strVal val="#ppt_x"/>
+                                          </p:val>
+                                        </p:tav>
+                                        <p:tav tm="100000">
+                                          <p:val>
+                                            <p:strVal val="#ppt_x"/>
+                                          </p:val>
+                                        </p:tav>
+                                      </p:tavLst>
+                                    </p:anim>
+                                    <p:anim calcmode="lin" valueType="num">
+                                      <p:cBhvr additive="base">
+                                        <p:cTn id="32" dur="500" fill="hold"/>
+                                        <p:tgtEl>
+                                          <p:spTgt spid="4">
+                                            <p:txEl>
+                                              <p:pRg st="4" end="4"/>
+                                            </p:txEl>
+                                          </p:spTgt>
+                                        </p:tgtEl>
+                                        <p:attrNameLst>
+                                          <p:attrName>ppt_y</p:attrName>
+                                        </p:attrNameLst>
+                                      </p:cBhvr>
+                                      <p:tavLst>
+                                        <p:tav tm="0">
+                                          <p:val>
+                                            <p:strVal val="1+#ppt_h/2"/>
+                                          </p:val>
+                                        </p:tav>
+                                        <p:tav tm="100000">
+                                          <p:val>
+                                            <p:strVal val="#ppt_y"/>
+                                          </p:val>
+                                        </p:tav>
+                                      </p:tavLst>
+                                    </p:anim>
                                   </p:childTnLst>
                                 </p:cTn>
                               </p:par>
@@ -4125,26 +4338,26 @@
                     </p:cTn>
                   </p:par>
                   <p:par>
-                    <p:cTn id="28" fill="hold">
+                    <p:cTn id="33" fill="hold">
                       <p:stCondLst>
                         <p:cond delay="indefinite"/>
                       </p:stCondLst>
                       <p:childTnLst>
                         <p:par>
-                          <p:cTn id="29" fill="hold">
+                          <p:cTn id="34" fill="hold">
                             <p:stCondLst>
                               <p:cond delay="0"/>
                             </p:stCondLst>
                             <p:childTnLst>
                               <p:par>
-                                <p:cTn id="30" presetID="10" presetClass="entr" presetSubtype="0" fill="hold" grpId="0" nodeType="clickEffect">
+                                <p:cTn id="35" presetID="2" presetClass="entr" presetSubtype="4" fill="hold" grpId="0" nodeType="clickEffect">
                                   <p:stCondLst>
                                     <p:cond delay="0"/>
                                   </p:stCondLst>
                                   <p:childTnLst>
                                     <p:set>
                                       <p:cBhvr>
-                                        <p:cTn id="31" dur="1" fill="hold">
+                                        <p:cTn id="36" dur="1" fill="hold">
                                           <p:stCondLst>
                                             <p:cond delay="0"/>
                                           </p:stCondLst>
@@ -4164,9 +4377,9 @@
                                         <p:strVal val="visible"/>
                                       </p:to>
                                     </p:set>
-                                    <p:animEffect transition="in" filter="fade">
-                                      <p:cBhvr>
-                                        <p:cTn id="32" dur="2000"/>
+                                    <p:anim calcmode="lin" valueType="num">
+                                      <p:cBhvr additive="base">
+                                        <p:cTn id="37" dur="500" fill="hold"/>
                                         <p:tgtEl>
                                           <p:spTgt spid="4">
                                             <p:txEl>
@@ -4174,8 +4387,50 @@
                                             </p:txEl>
                                           </p:spTgt>
                                         </p:tgtEl>
+                                        <p:attrNameLst>
+                                          <p:attrName>ppt_x</p:attrName>
+                                        </p:attrNameLst>
                                       </p:cBhvr>
-                                    </p:animEffect>
+                                      <p:tavLst>
+                                        <p:tav tm="0">
+                                          <p:val>
+                                            <p:strVal val="#ppt_x"/>
+                                          </p:val>
+                                        </p:tav>
+                                        <p:tav tm="100000">
+                                          <p:val>
+                                            <p:strVal val="#ppt_x"/>
+                                          </p:val>
+                                        </p:tav>
+                                      </p:tavLst>
+                                    </p:anim>
+                                    <p:anim calcmode="lin" valueType="num">
+                                      <p:cBhvr additive="base">
+                                        <p:cTn id="38" dur="500" fill="hold"/>
+                                        <p:tgtEl>
+                                          <p:spTgt spid="4">
+                                            <p:txEl>
+                                              <p:pRg st="6" end="6"/>
+                                            </p:txEl>
+                                          </p:spTgt>
+                                        </p:tgtEl>
+                                        <p:attrNameLst>
+                                          <p:attrName>ppt_y</p:attrName>
+                                        </p:attrNameLst>
+                                      </p:cBhvr>
+                                      <p:tavLst>
+                                        <p:tav tm="0">
+                                          <p:val>
+                                            <p:strVal val="1+#ppt_h/2"/>
+                                          </p:val>
+                                        </p:tav>
+                                        <p:tav tm="100000">
+                                          <p:val>
+                                            <p:strVal val="#ppt_y"/>
+                                          </p:val>
+                                        </p:tav>
+                                      </p:tavLst>
+                                    </p:anim>
                                   </p:childTnLst>
                                 </p:cTn>
                               </p:par>
@@ -4281,6 +4536,9 @@
   <p:clrMapOvr>
     <a:masterClrMapping/>
   </p:clrMapOvr>
+  <p:transition>
+    <p:wipe dir="r"/>
+  </p:transition>
   <p:timing>
     <p:tnLst>
       <p:par>
@@ -4330,7 +4588,11 @@
           <a:p>
             <a:r>
               <a:rPr lang="sv-SE" dirty="0" smtClean="0"/>
-              <a:t>Functional programming</a:t>
+              <a:t>Functional </a:t>
+            </a:r>
+            <a:r>
+              <a:rPr lang="sv-SE" dirty="0" smtClean="0"/>
+              <a:t>programming</a:t>
             </a:r>
             <a:endParaRPr lang="sv-SE" dirty="0"/>
           </a:p>
@@ -4460,50 +4722,13 @@
             </a:r>
             <a:r>
               <a:rPr lang="en-US" sz="2000" dirty="0" smtClean="0"/>
-              <a:t>line functions that capture values in scope</a:t>
-            </a:r>
-          </a:p>
-          <a:p>
+              <a:t>line functions that capture values in </a:t>
+            </a:r>
             <a:r>
               <a:rPr lang="en-US" sz="2000" dirty="0" smtClean="0"/>
-              <a:t>Recursion(Required because of </a:t>
-            </a:r>
-            <a:r>
-              <a:rPr lang="en-US" sz="2000" dirty="0" smtClean="0"/>
-              <a:t>immutability)</a:t>
-            </a:r>
-            <a:br>
-              <a:rPr lang="en-US" sz="2000" dirty="0" smtClean="0"/>
-            </a:br>
-            <a:r>
-              <a:rPr lang="en-US" sz="2000" dirty="0" smtClean="0"/>
-              <a:t>Functions </a:t>
-            </a:r>
-            <a:r>
-              <a:rPr lang="en-US" sz="2000" dirty="0" smtClean="0"/>
-              <a:t>that directly or through other functions call themselves</a:t>
-            </a:r>
-          </a:p>
-          <a:p>
-            <a:r>
-              <a:rPr lang="en-US" sz="2000" dirty="0" smtClean="0"/>
-              <a:t>Declarative </a:t>
-            </a:r>
-            <a:r>
-              <a:rPr lang="en-US" sz="2000" dirty="0" smtClean="0"/>
-              <a:t>style</a:t>
-            </a:r>
-            <a:br>
-              <a:rPr lang="en-US" sz="2000" dirty="0" smtClean="0"/>
-            </a:br>
-            <a:r>
-              <a:rPr lang="en-US" sz="2000" dirty="0" smtClean="0"/>
-              <a:t>Well </a:t>
-            </a:r>
-            <a:r>
-              <a:rPr lang="en-US" sz="2000" dirty="0" smtClean="0"/>
-              <a:t>written functions read as a declaration of their domain logic</a:t>
-            </a:r>
+              <a:t>scope</a:t>
+            </a:r>
+            <a:endParaRPr lang="en-US" sz="2000" dirty="0" smtClean="0"/>
           </a:p>
         </p:txBody>
       </p:sp>
@@ -4512,7 +4737,9 @@
   <p:clrMapOvr>
     <a:masterClrMapping/>
   </p:clrMapOvr>
-  <p:transition/>
+  <p:transition>
+    <p:wipe dir="r"/>
+  </p:transition>
   <p:timing>
     <p:tnLst>
       <p:par>
@@ -4933,212 +5160,6 @@
                       </p:childTnLst>
                     </p:cTn>
                   </p:par>
-                  <p:par>
-                    <p:cTn id="27" fill="hold">
-                      <p:stCondLst>
-                        <p:cond delay="indefinite"/>
-                      </p:stCondLst>
-                      <p:childTnLst>
-                        <p:par>
-                          <p:cTn id="28" fill="hold">
-                            <p:stCondLst>
-                              <p:cond delay="0"/>
-                            </p:stCondLst>
-                            <p:childTnLst>
-                              <p:par>
-                                <p:cTn id="29" presetID="2" presetClass="entr" presetSubtype="4" fill="hold" grpId="0" nodeType="clickEffect">
-                                  <p:stCondLst>
-                                    <p:cond delay="0"/>
-                                  </p:stCondLst>
-                                  <p:childTnLst>
-                                    <p:set>
-                                      <p:cBhvr>
-                                        <p:cTn id="30" dur="1" fill="hold">
-                                          <p:stCondLst>
-                                            <p:cond delay="0"/>
-                                          </p:stCondLst>
-                                        </p:cTn>
-                                        <p:tgtEl>
-                                          <p:spTgt spid="5">
-                                            <p:txEl>
-                                              <p:pRg st="4" end="4"/>
-                                            </p:txEl>
-                                          </p:spTgt>
-                                        </p:tgtEl>
-                                        <p:attrNameLst>
-                                          <p:attrName>style.visibility</p:attrName>
-                                        </p:attrNameLst>
-                                      </p:cBhvr>
-                                      <p:to>
-                                        <p:strVal val="visible"/>
-                                      </p:to>
-                                    </p:set>
-                                    <p:anim calcmode="lin" valueType="num">
-                                      <p:cBhvr additive="base">
-                                        <p:cTn id="31" dur="500" fill="hold"/>
-                                        <p:tgtEl>
-                                          <p:spTgt spid="5">
-                                            <p:txEl>
-                                              <p:pRg st="4" end="4"/>
-                                            </p:txEl>
-                                          </p:spTgt>
-                                        </p:tgtEl>
-                                        <p:attrNameLst>
-                                          <p:attrName>ppt_x</p:attrName>
-                                        </p:attrNameLst>
-                                      </p:cBhvr>
-                                      <p:tavLst>
-                                        <p:tav tm="0">
-                                          <p:val>
-                                            <p:strVal val="#ppt_x"/>
-                                          </p:val>
-                                        </p:tav>
-                                        <p:tav tm="100000">
-                                          <p:val>
-                                            <p:strVal val="#ppt_x"/>
-                                          </p:val>
-                                        </p:tav>
-                                      </p:tavLst>
-                                    </p:anim>
-                                    <p:anim calcmode="lin" valueType="num">
-                                      <p:cBhvr additive="base">
-                                        <p:cTn id="32" dur="500" fill="hold"/>
-                                        <p:tgtEl>
-                                          <p:spTgt spid="5">
-                                            <p:txEl>
-                                              <p:pRg st="4" end="4"/>
-                                            </p:txEl>
-                                          </p:spTgt>
-                                        </p:tgtEl>
-                                        <p:attrNameLst>
-                                          <p:attrName>ppt_y</p:attrName>
-                                        </p:attrNameLst>
-                                      </p:cBhvr>
-                                      <p:tavLst>
-                                        <p:tav tm="0">
-                                          <p:val>
-                                            <p:strVal val="1+#ppt_h/2"/>
-                                          </p:val>
-                                        </p:tav>
-                                        <p:tav tm="100000">
-                                          <p:val>
-                                            <p:strVal val="#ppt_y"/>
-                                          </p:val>
-                                        </p:tav>
-                                      </p:tavLst>
-                                    </p:anim>
-                                  </p:childTnLst>
-                                </p:cTn>
-                              </p:par>
-                            </p:childTnLst>
-                          </p:cTn>
-                        </p:par>
-                      </p:childTnLst>
-                    </p:cTn>
-                  </p:par>
-                  <p:par>
-                    <p:cTn id="33" fill="hold">
-                      <p:stCondLst>
-                        <p:cond delay="indefinite"/>
-                      </p:stCondLst>
-                      <p:childTnLst>
-                        <p:par>
-                          <p:cTn id="34" fill="hold">
-                            <p:stCondLst>
-                              <p:cond delay="0"/>
-                            </p:stCondLst>
-                            <p:childTnLst>
-                              <p:par>
-                                <p:cTn id="35" presetID="2" presetClass="entr" presetSubtype="4" fill="hold" grpId="0" nodeType="clickEffect">
-                                  <p:stCondLst>
-                                    <p:cond delay="0"/>
-                                  </p:stCondLst>
-                                  <p:childTnLst>
-                                    <p:set>
-                                      <p:cBhvr>
-                                        <p:cTn id="36" dur="1" fill="hold">
-                                          <p:stCondLst>
-                                            <p:cond delay="0"/>
-                                          </p:stCondLst>
-                                        </p:cTn>
-                                        <p:tgtEl>
-                                          <p:spTgt spid="5">
-                                            <p:txEl>
-                                              <p:pRg st="5" end="5"/>
-                                            </p:txEl>
-                                          </p:spTgt>
-                                        </p:tgtEl>
-                                        <p:attrNameLst>
-                                          <p:attrName>style.visibility</p:attrName>
-                                        </p:attrNameLst>
-                                      </p:cBhvr>
-                                      <p:to>
-                                        <p:strVal val="visible"/>
-                                      </p:to>
-                                    </p:set>
-                                    <p:anim calcmode="lin" valueType="num">
-                                      <p:cBhvr additive="base">
-                                        <p:cTn id="37" dur="500" fill="hold"/>
-                                        <p:tgtEl>
-                                          <p:spTgt spid="5">
-                                            <p:txEl>
-                                              <p:pRg st="5" end="5"/>
-                                            </p:txEl>
-                                          </p:spTgt>
-                                        </p:tgtEl>
-                                        <p:attrNameLst>
-                                          <p:attrName>ppt_x</p:attrName>
-                                        </p:attrNameLst>
-                                      </p:cBhvr>
-                                      <p:tavLst>
-                                        <p:tav tm="0">
-                                          <p:val>
-                                            <p:strVal val="#ppt_x"/>
-                                          </p:val>
-                                        </p:tav>
-                                        <p:tav tm="100000">
-                                          <p:val>
-                                            <p:strVal val="#ppt_x"/>
-                                          </p:val>
-                                        </p:tav>
-                                      </p:tavLst>
-                                    </p:anim>
-                                    <p:anim calcmode="lin" valueType="num">
-                                      <p:cBhvr additive="base">
-                                        <p:cTn id="38" dur="500" fill="hold"/>
-                                        <p:tgtEl>
-                                          <p:spTgt spid="5">
-                                            <p:txEl>
-                                              <p:pRg st="5" end="5"/>
-                                            </p:txEl>
-                                          </p:spTgt>
-                                        </p:tgtEl>
-                                        <p:attrNameLst>
-                                          <p:attrName>ppt_y</p:attrName>
-                                        </p:attrNameLst>
-                                      </p:cBhvr>
-                                      <p:tavLst>
-                                        <p:tav tm="0">
-                                          <p:val>
-                                            <p:strVal val="1+#ppt_h/2"/>
-                                          </p:val>
-                                        </p:tav>
-                                        <p:tav tm="100000">
-                                          <p:val>
-                                            <p:strVal val="#ppt_y"/>
-                                          </p:val>
-                                        </p:tav>
-                                      </p:tavLst>
-                                    </p:anim>
-                                  </p:childTnLst>
-                                </p:cTn>
-                              </p:par>
-                            </p:childTnLst>
-                          </p:cTn>
-                        </p:par>
-                      </p:childTnLst>
-                    </p:cTn>
-                  </p:par>
                 </p:childTnLst>
               </p:cTn>
               <p:prevCondLst>
@@ -5228,45 +5249,63 @@
           <a:p>
             <a:r>
               <a:rPr lang="sv-SE" sz="2000" dirty="0" smtClean="0"/>
-              <a:t>Linq operators are pure functions</a:t>
-            </a:r>
-          </a:p>
-          <a:p>
+              <a:t>Ienumerable&lt;T&gt; is an </a:t>
+            </a:r>
+            <a:r>
+              <a:rPr lang="sv-SE" sz="2000" i="1" dirty="0" smtClean="0"/>
+              <a:t>immutable</a:t>
+            </a:r>
             <a:r>
               <a:rPr lang="sv-SE" sz="2000" dirty="0" smtClean="0"/>
-              <a:t>Linq operators do not modify state</a:t>
+              <a:t> interface</a:t>
             </a:r>
           </a:p>
           <a:p>
             <a:r>
               <a:rPr lang="sv-SE" sz="2000" dirty="0" smtClean="0"/>
-              <a:t>Many Linq operators are higher order functions</a:t>
-            </a:r>
-          </a:p>
-          <a:p>
+              <a:t>Linq </a:t>
+            </a:r>
             <a:r>
               <a:rPr lang="sv-SE" sz="2000" dirty="0" smtClean="0"/>
-              <a:t>Lambdas are closures</a:t>
+              <a:t>operators are </a:t>
+            </a:r>
+            <a:r>
+              <a:rPr lang="sv-SE" sz="2000" i="1" dirty="0" smtClean="0"/>
+              <a:t>pure </a:t>
+            </a:r>
+            <a:r>
+              <a:rPr lang="sv-SE" sz="2000" i="1" dirty="0" smtClean="0"/>
+              <a:t>functions</a:t>
             </a:r>
           </a:p>
           <a:p>
             <a:r>
               <a:rPr lang="sv-SE" sz="2000" dirty="0" smtClean="0"/>
-              <a:t>Linq code is declarative in style</a:t>
-            </a:r>
-          </a:p>
-          <a:p>
+              <a:t>Many </a:t>
+            </a:r>
             <a:r>
               <a:rPr lang="sv-SE" sz="2000" dirty="0" smtClean="0"/>
-              <a:t>Query comprehension syntax is a variation on other </a:t>
-            </a:r>
-            <a:br>
+              <a:t>Linq operators are </a:t>
+            </a:r>
+            <a:r>
+              <a:rPr lang="sv-SE" sz="2000" i="1" dirty="0" smtClean="0"/>
+              <a:t>higher order functions</a:t>
+            </a:r>
+          </a:p>
+          <a:p>
+            <a:r>
               <a:rPr lang="sv-SE" sz="2000" dirty="0" smtClean="0"/>
-            </a:br>
+              <a:t>Lambdas </a:t>
+            </a:r>
             <a:r>
               <a:rPr lang="sv-SE" sz="2000" dirty="0" smtClean="0"/>
-              <a:t>  languages monad comprehension syntax.</a:t>
-            </a:r>
+              <a:t>are </a:t>
+            </a:r>
+            <a:r>
+              <a:rPr lang="sv-SE" sz="2000" i="1" dirty="0" smtClean="0"/>
+              <a:t>closures</a:t>
+            </a:r>
+            <a:endParaRPr lang="sv-SE" sz="2000" i="1" dirty="0" smtClean="0"/>
           </a:p>
           <a:p>
             <a:pPr>
@@ -5281,6 +5320,9 @@
   <p:clrMapOvr>
     <a:masterClrMapping/>
   </p:clrMapOvr>
+  <p:transition>
+    <p:wipe dir="r"/>
+  </p:transition>
   <p:timing>
     <p:tnLst>
       <p:par>
@@ -5701,212 +5743,6 @@
                       </p:childTnLst>
                     </p:cTn>
                   </p:par>
-                  <p:par>
-                    <p:cTn id="27" fill="hold">
-                      <p:stCondLst>
-                        <p:cond delay="indefinite"/>
-                      </p:stCondLst>
-                      <p:childTnLst>
-                        <p:par>
-                          <p:cTn id="28" fill="hold">
-                            <p:stCondLst>
-                              <p:cond delay="0"/>
-                            </p:stCondLst>
-                            <p:childTnLst>
-                              <p:par>
-                                <p:cTn id="29" presetID="2" presetClass="entr" presetSubtype="4" fill="hold" grpId="0" nodeType="clickEffect">
-                                  <p:stCondLst>
-                                    <p:cond delay="0"/>
-                                  </p:stCondLst>
-                                  <p:childTnLst>
-                                    <p:set>
-                                      <p:cBhvr>
-                                        <p:cTn id="30" dur="1" fill="hold">
-                                          <p:stCondLst>
-                                            <p:cond delay="0"/>
-                                          </p:stCondLst>
-                                        </p:cTn>
-                                        <p:tgtEl>
-                                          <p:spTgt spid="5">
-                                            <p:txEl>
-                                              <p:pRg st="4" end="4"/>
-                                            </p:txEl>
-                                          </p:spTgt>
-                                        </p:tgtEl>
-                                        <p:attrNameLst>
-                                          <p:attrName>style.visibility</p:attrName>
-                                        </p:attrNameLst>
-                                      </p:cBhvr>
-                                      <p:to>
-                                        <p:strVal val="visible"/>
-                                      </p:to>
-                                    </p:set>
-                                    <p:anim calcmode="lin" valueType="num">
-                                      <p:cBhvr additive="base">
-                                        <p:cTn id="31" dur="500" fill="hold"/>
-                                        <p:tgtEl>
-                                          <p:spTgt spid="5">
-                                            <p:txEl>
-                                              <p:pRg st="4" end="4"/>
-                                            </p:txEl>
-                                          </p:spTgt>
-                                        </p:tgtEl>
-                                        <p:attrNameLst>
-                                          <p:attrName>ppt_x</p:attrName>
-                                        </p:attrNameLst>
-                                      </p:cBhvr>
-                                      <p:tavLst>
-                                        <p:tav tm="0">
-                                          <p:val>
-                                            <p:strVal val="#ppt_x"/>
-                                          </p:val>
-                                        </p:tav>
-                                        <p:tav tm="100000">
-                                          <p:val>
-                                            <p:strVal val="#ppt_x"/>
-                                          </p:val>
-                                        </p:tav>
-                                      </p:tavLst>
-                                    </p:anim>
-                                    <p:anim calcmode="lin" valueType="num">
-                                      <p:cBhvr additive="base">
-                                        <p:cTn id="32" dur="500" fill="hold"/>
-                                        <p:tgtEl>
-                                          <p:spTgt spid="5">
-                                            <p:txEl>
-                                              <p:pRg st="4" end="4"/>
-                                            </p:txEl>
-                                          </p:spTgt>
-                                        </p:tgtEl>
-                                        <p:attrNameLst>
-                                          <p:attrName>ppt_y</p:attrName>
-                                        </p:attrNameLst>
-                                      </p:cBhvr>
-                                      <p:tavLst>
-                                        <p:tav tm="0">
-                                          <p:val>
-                                            <p:strVal val="1+#ppt_h/2"/>
-                                          </p:val>
-                                        </p:tav>
-                                        <p:tav tm="100000">
-                                          <p:val>
-                                            <p:strVal val="#ppt_y"/>
-                                          </p:val>
-                                        </p:tav>
-                                      </p:tavLst>
-                                    </p:anim>
-                                  </p:childTnLst>
-                                </p:cTn>
-                              </p:par>
-                            </p:childTnLst>
-                          </p:cTn>
-                        </p:par>
-                      </p:childTnLst>
-                    </p:cTn>
-                  </p:par>
-                  <p:par>
-                    <p:cTn id="33" fill="hold">
-                      <p:stCondLst>
-                        <p:cond delay="indefinite"/>
-                      </p:stCondLst>
-                      <p:childTnLst>
-                        <p:par>
-                          <p:cTn id="34" fill="hold">
-                            <p:stCondLst>
-                              <p:cond delay="0"/>
-                            </p:stCondLst>
-                            <p:childTnLst>
-                              <p:par>
-                                <p:cTn id="35" presetID="2" presetClass="entr" presetSubtype="4" fill="hold" grpId="0" nodeType="clickEffect">
-                                  <p:stCondLst>
-                                    <p:cond delay="0"/>
-                                  </p:stCondLst>
-                                  <p:childTnLst>
-                                    <p:set>
-                                      <p:cBhvr>
-                                        <p:cTn id="36" dur="1" fill="hold">
-                                          <p:stCondLst>
-                                            <p:cond delay="0"/>
-                                          </p:stCondLst>
-                                        </p:cTn>
-                                        <p:tgtEl>
-                                          <p:spTgt spid="5">
-                                            <p:txEl>
-                                              <p:pRg st="5" end="5"/>
-                                            </p:txEl>
-                                          </p:spTgt>
-                                        </p:tgtEl>
-                                        <p:attrNameLst>
-                                          <p:attrName>style.visibility</p:attrName>
-                                        </p:attrNameLst>
-                                      </p:cBhvr>
-                                      <p:to>
-                                        <p:strVal val="visible"/>
-                                      </p:to>
-                                    </p:set>
-                                    <p:anim calcmode="lin" valueType="num">
-                                      <p:cBhvr additive="base">
-                                        <p:cTn id="37" dur="500" fill="hold"/>
-                                        <p:tgtEl>
-                                          <p:spTgt spid="5">
-                                            <p:txEl>
-                                              <p:pRg st="5" end="5"/>
-                                            </p:txEl>
-                                          </p:spTgt>
-                                        </p:tgtEl>
-                                        <p:attrNameLst>
-                                          <p:attrName>ppt_x</p:attrName>
-                                        </p:attrNameLst>
-                                      </p:cBhvr>
-                                      <p:tavLst>
-                                        <p:tav tm="0">
-                                          <p:val>
-                                            <p:strVal val="#ppt_x"/>
-                                          </p:val>
-                                        </p:tav>
-                                        <p:tav tm="100000">
-                                          <p:val>
-                                            <p:strVal val="#ppt_x"/>
-                                          </p:val>
-                                        </p:tav>
-                                      </p:tavLst>
-                                    </p:anim>
-                                    <p:anim calcmode="lin" valueType="num">
-                                      <p:cBhvr additive="base">
-                                        <p:cTn id="38" dur="500" fill="hold"/>
-                                        <p:tgtEl>
-                                          <p:spTgt spid="5">
-                                            <p:txEl>
-                                              <p:pRg st="5" end="5"/>
-                                            </p:txEl>
-                                          </p:spTgt>
-                                        </p:tgtEl>
-                                        <p:attrNameLst>
-                                          <p:attrName>ppt_y</p:attrName>
-                                        </p:attrNameLst>
-                                      </p:cBhvr>
-                                      <p:tavLst>
-                                        <p:tav tm="0">
-                                          <p:val>
-                                            <p:strVal val="1+#ppt_h/2"/>
-                                          </p:val>
-                                        </p:tav>
-                                        <p:tav tm="100000">
-                                          <p:val>
-                                            <p:strVal val="#ppt_y"/>
-                                          </p:val>
-                                        </p:tav>
-                                      </p:tavLst>
-                                    </p:anim>
-                                  </p:childTnLst>
-                                </p:cTn>
-                              </p:par>
-                            </p:childTnLst>
-                          </p:cTn>
-                        </p:par>
-                      </p:childTnLst>
-                    </p:cTn>
-                  </p:par>
                 </p:childTnLst>
               </p:cTn>
               <p:prevCondLst>
@@ -5969,7 +5805,11 @@
           <a:p>
             <a:r>
               <a:rPr lang="sv-SE" dirty="0" smtClean="0"/>
-              <a:t>In C# 3.0 YOU could write Linq</a:t>
+              <a:t>YOU </a:t>
+            </a:r>
+            <a:r>
+              <a:rPr lang="sv-SE" dirty="0" smtClean="0"/>
+              <a:t>could write Linq</a:t>
             </a:r>
             <a:endParaRPr lang="sv-SE" dirty="0"/>
           </a:p>
@@ -6055,6 +5895,9 @@
   <p:clrMapOvr>
     <a:masterClrMapping/>
   </p:clrMapOvr>
+  <p:transition>
+    <p:wipe dir="r"/>
+  </p:transition>
   <p:timing>
     <p:tnLst>
       <p:par>
@@ -6537,7 +6380,7 @@
           <a:p>
             <a:r>
               <a:rPr lang="sv-SE" dirty="0" smtClean="0"/>
-              <a:t>New language features</a:t>
+              <a:t>Language features enabling Linq</a:t>
             </a:r>
             <a:endParaRPr lang="sv-SE" dirty="0"/>
           </a:p>
@@ -6562,29 +6405,7 @@
           <a:p>
             <a:r>
               <a:rPr lang="sv-SE" sz="2000" dirty="0" smtClean="0"/>
-              <a:t>Type inference and the var keyword</a:t>
-            </a:r>
-          </a:p>
-          <a:p>
-            <a:r>
-              <a:rPr lang="sv-SE" sz="2000" dirty="0" smtClean="0"/>
-              <a:t>Anonymous types</a:t>
-            </a:r>
-          </a:p>
-          <a:p>
-            <a:r>
-              <a:rPr lang="sv-SE" sz="2000" dirty="0" smtClean="0"/>
               <a:t>Lamda expressions</a:t>
-            </a:r>
-          </a:p>
-          <a:p>
-            <a:r>
-              <a:rPr lang="sv-SE" sz="2000" dirty="0" smtClean="0"/>
-              <a:t>Expression&lt;T</a:t>
-            </a:r>
-            <a:r>
-              <a:rPr lang="sv-SE" sz="2000" dirty="0" smtClean="0"/>
-              <a:t>&gt; (This IS a language feature!)</a:t>
             </a:r>
           </a:p>
           <a:p>
@@ -6602,14 +6423,42 @@
           <a:p>
             <a:r>
               <a:rPr lang="sv-SE" sz="2000" dirty="0" smtClean="0"/>
-              <a:t>Initializer expressions</a:t>
-            </a:r>
-            <a:br>
+              <a:t>Anonymous </a:t>
+            </a:r>
+            <a:r>
               <a:rPr lang="sv-SE" sz="2000" dirty="0" smtClean="0"/>
-            </a:br>
+              <a:t>types</a:t>
+            </a:r>
+          </a:p>
+          <a:p>
+            <a:r>
+              <a:rPr lang="sv-SE" sz="2000" smtClean="0"/>
+              <a:t>Type inference and the </a:t>
+            </a:r>
+            <a:r>
+              <a:rPr lang="sv-SE" sz="2000" smtClean="0"/>
+              <a:t>var </a:t>
+            </a:r>
+            <a:r>
+              <a:rPr lang="sv-SE" sz="2000" smtClean="0"/>
+              <a:t>keyword</a:t>
+            </a:r>
+            <a:endParaRPr lang="sv-SE" sz="2000" dirty="0" smtClean="0"/>
+          </a:p>
+          <a:p>
             <a:r>
               <a:rPr lang="sv-SE" sz="2000" dirty="0" smtClean="0"/>
-              <a:t>Classes, Collections</a:t>
+              <a:t>Expression&lt;T&gt; (This IS a language feature</a:t>
+            </a:r>
+            <a:r>
+              <a:rPr lang="sv-SE" sz="2000" dirty="0" smtClean="0"/>
+              <a:t>!)</a:t>
+            </a:r>
+          </a:p>
+          <a:p>
+            <a:r>
+              <a:rPr lang="sv-SE" sz="2000" dirty="0" smtClean="0"/>
+              <a:t>Initializer expressions (classes, collections)</a:t>
             </a:r>
           </a:p>
         </p:txBody>

--- a/CSharp3.pptx
+++ b/CSharp3.pptx
@@ -3645,36 +3645,26 @@
             </a:r>
             <a:r>
               <a:rPr lang="sv-SE" dirty="0" smtClean="0"/>
-              <a:t>entities* should have only one reason to change</a:t>
-            </a:r>
-          </a:p>
-          <a:p>
+              <a:t>entities* should have only one reason to </a:t>
+            </a:r>
             <a:r>
               <a:rPr lang="sv-SE" dirty="0" smtClean="0"/>
-              <a:t>The </a:t>
-            </a:r>
-            <a:r>
-              <a:rPr lang="sv-SE" u="sng" dirty="0" smtClean="0"/>
-              <a:t>O</a:t>
+              <a:t>change</a:t>
             </a:r>
             <a:r>
               <a:rPr lang="sv-SE" dirty="0" smtClean="0"/>
-              <a:t>pen Closed </a:t>
-            </a:r>
-            <a:r>
-              <a:rPr lang="sv-SE" dirty="0" smtClean="0"/>
-              <a:t>Principle</a:t>
+              <a:t/>
             </a:r>
             <a:br>
               <a:rPr lang="sv-SE" dirty="0" smtClean="0"/>
             </a:br>
             <a:r>
-              <a:rPr lang="sv-SE" dirty="0" smtClean="0"/>
-              <a:t>Software </a:t>
-            </a:r>
-            <a:r>
-              <a:rPr lang="sv-SE" dirty="0" smtClean="0"/>
-              <a:t>entities should be open for extension but closed for modification</a:t>
+              <a:rPr lang="sv-SE" sz="2600" dirty="0" smtClean="0"/>
+              <a:t>*classes</a:t>
+            </a:r>
+            <a:r>
+              <a:rPr lang="sv-SE" sz="2600" dirty="0" smtClean="0"/>
+              <a:t>, interfaces, functions, etc</a:t>
             </a:r>
           </a:p>
           <a:p>
@@ -3684,11 +3674,11 @@
             </a:r>
             <a:r>
               <a:rPr lang="sv-SE" u="sng" dirty="0" smtClean="0"/>
-              <a:t>L</a:t>
+              <a:t>O</a:t>
             </a:r>
             <a:r>
               <a:rPr lang="sv-SE" dirty="0" smtClean="0"/>
-              <a:t>iskov Substitution </a:t>
+              <a:t>pen Closed </a:t>
             </a:r>
             <a:r>
               <a:rPr lang="sv-SE" dirty="0" smtClean="0"/>
@@ -3699,11 +3689,11 @@
             </a:br>
             <a:r>
               <a:rPr lang="sv-SE" dirty="0" smtClean="0"/>
-              <a:t>Derived </a:t>
+              <a:t>Software </a:t>
             </a:r>
             <a:r>
               <a:rPr lang="sv-SE" dirty="0" smtClean="0"/>
-              <a:t>classes must be substitutable for their base classes/interfaces</a:t>
+              <a:t>entities should be open for extension but closed for modification</a:t>
             </a:r>
           </a:p>
           <a:p>
@@ -3713,11 +3703,11 @@
             </a:r>
             <a:r>
               <a:rPr lang="sv-SE" u="sng" dirty="0" smtClean="0"/>
-              <a:t>I</a:t>
+              <a:t>L</a:t>
             </a:r>
             <a:r>
               <a:rPr lang="sv-SE" dirty="0" smtClean="0"/>
-              <a:t>nterface Segregation </a:t>
+              <a:t>iskov Substitution </a:t>
             </a:r>
             <a:r>
               <a:rPr lang="sv-SE" dirty="0" smtClean="0"/>
@@ -3728,79 +3718,115 @@
             </a:br>
             <a:r>
               <a:rPr lang="sv-SE" dirty="0" smtClean="0"/>
-              <a:t>Make </a:t>
+              <a:t>Derived </a:t>
             </a:r>
             <a:r>
               <a:rPr lang="sv-SE" dirty="0" smtClean="0"/>
-              <a:t>fine grained interfaces that are client </a:t>
-            </a:r>
+              <a:t>classes must be substitutable for their base classes/interfaces</a:t>
+            </a:r>
+          </a:p>
+          <a:p>
             <a:r>
               <a:rPr lang="sv-SE" dirty="0" smtClean="0"/>
-              <a:t>specific</a:t>
+              <a:t>The </a:t>
+            </a:r>
+            <a:r>
+              <a:rPr lang="sv-SE" u="sng" dirty="0" smtClean="0"/>
+              <a:t>I</a:t>
+            </a:r>
+            <a:r>
+              <a:rPr lang="sv-SE" dirty="0" smtClean="0"/>
+              <a:t>nterface Segregation </a:t>
+            </a:r>
+            <a:r>
+              <a:rPr lang="sv-SE" dirty="0" smtClean="0"/>
+              <a:t>Principle</a:t>
             </a:r>
             <a:br>
               <a:rPr lang="sv-SE" dirty="0" smtClean="0"/>
             </a:br>
             <a:r>
               <a:rPr lang="sv-SE" dirty="0" smtClean="0"/>
-              <a:t>Clients </a:t>
+              <a:t>Make </a:t>
             </a:r>
             <a:r>
               <a:rPr lang="sv-SE" dirty="0" smtClean="0"/>
-              <a:t>should not be forced to depend on methods they do not use</a:t>
-            </a:r>
-          </a:p>
-          <a:p>
+              <a:t>fine grained interfaces that are client </a:t>
+            </a:r>
             <a:r>
               <a:rPr lang="sv-SE" dirty="0" smtClean="0"/>
-              <a:t>The </a:t>
-            </a:r>
-            <a:r>
-              <a:rPr lang="sv-SE" u="sng" dirty="0" smtClean="0"/>
-              <a:t>D</a:t>
-            </a:r>
-            <a:r>
-              <a:rPr lang="sv-SE" dirty="0" smtClean="0"/>
-              <a:t>ependency Inversion </a:t>
-            </a:r>
-            <a:r>
-              <a:rPr lang="sv-SE" dirty="0" smtClean="0"/>
-              <a:t>Principle</a:t>
+              <a:t>specific</a:t>
             </a:r>
             <a:br>
               <a:rPr lang="sv-SE" dirty="0" smtClean="0"/>
             </a:br>
             <a:r>
               <a:rPr lang="sv-SE" dirty="0" smtClean="0"/>
-              <a:t>Depend </a:t>
+              <a:t>Clients </a:t>
             </a:r>
             <a:r>
               <a:rPr lang="sv-SE" dirty="0" smtClean="0"/>
-              <a:t>on abstractions, not on </a:t>
-            </a:r>
+              <a:t>should not be forced to depend on methods they do not use</a:t>
+            </a:r>
+          </a:p>
+          <a:p>
             <a:r>
               <a:rPr lang="sv-SE" dirty="0" smtClean="0"/>
-              <a:t>concretions</a:t>
+              <a:t>The </a:t>
+            </a:r>
+            <a:r>
+              <a:rPr lang="sv-SE" u="sng" dirty="0" smtClean="0"/>
+              <a:t>D</a:t>
+            </a:r>
+            <a:r>
+              <a:rPr lang="sv-SE" dirty="0" smtClean="0"/>
+              <a:t>ependency Inversion </a:t>
+            </a:r>
+            <a:r>
+              <a:rPr lang="sv-SE" dirty="0" smtClean="0"/>
+              <a:t>Principle</a:t>
             </a:r>
             <a:br>
               <a:rPr lang="sv-SE" dirty="0" smtClean="0"/>
             </a:br>
             <a:r>
               <a:rPr lang="sv-SE" dirty="0" smtClean="0"/>
+              <a:t>Depend </a:t>
+            </a:r>
+            <a:r>
+              <a:rPr lang="sv-SE" dirty="0" smtClean="0"/>
+              <a:t>on abstractions, not on </a:t>
+            </a:r>
+            <a:r>
+              <a:rPr lang="sv-SE" dirty="0" smtClean="0"/>
+              <a:t>concretions</a:t>
+            </a:r>
+            <a:br>
+              <a:rPr lang="sv-SE" dirty="0" smtClean="0"/>
+            </a:br>
+            <a:r>
+              <a:rPr lang="sv-SE" dirty="0" smtClean="0"/>
               <a:t>Abstractions </a:t>
             </a:r>
             <a:r>
               <a:rPr lang="sv-SE" dirty="0" smtClean="0"/>
-              <a:t>should not depend on details, details should depend on abstractions</a:t>
+              <a:t>should not depend on details, details should depend on </a:t>
+            </a:r>
+            <a:r>
+              <a:rPr lang="sv-SE" dirty="0" smtClean="0"/>
+              <a:t>abstractions</a:t>
             </a:r>
           </a:p>
           <a:p>
             <a:endParaRPr lang="sv-SE" dirty="0" smtClean="0"/>
           </a:p>
           <a:p>
+            <a:pPr>
+              <a:buNone/>
+            </a:pPr>
             <a:r>
               <a:rPr lang="sv-SE" dirty="0" smtClean="0"/>
-              <a:t> *classes, interfaces, functions, etc (Lines of code? I think so.)</a:t>
+              <a:t> </a:t>
             </a:r>
             <a:endParaRPr lang="sv-SE" dirty="0"/>
           </a:p>
@@ -6432,18 +6458,13 @@
           </a:p>
           <a:p>
             <a:r>
-              <a:rPr lang="sv-SE" sz="2000" smtClean="0"/>
-              <a:t>Type inference and the </a:t>
-            </a:r>
-            <a:r>
-              <a:rPr lang="sv-SE" sz="2000" smtClean="0"/>
-              <a:t>var </a:t>
-            </a:r>
-            <a:r>
-              <a:rPr lang="sv-SE" sz="2000" smtClean="0"/>
+              <a:rPr lang="sv-SE" sz="2000" dirty="0" smtClean="0"/>
+              <a:t>Type inference and the var </a:t>
+            </a:r>
+            <a:r>
+              <a:rPr lang="sv-SE" sz="2000" dirty="0" smtClean="0"/>
               <a:t>keyword</a:t>
             </a:r>
-            <a:endParaRPr lang="sv-SE" sz="2000" dirty="0" smtClean="0"/>
           </a:p>
           <a:p>
             <a:r>

--- a/CSharp3.pptx
+++ b/CSharp3.pptx
@@ -8,8 +8,8 @@
     <p:notesMasterId r:id="rId8"/>
   </p:notesMasterIdLst>
   <p:sldIdLst>
-    <p:sldId id="260" r:id="rId2"/>
-    <p:sldId id="256" r:id="rId3"/>
+    <p:sldId id="256" r:id="rId2"/>
+    <p:sldId id="260" r:id="rId3"/>
     <p:sldId id="257" r:id="rId4"/>
     <p:sldId id="258" r:id="rId5"/>
     <p:sldId id="261" r:id="rId6"/>
@@ -198,7 +198,7 @@
             <a:fld id="{B3C36E66-5700-46DF-A747-EB1263159AB0}" type="datetimeFigureOut">
               <a:rPr lang="sv-SE" smtClean="0"/>
               <a:pPr/>
-              <a:t>2010-01-15</a:t>
+              <a:t>2010-01-16</a:t>
             </a:fld>
             <a:endParaRPr lang="sv-SE"/>
           </a:p>
@@ -510,7 +510,7 @@
           </a:bodyPr>
           <a:lstStyle/>
           <a:p>
-            <a:endParaRPr lang="sv-SE" dirty="0"/>
+            <a:endParaRPr lang="sv-SE"/>
           </a:p>
         </p:txBody>
       </p:sp>
@@ -592,7 +592,7 @@
           </a:bodyPr>
           <a:lstStyle/>
           <a:p>
-            <a:endParaRPr lang="sv-SE"/>
+            <a:endParaRPr lang="sv-SE" dirty="0"/>
           </a:p>
         </p:txBody>
       </p:sp>
@@ -810,7 +810,7 @@
             <a:fld id="{351ECD73-E38B-47F5-B197-B998FCFB2F11}" type="datetimeFigureOut">
               <a:rPr lang="sv-SE" smtClean="0"/>
               <a:pPr/>
-              <a:t>2010-01-15</a:t>
+              <a:t>2010-01-16</a:t>
             </a:fld>
             <a:endParaRPr lang="sv-SE"/>
           </a:p>
@@ -977,7 +977,7 @@
             <a:fld id="{351ECD73-E38B-47F5-B197-B998FCFB2F11}" type="datetimeFigureOut">
               <a:rPr lang="sv-SE" smtClean="0"/>
               <a:pPr/>
-              <a:t>2010-01-15</a:t>
+              <a:t>2010-01-16</a:t>
             </a:fld>
             <a:endParaRPr lang="sv-SE"/>
           </a:p>
@@ -1154,7 +1154,7 @@
             <a:fld id="{351ECD73-E38B-47F5-B197-B998FCFB2F11}" type="datetimeFigureOut">
               <a:rPr lang="sv-SE" smtClean="0"/>
               <a:pPr/>
-              <a:t>2010-01-15</a:t>
+              <a:t>2010-01-16</a:t>
             </a:fld>
             <a:endParaRPr lang="sv-SE"/>
           </a:p>
@@ -1321,7 +1321,7 @@
             <a:fld id="{351ECD73-E38B-47F5-B197-B998FCFB2F11}" type="datetimeFigureOut">
               <a:rPr lang="sv-SE" smtClean="0"/>
               <a:pPr/>
-              <a:t>2010-01-15</a:t>
+              <a:t>2010-01-16</a:t>
             </a:fld>
             <a:endParaRPr lang="sv-SE"/>
           </a:p>
@@ -1564,7 +1564,7 @@
             <a:fld id="{351ECD73-E38B-47F5-B197-B998FCFB2F11}" type="datetimeFigureOut">
               <a:rPr lang="sv-SE" smtClean="0"/>
               <a:pPr/>
-              <a:t>2010-01-15</a:t>
+              <a:t>2010-01-16</a:t>
             </a:fld>
             <a:endParaRPr lang="sv-SE"/>
           </a:p>
@@ -1849,7 +1849,7 @@
             <a:fld id="{351ECD73-E38B-47F5-B197-B998FCFB2F11}" type="datetimeFigureOut">
               <a:rPr lang="sv-SE" smtClean="0"/>
               <a:pPr/>
-              <a:t>2010-01-15</a:t>
+              <a:t>2010-01-16</a:t>
             </a:fld>
             <a:endParaRPr lang="sv-SE"/>
           </a:p>
@@ -2268,7 +2268,7 @@
             <a:fld id="{351ECD73-E38B-47F5-B197-B998FCFB2F11}" type="datetimeFigureOut">
               <a:rPr lang="sv-SE" smtClean="0"/>
               <a:pPr/>
-              <a:t>2010-01-15</a:t>
+              <a:t>2010-01-16</a:t>
             </a:fld>
             <a:endParaRPr lang="sv-SE"/>
           </a:p>
@@ -2383,7 +2383,7 @@
             <a:fld id="{351ECD73-E38B-47F5-B197-B998FCFB2F11}" type="datetimeFigureOut">
               <a:rPr lang="sv-SE" smtClean="0"/>
               <a:pPr/>
-              <a:t>2010-01-15</a:t>
+              <a:t>2010-01-16</a:t>
             </a:fld>
             <a:endParaRPr lang="sv-SE"/>
           </a:p>
@@ -2475,7 +2475,7 @@
             <a:fld id="{351ECD73-E38B-47F5-B197-B998FCFB2F11}" type="datetimeFigureOut">
               <a:rPr lang="sv-SE" smtClean="0"/>
               <a:pPr/>
-              <a:t>2010-01-15</a:t>
+              <a:t>2010-01-16</a:t>
             </a:fld>
             <a:endParaRPr lang="sv-SE"/>
           </a:p>
@@ -2749,7 +2749,7 @@
             <a:fld id="{351ECD73-E38B-47F5-B197-B998FCFB2F11}" type="datetimeFigureOut">
               <a:rPr lang="sv-SE" smtClean="0"/>
               <a:pPr/>
-              <a:t>2010-01-15</a:t>
+              <a:t>2010-01-16</a:t>
             </a:fld>
             <a:endParaRPr lang="sv-SE"/>
           </a:p>
@@ -2999,7 +2999,7 @@
             <a:fld id="{351ECD73-E38B-47F5-B197-B998FCFB2F11}" type="datetimeFigureOut">
               <a:rPr lang="sv-SE" smtClean="0"/>
               <a:pPr/>
-              <a:t>2010-01-15</a:t>
+              <a:t>2010-01-16</a:t>
             </a:fld>
             <a:endParaRPr lang="sv-SE"/>
           </a:p>
@@ -3209,7 +3209,7 @@
             <a:fld id="{351ECD73-E38B-47F5-B197-B998FCFB2F11}" type="datetimeFigureOut">
               <a:rPr lang="sv-SE" smtClean="0"/>
               <a:pPr/>
-              <a:t>2010-01-15</a:t>
+              <a:t>2010-01-16</a:t>
             </a:fld>
             <a:endParaRPr lang="sv-SE"/>
           </a:p>
@@ -3582,6 +3582,76 @@
       </p:grpSpPr>
       <p:sp>
         <p:nvSpPr>
+          <p:cNvPr id="5" name="Title 4"/>
+          <p:cNvSpPr>
+            <a:spLocks noGrp="1"/>
+          </p:cNvSpPr>
+          <p:nvPr>
+            <p:ph type="ctrTitle"/>
+          </p:nvPr>
+        </p:nvSpPr>
+        <p:spPr/>
+        <p:txBody>
+          <a:bodyPr>
+            <a:normAutofit fontScale="90000"/>
+          </a:bodyPr>
+          <a:lstStyle/>
+          <a:p>
+            <a:r>
+              <a:rPr lang="en-US" dirty="0" smtClean="0"/>
+              <a:t>C# 3.0</a:t>
+            </a:r>
+            <a:br>
+              <a:rPr lang="en-US" dirty="0" smtClean="0"/>
+            </a:br>
+            <a:r>
+              <a:rPr lang="en-US" dirty="0" smtClean="0"/>
+              <a:t>Solid and the functional revolution</a:t>
+            </a:r>
+            <a:br>
+              <a:rPr lang="en-US" dirty="0" smtClean="0"/>
+            </a:br>
+            <a:endParaRPr lang="en-US" dirty="0"/>
+          </a:p>
+        </p:txBody>
+      </p:sp>
+    </p:spTree>
+  </p:cSld>
+  <p:clrMapOvr>
+    <a:masterClrMapping/>
+  </p:clrMapOvr>
+  <p:transition>
+    <p:wipe dir="r"/>
+  </p:transition>
+  <p:timing>
+    <p:tnLst>
+      <p:par>
+        <p:cTn id="1" dur="indefinite" restart="never" nodeType="tmRoot"/>
+      </p:par>
+    </p:tnLst>
+  </p:timing>
+</p:sld>
+</file>
+
+<file path=ppt/slides/slide2.xml><?xml version="1.0" encoding="utf-8"?>
+<p:sld xmlns:a="http://schemas.openxmlformats.org/drawingml/2006/main" xmlns:r="http://schemas.openxmlformats.org/officeDocument/2006/relationships" xmlns:p="http://schemas.openxmlformats.org/presentationml/2006/main">
+  <p:cSld>
+    <p:spTree>
+      <p:nvGrpSpPr>
+        <p:cNvPr id="1" name=""/>
+        <p:cNvGrpSpPr/>
+        <p:nvPr/>
+      </p:nvGrpSpPr>
+      <p:grpSpPr>
+        <a:xfrm>
+          <a:off x="0" y="0"/>
+          <a:ext cx="0" cy="0"/>
+          <a:chOff x="0" y="0"/>
+          <a:chExt cx="0" cy="0"/>
+        </a:xfrm>
+      </p:grpSpPr>
+      <p:sp>
+        <p:nvSpPr>
           <p:cNvPr id="2" name="Title 1"/>
           <p:cNvSpPr>
             <a:spLocks noGrp="1"/>
@@ -3630,41 +3700,74 @@
             </a:r>
             <a:r>
               <a:rPr lang="sv-SE" dirty="0" smtClean="0"/>
-              <a:t>ingle Responsibility </a:t>
-            </a:r>
-            <a:r>
-              <a:rPr lang="sv-SE" dirty="0" smtClean="0"/>
-              <a:t>Principle</a:t>
+              <a:t>ingle Responsibility Principle</a:t>
             </a:r>
             <a:br>
               <a:rPr lang="sv-SE" dirty="0" smtClean="0"/>
             </a:br>
             <a:r>
+              <a:rPr lang="sv-SE" dirty="0" smtClean="0">
+                <a:solidFill>
+                  <a:schemeClr val="tx2"/>
+                </a:solidFill>
+              </a:rPr>
+              <a:t>Software entities* should have only one reason to change</a:t>
+            </a:r>
+            <a:r>
+              <a:rPr lang="sv-SE" dirty="0" smtClean="0">
+                <a:solidFill>
+                  <a:srgbClr val="0070C0"/>
+                </a:solidFill>
+              </a:rPr>
+              <a:t/>
+            </a:r>
+            <a:br>
+              <a:rPr lang="sv-SE" dirty="0" smtClean="0">
+                <a:solidFill>
+                  <a:srgbClr val="0070C0"/>
+                </a:solidFill>
+              </a:rPr>
+            </a:br>
+            <a:r>
+              <a:rPr lang="sv-SE" sz="2600" dirty="0" smtClean="0">
+                <a:solidFill>
+                  <a:schemeClr val="tx2"/>
+                </a:solidFill>
+              </a:rPr>
+              <a:t>*</a:t>
+            </a:r>
+            <a:r>
+              <a:rPr lang="sv-SE" sz="2200" dirty="0" smtClean="0">
+                <a:solidFill>
+                  <a:schemeClr val="tx2"/>
+                </a:solidFill>
+              </a:rPr>
+              <a:t>classes, interfaces, functions, etc</a:t>
+            </a:r>
+          </a:p>
+          <a:p>
+            <a:r>
               <a:rPr lang="sv-SE" dirty="0" smtClean="0"/>
-              <a:t>Software </a:t>
+              <a:t>The </a:t>
+            </a:r>
+            <a:r>
+              <a:rPr lang="sv-SE" u="sng" dirty="0" smtClean="0"/>
+              <a:t>O</a:t>
             </a:r>
             <a:r>
               <a:rPr lang="sv-SE" dirty="0" smtClean="0"/>
-              <a:t>entities* should have only one reason to </a:t>
-            </a:r>
-            <a:r>
-              <a:rPr lang="sv-SE" dirty="0" smtClean="0"/>
-              <a:t>change</a:t>
-            </a:r>
-            <a:r>
-              <a:rPr lang="sv-SE" dirty="0" smtClean="0"/>
-              <a:t/>
+              <a:t>pen Closed Principle</a:t>
             </a:r>
             <a:br>
               <a:rPr lang="sv-SE" dirty="0" smtClean="0"/>
             </a:br>
             <a:r>
-              <a:rPr lang="sv-SE" sz="2600" dirty="0" smtClean="0"/>
-              <a:t>*classes</a:t>
-            </a:r>
-            <a:r>
-              <a:rPr lang="sv-SE" sz="2600" dirty="0" smtClean="0"/>
-              <a:t>, interfaces, functions, etc</a:t>
+              <a:rPr lang="sv-SE" dirty="0" smtClean="0">
+                <a:solidFill>
+                  <a:schemeClr val="tx2"/>
+                </a:solidFill>
+              </a:rPr>
+              <a:t>Software entities should be open for extension but closed for modification</a:t>
             </a:r>
           </a:p>
           <a:p>
@@ -3674,26 +3777,22 @@
             </a:r>
             <a:r>
               <a:rPr lang="sv-SE" u="sng" dirty="0" smtClean="0"/>
-              <a:t>O</a:t>
+              <a:t>L</a:t>
             </a:r>
             <a:r>
               <a:rPr lang="sv-SE" dirty="0" smtClean="0"/>
-              <a:t>pen Closed </a:t>
-            </a:r>
-            <a:r>
-              <a:rPr lang="sv-SE" dirty="0" smtClean="0"/>
-              <a:t>Principle</a:t>
+              <a:t>iskov Substitution Principle</a:t>
             </a:r>
             <a:br>
               <a:rPr lang="sv-SE" dirty="0" smtClean="0"/>
             </a:br>
             <a:r>
-              <a:rPr lang="sv-SE" dirty="0" smtClean="0"/>
-              <a:t>Software </a:t>
-            </a:r>
-            <a:r>
-              <a:rPr lang="sv-SE" dirty="0" smtClean="0"/>
-              <a:t>entities should be open for extension but closed for modification</a:t>
+              <a:rPr lang="sv-SE" dirty="0" smtClean="0">
+                <a:solidFill>
+                  <a:schemeClr val="tx2"/>
+                </a:solidFill>
+              </a:rPr>
+              <a:t>Derived classes must be substitutable for their base classes/interfaces</a:t>
             </a:r>
           </a:p>
           <a:p>
@@ -3703,26 +3802,37 @@
             </a:r>
             <a:r>
               <a:rPr lang="sv-SE" u="sng" dirty="0" smtClean="0"/>
-              <a:t>L</a:t>
+              <a:t>I</a:t>
             </a:r>
             <a:r>
               <a:rPr lang="sv-SE" dirty="0" smtClean="0"/>
-              <a:t>iskov Substitution </a:t>
-            </a:r>
-            <a:r>
-              <a:rPr lang="sv-SE" dirty="0" smtClean="0"/>
-              <a:t>Principle</a:t>
+              <a:t>nterface Segregation Principle</a:t>
             </a:r>
             <a:br>
               <a:rPr lang="sv-SE" dirty="0" smtClean="0"/>
             </a:br>
             <a:r>
-              <a:rPr lang="sv-SE" dirty="0" smtClean="0"/>
-              <a:t>Derived </a:t>
-            </a:r>
-            <a:r>
-              <a:rPr lang="sv-SE" dirty="0" smtClean="0"/>
-              <a:t>classes must be substitutable for their base classes/interfaces</a:t>
+              <a:rPr lang="sv-SE" dirty="0" smtClean="0">
+                <a:solidFill>
+                  <a:schemeClr val="tx2"/>
+                </a:solidFill>
+              </a:rPr>
+              <a:t>Make fine grained interfaces that are client specific</a:t>
+            </a:r>
+            <a:br>
+              <a:rPr lang="sv-SE" dirty="0" smtClean="0">
+                <a:solidFill>
+                  <a:schemeClr val="tx2"/>
+                </a:solidFill>
+              </a:rPr>
+            </a:br>
+            <a:r>
+              <a:rPr lang="sv-SE" dirty="0" smtClean="0">
+                <a:solidFill>
+                  <a:schemeClr val="tx2"/>
+                </a:solidFill>
+              </a:rPr>
+              <a:t>Clients should not be forced to depend on methods they do not use</a:t>
             </a:r>
           </a:p>
           <a:p>
@@ -3732,89 +3842,37 @@
             </a:r>
             <a:r>
               <a:rPr lang="sv-SE" u="sng" dirty="0" smtClean="0"/>
-              <a:t>I</a:t>
+              <a:t>D</a:t>
             </a:r>
             <a:r>
               <a:rPr lang="sv-SE" dirty="0" smtClean="0"/>
-              <a:t>nterface Segregation </a:t>
-            </a:r>
-            <a:r>
-              <a:rPr lang="sv-SE" dirty="0" smtClean="0"/>
-              <a:t>Principle</a:t>
+              <a:t>ependency Inversion Principle</a:t>
             </a:r>
             <a:br>
               <a:rPr lang="sv-SE" dirty="0" smtClean="0"/>
             </a:br>
             <a:r>
-              <a:rPr lang="sv-SE" dirty="0" smtClean="0"/>
-              <a:t>Make </a:t>
-            </a:r>
-            <a:r>
-              <a:rPr lang="sv-SE" dirty="0" smtClean="0"/>
-              <a:t>fine grained interfaces that are client </a:t>
-            </a:r>
-            <a:r>
-              <a:rPr lang="sv-SE" dirty="0" smtClean="0"/>
-              <a:t>specific</a:t>
+              <a:rPr lang="sv-SE" dirty="0" smtClean="0">
+                <a:solidFill>
+                  <a:schemeClr val="tx2"/>
+                </a:solidFill>
+              </a:rPr>
+              <a:t>Depend on abstractions, not on concretions</a:t>
             </a:r>
             <a:br>
-              <a:rPr lang="sv-SE" dirty="0" smtClean="0"/>
+              <a:rPr lang="sv-SE" dirty="0" smtClean="0">
+                <a:solidFill>
+                  <a:schemeClr val="tx2"/>
+                </a:solidFill>
+              </a:rPr>
             </a:br>
             <a:r>
-              <a:rPr lang="sv-SE" dirty="0" smtClean="0"/>
-              <a:t>Clients </a:t>
-            </a:r>
-            <a:r>
-              <a:rPr lang="sv-SE" dirty="0" smtClean="0"/>
-              <a:t>should not be forced to depend on methods they do not use</a:t>
-            </a:r>
-          </a:p>
-          <a:p>
-            <a:r>
-              <a:rPr lang="sv-SE" dirty="0" smtClean="0"/>
-              <a:t>The </a:t>
-            </a:r>
-            <a:r>
-              <a:rPr lang="sv-SE" u="sng" dirty="0" smtClean="0"/>
-              <a:t>D</a:t>
-            </a:r>
-            <a:r>
-              <a:rPr lang="sv-SE" dirty="0" smtClean="0"/>
-              <a:t>ependency Inversion </a:t>
-            </a:r>
-            <a:r>
-              <a:rPr lang="sv-SE" dirty="0" smtClean="0"/>
-              <a:t>Principle</a:t>
-            </a:r>
-            <a:br>
-              <a:rPr lang="sv-SE" dirty="0" smtClean="0"/>
-            </a:br>
-            <a:r>
-              <a:rPr lang="sv-SE" dirty="0" smtClean="0"/>
-              <a:t>Depend </a:t>
-            </a:r>
-            <a:r>
-              <a:rPr lang="sv-SE" dirty="0" smtClean="0"/>
-              <a:t>on abstractions, not on </a:t>
-            </a:r>
-            <a:r>
-              <a:rPr lang="sv-SE" dirty="0" smtClean="0"/>
-              <a:t>concretions</a:t>
-            </a:r>
-            <a:br>
-              <a:rPr lang="sv-SE" dirty="0" smtClean="0"/>
-            </a:br>
-            <a:r>
-              <a:rPr lang="sv-SE" dirty="0" smtClean="0"/>
-              <a:t>Abstractions </a:t>
-            </a:r>
-            <a:r>
-              <a:rPr lang="sv-SE" dirty="0" smtClean="0"/>
-              <a:t>should not depend on details, details should depend on </a:t>
-            </a:r>
-            <a:r>
-              <a:rPr lang="sv-SE" dirty="0" smtClean="0"/>
-              <a:t>abstractions</a:t>
+              <a:rPr lang="sv-SE" dirty="0" smtClean="0">
+                <a:solidFill>
+                  <a:schemeClr val="tx2"/>
+                </a:solidFill>
+              </a:rPr>
+              <a:t>Abstractions should not depend on details, details should depend on abstractions</a:t>
             </a:r>
           </a:p>
           <a:p>
@@ -4494,87 +4552,6 @@
 </p:sld>
 </file>
 
-<file path=ppt/slides/slide2.xml><?xml version="1.0" encoding="utf-8"?>
-<p:sld xmlns:a="http://schemas.openxmlformats.org/drawingml/2006/main" xmlns:r="http://schemas.openxmlformats.org/officeDocument/2006/relationships" xmlns:p="http://schemas.openxmlformats.org/presentationml/2006/main">
-  <p:cSld>
-    <p:spTree>
-      <p:nvGrpSpPr>
-        <p:cNvPr id="1" name=""/>
-        <p:cNvGrpSpPr/>
-        <p:nvPr/>
-      </p:nvGrpSpPr>
-      <p:grpSpPr>
-        <a:xfrm>
-          <a:off x="0" y="0"/>
-          <a:ext cx="0" cy="0"/>
-          <a:chOff x="0" y="0"/>
-          <a:chExt cx="0" cy="0"/>
-        </a:xfrm>
-      </p:grpSpPr>
-      <p:sp>
-        <p:nvSpPr>
-          <p:cNvPr id="5" name="Title 4"/>
-          <p:cNvSpPr>
-            <a:spLocks noGrp="1"/>
-          </p:cNvSpPr>
-          <p:nvPr>
-            <p:ph type="ctrTitle"/>
-          </p:nvPr>
-        </p:nvSpPr>
-        <p:spPr/>
-        <p:txBody>
-          <a:bodyPr/>
-          <a:lstStyle/>
-          <a:p>
-            <a:r>
-              <a:rPr lang="en-US" dirty="0" smtClean="0"/>
-              <a:t>C#3</a:t>
-            </a:r>
-            <a:endParaRPr lang="en-US" dirty="0"/>
-          </a:p>
-        </p:txBody>
-      </p:sp>
-      <p:sp>
-        <p:nvSpPr>
-          <p:cNvPr id="6" name="Subtitle 5"/>
-          <p:cNvSpPr>
-            <a:spLocks noGrp="1"/>
-          </p:cNvSpPr>
-          <p:nvPr>
-            <p:ph type="subTitle" idx="1"/>
-          </p:nvPr>
-        </p:nvSpPr>
-        <p:spPr/>
-        <p:txBody>
-          <a:bodyPr/>
-          <a:lstStyle/>
-          <a:p>
-            <a:r>
-              <a:rPr lang="en-US" dirty="0" smtClean="0"/>
-              <a:t>The functional revolution</a:t>
-            </a:r>
-            <a:endParaRPr lang="en-US" dirty="0"/>
-          </a:p>
-        </p:txBody>
-      </p:sp>
-    </p:spTree>
-  </p:cSld>
-  <p:clrMapOvr>
-    <a:masterClrMapping/>
-  </p:clrMapOvr>
-  <p:transition>
-    <p:wipe dir="r"/>
-  </p:transition>
-  <p:timing>
-    <p:tnLst>
-      <p:par>
-        <p:cTn id="1" dur="indefinite" restart="never" nodeType="tmRoot"/>
-      </p:par>
-    </p:tnLst>
-  </p:timing>
-</p:sld>
-</file>
-
 <file path=ppt/slides/slide3.xml><?xml version="1.0" encoding="utf-8"?>
 <p:sld xmlns:a="http://schemas.openxmlformats.org/drawingml/2006/main" xmlns:r="http://schemas.openxmlformats.org/officeDocument/2006/relationships" xmlns:p="http://schemas.openxmlformats.org/presentationml/2006/main">
   <p:cSld>
@@ -4614,11 +4591,7 @@
           <a:p>
             <a:r>
               <a:rPr lang="sv-SE" dirty="0" smtClean="0"/>
-              <a:t>Functional </a:t>
-            </a:r>
-            <a:r>
-              <a:rPr lang="sv-SE" dirty="0" smtClean="0"/>
-              <a:t>programming</a:t>
+              <a:t>Functional programming</a:t>
             </a:r>
             <a:endParaRPr lang="sv-SE" dirty="0"/>
           </a:p>
@@ -4637,7 +4610,7 @@
         <p:spPr>
           <a:xfrm>
             <a:off x="457200" y="1357298"/>
-            <a:ext cx="8229600" cy="5286412"/>
+            <a:ext cx="8229600" cy="3429024"/>
           </a:xfrm>
         </p:spPr>
         <p:txBody>
@@ -4654,107 +4627,94 @@
               <a:rPr lang="en-US" sz="2000" dirty="0" smtClean="0"/>
             </a:br>
             <a:r>
+              <a:rPr lang="en-US" sz="2000" dirty="0" smtClean="0">
+                <a:solidFill>
+                  <a:schemeClr val="tx2"/>
+                </a:solidFill>
+              </a:rPr>
+              <a:t>Values never change, instead new values are created</a:t>
+            </a:r>
+          </a:p>
+          <a:p>
+            <a:r>
               <a:rPr lang="en-US" sz="2000" dirty="0" smtClean="0"/>
-              <a:t>Values </a:t>
-            </a:r>
-            <a:r>
-              <a:rPr lang="en-US" sz="2000" dirty="0" smtClean="0"/>
-              <a:t>never change, instead new values are created</a:t>
-            </a:r>
-          </a:p>
-          <a:p>
-            <a:r>
-              <a:rPr lang="en-US" sz="2000" dirty="0" smtClean="0"/>
-              <a:t>Pure </a:t>
-            </a:r>
-            <a:r>
-              <a:rPr lang="en-US" sz="2000" dirty="0" smtClean="0"/>
-              <a:t>Functions</a:t>
+              <a:t>Pure Functions</a:t>
             </a:r>
             <a:br>
               <a:rPr lang="en-US" sz="2000" dirty="0" smtClean="0"/>
             </a:br>
             <a:r>
+              <a:rPr lang="en-US" sz="2000" dirty="0" smtClean="0">
+                <a:solidFill>
+                  <a:schemeClr val="tx2"/>
+                </a:solidFill>
+              </a:rPr>
+              <a:t>Functions are dependent only on their parameters</a:t>
+            </a:r>
+            <a:br>
+              <a:rPr lang="en-US" sz="2000" dirty="0" smtClean="0">
+                <a:solidFill>
+                  <a:schemeClr val="tx2"/>
+                </a:solidFill>
+              </a:rPr>
+            </a:br>
+            <a:r>
+              <a:rPr lang="en-US" sz="2000" dirty="0" smtClean="0">
+                <a:solidFill>
+                  <a:schemeClr val="tx2"/>
+                </a:solidFill>
+              </a:rPr>
+              <a:t>Given identical inputs identical results are guaranteed</a:t>
+            </a:r>
+          </a:p>
+          <a:p>
+            <a:r>
               <a:rPr lang="en-US" sz="2000" dirty="0" smtClean="0"/>
-              <a:t>Functions </a:t>
-            </a:r>
-            <a:r>
-              <a:rPr lang="en-US" sz="2000" dirty="0" smtClean="0"/>
-              <a:t>are dependent only on their </a:t>
-            </a:r>
-            <a:r>
-              <a:rPr lang="en-US" sz="2000" dirty="0" smtClean="0"/>
-              <a:t>parameters</a:t>
+              <a:t>Higher order functions</a:t>
             </a:r>
             <a:br>
               <a:rPr lang="en-US" sz="2000" dirty="0" smtClean="0"/>
             </a:br>
             <a:r>
+              <a:rPr lang="en-US" sz="2000" dirty="0" smtClean="0">
+                <a:solidFill>
+                  <a:schemeClr val="tx2"/>
+                </a:solidFill>
+              </a:rPr>
+              <a:t>Functions that take functions as parameters</a:t>
+            </a:r>
+            <a:br>
+              <a:rPr lang="en-US" sz="2000" dirty="0" smtClean="0">
+                <a:solidFill>
+                  <a:schemeClr val="tx2"/>
+                </a:solidFill>
+              </a:rPr>
+            </a:br>
+            <a:r>
+              <a:rPr lang="en-US" sz="2000" dirty="0" smtClean="0">
+                <a:solidFill>
+                  <a:schemeClr val="tx2"/>
+                </a:solidFill>
+              </a:rPr>
+              <a:t>Functions that return functions</a:t>
+            </a:r>
+          </a:p>
+          <a:p>
+            <a:r>
               <a:rPr lang="en-US" sz="2000" dirty="0" smtClean="0"/>
-              <a:t>Given </a:t>
-            </a:r>
-            <a:r>
-              <a:rPr lang="en-US" sz="2000" dirty="0" smtClean="0"/>
-              <a:t>identical inputs identical results are guaranteed</a:t>
-            </a:r>
-          </a:p>
-          <a:p>
-            <a:r>
-              <a:rPr lang="en-US" sz="2000" dirty="0" smtClean="0"/>
-              <a:t>Higher order </a:t>
-            </a:r>
-            <a:r>
-              <a:rPr lang="en-US" sz="2000" dirty="0" smtClean="0"/>
-              <a:t>functions</a:t>
+              <a:t>Closures</a:t>
             </a:r>
             <a:br>
               <a:rPr lang="en-US" sz="2000" dirty="0" smtClean="0"/>
             </a:br>
             <a:r>
-              <a:rPr lang="en-US" sz="2000" dirty="0" smtClean="0"/>
-              <a:t>Functions </a:t>
-            </a:r>
-            <a:r>
-              <a:rPr lang="en-US" sz="2000" dirty="0" smtClean="0"/>
-              <a:t>that take functions as </a:t>
-            </a:r>
-            <a:r>
-              <a:rPr lang="en-US" sz="2000" dirty="0" smtClean="0"/>
-              <a:t>parameters</a:t>
-            </a:r>
-            <a:br>
-              <a:rPr lang="en-US" sz="2000" dirty="0" smtClean="0"/>
-            </a:br>
-            <a:r>
-              <a:rPr lang="en-US" sz="2000" dirty="0" smtClean="0"/>
-              <a:t>Functions </a:t>
-            </a:r>
-            <a:r>
-              <a:rPr lang="en-US" sz="2000" dirty="0" smtClean="0"/>
-              <a:t>that return functions</a:t>
-            </a:r>
-          </a:p>
-          <a:p>
-            <a:r>
-              <a:rPr lang="en-US" sz="2000" dirty="0" smtClean="0"/>
-              <a:t>Closures</a:t>
-            </a:r>
-            <a:br>
-              <a:rPr lang="en-US" sz="2000" dirty="0" smtClean="0"/>
-            </a:br>
-            <a:r>
-              <a:rPr lang="en-US" sz="2000" dirty="0" smtClean="0"/>
-              <a:t>In </a:t>
-            </a:r>
-            <a:r>
-              <a:rPr lang="en-US" sz="2000" dirty="0" smtClean="0"/>
-              <a:t>line functions that capture values in </a:t>
-            </a:r>
-            <a:r>
-              <a:rPr lang="en-US" sz="2000" dirty="0" smtClean="0"/>
-              <a:t>scope</a:t>
-            </a:r>
-            <a:endParaRPr lang="en-US" sz="2000" dirty="0" smtClean="0"/>
+              <a:rPr lang="en-US" sz="2000" dirty="0" smtClean="0">
+                <a:solidFill>
+                  <a:schemeClr val="tx2"/>
+                </a:solidFill>
+              </a:rPr>
+              <a:t>In line functions that capture values in scope</a:t>
+            </a:r>
           </a:p>
         </p:txBody>
       </p:sp>
@@ -5275,68 +5235,68 @@
           <a:p>
             <a:r>
               <a:rPr lang="sv-SE" sz="2000" dirty="0" smtClean="0"/>
-              <a:t>Ienumerable&lt;T&gt; is an </a:t>
-            </a:r>
-            <a:r>
-              <a:rPr lang="sv-SE" sz="2000" i="1" dirty="0" smtClean="0"/>
+              <a:t>Ienumerable&lt;T&gt; and Iqueryable&lt;T&gt; are </a:t>
+            </a:r>
+            <a:r>
+              <a:rPr lang="sv-SE" sz="2000" i="1" dirty="0" smtClean="0">
+                <a:solidFill>
+                  <a:schemeClr val="tx2"/>
+                </a:solidFill>
+              </a:rPr>
               <a:t>immutable</a:t>
             </a:r>
             <a:r>
               <a:rPr lang="sv-SE" sz="2000" dirty="0" smtClean="0"/>
-              <a:t> interface</a:t>
-            </a:r>
-          </a:p>
-          <a:p>
-            <a:r>
-              <a:rPr lang="sv-SE" sz="2000" dirty="0" smtClean="0"/>
-              <a:t>Linq </a:t>
-            </a:r>
-            <a:r>
-              <a:rPr lang="sv-SE" sz="2000" dirty="0" smtClean="0"/>
-              <a:t>operators are </a:t>
-            </a:r>
-            <a:r>
-              <a:rPr lang="sv-SE" sz="2000" i="1" dirty="0" smtClean="0"/>
-              <a:t>pure </a:t>
-            </a:r>
-            <a:r>
-              <a:rPr lang="sv-SE" sz="2000" i="1" dirty="0" smtClean="0"/>
-              <a:t>functions</a:t>
-            </a:r>
-          </a:p>
-          <a:p>
-            <a:r>
-              <a:rPr lang="sv-SE" sz="2000" dirty="0" smtClean="0"/>
-              <a:t>Many </a:t>
-            </a:r>
+              <a:t> interfaces</a:t>
+            </a:r>
+          </a:p>
+          <a:p>
             <a:r>
               <a:rPr lang="sv-SE" sz="2000" dirty="0" smtClean="0"/>
               <a:t>Linq operators are </a:t>
             </a:r>
             <a:r>
+              <a:rPr lang="sv-SE" sz="2000" i="1" dirty="0" smtClean="0">
+                <a:solidFill>
+                  <a:schemeClr val="tx2"/>
+                </a:solidFill>
+              </a:rPr>
+              <a:t>pure functions</a:t>
+            </a:r>
+          </a:p>
+          <a:p>
+            <a:r>
+              <a:rPr lang="sv-SE" sz="2000" dirty="0" smtClean="0"/>
+              <a:t>Many Linq operators are </a:t>
+            </a:r>
+            <a:r>
+              <a:rPr lang="sv-SE" sz="2000" i="1" dirty="0" smtClean="0">
+                <a:solidFill>
+                  <a:schemeClr val="tx2"/>
+                </a:solidFill>
+              </a:rPr>
+              <a:t>higher order functions</a:t>
+            </a:r>
+          </a:p>
+          <a:p>
+            <a:r>
+              <a:rPr lang="sv-SE" sz="2000" dirty="0" smtClean="0"/>
+              <a:t>Lambdas are </a:t>
+            </a:r>
+            <a:r>
+              <a:rPr lang="sv-SE" sz="2000" i="1" dirty="0" smtClean="0">
+                <a:solidFill>
+                  <a:schemeClr val="tx2"/>
+                </a:solidFill>
+              </a:rPr>
+              <a:t>closures</a:t>
+            </a:r>
+          </a:p>
+          <a:p>
+            <a:r>
               <a:rPr lang="sv-SE" sz="2000" i="1" dirty="0" smtClean="0"/>
-              <a:t>higher order functions</a:t>
-            </a:r>
-          </a:p>
-          <a:p>
-            <a:r>
-              <a:rPr lang="sv-SE" sz="2000" dirty="0" smtClean="0"/>
-              <a:t>Lambdas </a:t>
-            </a:r>
-            <a:r>
-              <a:rPr lang="sv-SE" sz="2000" dirty="0" smtClean="0"/>
-              <a:t>are </a:t>
-            </a:r>
-            <a:r>
-              <a:rPr lang="sv-SE" sz="2000" i="1" dirty="0" smtClean="0"/>
-              <a:t>closures</a:t>
-            </a:r>
-            <a:endParaRPr lang="sv-SE" sz="2000" i="1" dirty="0" smtClean="0"/>
-          </a:p>
-          <a:p>
-            <a:pPr>
-              <a:buNone/>
-            </a:pPr>
+              <a:t>Comprehension syntax is syntactic sugar on functional programming</a:t>
+            </a:r>
             <a:endParaRPr lang="sv-SE" sz="2000" dirty="0"/>
           </a:p>
         </p:txBody>
@@ -5769,6 +5729,109 @@
                       </p:childTnLst>
                     </p:cTn>
                   </p:par>
+                  <p:par>
+                    <p:cTn id="27" fill="hold">
+                      <p:stCondLst>
+                        <p:cond delay="indefinite"/>
+                      </p:stCondLst>
+                      <p:childTnLst>
+                        <p:par>
+                          <p:cTn id="28" fill="hold">
+                            <p:stCondLst>
+                              <p:cond delay="0"/>
+                            </p:stCondLst>
+                            <p:childTnLst>
+                              <p:par>
+                                <p:cTn id="29" presetID="2" presetClass="entr" presetSubtype="4" fill="hold" grpId="0" nodeType="clickEffect">
+                                  <p:stCondLst>
+                                    <p:cond delay="0"/>
+                                  </p:stCondLst>
+                                  <p:childTnLst>
+                                    <p:set>
+                                      <p:cBhvr>
+                                        <p:cTn id="30" dur="1" fill="hold">
+                                          <p:stCondLst>
+                                            <p:cond delay="0"/>
+                                          </p:stCondLst>
+                                        </p:cTn>
+                                        <p:tgtEl>
+                                          <p:spTgt spid="5">
+                                            <p:txEl>
+                                              <p:pRg st="4" end="4"/>
+                                            </p:txEl>
+                                          </p:spTgt>
+                                        </p:tgtEl>
+                                        <p:attrNameLst>
+                                          <p:attrName>style.visibility</p:attrName>
+                                        </p:attrNameLst>
+                                      </p:cBhvr>
+                                      <p:to>
+                                        <p:strVal val="visible"/>
+                                      </p:to>
+                                    </p:set>
+                                    <p:anim calcmode="lin" valueType="num">
+                                      <p:cBhvr additive="base">
+                                        <p:cTn id="31" dur="500" fill="hold"/>
+                                        <p:tgtEl>
+                                          <p:spTgt spid="5">
+                                            <p:txEl>
+                                              <p:pRg st="4" end="4"/>
+                                            </p:txEl>
+                                          </p:spTgt>
+                                        </p:tgtEl>
+                                        <p:attrNameLst>
+                                          <p:attrName>ppt_x</p:attrName>
+                                        </p:attrNameLst>
+                                      </p:cBhvr>
+                                      <p:tavLst>
+                                        <p:tav tm="0">
+                                          <p:val>
+                                            <p:strVal val="#ppt_x"/>
+                                          </p:val>
+                                        </p:tav>
+                                        <p:tav tm="100000">
+                                          <p:val>
+                                            <p:strVal val="#ppt_x"/>
+                                          </p:val>
+                                        </p:tav>
+                                      </p:tavLst>
+                                    </p:anim>
+                                    <p:anim calcmode="lin" valueType="num">
+                                      <p:cBhvr additive="base">
+                                        <p:cTn id="32" dur="500" fill="hold"/>
+                                        <p:tgtEl>
+                                          <p:spTgt spid="5">
+                                            <p:txEl>
+                                              <p:pRg st="4" end="4"/>
+                                            </p:txEl>
+                                          </p:spTgt>
+                                        </p:tgtEl>
+                                        <p:attrNameLst>
+                                          <p:attrName>ppt_y</p:attrName>
+                                        </p:attrNameLst>
+                                      </p:cBhvr>
+                                      <p:tavLst>
+                                        <p:tav tm="0">
+                                          <p:val>
+                                            <p:strVal val="1+#ppt_h/2"/>
+                                          </p:val>
+                                        </p:tav>
+                                        <p:tav tm="100000">
+                                          <p:val>
+                                            <p:strVal val="#ppt_y"/>
+                                          </p:val>
+                                        </p:tav>
+                                      </p:tavLst>
+                                    </p:anim>
+                                  </p:childTnLst>
+                                </p:cTn>
+                              </p:par>
+                            </p:childTnLst>
+                          </p:cTn>
+                        </p:par>
+                      </p:childTnLst>
+                    </p:cTn>
+                  </p:par>
                 </p:childTnLst>
               </p:cTn>
               <p:prevCondLst>
@@ -5831,11 +5894,7 @@
           <a:p>
             <a:r>
               <a:rPr lang="sv-SE" dirty="0" smtClean="0"/>
-              <a:t>YOU </a:t>
-            </a:r>
-            <a:r>
-              <a:rPr lang="sv-SE" dirty="0" smtClean="0"/>
-              <a:t>could write Linq</a:t>
+              <a:t>YOU could write Linq</a:t>
             </a:r>
             <a:endParaRPr lang="sv-SE" dirty="0"/>
           </a:p>
@@ -5875,7 +5934,6 @@
               <a:rPr lang="sv-SE" sz="2000" dirty="0" smtClean="0"/>
               <a:t>These language features are available to all C# developers</a:t>
             </a:r>
-            <a:endParaRPr lang="sv-SE" sz="2000" dirty="0" smtClean="0"/>
           </a:p>
           <a:p>
             <a:r>
@@ -5887,15 +5945,7 @@
             </a:br>
             <a:r>
               <a:rPr lang="sv-SE" sz="2000" dirty="0" smtClean="0"/>
-              <a:t>(Linqbridge </a:t>
-            </a:r>
-            <a:r>
-              <a:rPr lang="sv-SE" sz="2000" dirty="0" smtClean="0"/>
-              <a:t>for </a:t>
-            </a:r>
-            <a:r>
-              <a:rPr lang="sv-SE" sz="2000" dirty="0" smtClean="0"/>
-              <a:t>targeting .Net 2.0)</a:t>
+              <a:t>(Linqbridge for targeting .Net 2.0)</a:t>
             </a:r>
           </a:p>
           <a:p>
@@ -6431,56 +6481,469 @@
           <a:p>
             <a:r>
               <a:rPr lang="sv-SE" sz="2000" dirty="0" smtClean="0"/>
-              <a:t>Lamda expressions</a:t>
-            </a:r>
+              <a:t>Class </a:t>
+            </a:r>
+            <a:r>
+              <a:rPr lang="sv-SE" sz="2000" dirty="0" smtClean="0"/>
+              <a:t>and collection initializer </a:t>
+            </a:r>
+            <a:r>
+              <a:rPr lang="sv-SE" sz="2000" dirty="0" smtClean="0"/>
+              <a:t>expressions</a:t>
+            </a:r>
+            <a:br>
+              <a:rPr lang="sv-SE" sz="2000" dirty="0" smtClean="0"/>
+            </a:br>
+            <a:r>
+              <a:rPr lang="fr-FR" sz="1200" dirty="0" smtClean="0">
+                <a:solidFill>
+                  <a:srgbClr val="2B91AF"/>
+                </a:solidFill>
+              </a:rPr>
+              <a:t>Person </a:t>
+            </a:r>
+            <a:r>
+              <a:rPr lang="fr-FR" sz="1200" dirty="0" err="1" smtClean="0">
+                <a:solidFill>
+                  <a:srgbClr val="2B91AF"/>
+                </a:solidFill>
+              </a:rPr>
+              <a:t>magnus</a:t>
+            </a:r>
+            <a:r>
+              <a:rPr lang="fr-FR" sz="1200" dirty="0" smtClean="0">
+                <a:solidFill>
+                  <a:srgbClr val="2B91AF"/>
+                </a:solidFill>
+              </a:rPr>
+              <a:t> = </a:t>
+            </a:r>
+            <a:r>
+              <a:rPr lang="fr-FR" sz="1200" dirty="0" smtClean="0">
+                <a:solidFill>
+                  <a:srgbClr val="0000FF"/>
+                </a:solidFill>
+              </a:rPr>
+              <a:t>new </a:t>
+            </a:r>
+            <a:r>
+              <a:rPr lang="fr-FR" sz="1200" dirty="0" smtClean="0">
+                <a:solidFill>
+                  <a:srgbClr val="2B91AF"/>
+                </a:solidFill>
+              </a:rPr>
+              <a:t>Person {Name = </a:t>
+            </a:r>
+            <a:r>
+              <a:rPr lang="fr-FR" sz="1200" dirty="0" smtClean="0">
+                <a:solidFill>
+                  <a:srgbClr val="A31515"/>
+                </a:solidFill>
+              </a:rPr>
+              <a:t>"Magnus </a:t>
+            </a:r>
+            <a:r>
+              <a:rPr lang="fr-FR" sz="1200" dirty="0" err="1" smtClean="0">
+                <a:solidFill>
+                  <a:srgbClr val="A31515"/>
+                </a:solidFill>
+              </a:rPr>
+              <a:t>Lidbom</a:t>
+            </a:r>
+            <a:r>
+              <a:rPr lang="fr-FR" sz="1200" dirty="0" smtClean="0">
+                <a:solidFill>
+                  <a:srgbClr val="A31515"/>
+                </a:solidFill>
+              </a:rPr>
+              <a:t>"};</a:t>
+            </a:r>
+            <a:br>
+              <a:rPr lang="fr-FR" sz="1200" dirty="0" smtClean="0">
+                <a:solidFill>
+                  <a:srgbClr val="A31515"/>
+                </a:solidFill>
+              </a:rPr>
+            </a:br>
+            <a:r>
+              <a:rPr lang="en-US" sz="1200" dirty="0" err="1" smtClean="0">
+                <a:solidFill>
+                  <a:srgbClr val="2B91AF"/>
+                </a:solidFill>
+              </a:rPr>
+              <a:t>IEnumerable</a:t>
+            </a:r>
+            <a:r>
+              <a:rPr lang="en-US" sz="1200" dirty="0" smtClean="0">
+                <a:solidFill>
+                  <a:srgbClr val="2B91AF"/>
+                </a:solidFill>
+              </a:rPr>
+              <a:t>&lt;</a:t>
+            </a:r>
+            <a:r>
+              <a:rPr lang="en-US" sz="1200" dirty="0" smtClean="0">
+                <a:solidFill>
+                  <a:srgbClr val="0000FF"/>
+                </a:solidFill>
+              </a:rPr>
+              <a:t>string</a:t>
+            </a:r>
+            <a:r>
+              <a:rPr lang="en-US" sz="1200" dirty="0" smtClean="0">
+                <a:solidFill>
+                  <a:srgbClr val="0000FF"/>
+                </a:solidFill>
+              </a:rPr>
+              <a:t>&gt; names = new string[] {</a:t>
+            </a:r>
+            <a:r>
+              <a:rPr lang="en-US" sz="1200" dirty="0" smtClean="0">
+                <a:solidFill>
+                  <a:srgbClr val="A31515"/>
+                </a:solidFill>
+              </a:rPr>
+              <a:t>"</a:t>
+            </a:r>
+            <a:r>
+              <a:rPr lang="en-US" sz="1200" dirty="0" err="1" smtClean="0">
+                <a:solidFill>
+                  <a:srgbClr val="A31515"/>
+                </a:solidFill>
+              </a:rPr>
+              <a:t>Calle</a:t>
+            </a:r>
+            <a:r>
+              <a:rPr lang="en-US" sz="1200" dirty="0" smtClean="0">
+                <a:solidFill>
+                  <a:srgbClr val="A31515"/>
+                </a:solidFill>
+              </a:rPr>
+              <a:t>", "Oscar</a:t>
+            </a:r>
+            <a:r>
+              <a:rPr lang="en-US" sz="1200" dirty="0" smtClean="0">
+                <a:solidFill>
+                  <a:srgbClr val="A31515"/>
+                </a:solidFill>
+              </a:rPr>
+              <a:t>"};</a:t>
+            </a:r>
+            <a:endParaRPr lang="sv-SE" sz="1200" dirty="0" smtClean="0"/>
           </a:p>
           <a:p>
             <a:r>
               <a:rPr lang="sv-SE" sz="2000" dirty="0" smtClean="0"/>
               <a:t>Extension methods</a:t>
             </a:r>
+            <a:br>
+              <a:rPr lang="sv-SE" sz="2000" dirty="0" smtClean="0"/>
+            </a:br>
+            <a:r>
+              <a:rPr lang="sv-SE" sz="1400" dirty="0" smtClean="0">
+                <a:solidFill>
+                  <a:srgbClr val="0000FF"/>
+                </a:solidFill>
+              </a:rPr>
+              <a:t>string first = names.First();</a:t>
+            </a:r>
+            <a:endParaRPr lang="sv-SE" sz="1400" dirty="0" smtClean="0"/>
+          </a:p>
+          <a:p>
+            <a:r>
+              <a:rPr lang="sv-SE" sz="2000" dirty="0" smtClean="0"/>
+              <a:t>Type </a:t>
+            </a:r>
+            <a:r>
+              <a:rPr lang="sv-SE" sz="2000" dirty="0" smtClean="0"/>
+              <a:t>inference and the var keyword</a:t>
+            </a:r>
+            <a:br>
+              <a:rPr lang="sv-SE" sz="2000" dirty="0" smtClean="0"/>
+            </a:br>
+            <a:r>
+              <a:rPr lang="sv-SE" sz="1200" dirty="0" smtClean="0">
+                <a:solidFill>
+                  <a:srgbClr val="0000FF"/>
+                </a:solidFill>
+              </a:rPr>
+              <a:t>var alsoNames = names;</a:t>
+            </a:r>
+            <a:endParaRPr lang="sv-SE" sz="1200" dirty="0" smtClean="0"/>
+          </a:p>
+          <a:p>
+            <a:r>
+              <a:rPr lang="sv-SE" sz="2000" dirty="0" smtClean="0"/>
+              <a:t>Anonymous types</a:t>
+            </a:r>
+            <a:br>
+              <a:rPr lang="sv-SE" sz="2000" dirty="0" smtClean="0"/>
+            </a:br>
+            <a:r>
+              <a:rPr lang="en-US" sz="1200" dirty="0" err="1" smtClean="0">
+                <a:solidFill>
+                  <a:srgbClr val="0000FF"/>
+                </a:solidFill>
+              </a:rPr>
+              <a:t>var</a:t>
+            </a:r>
+            <a:r>
+              <a:rPr lang="en-US" sz="1200" dirty="0" smtClean="0">
+                <a:solidFill>
+                  <a:srgbClr val="0000FF"/>
+                </a:solidFill>
+              </a:rPr>
+              <a:t> address = new {Street = </a:t>
+            </a:r>
+            <a:r>
+              <a:rPr lang="en-US" sz="1200" dirty="0" smtClean="0">
+                <a:solidFill>
+                  <a:srgbClr val="A31515"/>
+                </a:solidFill>
+              </a:rPr>
+              <a:t>"</a:t>
+            </a:r>
+            <a:r>
+              <a:rPr lang="en-US" sz="1200" dirty="0" err="1" smtClean="0">
+                <a:solidFill>
+                  <a:srgbClr val="A31515"/>
+                </a:solidFill>
+              </a:rPr>
+              <a:t>AStreet</a:t>
+            </a:r>
+            <a:r>
+              <a:rPr lang="en-US" sz="1200" dirty="0" smtClean="0">
+                <a:solidFill>
+                  <a:srgbClr val="A31515"/>
+                </a:solidFill>
+              </a:rPr>
+              <a:t>", Zip = "111111"};</a:t>
+            </a:r>
+            <a:endParaRPr lang="sv-SE" sz="1200" dirty="0" smtClean="0"/>
+          </a:p>
+          <a:p>
+            <a:r>
+              <a:rPr lang="sv-SE" sz="2000" dirty="0" smtClean="0"/>
+              <a:t>Lamda expressions</a:t>
+            </a:r>
+            <a:br>
+              <a:rPr lang="sv-SE" sz="2000" dirty="0" smtClean="0"/>
+            </a:br>
+            <a:r>
+              <a:rPr lang="sv-SE" sz="1200" dirty="0" smtClean="0">
+                <a:solidFill>
+                  <a:srgbClr val="0000FF"/>
+                </a:solidFill>
+              </a:rPr>
+              <a:t>var upperCaseNames = names.Select(name =&gt; name.ToUpper</a:t>
+            </a:r>
+            <a:r>
+              <a:rPr lang="sv-SE" sz="1200" dirty="0" smtClean="0">
+                <a:solidFill>
+                  <a:srgbClr val="0000FF"/>
+                </a:solidFill>
+              </a:rPr>
+              <a:t>());</a:t>
+            </a:r>
+          </a:p>
+          <a:p>
+            <a:r>
+              <a:rPr lang="sv-SE" sz="2000" dirty="0" smtClean="0"/>
+              <a:t>Expression&lt;T</a:t>
+            </a:r>
+            <a:r>
+              <a:rPr lang="sv-SE" sz="2000" dirty="0" smtClean="0"/>
+              <a:t>&gt;</a:t>
+            </a:r>
+            <a:br>
+              <a:rPr lang="sv-SE" sz="2000" dirty="0" smtClean="0"/>
+            </a:br>
+            <a:r>
+              <a:rPr lang="en-US" sz="1200" dirty="0" smtClean="0">
+                <a:solidFill>
+                  <a:srgbClr val="2B91AF"/>
+                </a:solidFill>
+              </a:rPr>
+              <a:t>Expression&lt;</a:t>
+            </a:r>
+            <a:r>
+              <a:rPr lang="en-US" sz="1200" dirty="0" err="1" smtClean="0">
+                <a:solidFill>
+                  <a:srgbClr val="2B91AF"/>
+                </a:solidFill>
+              </a:rPr>
+              <a:t>Func</a:t>
+            </a:r>
+            <a:r>
+              <a:rPr lang="en-US" sz="1200" dirty="0" smtClean="0">
+                <a:solidFill>
+                  <a:srgbClr val="2B91AF"/>
+                </a:solidFill>
+              </a:rPr>
+              <a:t>&lt;</a:t>
+            </a:r>
+            <a:r>
+              <a:rPr lang="en-US" sz="1200" dirty="0" smtClean="0">
+                <a:solidFill>
+                  <a:srgbClr val="0000FF"/>
+                </a:solidFill>
+              </a:rPr>
+              <a:t>string, </a:t>
+            </a:r>
+            <a:r>
+              <a:rPr lang="en-US" sz="1200" dirty="0" err="1" smtClean="0">
+                <a:solidFill>
+                  <a:srgbClr val="0000FF"/>
+                </a:solidFill>
+              </a:rPr>
+              <a:t>bool</a:t>
+            </a:r>
+            <a:r>
+              <a:rPr lang="en-US" sz="1200" dirty="0" smtClean="0">
+                <a:solidFill>
+                  <a:srgbClr val="0000FF"/>
+                </a:solidFill>
+              </a:rPr>
+              <a:t>&gt;&gt; </a:t>
+            </a:r>
+            <a:r>
+              <a:rPr lang="en-US" sz="1200" dirty="0" err="1" smtClean="0">
+                <a:solidFill>
+                  <a:srgbClr val="0000FF"/>
+                </a:solidFill>
+              </a:rPr>
+              <a:t>isUpperCased</a:t>
+            </a:r>
+            <a:r>
+              <a:rPr lang="en-US" sz="1200" dirty="0" smtClean="0">
+                <a:solidFill>
+                  <a:srgbClr val="0000FF"/>
+                </a:solidFill>
+              </a:rPr>
+              <a:t> = test =&gt; test == </a:t>
+            </a:r>
+            <a:r>
+              <a:rPr lang="en-US" sz="1200" dirty="0" err="1" smtClean="0">
+                <a:solidFill>
+                  <a:srgbClr val="0000FF"/>
+                </a:solidFill>
+              </a:rPr>
+              <a:t>test.ToUpper</a:t>
+            </a:r>
+            <a:r>
+              <a:rPr lang="en-US" sz="1200" dirty="0" smtClean="0">
+                <a:solidFill>
+                  <a:srgbClr val="0000FF"/>
+                </a:solidFill>
+              </a:rPr>
+              <a:t>();</a:t>
+            </a:r>
+            <a:endParaRPr lang="sv-SE" sz="1200" dirty="0" smtClean="0"/>
           </a:p>
           <a:p>
             <a:r>
               <a:rPr lang="sv-SE" sz="2000" dirty="0" smtClean="0"/>
               <a:t>Comprehension syntax</a:t>
             </a:r>
-          </a:p>
-          <a:p>
-            <a:r>
+            <a:br>
               <a:rPr lang="sv-SE" sz="2000" dirty="0" smtClean="0"/>
-              <a:t>Anonymous </a:t>
-            </a:r>
-            <a:r>
-              <a:rPr lang="sv-SE" sz="2000" dirty="0" smtClean="0"/>
-              <a:t>types</a:t>
-            </a:r>
-          </a:p>
-          <a:p>
-            <a:r>
-              <a:rPr lang="sv-SE" sz="2000" dirty="0" smtClean="0"/>
-              <a:t>Type inference and the var </a:t>
-            </a:r>
-            <a:r>
-              <a:rPr lang="sv-SE" sz="2000" dirty="0" smtClean="0"/>
-              <a:t>keyword</a:t>
-            </a:r>
-          </a:p>
-          <a:p>
-            <a:r>
-              <a:rPr lang="sv-SE" sz="2000" dirty="0" smtClean="0"/>
-              <a:t>Expression&lt;T&gt; (This IS a language feature</a:t>
-            </a:r>
-            <a:r>
-              <a:rPr lang="sv-SE" sz="2000" dirty="0" smtClean="0"/>
-              <a:t>!)</a:t>
-            </a:r>
-          </a:p>
-          <a:p>
-            <a:r>
-              <a:rPr lang="sv-SE" sz="2000" dirty="0" smtClean="0"/>
-              <a:t>Initializer expressions (classes, collections)</a:t>
-            </a:r>
+            </a:br>
+            <a:r>
+              <a:rPr lang="en-US" sz="1200" dirty="0" err="1" smtClean="0">
+                <a:solidFill>
+                  <a:srgbClr val="0000FF"/>
+                </a:solidFill>
+              </a:rPr>
+              <a:t>var</a:t>
+            </a:r>
+            <a:r>
+              <a:rPr lang="en-US" sz="1200" dirty="0" smtClean="0">
+                <a:solidFill>
+                  <a:srgbClr val="0000FF"/>
+                </a:solidFill>
+              </a:rPr>
+              <a:t> </a:t>
+            </a:r>
+            <a:r>
+              <a:rPr lang="en-US" sz="1200" dirty="0" err="1" smtClean="0">
+                <a:solidFill>
+                  <a:srgbClr val="0000FF"/>
+                </a:solidFill>
+              </a:rPr>
+              <a:t>lowerCaseNames</a:t>
+            </a:r>
+            <a:r>
+              <a:rPr lang="en-US" sz="1200" dirty="0" smtClean="0">
+                <a:solidFill>
+                  <a:srgbClr val="0000FF"/>
+                </a:solidFill>
+              </a:rPr>
+              <a:t> = </a:t>
+            </a:r>
+            <a:r>
+              <a:rPr lang="en-US" sz="1200" dirty="0" smtClean="0">
+                <a:solidFill>
+                  <a:srgbClr val="0000FF"/>
+                </a:solidFill>
+              </a:rPr>
+              <a:t> from </a:t>
+            </a:r>
+            <a:r>
+              <a:rPr lang="en-US" sz="1200" dirty="0" smtClean="0">
+                <a:solidFill>
+                  <a:srgbClr val="0000FF"/>
+                </a:solidFill>
+              </a:rPr>
+              <a:t>name in </a:t>
+            </a:r>
+            <a:r>
+              <a:rPr lang="en-US" sz="1200" dirty="0" smtClean="0">
+                <a:solidFill>
+                  <a:srgbClr val="0000FF"/>
+                </a:solidFill>
+              </a:rPr>
+              <a:t>names</a:t>
+            </a:r>
+            <a:br>
+              <a:rPr lang="en-US" sz="1200" dirty="0" smtClean="0">
+                <a:solidFill>
+                  <a:srgbClr val="0000FF"/>
+                </a:solidFill>
+              </a:rPr>
+            </a:br>
+            <a:r>
+              <a:rPr lang="en-US" sz="1200" dirty="0" smtClean="0">
+                <a:solidFill>
+                  <a:srgbClr val="0000FF"/>
+                </a:solidFill>
+              </a:rPr>
+              <a:t>		</a:t>
+            </a:r>
+            <a:r>
+              <a:rPr lang="en-US" sz="1200" dirty="0" err="1" smtClean="0">
+                <a:solidFill>
+                  <a:srgbClr val="0000FF"/>
+                </a:solidFill>
+              </a:rPr>
+              <a:t>sele</a:t>
+            </a:r>
+            <a:r>
+              <a:rPr lang="sv-SE" sz="1200" dirty="0" smtClean="0">
+                <a:solidFill>
+                  <a:srgbClr val="0000FF"/>
+                </a:solidFill>
+              </a:rPr>
+              <a:t>ct </a:t>
+            </a:r>
+            <a:r>
+              <a:rPr lang="sv-SE" sz="1200" dirty="0" smtClean="0">
+                <a:solidFill>
+                  <a:srgbClr val="0000FF"/>
+                </a:solidFill>
+              </a:rPr>
+              <a:t>name.ToLower();</a:t>
+            </a:r>
+            <a:endParaRPr lang="sv-SE" sz="1200" dirty="0" smtClean="0"/>
           </a:p>
         </p:txBody>
       </p:sp>

--- a/CSharp3.pptx
+++ b/CSharp3.pptx
@@ -5,15 +5,18 @@
     <p:sldMasterId id="2147483684" r:id="rId1"/>
   </p:sldMasterIdLst>
   <p:notesMasterIdLst>
-    <p:notesMasterId r:id="rId8"/>
+    <p:notesMasterId r:id="rId11"/>
   </p:notesMasterIdLst>
   <p:sldIdLst>
     <p:sldId id="256" r:id="rId2"/>
-    <p:sldId id="260" r:id="rId3"/>
-    <p:sldId id="257" r:id="rId4"/>
+    <p:sldId id="257" r:id="rId3"/>
+    <p:sldId id="263" r:id="rId4"/>
     <p:sldId id="258" r:id="rId5"/>
     <p:sldId id="261" r:id="rId6"/>
     <p:sldId id="262" r:id="rId7"/>
+    <p:sldId id="260" r:id="rId8"/>
+    <p:sldId id="264" r:id="rId9"/>
+    <p:sldId id="265" r:id="rId10"/>
   </p:sldIdLst>
   <p:sldSz cx="9144000" cy="6858000" type="screen4x3"/>
   <p:notesSz cx="6858000" cy="9144000"/>
@@ -614,7 +617,89 @@
             <a:fld id="{85CAAF2B-3AA5-4172-94F1-2CA2368BF571}" type="slidenum">
               <a:rPr lang="sv-SE" smtClean="0"/>
               <a:pPr/>
-              <a:t>2</a:t>
+              <a:t>5</a:t>
+            </a:fld>
+            <a:endParaRPr lang="sv-SE"/>
+          </a:p>
+        </p:txBody>
+      </p:sp>
+    </p:spTree>
+  </p:cSld>
+  <p:clrMapOvr>
+    <a:masterClrMapping/>
+  </p:clrMapOvr>
+</p:notes>
+</file>
+
+<file path=ppt/notesSlides/notesSlide3.xml><?xml version="1.0" encoding="utf-8"?>
+<p:notes xmlns:a="http://schemas.openxmlformats.org/drawingml/2006/main" xmlns:r="http://schemas.openxmlformats.org/officeDocument/2006/relationships" xmlns:p="http://schemas.openxmlformats.org/presentationml/2006/main">
+  <p:cSld>
+    <p:spTree>
+      <p:nvGrpSpPr>
+        <p:cNvPr id="1" name=""/>
+        <p:cNvGrpSpPr/>
+        <p:nvPr/>
+      </p:nvGrpSpPr>
+      <p:grpSpPr>
+        <a:xfrm>
+          <a:off x="0" y="0"/>
+          <a:ext cx="0" cy="0"/>
+          <a:chOff x="0" y="0"/>
+          <a:chExt cx="0" cy="0"/>
+        </a:xfrm>
+      </p:grpSpPr>
+      <p:sp>
+        <p:nvSpPr>
+          <p:cNvPr id="2" name="Slide Image Placeholder 1"/>
+          <p:cNvSpPr>
+            <a:spLocks noGrp="1" noRot="1" noChangeAspect="1"/>
+          </p:cNvSpPr>
+          <p:nvPr>
+            <p:ph type="sldImg"/>
+          </p:nvPr>
+        </p:nvSpPr>
+        <p:spPr/>
+      </p:sp>
+      <p:sp>
+        <p:nvSpPr>
+          <p:cNvPr id="3" name="Notes Placeholder 2"/>
+          <p:cNvSpPr>
+            <a:spLocks noGrp="1"/>
+          </p:cNvSpPr>
+          <p:nvPr>
+            <p:ph type="body" idx="1"/>
+          </p:nvPr>
+        </p:nvSpPr>
+        <p:spPr/>
+        <p:txBody>
+          <a:bodyPr>
+            <a:normAutofit/>
+          </a:bodyPr>
+          <a:lstStyle/>
+          <a:p>
+            <a:endParaRPr lang="sv-SE" dirty="0"/>
+          </a:p>
+        </p:txBody>
+      </p:sp>
+      <p:sp>
+        <p:nvSpPr>
+          <p:cNvPr id="4" name="Slide Number Placeholder 3"/>
+          <p:cNvSpPr>
+            <a:spLocks noGrp="1"/>
+          </p:cNvSpPr>
+          <p:nvPr>
+            <p:ph type="sldNum" sz="quarter" idx="10"/>
+          </p:nvPr>
+        </p:nvSpPr>
+        <p:spPr/>
+        <p:txBody>
+          <a:bodyPr/>
+          <a:lstStyle/>
+          <a:p>
+            <a:fld id="{85CAAF2B-3AA5-4172-94F1-2CA2368BF571}" type="slidenum">
+              <a:rPr lang="sv-SE" smtClean="0"/>
+              <a:pPr/>
+              <a:t>7</a:t>
             </a:fld>
             <a:endParaRPr lang="sv-SE"/>
           </a:p>
@@ -3606,7 +3691,11 @@
             </a:br>
             <a:r>
               <a:rPr lang="en-US" dirty="0" smtClean="0"/>
-              <a:t>Solid and the functional revolution</a:t>
+              <a:t>SOLID and </a:t>
+            </a:r>
+            <a:r>
+              <a:rPr lang="en-US" dirty="0" smtClean="0"/>
+              <a:t>the functional revolution</a:t>
             </a:r>
             <a:br>
               <a:rPr lang="en-US" dirty="0" smtClean="0"/>
@@ -3660,14 +3749,19 @@
             <p:ph type="title"/>
           </p:nvPr>
         </p:nvSpPr>
-        <p:spPr/>
+        <p:spPr>
+          <a:xfrm>
+            <a:off x="457200" y="274638"/>
+            <a:ext cx="8229600" cy="939784"/>
+          </a:xfrm>
+        </p:spPr>
         <p:txBody>
           <a:bodyPr/>
           <a:lstStyle/>
           <a:p>
             <a:r>
               <a:rPr lang="sv-SE" dirty="0" smtClean="0"/>
-              <a:t>SOLID</a:t>
+              <a:t>Functional programming</a:t>
             </a:r>
             <a:endParaRPr lang="sv-SE" dirty="0"/>
           </a:p>
@@ -3675,7 +3769,7 @@
       </p:sp>
       <p:sp>
         <p:nvSpPr>
-          <p:cNvPr id="4" name="Content Placeholder 3"/>
+          <p:cNvPr id="5" name="Content Placeholder 4"/>
           <p:cNvSpPr>
             <a:spLocks noGrp="1"/>
           </p:cNvSpPr>
@@ -3683,210 +3777,114 @@
             <p:ph idx="1"/>
           </p:nvPr>
         </p:nvSpPr>
-        <p:spPr/>
+        <p:spPr>
+          <a:xfrm>
+            <a:off x="457200" y="1357298"/>
+            <a:ext cx="8229600" cy="3429024"/>
+          </a:xfrm>
+        </p:spPr>
         <p:txBody>
           <a:bodyPr>
-            <a:normAutofit fontScale="62500" lnSpcReduction="20000"/>
+            <a:noAutofit/>
           </a:bodyPr>
           <a:lstStyle/>
           <a:p>
             <a:r>
-              <a:rPr lang="sv-SE" dirty="0" smtClean="0"/>
-              <a:t>The </a:t>
-            </a:r>
-            <a:r>
-              <a:rPr lang="sv-SE" u="sng" dirty="0" smtClean="0"/>
-              <a:t>S</a:t>
-            </a:r>
-            <a:r>
-              <a:rPr lang="sv-SE" dirty="0" smtClean="0"/>
-              <a:t>ingle Responsibility Principle</a:t>
+              <a:rPr lang="en-US" sz="2000" dirty="0" smtClean="0"/>
+              <a:t>Immutability</a:t>
             </a:r>
             <a:br>
-              <a:rPr lang="sv-SE" dirty="0" smtClean="0"/>
+              <a:rPr lang="en-US" sz="2000" dirty="0" smtClean="0"/>
             </a:br>
             <a:r>
-              <a:rPr lang="sv-SE" dirty="0" smtClean="0">
+              <a:rPr lang="en-US" sz="2000" dirty="0" smtClean="0">
                 <a:solidFill>
                   <a:schemeClr val="tx2"/>
                 </a:solidFill>
               </a:rPr>
-              <a:t>Software entities* should have only one reason to change</a:t>
-            </a:r>
-            <a:r>
-              <a:rPr lang="sv-SE" dirty="0" smtClean="0">
-                <a:solidFill>
-                  <a:srgbClr val="0070C0"/>
-                </a:solidFill>
-              </a:rPr>
-              <a:t/>
+              <a:t>Values never change, instead new values are created</a:t>
+            </a:r>
+          </a:p>
+          <a:p>
+            <a:r>
+              <a:rPr lang="en-US" sz="2000" dirty="0" smtClean="0"/>
+              <a:t>Pure Functions</a:t>
             </a:r>
             <a:br>
-              <a:rPr lang="sv-SE" dirty="0" smtClean="0">
-                <a:solidFill>
-                  <a:srgbClr val="0070C0"/>
-                </a:solidFill>
-              </a:rPr>
+              <a:rPr lang="en-US" sz="2000" dirty="0" smtClean="0"/>
             </a:br>
             <a:r>
-              <a:rPr lang="sv-SE" sz="2600" dirty="0" smtClean="0">
+              <a:rPr lang="en-US" sz="2000" dirty="0" smtClean="0">
                 <a:solidFill>
                   <a:schemeClr val="tx2"/>
                 </a:solidFill>
               </a:rPr>
-              <a:t>*</a:t>
-            </a:r>
-            <a:r>
-              <a:rPr lang="sv-SE" sz="2200" dirty="0" smtClean="0">
-                <a:solidFill>
-                  <a:schemeClr val="tx2"/>
-                </a:solidFill>
-              </a:rPr>
-              <a:t>classes, interfaces, functions, etc</a:t>
-            </a:r>
-          </a:p>
-          <a:p>
-            <a:r>
-              <a:rPr lang="sv-SE" dirty="0" smtClean="0"/>
-              <a:t>The </a:t>
-            </a:r>
-            <a:r>
-              <a:rPr lang="sv-SE" u="sng" dirty="0" smtClean="0"/>
-              <a:t>O</a:t>
-            </a:r>
-            <a:r>
-              <a:rPr lang="sv-SE" dirty="0" smtClean="0"/>
-              <a:t>pen Closed Principle</a:t>
+              <a:t>Functions are dependent only on their parameters</a:t>
             </a:r>
             <a:br>
-              <a:rPr lang="sv-SE" dirty="0" smtClean="0"/>
-            </a:br>
-            <a:r>
-              <a:rPr lang="sv-SE" dirty="0" smtClean="0">
-                <a:solidFill>
-                  <a:schemeClr val="tx2"/>
-                </a:solidFill>
-              </a:rPr>
-              <a:t>Software entities should be open for extension but closed for modification</a:t>
-            </a:r>
-          </a:p>
-          <a:p>
-            <a:r>
-              <a:rPr lang="sv-SE" dirty="0" smtClean="0"/>
-              <a:t>The </a:t>
-            </a:r>
-            <a:r>
-              <a:rPr lang="sv-SE" u="sng" dirty="0" smtClean="0"/>
-              <a:t>L</a:t>
-            </a:r>
-            <a:r>
-              <a:rPr lang="sv-SE" dirty="0" smtClean="0"/>
-              <a:t>iskov Substitution Principle</a:t>
-            </a:r>
-            <a:br>
-              <a:rPr lang="sv-SE" dirty="0" smtClean="0"/>
-            </a:br>
-            <a:r>
-              <a:rPr lang="sv-SE" dirty="0" smtClean="0">
-                <a:solidFill>
-                  <a:schemeClr val="tx2"/>
-                </a:solidFill>
-              </a:rPr>
-              <a:t>Derived classes must be substitutable for their base classes/interfaces</a:t>
-            </a:r>
-          </a:p>
-          <a:p>
-            <a:r>
-              <a:rPr lang="sv-SE" dirty="0" smtClean="0"/>
-              <a:t>The </a:t>
-            </a:r>
-            <a:r>
-              <a:rPr lang="sv-SE" u="sng" dirty="0" smtClean="0"/>
-              <a:t>I</a:t>
-            </a:r>
-            <a:r>
-              <a:rPr lang="sv-SE" dirty="0" smtClean="0"/>
-              <a:t>nterface Segregation Principle</a:t>
-            </a:r>
-            <a:br>
-              <a:rPr lang="sv-SE" dirty="0" smtClean="0"/>
-            </a:br>
-            <a:r>
-              <a:rPr lang="sv-SE" dirty="0" smtClean="0">
-                <a:solidFill>
-                  <a:schemeClr val="tx2"/>
-                </a:solidFill>
-              </a:rPr>
-              <a:t>Make fine grained interfaces that are client specific</a:t>
-            </a:r>
-            <a:br>
-              <a:rPr lang="sv-SE" dirty="0" smtClean="0">
+              <a:rPr lang="en-US" sz="2000" dirty="0" smtClean="0">
                 <a:solidFill>
                   <a:schemeClr val="tx2"/>
                 </a:solidFill>
               </a:rPr>
             </a:br>
             <a:r>
-              <a:rPr lang="sv-SE" dirty="0" smtClean="0">
+              <a:rPr lang="en-US" sz="2000" dirty="0" smtClean="0">
                 <a:solidFill>
                   <a:schemeClr val="tx2"/>
                 </a:solidFill>
               </a:rPr>
-              <a:t>Clients should not be forced to depend on methods they do not use</a:t>
-            </a:r>
-          </a:p>
-          <a:p>
-            <a:r>
-              <a:rPr lang="sv-SE" dirty="0" smtClean="0"/>
-              <a:t>The </a:t>
-            </a:r>
-            <a:r>
-              <a:rPr lang="sv-SE" u="sng" dirty="0" smtClean="0"/>
-              <a:t>D</a:t>
-            </a:r>
-            <a:r>
-              <a:rPr lang="sv-SE" dirty="0" smtClean="0"/>
-              <a:t>ependency Inversion Principle</a:t>
+              <a:t>Given identical inputs identical results are guaranteed</a:t>
+            </a:r>
+          </a:p>
+          <a:p>
+            <a:r>
+              <a:rPr lang="en-US" sz="2000" dirty="0" smtClean="0"/>
+              <a:t>Higher order functions</a:t>
             </a:r>
             <a:br>
-              <a:rPr lang="sv-SE" dirty="0" smtClean="0"/>
+              <a:rPr lang="en-US" sz="2000" dirty="0" smtClean="0"/>
             </a:br>
             <a:r>
-              <a:rPr lang="sv-SE" dirty="0" smtClean="0">
+              <a:rPr lang="en-US" sz="2000" dirty="0" smtClean="0">
                 <a:solidFill>
                   <a:schemeClr val="tx2"/>
                 </a:solidFill>
               </a:rPr>
-              <a:t>Depend on abstractions, not on concretions</a:t>
+              <a:t>Functions that take functions as parameters</a:t>
             </a:r>
             <a:br>
-              <a:rPr lang="sv-SE" dirty="0" smtClean="0">
+              <a:rPr lang="en-US" sz="2000" dirty="0" smtClean="0">
                 <a:solidFill>
                   <a:schemeClr val="tx2"/>
                 </a:solidFill>
               </a:rPr>
             </a:br>
             <a:r>
-              <a:rPr lang="sv-SE" dirty="0" smtClean="0">
+              <a:rPr lang="en-US" sz="2000" dirty="0" smtClean="0">
                 <a:solidFill>
                   <a:schemeClr val="tx2"/>
                 </a:solidFill>
               </a:rPr>
-              <a:t>Abstractions should not depend on details, details should depend on abstractions</a:t>
-            </a:r>
-          </a:p>
-          <a:p>
-            <a:endParaRPr lang="sv-SE" dirty="0" smtClean="0"/>
-          </a:p>
-          <a:p>
-            <a:pPr>
-              <a:buNone/>
-            </a:pPr>
-            <a:r>
-              <a:rPr lang="sv-SE" dirty="0" smtClean="0"/>
-              <a:t> </a:t>
-            </a:r>
-            <a:endParaRPr lang="sv-SE" dirty="0"/>
+              <a:t>Functions that return functions</a:t>
+            </a:r>
+          </a:p>
+          <a:p>
+            <a:r>
+              <a:rPr lang="en-US" sz="2000" dirty="0" smtClean="0"/>
+              <a:t>Closures</a:t>
+            </a:r>
+            <a:br>
+              <a:rPr lang="en-US" sz="2000" dirty="0" smtClean="0"/>
+            </a:br>
+            <a:r>
+              <a:rPr lang="en-US" sz="2000" dirty="0" smtClean="0">
+                <a:solidFill>
+                  <a:schemeClr val="tx2"/>
+                </a:solidFill>
+              </a:rPr>
+              <a:t>In line functions that capture values in scope</a:t>
+            </a:r>
           </a:p>
         </p:txBody>
       </p:sp>
@@ -3932,834 +3930,6 @@
                                           </p:stCondLst>
                                         </p:cTn>
                                         <p:tgtEl>
-                                          <p:spTgt spid="4">
-                                            <p:txEl>
-                                              <p:pRg st="0" end="0"/>
-                                            </p:txEl>
-                                          </p:spTgt>
-                                        </p:tgtEl>
-                                        <p:attrNameLst>
-                                          <p:attrName>style.visibility</p:attrName>
-                                        </p:attrNameLst>
-                                      </p:cBhvr>
-                                      <p:to>
-                                        <p:strVal val="visible"/>
-                                      </p:to>
-                                    </p:set>
-                                    <p:anim calcmode="lin" valueType="num">
-                                      <p:cBhvr additive="base">
-                                        <p:cTn id="7" dur="500" fill="hold"/>
-                                        <p:tgtEl>
-                                          <p:spTgt spid="4">
-                                            <p:txEl>
-                                              <p:pRg st="0" end="0"/>
-                                            </p:txEl>
-                                          </p:spTgt>
-                                        </p:tgtEl>
-                                        <p:attrNameLst>
-                                          <p:attrName>ppt_x</p:attrName>
-                                        </p:attrNameLst>
-                                      </p:cBhvr>
-                                      <p:tavLst>
-                                        <p:tav tm="0">
-                                          <p:val>
-                                            <p:strVal val="#ppt_x"/>
-                                          </p:val>
-                                        </p:tav>
-                                        <p:tav tm="100000">
-                                          <p:val>
-                                            <p:strVal val="#ppt_x"/>
-                                          </p:val>
-                                        </p:tav>
-                                      </p:tavLst>
-                                    </p:anim>
-                                    <p:anim calcmode="lin" valueType="num">
-                                      <p:cBhvr additive="base">
-                                        <p:cTn id="8" dur="500" fill="hold"/>
-                                        <p:tgtEl>
-                                          <p:spTgt spid="4">
-                                            <p:txEl>
-                                              <p:pRg st="0" end="0"/>
-                                            </p:txEl>
-                                          </p:spTgt>
-                                        </p:tgtEl>
-                                        <p:attrNameLst>
-                                          <p:attrName>ppt_y</p:attrName>
-                                        </p:attrNameLst>
-                                      </p:cBhvr>
-                                      <p:tavLst>
-                                        <p:tav tm="0">
-                                          <p:val>
-                                            <p:strVal val="1+#ppt_h/2"/>
-                                          </p:val>
-                                        </p:tav>
-                                        <p:tav tm="100000">
-                                          <p:val>
-                                            <p:strVal val="#ppt_y"/>
-                                          </p:val>
-                                        </p:tav>
-                                      </p:tavLst>
-                                    </p:anim>
-                                  </p:childTnLst>
-                                </p:cTn>
-                              </p:par>
-                            </p:childTnLst>
-                          </p:cTn>
-                        </p:par>
-                      </p:childTnLst>
-                    </p:cTn>
-                  </p:par>
-                  <p:par>
-                    <p:cTn id="9" fill="hold">
-                      <p:stCondLst>
-                        <p:cond delay="indefinite"/>
-                      </p:stCondLst>
-                      <p:childTnLst>
-                        <p:par>
-                          <p:cTn id="10" fill="hold">
-                            <p:stCondLst>
-                              <p:cond delay="0"/>
-                            </p:stCondLst>
-                            <p:childTnLst>
-                              <p:par>
-                                <p:cTn id="11" presetID="2" presetClass="entr" presetSubtype="4" fill="hold" grpId="0" nodeType="clickEffect">
-                                  <p:stCondLst>
-                                    <p:cond delay="0"/>
-                                  </p:stCondLst>
-                                  <p:childTnLst>
-                                    <p:set>
-                                      <p:cBhvr>
-                                        <p:cTn id="12" dur="1" fill="hold">
-                                          <p:stCondLst>
-                                            <p:cond delay="0"/>
-                                          </p:stCondLst>
-                                        </p:cTn>
-                                        <p:tgtEl>
-                                          <p:spTgt spid="4">
-                                            <p:txEl>
-                                              <p:pRg st="1" end="1"/>
-                                            </p:txEl>
-                                          </p:spTgt>
-                                        </p:tgtEl>
-                                        <p:attrNameLst>
-                                          <p:attrName>style.visibility</p:attrName>
-                                        </p:attrNameLst>
-                                      </p:cBhvr>
-                                      <p:to>
-                                        <p:strVal val="visible"/>
-                                      </p:to>
-                                    </p:set>
-                                    <p:anim calcmode="lin" valueType="num">
-                                      <p:cBhvr additive="base">
-                                        <p:cTn id="13" dur="500" fill="hold"/>
-                                        <p:tgtEl>
-                                          <p:spTgt spid="4">
-                                            <p:txEl>
-                                              <p:pRg st="1" end="1"/>
-                                            </p:txEl>
-                                          </p:spTgt>
-                                        </p:tgtEl>
-                                        <p:attrNameLst>
-                                          <p:attrName>ppt_x</p:attrName>
-                                        </p:attrNameLst>
-                                      </p:cBhvr>
-                                      <p:tavLst>
-                                        <p:tav tm="0">
-                                          <p:val>
-                                            <p:strVal val="#ppt_x"/>
-                                          </p:val>
-                                        </p:tav>
-                                        <p:tav tm="100000">
-                                          <p:val>
-                                            <p:strVal val="#ppt_x"/>
-                                          </p:val>
-                                        </p:tav>
-                                      </p:tavLst>
-                                    </p:anim>
-                                    <p:anim calcmode="lin" valueType="num">
-                                      <p:cBhvr additive="base">
-                                        <p:cTn id="14" dur="500" fill="hold"/>
-                                        <p:tgtEl>
-                                          <p:spTgt spid="4">
-                                            <p:txEl>
-                                              <p:pRg st="1" end="1"/>
-                                            </p:txEl>
-                                          </p:spTgt>
-                                        </p:tgtEl>
-                                        <p:attrNameLst>
-                                          <p:attrName>ppt_y</p:attrName>
-                                        </p:attrNameLst>
-                                      </p:cBhvr>
-                                      <p:tavLst>
-                                        <p:tav tm="0">
-                                          <p:val>
-                                            <p:strVal val="1+#ppt_h/2"/>
-                                          </p:val>
-                                        </p:tav>
-                                        <p:tav tm="100000">
-                                          <p:val>
-                                            <p:strVal val="#ppt_y"/>
-                                          </p:val>
-                                        </p:tav>
-                                      </p:tavLst>
-                                    </p:anim>
-                                  </p:childTnLst>
-                                </p:cTn>
-                              </p:par>
-                            </p:childTnLst>
-                          </p:cTn>
-                        </p:par>
-                      </p:childTnLst>
-                    </p:cTn>
-                  </p:par>
-                  <p:par>
-                    <p:cTn id="15" fill="hold">
-                      <p:stCondLst>
-                        <p:cond delay="indefinite"/>
-                      </p:stCondLst>
-                      <p:childTnLst>
-                        <p:par>
-                          <p:cTn id="16" fill="hold">
-                            <p:stCondLst>
-                              <p:cond delay="0"/>
-                            </p:stCondLst>
-                            <p:childTnLst>
-                              <p:par>
-                                <p:cTn id="17" presetID="2" presetClass="entr" presetSubtype="4" fill="hold" grpId="0" nodeType="clickEffect">
-                                  <p:stCondLst>
-                                    <p:cond delay="0"/>
-                                  </p:stCondLst>
-                                  <p:childTnLst>
-                                    <p:set>
-                                      <p:cBhvr>
-                                        <p:cTn id="18" dur="1" fill="hold">
-                                          <p:stCondLst>
-                                            <p:cond delay="0"/>
-                                          </p:stCondLst>
-                                        </p:cTn>
-                                        <p:tgtEl>
-                                          <p:spTgt spid="4">
-                                            <p:txEl>
-                                              <p:pRg st="2" end="2"/>
-                                            </p:txEl>
-                                          </p:spTgt>
-                                        </p:tgtEl>
-                                        <p:attrNameLst>
-                                          <p:attrName>style.visibility</p:attrName>
-                                        </p:attrNameLst>
-                                      </p:cBhvr>
-                                      <p:to>
-                                        <p:strVal val="visible"/>
-                                      </p:to>
-                                    </p:set>
-                                    <p:anim calcmode="lin" valueType="num">
-                                      <p:cBhvr additive="base">
-                                        <p:cTn id="19" dur="500" fill="hold"/>
-                                        <p:tgtEl>
-                                          <p:spTgt spid="4">
-                                            <p:txEl>
-                                              <p:pRg st="2" end="2"/>
-                                            </p:txEl>
-                                          </p:spTgt>
-                                        </p:tgtEl>
-                                        <p:attrNameLst>
-                                          <p:attrName>ppt_x</p:attrName>
-                                        </p:attrNameLst>
-                                      </p:cBhvr>
-                                      <p:tavLst>
-                                        <p:tav tm="0">
-                                          <p:val>
-                                            <p:strVal val="#ppt_x"/>
-                                          </p:val>
-                                        </p:tav>
-                                        <p:tav tm="100000">
-                                          <p:val>
-                                            <p:strVal val="#ppt_x"/>
-                                          </p:val>
-                                        </p:tav>
-                                      </p:tavLst>
-                                    </p:anim>
-                                    <p:anim calcmode="lin" valueType="num">
-                                      <p:cBhvr additive="base">
-                                        <p:cTn id="20" dur="500" fill="hold"/>
-                                        <p:tgtEl>
-                                          <p:spTgt spid="4">
-                                            <p:txEl>
-                                              <p:pRg st="2" end="2"/>
-                                            </p:txEl>
-                                          </p:spTgt>
-                                        </p:tgtEl>
-                                        <p:attrNameLst>
-                                          <p:attrName>ppt_y</p:attrName>
-                                        </p:attrNameLst>
-                                      </p:cBhvr>
-                                      <p:tavLst>
-                                        <p:tav tm="0">
-                                          <p:val>
-                                            <p:strVal val="1+#ppt_h/2"/>
-                                          </p:val>
-                                        </p:tav>
-                                        <p:tav tm="100000">
-                                          <p:val>
-                                            <p:strVal val="#ppt_y"/>
-                                          </p:val>
-                                        </p:tav>
-                                      </p:tavLst>
-                                    </p:anim>
-                                  </p:childTnLst>
-                                </p:cTn>
-                              </p:par>
-                            </p:childTnLst>
-                          </p:cTn>
-                        </p:par>
-                      </p:childTnLst>
-                    </p:cTn>
-                  </p:par>
-                  <p:par>
-                    <p:cTn id="21" fill="hold">
-                      <p:stCondLst>
-                        <p:cond delay="indefinite"/>
-                      </p:stCondLst>
-                      <p:childTnLst>
-                        <p:par>
-                          <p:cTn id="22" fill="hold">
-                            <p:stCondLst>
-                              <p:cond delay="0"/>
-                            </p:stCondLst>
-                            <p:childTnLst>
-                              <p:par>
-                                <p:cTn id="23" presetID="2" presetClass="entr" presetSubtype="4" fill="hold" grpId="0" nodeType="clickEffect">
-                                  <p:stCondLst>
-                                    <p:cond delay="0"/>
-                                  </p:stCondLst>
-                                  <p:childTnLst>
-                                    <p:set>
-                                      <p:cBhvr>
-                                        <p:cTn id="24" dur="1" fill="hold">
-                                          <p:stCondLst>
-                                            <p:cond delay="0"/>
-                                          </p:stCondLst>
-                                        </p:cTn>
-                                        <p:tgtEl>
-                                          <p:spTgt spid="4">
-                                            <p:txEl>
-                                              <p:pRg st="3" end="3"/>
-                                            </p:txEl>
-                                          </p:spTgt>
-                                        </p:tgtEl>
-                                        <p:attrNameLst>
-                                          <p:attrName>style.visibility</p:attrName>
-                                        </p:attrNameLst>
-                                      </p:cBhvr>
-                                      <p:to>
-                                        <p:strVal val="visible"/>
-                                      </p:to>
-                                    </p:set>
-                                    <p:anim calcmode="lin" valueType="num">
-                                      <p:cBhvr additive="base">
-                                        <p:cTn id="25" dur="500" fill="hold"/>
-                                        <p:tgtEl>
-                                          <p:spTgt spid="4">
-                                            <p:txEl>
-                                              <p:pRg st="3" end="3"/>
-                                            </p:txEl>
-                                          </p:spTgt>
-                                        </p:tgtEl>
-                                        <p:attrNameLst>
-                                          <p:attrName>ppt_x</p:attrName>
-                                        </p:attrNameLst>
-                                      </p:cBhvr>
-                                      <p:tavLst>
-                                        <p:tav tm="0">
-                                          <p:val>
-                                            <p:strVal val="#ppt_x"/>
-                                          </p:val>
-                                        </p:tav>
-                                        <p:tav tm="100000">
-                                          <p:val>
-                                            <p:strVal val="#ppt_x"/>
-                                          </p:val>
-                                        </p:tav>
-                                      </p:tavLst>
-                                    </p:anim>
-                                    <p:anim calcmode="lin" valueType="num">
-                                      <p:cBhvr additive="base">
-                                        <p:cTn id="26" dur="500" fill="hold"/>
-                                        <p:tgtEl>
-                                          <p:spTgt spid="4">
-                                            <p:txEl>
-                                              <p:pRg st="3" end="3"/>
-                                            </p:txEl>
-                                          </p:spTgt>
-                                        </p:tgtEl>
-                                        <p:attrNameLst>
-                                          <p:attrName>ppt_y</p:attrName>
-                                        </p:attrNameLst>
-                                      </p:cBhvr>
-                                      <p:tavLst>
-                                        <p:tav tm="0">
-                                          <p:val>
-                                            <p:strVal val="1+#ppt_h/2"/>
-                                          </p:val>
-                                        </p:tav>
-                                        <p:tav tm="100000">
-                                          <p:val>
-                                            <p:strVal val="#ppt_y"/>
-                                          </p:val>
-                                        </p:tav>
-                                      </p:tavLst>
-                                    </p:anim>
-                                  </p:childTnLst>
-                                </p:cTn>
-                              </p:par>
-                            </p:childTnLst>
-                          </p:cTn>
-                        </p:par>
-                      </p:childTnLst>
-                    </p:cTn>
-                  </p:par>
-                  <p:par>
-                    <p:cTn id="27" fill="hold">
-                      <p:stCondLst>
-                        <p:cond delay="indefinite"/>
-                      </p:stCondLst>
-                      <p:childTnLst>
-                        <p:par>
-                          <p:cTn id="28" fill="hold">
-                            <p:stCondLst>
-                              <p:cond delay="0"/>
-                            </p:stCondLst>
-                            <p:childTnLst>
-                              <p:par>
-                                <p:cTn id="29" presetID="2" presetClass="entr" presetSubtype="4" fill="hold" grpId="0" nodeType="clickEffect">
-                                  <p:stCondLst>
-                                    <p:cond delay="0"/>
-                                  </p:stCondLst>
-                                  <p:childTnLst>
-                                    <p:set>
-                                      <p:cBhvr>
-                                        <p:cTn id="30" dur="1" fill="hold">
-                                          <p:stCondLst>
-                                            <p:cond delay="0"/>
-                                          </p:stCondLst>
-                                        </p:cTn>
-                                        <p:tgtEl>
-                                          <p:spTgt spid="4">
-                                            <p:txEl>
-                                              <p:pRg st="4" end="4"/>
-                                            </p:txEl>
-                                          </p:spTgt>
-                                        </p:tgtEl>
-                                        <p:attrNameLst>
-                                          <p:attrName>style.visibility</p:attrName>
-                                        </p:attrNameLst>
-                                      </p:cBhvr>
-                                      <p:to>
-                                        <p:strVal val="visible"/>
-                                      </p:to>
-                                    </p:set>
-                                    <p:anim calcmode="lin" valueType="num">
-                                      <p:cBhvr additive="base">
-                                        <p:cTn id="31" dur="500" fill="hold"/>
-                                        <p:tgtEl>
-                                          <p:spTgt spid="4">
-                                            <p:txEl>
-                                              <p:pRg st="4" end="4"/>
-                                            </p:txEl>
-                                          </p:spTgt>
-                                        </p:tgtEl>
-                                        <p:attrNameLst>
-                                          <p:attrName>ppt_x</p:attrName>
-                                        </p:attrNameLst>
-                                      </p:cBhvr>
-                                      <p:tavLst>
-                                        <p:tav tm="0">
-                                          <p:val>
-                                            <p:strVal val="#ppt_x"/>
-                                          </p:val>
-                                        </p:tav>
-                                        <p:tav tm="100000">
-                                          <p:val>
-                                            <p:strVal val="#ppt_x"/>
-                                          </p:val>
-                                        </p:tav>
-                                      </p:tavLst>
-                                    </p:anim>
-                                    <p:anim calcmode="lin" valueType="num">
-                                      <p:cBhvr additive="base">
-                                        <p:cTn id="32" dur="500" fill="hold"/>
-                                        <p:tgtEl>
-                                          <p:spTgt spid="4">
-                                            <p:txEl>
-                                              <p:pRg st="4" end="4"/>
-                                            </p:txEl>
-                                          </p:spTgt>
-                                        </p:tgtEl>
-                                        <p:attrNameLst>
-                                          <p:attrName>ppt_y</p:attrName>
-                                        </p:attrNameLst>
-                                      </p:cBhvr>
-                                      <p:tavLst>
-                                        <p:tav tm="0">
-                                          <p:val>
-                                            <p:strVal val="1+#ppt_h/2"/>
-                                          </p:val>
-                                        </p:tav>
-                                        <p:tav tm="100000">
-                                          <p:val>
-                                            <p:strVal val="#ppt_y"/>
-                                          </p:val>
-                                        </p:tav>
-                                      </p:tavLst>
-                                    </p:anim>
-                                  </p:childTnLst>
-                                </p:cTn>
-                              </p:par>
-                            </p:childTnLst>
-                          </p:cTn>
-                        </p:par>
-                      </p:childTnLst>
-                    </p:cTn>
-                  </p:par>
-                  <p:par>
-                    <p:cTn id="33" fill="hold">
-                      <p:stCondLst>
-                        <p:cond delay="indefinite"/>
-                      </p:stCondLst>
-                      <p:childTnLst>
-                        <p:par>
-                          <p:cTn id="34" fill="hold">
-                            <p:stCondLst>
-                              <p:cond delay="0"/>
-                            </p:stCondLst>
-                            <p:childTnLst>
-                              <p:par>
-                                <p:cTn id="35" presetID="2" presetClass="entr" presetSubtype="4" fill="hold" grpId="0" nodeType="clickEffect">
-                                  <p:stCondLst>
-                                    <p:cond delay="0"/>
-                                  </p:stCondLst>
-                                  <p:childTnLst>
-                                    <p:set>
-                                      <p:cBhvr>
-                                        <p:cTn id="36" dur="1" fill="hold">
-                                          <p:stCondLst>
-                                            <p:cond delay="0"/>
-                                          </p:stCondLst>
-                                        </p:cTn>
-                                        <p:tgtEl>
-                                          <p:spTgt spid="4">
-                                            <p:txEl>
-                                              <p:pRg st="6" end="6"/>
-                                            </p:txEl>
-                                          </p:spTgt>
-                                        </p:tgtEl>
-                                        <p:attrNameLst>
-                                          <p:attrName>style.visibility</p:attrName>
-                                        </p:attrNameLst>
-                                      </p:cBhvr>
-                                      <p:to>
-                                        <p:strVal val="visible"/>
-                                      </p:to>
-                                    </p:set>
-                                    <p:anim calcmode="lin" valueType="num">
-                                      <p:cBhvr additive="base">
-                                        <p:cTn id="37" dur="500" fill="hold"/>
-                                        <p:tgtEl>
-                                          <p:spTgt spid="4">
-                                            <p:txEl>
-                                              <p:pRg st="6" end="6"/>
-                                            </p:txEl>
-                                          </p:spTgt>
-                                        </p:tgtEl>
-                                        <p:attrNameLst>
-                                          <p:attrName>ppt_x</p:attrName>
-                                        </p:attrNameLst>
-                                      </p:cBhvr>
-                                      <p:tavLst>
-                                        <p:tav tm="0">
-                                          <p:val>
-                                            <p:strVal val="#ppt_x"/>
-                                          </p:val>
-                                        </p:tav>
-                                        <p:tav tm="100000">
-                                          <p:val>
-                                            <p:strVal val="#ppt_x"/>
-                                          </p:val>
-                                        </p:tav>
-                                      </p:tavLst>
-                                    </p:anim>
-                                    <p:anim calcmode="lin" valueType="num">
-                                      <p:cBhvr additive="base">
-                                        <p:cTn id="38" dur="500" fill="hold"/>
-                                        <p:tgtEl>
-                                          <p:spTgt spid="4">
-                                            <p:txEl>
-                                              <p:pRg st="6" end="6"/>
-                                            </p:txEl>
-                                          </p:spTgt>
-                                        </p:tgtEl>
-                                        <p:attrNameLst>
-                                          <p:attrName>ppt_y</p:attrName>
-                                        </p:attrNameLst>
-                                      </p:cBhvr>
-                                      <p:tavLst>
-                                        <p:tav tm="0">
-                                          <p:val>
-                                            <p:strVal val="1+#ppt_h/2"/>
-                                          </p:val>
-                                        </p:tav>
-                                        <p:tav tm="100000">
-                                          <p:val>
-                                            <p:strVal val="#ppt_y"/>
-                                          </p:val>
-                                        </p:tav>
-                                      </p:tavLst>
-                                    </p:anim>
-                                  </p:childTnLst>
-                                </p:cTn>
-                              </p:par>
-                            </p:childTnLst>
-                          </p:cTn>
-                        </p:par>
-                      </p:childTnLst>
-                    </p:cTn>
-                  </p:par>
-                </p:childTnLst>
-              </p:cTn>
-              <p:prevCondLst>
-                <p:cond evt="onPrev" delay="0">
-                  <p:tgtEl>
-                    <p:sldTgt/>
-                  </p:tgtEl>
-                </p:cond>
-              </p:prevCondLst>
-              <p:nextCondLst>
-                <p:cond evt="onNext" delay="0">
-                  <p:tgtEl>
-                    <p:sldTgt/>
-                  </p:tgtEl>
-                </p:cond>
-              </p:nextCondLst>
-            </p:seq>
-          </p:childTnLst>
-        </p:cTn>
-      </p:par>
-    </p:tnLst>
-    <p:bldLst>
-      <p:bldP spid="4" grpId="0" build="p"/>
-    </p:bldLst>
-  </p:timing>
-</p:sld>
-</file>
-
-<file path=ppt/slides/slide3.xml><?xml version="1.0" encoding="utf-8"?>
-<p:sld xmlns:a="http://schemas.openxmlformats.org/drawingml/2006/main" xmlns:r="http://schemas.openxmlformats.org/officeDocument/2006/relationships" xmlns:p="http://schemas.openxmlformats.org/presentationml/2006/main">
-  <p:cSld>
-    <p:spTree>
-      <p:nvGrpSpPr>
-        <p:cNvPr id="1" name=""/>
-        <p:cNvGrpSpPr/>
-        <p:nvPr/>
-      </p:nvGrpSpPr>
-      <p:grpSpPr>
-        <a:xfrm>
-          <a:off x="0" y="0"/>
-          <a:ext cx="0" cy="0"/>
-          <a:chOff x="0" y="0"/>
-          <a:chExt cx="0" cy="0"/>
-        </a:xfrm>
-      </p:grpSpPr>
-      <p:sp>
-        <p:nvSpPr>
-          <p:cNvPr id="2" name="Title 1"/>
-          <p:cNvSpPr>
-            <a:spLocks noGrp="1"/>
-          </p:cNvSpPr>
-          <p:nvPr>
-            <p:ph type="title"/>
-          </p:nvPr>
-        </p:nvSpPr>
-        <p:spPr>
-          <a:xfrm>
-            <a:off x="457200" y="274638"/>
-            <a:ext cx="8229600" cy="939784"/>
-          </a:xfrm>
-        </p:spPr>
-        <p:txBody>
-          <a:bodyPr/>
-          <a:lstStyle/>
-          <a:p>
-            <a:r>
-              <a:rPr lang="sv-SE" dirty="0" smtClean="0"/>
-              <a:t>Functional programming</a:t>
-            </a:r>
-            <a:endParaRPr lang="sv-SE" dirty="0"/>
-          </a:p>
-        </p:txBody>
-      </p:sp>
-      <p:sp>
-        <p:nvSpPr>
-          <p:cNvPr id="5" name="Content Placeholder 4"/>
-          <p:cNvSpPr>
-            <a:spLocks noGrp="1"/>
-          </p:cNvSpPr>
-          <p:nvPr>
-            <p:ph idx="1"/>
-          </p:nvPr>
-        </p:nvSpPr>
-        <p:spPr>
-          <a:xfrm>
-            <a:off x="457200" y="1357298"/>
-            <a:ext cx="8229600" cy="3429024"/>
-          </a:xfrm>
-        </p:spPr>
-        <p:txBody>
-          <a:bodyPr>
-            <a:noAutofit/>
-          </a:bodyPr>
-          <a:lstStyle/>
-          <a:p>
-            <a:r>
-              <a:rPr lang="en-US" sz="2000" dirty="0" smtClean="0"/>
-              <a:t>Immutability</a:t>
-            </a:r>
-            <a:br>
-              <a:rPr lang="en-US" sz="2000" dirty="0" smtClean="0"/>
-            </a:br>
-            <a:r>
-              <a:rPr lang="en-US" sz="2000" dirty="0" smtClean="0">
-                <a:solidFill>
-                  <a:schemeClr val="tx2"/>
-                </a:solidFill>
-              </a:rPr>
-              <a:t>Values never change, instead new values are created</a:t>
-            </a:r>
-          </a:p>
-          <a:p>
-            <a:r>
-              <a:rPr lang="en-US" sz="2000" dirty="0" smtClean="0"/>
-              <a:t>Pure Functions</a:t>
-            </a:r>
-            <a:br>
-              <a:rPr lang="en-US" sz="2000" dirty="0" smtClean="0"/>
-            </a:br>
-            <a:r>
-              <a:rPr lang="en-US" sz="2000" dirty="0" smtClean="0">
-                <a:solidFill>
-                  <a:schemeClr val="tx2"/>
-                </a:solidFill>
-              </a:rPr>
-              <a:t>Functions are dependent only on their parameters</a:t>
-            </a:r>
-            <a:br>
-              <a:rPr lang="en-US" sz="2000" dirty="0" smtClean="0">
-                <a:solidFill>
-                  <a:schemeClr val="tx2"/>
-                </a:solidFill>
-              </a:rPr>
-            </a:br>
-            <a:r>
-              <a:rPr lang="en-US" sz="2000" dirty="0" smtClean="0">
-                <a:solidFill>
-                  <a:schemeClr val="tx2"/>
-                </a:solidFill>
-              </a:rPr>
-              <a:t>Given identical inputs identical results are guaranteed</a:t>
-            </a:r>
-          </a:p>
-          <a:p>
-            <a:r>
-              <a:rPr lang="en-US" sz="2000" dirty="0" smtClean="0"/>
-              <a:t>Higher order functions</a:t>
-            </a:r>
-            <a:br>
-              <a:rPr lang="en-US" sz="2000" dirty="0" smtClean="0"/>
-            </a:br>
-            <a:r>
-              <a:rPr lang="en-US" sz="2000" dirty="0" smtClean="0">
-                <a:solidFill>
-                  <a:schemeClr val="tx2"/>
-                </a:solidFill>
-              </a:rPr>
-              <a:t>Functions that take functions as parameters</a:t>
-            </a:r>
-            <a:br>
-              <a:rPr lang="en-US" sz="2000" dirty="0" smtClean="0">
-                <a:solidFill>
-                  <a:schemeClr val="tx2"/>
-                </a:solidFill>
-              </a:rPr>
-            </a:br>
-            <a:r>
-              <a:rPr lang="en-US" sz="2000" dirty="0" smtClean="0">
-                <a:solidFill>
-                  <a:schemeClr val="tx2"/>
-                </a:solidFill>
-              </a:rPr>
-              <a:t>Functions that return functions</a:t>
-            </a:r>
-          </a:p>
-          <a:p>
-            <a:r>
-              <a:rPr lang="en-US" sz="2000" dirty="0" smtClean="0"/>
-              <a:t>Closures</a:t>
-            </a:r>
-            <a:br>
-              <a:rPr lang="en-US" sz="2000" dirty="0" smtClean="0"/>
-            </a:br>
-            <a:r>
-              <a:rPr lang="en-US" sz="2000" dirty="0" smtClean="0">
-                <a:solidFill>
-                  <a:schemeClr val="tx2"/>
-                </a:solidFill>
-              </a:rPr>
-              <a:t>In line functions that capture values in scope</a:t>
-            </a:r>
-          </a:p>
-        </p:txBody>
-      </p:sp>
-    </p:spTree>
-  </p:cSld>
-  <p:clrMapOvr>
-    <a:masterClrMapping/>
-  </p:clrMapOvr>
-  <p:transition>
-    <p:wipe dir="r"/>
-  </p:transition>
-  <p:timing>
-    <p:tnLst>
-      <p:par>
-        <p:cTn id="1" dur="indefinite" restart="never" nodeType="tmRoot">
-          <p:childTnLst>
-            <p:seq concurrent="1" nextAc="seek">
-              <p:cTn id="2" dur="indefinite" nodeType="mainSeq">
-                <p:childTnLst>
-                  <p:par>
-                    <p:cTn id="3" fill="hold">
-                      <p:stCondLst>
-                        <p:cond delay="indefinite"/>
-                      </p:stCondLst>
-                      <p:childTnLst>
-                        <p:par>
-                          <p:cTn id="4" fill="hold">
-                            <p:stCondLst>
-                              <p:cond delay="0"/>
-                            </p:stCondLst>
-                            <p:childTnLst>
-                              <p:par>
-                                <p:cTn id="5" presetID="2" presetClass="entr" presetSubtype="4" fill="hold" grpId="0" nodeType="clickEffect">
-                                  <p:stCondLst>
-                                    <p:cond delay="0"/>
-                                  </p:stCondLst>
-                                  <p:childTnLst>
-                                    <p:set>
-                                      <p:cBhvr>
-                                        <p:cTn id="6" dur="1" fill="hold">
-                                          <p:stCondLst>
-                                            <p:cond delay="0"/>
-                                          </p:stCondLst>
-                                        </p:cTn>
-                                        <p:tgtEl>
                                           <p:spTgt spid="5">
                                             <p:txEl>
                                               <p:pRg st="0" end="0"/>
@@ -5174,6 +4344,122 @@
 </p:sld>
 </file>
 
+<file path=ppt/slides/slide3.xml><?xml version="1.0" encoding="utf-8"?>
+<p:sld xmlns:a="http://schemas.openxmlformats.org/drawingml/2006/main" xmlns:r="http://schemas.openxmlformats.org/officeDocument/2006/relationships" xmlns:p="http://schemas.openxmlformats.org/presentationml/2006/main" show="0">
+  <p:cSld>
+    <p:spTree>
+      <p:nvGrpSpPr>
+        <p:cNvPr id="1" name=""/>
+        <p:cNvGrpSpPr/>
+        <p:nvPr/>
+      </p:nvGrpSpPr>
+      <p:grpSpPr>
+        <a:xfrm>
+          <a:off x="0" y="0"/>
+          <a:ext cx="0" cy="0"/>
+          <a:chOff x="0" y="0"/>
+          <a:chExt cx="0" cy="0"/>
+        </a:xfrm>
+      </p:grpSpPr>
+      <p:sp>
+        <p:nvSpPr>
+          <p:cNvPr id="2" name="Title 1"/>
+          <p:cNvSpPr>
+            <a:spLocks noGrp="1"/>
+          </p:cNvSpPr>
+          <p:nvPr>
+            <p:ph type="title"/>
+          </p:nvPr>
+        </p:nvSpPr>
+        <p:spPr/>
+        <p:txBody>
+          <a:bodyPr/>
+          <a:lstStyle/>
+          <a:p>
+            <a:r>
+              <a:rPr lang="sv-SE" dirty="0" smtClean="0"/>
+              <a:t>Functional programming enables</a:t>
+            </a:r>
+            <a:endParaRPr lang="sv-SE" dirty="0"/>
+          </a:p>
+        </p:txBody>
+      </p:sp>
+      <p:sp>
+        <p:nvSpPr>
+          <p:cNvPr id="3" name="Content Placeholder 2"/>
+          <p:cNvSpPr>
+            <a:spLocks noGrp="1"/>
+          </p:cNvSpPr>
+          <p:nvPr>
+            <p:ph idx="1"/>
+          </p:nvPr>
+        </p:nvSpPr>
+        <p:spPr/>
+        <p:txBody>
+          <a:bodyPr>
+            <a:normAutofit/>
+          </a:bodyPr>
+          <a:lstStyle/>
+          <a:p>
+            <a:r>
+              <a:rPr lang="sv-SE" sz="2000" dirty="0" smtClean="0"/>
+              <a:t>Immutability</a:t>
+            </a:r>
+          </a:p>
+          <a:p>
+            <a:pPr lvl="1"/>
+            <a:r>
+              <a:rPr lang="sv-SE" sz="1600" dirty="0" smtClean="0"/>
+              <a:t>Safe sharing of data</a:t>
+            </a:r>
+          </a:p>
+          <a:p>
+            <a:pPr lvl="1"/>
+            <a:r>
+              <a:rPr lang="sv-SE" sz="1600" dirty="0" smtClean="0"/>
+              <a:t>Safe and simple </a:t>
+            </a:r>
+            <a:r>
+              <a:rPr lang="sv-SE" sz="1600" dirty="0" smtClean="0"/>
+              <a:t>multithreading</a:t>
+            </a:r>
+            <a:endParaRPr lang="sv-SE" sz="2000" dirty="0" smtClean="0"/>
+          </a:p>
+          <a:p>
+            <a:r>
+              <a:rPr lang="sv-SE" sz="2000" dirty="0" smtClean="0"/>
+              <a:t>Higher order functions </a:t>
+            </a:r>
+          </a:p>
+          <a:p>
+            <a:pPr lvl="1"/>
+            <a:r>
+              <a:rPr lang="sv-SE" sz="1600" dirty="0" smtClean="0"/>
+              <a:t>Composable algorithms</a:t>
+            </a:r>
+          </a:p>
+          <a:p>
+            <a:pPr lvl="2"/>
+            <a:r>
+              <a:rPr lang="sv-SE" sz="1200" dirty="0" smtClean="0"/>
+              <a:t>Clean separation of algorithmic concerns (SRP,OCP)</a:t>
+            </a:r>
+            <a:endParaRPr lang="sv-SE" sz="2000" dirty="0" smtClean="0"/>
+          </a:p>
+          <a:p>
+            <a:endParaRPr lang="sv-SE" sz="2000" dirty="0" smtClean="0"/>
+          </a:p>
+        </p:txBody>
+      </p:sp>
+    </p:spTree>
+  </p:cSld>
+  <p:clrMapOvr>
+    <a:masterClrMapping/>
+  </p:clrMapOvr>
+  <p:transition/>
+</p:sld>
+</file>
+
 <file path=ppt/slides/slide4.xml><?xml version="1.0" encoding="utf-8"?>
 <p:sld xmlns:a="http://schemas.openxmlformats.org/drawingml/2006/main" xmlns:r="http://schemas.openxmlformats.org/officeDocument/2006/relationships" xmlns:p="http://schemas.openxmlformats.org/presentationml/2006/main">
   <p:cSld>
@@ -5234,11 +4520,11 @@
           <a:lstStyle/>
           <a:p>
             <a:r>
-              <a:rPr lang="sv-SE" sz="2000" dirty="0" smtClean="0"/>
-              <a:t>Ienumerable&lt;T&gt; and Iqueryable&lt;T&gt; are </a:t>
-            </a:r>
-            <a:r>
-              <a:rPr lang="sv-SE" sz="2000" i="1" dirty="0" smtClean="0">
+              <a:rPr lang="en-US" sz="2000" dirty="0" smtClean="0"/>
+              <a:t>IEnumerable&lt;T&gt; and IQueryable&lt;T&gt; are </a:t>
+            </a:r>
+            <a:r>
+              <a:rPr lang="en-US" sz="2000" i="1" dirty="0" smtClean="0">
                 <a:solidFill>
                   <a:schemeClr val="tx2"/>
                 </a:solidFill>
@@ -5246,17 +4532,17 @@
               <a:t>immutable</a:t>
             </a:r>
             <a:r>
-              <a:rPr lang="sv-SE" sz="2000" dirty="0" smtClean="0"/>
+              <a:rPr lang="en-US" sz="2000" dirty="0" smtClean="0"/>
               <a:t> interfaces</a:t>
             </a:r>
           </a:p>
           <a:p>
             <a:r>
-              <a:rPr lang="sv-SE" sz="2000" dirty="0" smtClean="0"/>
+              <a:rPr lang="en-US" sz="2000" dirty="0" smtClean="0"/>
               <a:t>Linq operators are </a:t>
             </a:r>
             <a:r>
-              <a:rPr lang="sv-SE" sz="2000" i="1" dirty="0" smtClean="0">
+              <a:rPr lang="en-US" sz="2000" i="1" dirty="0" smtClean="0">
                 <a:solidFill>
                   <a:schemeClr val="tx2"/>
                 </a:solidFill>
@@ -5266,11 +4552,11 @@
           </a:p>
           <a:p>
             <a:r>
-              <a:rPr lang="sv-SE" sz="2000" dirty="0" smtClean="0"/>
+              <a:rPr lang="en-US" sz="2000" dirty="0" smtClean="0"/>
               <a:t>Many Linq operators are </a:t>
             </a:r>
             <a:r>
-              <a:rPr lang="sv-SE" sz="2000" i="1" dirty="0" smtClean="0">
+              <a:rPr lang="en-US" sz="2000" i="1" dirty="0" smtClean="0">
                 <a:solidFill>
                   <a:schemeClr val="tx2"/>
                 </a:solidFill>
@@ -5280,11 +4566,11 @@
           </a:p>
           <a:p>
             <a:r>
-              <a:rPr lang="sv-SE" sz="2000" dirty="0" smtClean="0"/>
+              <a:rPr lang="en-US" sz="2000" dirty="0" smtClean="0"/>
               <a:t>Lambdas are </a:t>
             </a:r>
             <a:r>
-              <a:rPr lang="sv-SE" sz="2000" i="1" dirty="0" smtClean="0">
+              <a:rPr lang="en-US" sz="2000" i="1" dirty="0" smtClean="0">
                 <a:solidFill>
                   <a:schemeClr val="tx2"/>
                 </a:solidFill>
@@ -5294,10 +4580,10 @@
           </a:p>
           <a:p>
             <a:r>
-              <a:rPr lang="sv-SE" sz="2000" i="1" dirty="0" smtClean="0"/>
+              <a:rPr lang="en-US" sz="2000" i="1" dirty="0" smtClean="0"/>
               <a:t>Comprehension syntax is syntactic sugar on functional programming</a:t>
             </a:r>
-            <a:endParaRPr lang="sv-SE" sz="2000" dirty="0"/>
+            <a:endParaRPr lang="en-US" sz="2000" dirty="0"/>
           </a:p>
         </p:txBody>
       </p:sp>
@@ -5893,10 +5179,10 @@
           <a:lstStyle/>
           <a:p>
             <a:r>
-              <a:rPr lang="sv-SE" dirty="0" smtClean="0"/>
+              <a:rPr lang="en-US" dirty="0" smtClean="0"/>
               <a:t>YOU could write Linq</a:t>
             </a:r>
-            <a:endParaRPr lang="sv-SE" dirty="0"/>
+            <a:endParaRPr lang="en-US" dirty="0"/>
           </a:p>
         </p:txBody>
       </p:sp>
@@ -5918,51 +5204,51 @@
           <a:lstStyle/>
           <a:p>
             <a:r>
-              <a:rPr lang="sv-SE" sz="2000" dirty="0" smtClean="0"/>
+              <a:rPr lang="en-US" sz="2000" dirty="0" smtClean="0"/>
               <a:t>Linq is NOT a new language feature</a:t>
             </a:r>
             <a:br>
-              <a:rPr lang="sv-SE" sz="2000" dirty="0" smtClean="0"/>
+              <a:rPr lang="en-US" sz="2000" dirty="0" smtClean="0"/>
             </a:br>
             <a:r>
-              <a:rPr lang="sv-SE" sz="2000" dirty="0" smtClean="0"/>
+              <a:rPr lang="en-US" sz="2000" dirty="0" smtClean="0"/>
               <a:t>Linq is a library written on top of new language features</a:t>
             </a:r>
           </a:p>
           <a:p>
             <a:r>
-              <a:rPr lang="sv-SE" sz="2000" dirty="0" smtClean="0"/>
+              <a:rPr lang="en-US" sz="2000" dirty="0" smtClean="0"/>
               <a:t>These language features are available to all C# developers</a:t>
             </a:r>
           </a:p>
           <a:p>
             <a:r>
-              <a:rPr lang="sv-SE" sz="2000" dirty="0" smtClean="0"/>
+              <a:rPr lang="en-US" sz="2000" dirty="0" smtClean="0"/>
               <a:t>There’s more than one Linq implementation</a:t>
             </a:r>
             <a:br>
-              <a:rPr lang="sv-SE" sz="2000" dirty="0" smtClean="0"/>
+              <a:rPr lang="en-US" sz="2000" dirty="0" smtClean="0"/>
             </a:br>
             <a:r>
-              <a:rPr lang="sv-SE" sz="2000" dirty="0" smtClean="0"/>
+              <a:rPr lang="en-US" sz="2000" dirty="0" smtClean="0"/>
               <a:t>(Linqbridge for targeting .Net 2.0)</a:t>
             </a:r>
           </a:p>
           <a:p>
             <a:r>
-              <a:rPr lang="sv-SE" sz="2000" dirty="0" smtClean="0"/>
+              <a:rPr lang="en-US" sz="2000" dirty="0" smtClean="0"/>
               <a:t>There’s more than one Linq styled library</a:t>
             </a:r>
             <a:br>
-              <a:rPr lang="sv-SE" sz="2000" dirty="0" smtClean="0"/>
+              <a:rPr lang="en-US" sz="2000" dirty="0" smtClean="0"/>
             </a:br>
             <a:r>
-              <a:rPr lang="sv-SE" sz="2000" dirty="0" smtClean="0"/>
+              <a:rPr lang="en-US" sz="2000" dirty="0" smtClean="0"/>
               <a:t>(Reactive Extensions)</a:t>
             </a:r>
           </a:p>
           <a:p>
-            <a:endParaRPr lang="sv-SE" sz="2000" dirty="0" smtClean="0"/>
+            <a:endParaRPr lang="en-US" sz="2000" dirty="0" smtClean="0"/>
           </a:p>
         </p:txBody>
       </p:sp>
@@ -6503,7 +5789,7 @@
               <a:t>Person </a:t>
             </a:r>
             <a:r>
-              <a:rPr lang="fr-FR" sz="1200" dirty="0" err="1" smtClean="0">
+              <a:rPr lang="en-US" sz="1200" dirty="0" smtClean="0">
                 <a:solidFill>
                   <a:srgbClr val="2B91AF"/>
                 </a:solidFill>
@@ -6516,7 +5802,15 @@
                   <a:srgbClr val="2B91AF"/>
                 </a:solidFill>
               </a:rPr>
-              <a:t> = </a:t>
+              <a:t> </a:t>
+            </a:r>
+            <a:r>
+              <a:rPr lang="fr-FR" sz="1200" dirty="0" smtClean="0">
+                <a:solidFill>
+                  <a:srgbClr val="2B91AF"/>
+                </a:solidFill>
+              </a:rPr>
+              <a:t>= </a:t>
             </a:r>
             <a:r>
               <a:rPr lang="fr-FR" sz="1200" dirty="0" smtClean="0">
@@ -6540,15 +5834,7 @@
                   <a:srgbClr val="A31515"/>
                 </a:solidFill>
               </a:rPr>
-              <a:t>"Magnus </a:t>
-            </a:r>
-            <a:r>
-              <a:rPr lang="fr-FR" sz="1200" dirty="0" err="1" smtClean="0">
-                <a:solidFill>
-                  <a:srgbClr val="A31515"/>
-                </a:solidFill>
-              </a:rPr>
-              <a:t>Lidbom</a:t>
+              <a:t>"Magnus Lidbom</a:t>
             </a:r>
             <a:r>
               <a:rPr lang="fr-FR" sz="1200" dirty="0" smtClean="0">
@@ -6566,20 +5852,12 @@
               </a:rPr>
             </a:br>
             <a:r>
-              <a:rPr lang="en-US" sz="1200" dirty="0" err="1" smtClean="0">
-                <a:solidFill>
-                  <a:srgbClr val="2B91AF"/>
-                </a:solidFill>
-              </a:rPr>
-              <a:t>IEnumerable</a:t>
-            </a:r>
-            <a:r>
               <a:rPr lang="en-US" sz="1200" dirty="0" smtClean="0">
                 <a:solidFill>
                   <a:srgbClr val="2B91AF"/>
                 </a:solidFill>
               </a:rPr>
-              <a:t>&lt;</a:t>
+              <a:t>IEnumerable&lt;</a:t>
             </a:r>
             <a:r>
               <a:rPr lang="en-US" sz="1200" dirty="0" smtClean="0">
@@ -6603,23 +5881,7 @@
                   <a:srgbClr val="A31515"/>
                 </a:solidFill>
               </a:rPr>
-              <a:t>"</a:t>
-            </a:r>
-            <a:r>
-              <a:rPr lang="en-US" sz="1200" dirty="0" err="1" smtClean="0">
-                <a:solidFill>
-                  <a:srgbClr val="A31515"/>
-                </a:solidFill>
-              </a:rPr>
-              <a:t>Calle</a:t>
-            </a:r>
-            <a:r>
-              <a:rPr lang="en-US" sz="1200" dirty="0" smtClean="0">
-                <a:solidFill>
-                  <a:srgbClr val="A31515"/>
-                </a:solidFill>
-              </a:rPr>
-              <a:t>", "Oscar</a:t>
+              <a:t>"Calle", "Oscar</a:t>
             </a:r>
             <a:r>
               <a:rPr lang="en-US" sz="1200" dirty="0" smtClean="0">
@@ -6680,20 +5942,12 @@
               <a:rPr lang="sv-SE" sz="2000" dirty="0" smtClean="0"/>
             </a:br>
             <a:r>
-              <a:rPr lang="en-US" sz="1200" dirty="0" err="1" smtClean="0">
-                <a:solidFill>
-                  <a:srgbClr val="0000FF"/>
-                </a:solidFill>
-              </a:rPr>
-              <a:t>var</a:t>
-            </a:r>
-            <a:r>
               <a:rPr lang="en-US" sz="1200" dirty="0" smtClean="0">
                 <a:solidFill>
                   <a:srgbClr val="0000FF"/>
                 </a:solidFill>
               </a:rPr>
-              <a:t> address = new {Street = </a:t>
+              <a:t>var address = new {Street = </a:t>
             </a:r>
             <a:r>
               <a:rPr lang="en-US" sz="1200" dirty="0" smtClean="0">
@@ -6701,23 +5955,7 @@
                   <a:srgbClr val="A31515"/>
                 </a:solidFill>
               </a:rPr>
-              <a:t>"</a:t>
-            </a:r>
-            <a:r>
-              <a:rPr lang="en-US" sz="1200" dirty="0" err="1" smtClean="0">
-                <a:solidFill>
-                  <a:srgbClr val="A31515"/>
-                </a:solidFill>
-              </a:rPr>
-              <a:t>AStreet</a:t>
-            </a:r>
-            <a:r>
-              <a:rPr lang="en-US" sz="1200" dirty="0" smtClean="0">
-                <a:solidFill>
-                  <a:srgbClr val="A31515"/>
-                </a:solidFill>
-              </a:rPr>
-              <a:t>", Zip = "111111"};</a:t>
+              <a:t>"AStreet", Zip = "111111"};</a:t>
             </a:r>
             <a:endParaRPr lang="sv-SE" sz="1200" dirty="0" smtClean="0"/>
           </a:p>
@@ -6764,23 +6002,7 @@
                   <a:srgbClr val="2B91AF"/>
                 </a:solidFill>
               </a:rPr>
-              <a:t>Expression&lt;</a:t>
-            </a:r>
-            <a:r>
-              <a:rPr lang="en-US" sz="1200" dirty="0" err="1" smtClean="0">
-                <a:solidFill>
-                  <a:srgbClr val="2B91AF"/>
-                </a:solidFill>
-              </a:rPr>
-              <a:t>Func</a:t>
-            </a:r>
-            <a:r>
-              <a:rPr lang="en-US" sz="1200" dirty="0" smtClean="0">
-                <a:solidFill>
-                  <a:srgbClr val="2B91AF"/>
-                </a:solidFill>
-              </a:rPr>
-              <a:t>&lt;</a:t>
+              <a:t>Expression&lt;Func&lt;</a:t>
             </a:r>
             <a:r>
               <a:rPr lang="en-US" sz="1200" dirty="0" smtClean="0">
@@ -6788,97 +6010,25 @@
                   <a:srgbClr val="0000FF"/>
                 </a:solidFill>
               </a:rPr>
-              <a:t>string, </a:t>
-            </a:r>
-            <a:r>
-              <a:rPr lang="en-US" sz="1200" dirty="0" err="1" smtClean="0">
-                <a:solidFill>
-                  <a:srgbClr val="0000FF"/>
-                </a:solidFill>
-              </a:rPr>
-              <a:t>bool</a:t>
-            </a:r>
+              <a:t>string, bool&gt;&gt; isUpperCased = test =&gt; test == test.ToUpper();</a:t>
+            </a:r>
+            <a:endParaRPr lang="sv-SE" sz="1200" dirty="0" smtClean="0"/>
+          </a:p>
+          <a:p>
+            <a:r>
+              <a:rPr lang="sv-SE" sz="2000" dirty="0" smtClean="0"/>
+              <a:t>Comprehension syntax</a:t>
+            </a:r>
+            <a:br>
+              <a:rPr lang="sv-SE" sz="2000" dirty="0" smtClean="0"/>
+            </a:br>
             <a:r>
               <a:rPr lang="en-US" sz="1200" dirty="0" smtClean="0">
                 <a:solidFill>
                   <a:srgbClr val="0000FF"/>
                 </a:solidFill>
               </a:rPr>
-              <a:t>&gt;&gt; </a:t>
-            </a:r>
-            <a:r>
-              <a:rPr lang="en-US" sz="1200" dirty="0" err="1" smtClean="0">
-                <a:solidFill>
-                  <a:srgbClr val="0000FF"/>
-                </a:solidFill>
-              </a:rPr>
-              <a:t>isUpperCased</a:t>
-            </a:r>
-            <a:r>
-              <a:rPr lang="en-US" sz="1200" dirty="0" smtClean="0">
-                <a:solidFill>
-                  <a:srgbClr val="0000FF"/>
-                </a:solidFill>
-              </a:rPr>
-              <a:t> = test =&gt; test == </a:t>
-            </a:r>
-            <a:r>
-              <a:rPr lang="en-US" sz="1200" dirty="0" err="1" smtClean="0">
-                <a:solidFill>
-                  <a:srgbClr val="0000FF"/>
-                </a:solidFill>
-              </a:rPr>
-              <a:t>test.ToUpper</a:t>
-            </a:r>
-            <a:r>
-              <a:rPr lang="en-US" sz="1200" dirty="0" smtClean="0">
-                <a:solidFill>
-                  <a:srgbClr val="0000FF"/>
-                </a:solidFill>
-              </a:rPr>
-              <a:t>();</a:t>
-            </a:r>
-            <a:endParaRPr lang="sv-SE" sz="1200" dirty="0" smtClean="0"/>
-          </a:p>
-          <a:p>
-            <a:r>
-              <a:rPr lang="sv-SE" sz="2000" dirty="0" smtClean="0"/>
-              <a:t>Comprehension syntax</a:t>
-            </a:r>
-            <a:br>
-              <a:rPr lang="sv-SE" sz="2000" dirty="0" smtClean="0"/>
-            </a:br>
-            <a:r>
-              <a:rPr lang="en-US" sz="1200" dirty="0" err="1" smtClean="0">
-                <a:solidFill>
-                  <a:srgbClr val="0000FF"/>
-                </a:solidFill>
-              </a:rPr>
-              <a:t>var</a:t>
-            </a:r>
-            <a:r>
-              <a:rPr lang="en-US" sz="1200" dirty="0" smtClean="0">
-                <a:solidFill>
-                  <a:srgbClr val="0000FF"/>
-                </a:solidFill>
-              </a:rPr>
-              <a:t> </a:t>
-            </a:r>
-            <a:r>
-              <a:rPr lang="en-US" sz="1200" dirty="0" err="1" smtClean="0">
-                <a:solidFill>
-                  <a:srgbClr val="0000FF"/>
-                </a:solidFill>
-              </a:rPr>
-              <a:t>lowerCaseNames</a:t>
-            </a:r>
-            <a:r>
-              <a:rPr lang="en-US" sz="1200" dirty="0" smtClean="0">
-                <a:solidFill>
-                  <a:srgbClr val="0000FF"/>
-                </a:solidFill>
-              </a:rPr>
-              <a:t> = </a:t>
+              <a:t>var lowerCaseNames = </a:t>
             </a:r>
             <a:r>
               <a:rPr lang="en-US" sz="1200" dirty="0" smtClean="0">
@@ -6917,15 +6067,7 @@
                   <a:srgbClr val="0000FF"/>
                 </a:solidFill>
               </a:rPr>
-              <a:t>		</a:t>
-            </a:r>
-            <a:r>
-              <a:rPr lang="en-US" sz="1200" dirty="0" err="1" smtClean="0">
-                <a:solidFill>
-                  <a:srgbClr val="0000FF"/>
-                </a:solidFill>
-              </a:rPr>
-              <a:t>sele</a:t>
+              <a:t>		sele</a:t>
             </a:r>
             <a:r>
               <a:rPr lang="sv-SE" sz="1200" dirty="0" smtClean="0">
@@ -6941,9 +6083,1703 @@
                   <a:srgbClr val="0000FF"/>
                 </a:solidFill>
               </a:rPr>
-              <a:t>name.ToLower();</a:t>
+              <a:t>name.ToLower</a:t>
+            </a:r>
+            <a:r>
+              <a:rPr lang="sv-SE" sz="1200" dirty="0" smtClean="0">
+                <a:solidFill>
+                  <a:srgbClr val="0000FF"/>
+                </a:solidFill>
+              </a:rPr>
+              <a:t>();</a:t>
             </a:r>
             <a:endParaRPr lang="sv-SE" sz="1200" dirty="0" smtClean="0"/>
+          </a:p>
+        </p:txBody>
+      </p:sp>
+    </p:spTree>
+  </p:cSld>
+  <p:clrMapOvr>
+    <a:masterClrMapping/>
+  </p:clrMapOvr>
+  <p:transition/>
+  <p:timing>
+    <p:tnLst>
+      <p:par>
+        <p:cTn id="1" dur="indefinite" restart="never" nodeType="tmRoot">
+          <p:childTnLst>
+            <p:seq concurrent="1" nextAc="seek">
+              <p:cTn id="2" dur="indefinite" nodeType="mainSeq">
+                <p:childTnLst>
+                  <p:par>
+                    <p:cTn id="3" fill="hold">
+                      <p:stCondLst>
+                        <p:cond delay="indefinite"/>
+                      </p:stCondLst>
+                      <p:childTnLst>
+                        <p:par>
+                          <p:cTn id="4" fill="hold">
+                            <p:stCondLst>
+                              <p:cond delay="0"/>
+                            </p:stCondLst>
+                            <p:childTnLst>
+                              <p:par>
+                                <p:cTn id="5" presetID="2" presetClass="entr" presetSubtype="4" fill="hold" grpId="0" nodeType="clickEffect">
+                                  <p:stCondLst>
+                                    <p:cond delay="0"/>
+                                  </p:stCondLst>
+                                  <p:childTnLst>
+                                    <p:set>
+                                      <p:cBhvr>
+                                        <p:cTn id="6" dur="1" fill="hold">
+                                          <p:stCondLst>
+                                            <p:cond delay="0"/>
+                                          </p:stCondLst>
+                                        </p:cTn>
+                                        <p:tgtEl>
+                                          <p:spTgt spid="3">
+                                            <p:txEl>
+                                              <p:pRg st="0" end="0"/>
+                                            </p:txEl>
+                                          </p:spTgt>
+                                        </p:tgtEl>
+                                        <p:attrNameLst>
+                                          <p:attrName>style.visibility</p:attrName>
+                                        </p:attrNameLst>
+                                      </p:cBhvr>
+                                      <p:to>
+                                        <p:strVal val="visible"/>
+                                      </p:to>
+                                    </p:set>
+                                    <p:anim calcmode="lin" valueType="num">
+                                      <p:cBhvr additive="base">
+                                        <p:cTn id="7" dur="500" fill="hold"/>
+                                        <p:tgtEl>
+                                          <p:spTgt spid="3">
+                                            <p:txEl>
+                                              <p:pRg st="0" end="0"/>
+                                            </p:txEl>
+                                          </p:spTgt>
+                                        </p:tgtEl>
+                                        <p:attrNameLst>
+                                          <p:attrName>ppt_x</p:attrName>
+                                        </p:attrNameLst>
+                                      </p:cBhvr>
+                                      <p:tavLst>
+                                        <p:tav tm="0">
+                                          <p:val>
+                                            <p:strVal val="#ppt_x"/>
+                                          </p:val>
+                                        </p:tav>
+                                        <p:tav tm="100000">
+                                          <p:val>
+                                            <p:strVal val="#ppt_x"/>
+                                          </p:val>
+                                        </p:tav>
+                                      </p:tavLst>
+                                    </p:anim>
+                                    <p:anim calcmode="lin" valueType="num">
+                                      <p:cBhvr additive="base">
+                                        <p:cTn id="8" dur="500" fill="hold"/>
+                                        <p:tgtEl>
+                                          <p:spTgt spid="3">
+                                            <p:txEl>
+                                              <p:pRg st="0" end="0"/>
+                                            </p:txEl>
+                                          </p:spTgt>
+                                        </p:tgtEl>
+                                        <p:attrNameLst>
+                                          <p:attrName>ppt_y</p:attrName>
+                                        </p:attrNameLst>
+                                      </p:cBhvr>
+                                      <p:tavLst>
+                                        <p:tav tm="0">
+                                          <p:val>
+                                            <p:strVal val="1+#ppt_h/2"/>
+                                          </p:val>
+                                        </p:tav>
+                                        <p:tav tm="100000">
+                                          <p:val>
+                                            <p:strVal val="#ppt_y"/>
+                                          </p:val>
+                                        </p:tav>
+                                      </p:tavLst>
+                                    </p:anim>
+                                  </p:childTnLst>
+                                </p:cTn>
+                              </p:par>
+                            </p:childTnLst>
+                          </p:cTn>
+                        </p:par>
+                      </p:childTnLst>
+                    </p:cTn>
+                  </p:par>
+                  <p:par>
+                    <p:cTn id="9" fill="hold">
+                      <p:stCondLst>
+                        <p:cond delay="indefinite"/>
+                      </p:stCondLst>
+                      <p:childTnLst>
+                        <p:par>
+                          <p:cTn id="10" fill="hold">
+                            <p:stCondLst>
+                              <p:cond delay="0"/>
+                            </p:stCondLst>
+                            <p:childTnLst>
+                              <p:par>
+                                <p:cTn id="11" presetID="2" presetClass="entr" presetSubtype="4" fill="hold" grpId="0" nodeType="clickEffect">
+                                  <p:stCondLst>
+                                    <p:cond delay="0"/>
+                                  </p:stCondLst>
+                                  <p:childTnLst>
+                                    <p:set>
+                                      <p:cBhvr>
+                                        <p:cTn id="12" dur="1" fill="hold">
+                                          <p:stCondLst>
+                                            <p:cond delay="0"/>
+                                          </p:stCondLst>
+                                        </p:cTn>
+                                        <p:tgtEl>
+                                          <p:spTgt spid="3">
+                                            <p:txEl>
+                                              <p:pRg st="1" end="1"/>
+                                            </p:txEl>
+                                          </p:spTgt>
+                                        </p:tgtEl>
+                                        <p:attrNameLst>
+                                          <p:attrName>style.visibility</p:attrName>
+                                        </p:attrNameLst>
+                                      </p:cBhvr>
+                                      <p:to>
+                                        <p:strVal val="visible"/>
+                                      </p:to>
+                                    </p:set>
+                                    <p:anim calcmode="lin" valueType="num">
+                                      <p:cBhvr additive="base">
+                                        <p:cTn id="13" dur="500" fill="hold"/>
+                                        <p:tgtEl>
+                                          <p:spTgt spid="3">
+                                            <p:txEl>
+                                              <p:pRg st="1" end="1"/>
+                                            </p:txEl>
+                                          </p:spTgt>
+                                        </p:tgtEl>
+                                        <p:attrNameLst>
+                                          <p:attrName>ppt_x</p:attrName>
+                                        </p:attrNameLst>
+                                      </p:cBhvr>
+                                      <p:tavLst>
+                                        <p:tav tm="0">
+                                          <p:val>
+                                            <p:strVal val="#ppt_x"/>
+                                          </p:val>
+                                        </p:tav>
+                                        <p:tav tm="100000">
+                                          <p:val>
+                                            <p:strVal val="#ppt_x"/>
+                                          </p:val>
+                                        </p:tav>
+                                      </p:tavLst>
+                                    </p:anim>
+                                    <p:anim calcmode="lin" valueType="num">
+                                      <p:cBhvr additive="base">
+                                        <p:cTn id="14" dur="500" fill="hold"/>
+                                        <p:tgtEl>
+                                          <p:spTgt spid="3">
+                                            <p:txEl>
+                                              <p:pRg st="1" end="1"/>
+                                            </p:txEl>
+                                          </p:spTgt>
+                                        </p:tgtEl>
+                                        <p:attrNameLst>
+                                          <p:attrName>ppt_y</p:attrName>
+                                        </p:attrNameLst>
+                                      </p:cBhvr>
+                                      <p:tavLst>
+                                        <p:tav tm="0">
+                                          <p:val>
+                                            <p:strVal val="1+#ppt_h/2"/>
+                                          </p:val>
+                                        </p:tav>
+                                        <p:tav tm="100000">
+                                          <p:val>
+                                            <p:strVal val="#ppt_y"/>
+                                          </p:val>
+                                        </p:tav>
+                                      </p:tavLst>
+                                    </p:anim>
+                                  </p:childTnLst>
+                                </p:cTn>
+                              </p:par>
+                            </p:childTnLst>
+                          </p:cTn>
+                        </p:par>
+                      </p:childTnLst>
+                    </p:cTn>
+                  </p:par>
+                  <p:par>
+                    <p:cTn id="15" fill="hold">
+                      <p:stCondLst>
+                        <p:cond delay="indefinite"/>
+                      </p:stCondLst>
+                      <p:childTnLst>
+                        <p:par>
+                          <p:cTn id="16" fill="hold">
+                            <p:stCondLst>
+                              <p:cond delay="0"/>
+                            </p:stCondLst>
+                            <p:childTnLst>
+                              <p:par>
+                                <p:cTn id="17" presetID="2" presetClass="entr" presetSubtype="4" fill="hold" grpId="0" nodeType="clickEffect">
+                                  <p:stCondLst>
+                                    <p:cond delay="0"/>
+                                  </p:stCondLst>
+                                  <p:childTnLst>
+                                    <p:set>
+                                      <p:cBhvr>
+                                        <p:cTn id="18" dur="1" fill="hold">
+                                          <p:stCondLst>
+                                            <p:cond delay="0"/>
+                                          </p:stCondLst>
+                                        </p:cTn>
+                                        <p:tgtEl>
+                                          <p:spTgt spid="3">
+                                            <p:txEl>
+                                              <p:pRg st="2" end="2"/>
+                                            </p:txEl>
+                                          </p:spTgt>
+                                        </p:tgtEl>
+                                        <p:attrNameLst>
+                                          <p:attrName>style.visibility</p:attrName>
+                                        </p:attrNameLst>
+                                      </p:cBhvr>
+                                      <p:to>
+                                        <p:strVal val="visible"/>
+                                      </p:to>
+                                    </p:set>
+                                    <p:anim calcmode="lin" valueType="num">
+                                      <p:cBhvr additive="base">
+                                        <p:cTn id="19" dur="500" fill="hold"/>
+                                        <p:tgtEl>
+                                          <p:spTgt spid="3">
+                                            <p:txEl>
+                                              <p:pRg st="2" end="2"/>
+                                            </p:txEl>
+                                          </p:spTgt>
+                                        </p:tgtEl>
+                                        <p:attrNameLst>
+                                          <p:attrName>ppt_x</p:attrName>
+                                        </p:attrNameLst>
+                                      </p:cBhvr>
+                                      <p:tavLst>
+                                        <p:tav tm="0">
+                                          <p:val>
+                                            <p:strVal val="#ppt_x"/>
+                                          </p:val>
+                                        </p:tav>
+                                        <p:tav tm="100000">
+                                          <p:val>
+                                            <p:strVal val="#ppt_x"/>
+                                          </p:val>
+                                        </p:tav>
+                                      </p:tavLst>
+                                    </p:anim>
+                                    <p:anim calcmode="lin" valueType="num">
+                                      <p:cBhvr additive="base">
+                                        <p:cTn id="20" dur="500" fill="hold"/>
+                                        <p:tgtEl>
+                                          <p:spTgt spid="3">
+                                            <p:txEl>
+                                              <p:pRg st="2" end="2"/>
+                                            </p:txEl>
+                                          </p:spTgt>
+                                        </p:tgtEl>
+                                        <p:attrNameLst>
+                                          <p:attrName>ppt_y</p:attrName>
+                                        </p:attrNameLst>
+                                      </p:cBhvr>
+                                      <p:tavLst>
+                                        <p:tav tm="0">
+                                          <p:val>
+                                            <p:strVal val="1+#ppt_h/2"/>
+                                          </p:val>
+                                        </p:tav>
+                                        <p:tav tm="100000">
+                                          <p:val>
+                                            <p:strVal val="#ppt_y"/>
+                                          </p:val>
+                                        </p:tav>
+                                      </p:tavLst>
+                                    </p:anim>
+                                  </p:childTnLst>
+                                </p:cTn>
+                              </p:par>
+                            </p:childTnLst>
+                          </p:cTn>
+                        </p:par>
+                      </p:childTnLst>
+                    </p:cTn>
+                  </p:par>
+                  <p:par>
+                    <p:cTn id="21" fill="hold">
+                      <p:stCondLst>
+                        <p:cond delay="indefinite"/>
+                      </p:stCondLst>
+                      <p:childTnLst>
+                        <p:par>
+                          <p:cTn id="22" fill="hold">
+                            <p:stCondLst>
+                              <p:cond delay="0"/>
+                            </p:stCondLst>
+                            <p:childTnLst>
+                              <p:par>
+                                <p:cTn id="23" presetID="2" presetClass="entr" presetSubtype="4" fill="hold" grpId="0" nodeType="clickEffect">
+                                  <p:stCondLst>
+                                    <p:cond delay="0"/>
+                                  </p:stCondLst>
+                                  <p:childTnLst>
+                                    <p:set>
+                                      <p:cBhvr>
+                                        <p:cTn id="24" dur="1" fill="hold">
+                                          <p:stCondLst>
+                                            <p:cond delay="0"/>
+                                          </p:stCondLst>
+                                        </p:cTn>
+                                        <p:tgtEl>
+                                          <p:spTgt spid="3">
+                                            <p:txEl>
+                                              <p:pRg st="3" end="3"/>
+                                            </p:txEl>
+                                          </p:spTgt>
+                                        </p:tgtEl>
+                                        <p:attrNameLst>
+                                          <p:attrName>style.visibility</p:attrName>
+                                        </p:attrNameLst>
+                                      </p:cBhvr>
+                                      <p:to>
+                                        <p:strVal val="visible"/>
+                                      </p:to>
+                                    </p:set>
+                                    <p:anim calcmode="lin" valueType="num">
+                                      <p:cBhvr additive="base">
+                                        <p:cTn id="25" dur="500" fill="hold"/>
+                                        <p:tgtEl>
+                                          <p:spTgt spid="3">
+                                            <p:txEl>
+                                              <p:pRg st="3" end="3"/>
+                                            </p:txEl>
+                                          </p:spTgt>
+                                        </p:tgtEl>
+                                        <p:attrNameLst>
+                                          <p:attrName>ppt_x</p:attrName>
+                                        </p:attrNameLst>
+                                      </p:cBhvr>
+                                      <p:tavLst>
+                                        <p:tav tm="0">
+                                          <p:val>
+                                            <p:strVal val="#ppt_x"/>
+                                          </p:val>
+                                        </p:tav>
+                                        <p:tav tm="100000">
+                                          <p:val>
+                                            <p:strVal val="#ppt_x"/>
+                                          </p:val>
+                                        </p:tav>
+                                      </p:tavLst>
+                                    </p:anim>
+                                    <p:anim calcmode="lin" valueType="num">
+                                      <p:cBhvr additive="base">
+                                        <p:cTn id="26" dur="500" fill="hold"/>
+                                        <p:tgtEl>
+                                          <p:spTgt spid="3">
+                                            <p:txEl>
+                                              <p:pRg st="3" end="3"/>
+                                            </p:txEl>
+                                          </p:spTgt>
+                                        </p:tgtEl>
+                                        <p:attrNameLst>
+                                          <p:attrName>ppt_y</p:attrName>
+                                        </p:attrNameLst>
+                                      </p:cBhvr>
+                                      <p:tavLst>
+                                        <p:tav tm="0">
+                                          <p:val>
+                                            <p:strVal val="1+#ppt_h/2"/>
+                                          </p:val>
+                                        </p:tav>
+                                        <p:tav tm="100000">
+                                          <p:val>
+                                            <p:strVal val="#ppt_y"/>
+                                          </p:val>
+                                        </p:tav>
+                                      </p:tavLst>
+                                    </p:anim>
+                                  </p:childTnLst>
+                                </p:cTn>
+                              </p:par>
+                            </p:childTnLst>
+                          </p:cTn>
+                        </p:par>
+                      </p:childTnLst>
+                    </p:cTn>
+                  </p:par>
+                  <p:par>
+                    <p:cTn id="27" fill="hold">
+                      <p:stCondLst>
+                        <p:cond delay="indefinite"/>
+                      </p:stCondLst>
+                      <p:childTnLst>
+                        <p:par>
+                          <p:cTn id="28" fill="hold">
+                            <p:stCondLst>
+                              <p:cond delay="0"/>
+                            </p:stCondLst>
+                            <p:childTnLst>
+                              <p:par>
+                                <p:cTn id="29" presetID="2" presetClass="entr" presetSubtype="4" fill="hold" grpId="0" nodeType="clickEffect">
+                                  <p:stCondLst>
+                                    <p:cond delay="0"/>
+                                  </p:stCondLst>
+                                  <p:childTnLst>
+                                    <p:set>
+                                      <p:cBhvr>
+                                        <p:cTn id="30" dur="1" fill="hold">
+                                          <p:stCondLst>
+                                            <p:cond delay="0"/>
+                                          </p:stCondLst>
+                                        </p:cTn>
+                                        <p:tgtEl>
+                                          <p:spTgt spid="3">
+                                            <p:txEl>
+                                              <p:pRg st="4" end="4"/>
+                                            </p:txEl>
+                                          </p:spTgt>
+                                        </p:tgtEl>
+                                        <p:attrNameLst>
+                                          <p:attrName>style.visibility</p:attrName>
+                                        </p:attrNameLst>
+                                      </p:cBhvr>
+                                      <p:to>
+                                        <p:strVal val="visible"/>
+                                      </p:to>
+                                    </p:set>
+                                    <p:anim calcmode="lin" valueType="num">
+                                      <p:cBhvr additive="base">
+                                        <p:cTn id="31" dur="500" fill="hold"/>
+                                        <p:tgtEl>
+                                          <p:spTgt spid="3">
+                                            <p:txEl>
+                                              <p:pRg st="4" end="4"/>
+                                            </p:txEl>
+                                          </p:spTgt>
+                                        </p:tgtEl>
+                                        <p:attrNameLst>
+                                          <p:attrName>ppt_x</p:attrName>
+                                        </p:attrNameLst>
+                                      </p:cBhvr>
+                                      <p:tavLst>
+                                        <p:tav tm="0">
+                                          <p:val>
+                                            <p:strVal val="#ppt_x"/>
+                                          </p:val>
+                                        </p:tav>
+                                        <p:tav tm="100000">
+                                          <p:val>
+                                            <p:strVal val="#ppt_x"/>
+                                          </p:val>
+                                        </p:tav>
+                                      </p:tavLst>
+                                    </p:anim>
+                                    <p:anim calcmode="lin" valueType="num">
+                                      <p:cBhvr additive="base">
+                                        <p:cTn id="32" dur="500" fill="hold"/>
+                                        <p:tgtEl>
+                                          <p:spTgt spid="3">
+                                            <p:txEl>
+                                              <p:pRg st="4" end="4"/>
+                                            </p:txEl>
+                                          </p:spTgt>
+                                        </p:tgtEl>
+                                        <p:attrNameLst>
+                                          <p:attrName>ppt_y</p:attrName>
+                                        </p:attrNameLst>
+                                      </p:cBhvr>
+                                      <p:tavLst>
+                                        <p:tav tm="0">
+                                          <p:val>
+                                            <p:strVal val="1+#ppt_h/2"/>
+                                          </p:val>
+                                        </p:tav>
+                                        <p:tav tm="100000">
+                                          <p:val>
+                                            <p:strVal val="#ppt_y"/>
+                                          </p:val>
+                                        </p:tav>
+                                      </p:tavLst>
+                                    </p:anim>
+                                  </p:childTnLst>
+                                </p:cTn>
+                              </p:par>
+                            </p:childTnLst>
+                          </p:cTn>
+                        </p:par>
+                      </p:childTnLst>
+                    </p:cTn>
+                  </p:par>
+                  <p:par>
+                    <p:cTn id="33" fill="hold">
+                      <p:stCondLst>
+                        <p:cond delay="indefinite"/>
+                      </p:stCondLst>
+                      <p:childTnLst>
+                        <p:par>
+                          <p:cTn id="34" fill="hold">
+                            <p:stCondLst>
+                              <p:cond delay="0"/>
+                            </p:stCondLst>
+                            <p:childTnLst>
+                              <p:par>
+                                <p:cTn id="35" presetID="2" presetClass="entr" presetSubtype="4" fill="hold" grpId="0" nodeType="clickEffect">
+                                  <p:stCondLst>
+                                    <p:cond delay="0"/>
+                                  </p:stCondLst>
+                                  <p:childTnLst>
+                                    <p:set>
+                                      <p:cBhvr>
+                                        <p:cTn id="36" dur="1" fill="hold">
+                                          <p:stCondLst>
+                                            <p:cond delay="0"/>
+                                          </p:stCondLst>
+                                        </p:cTn>
+                                        <p:tgtEl>
+                                          <p:spTgt spid="3">
+                                            <p:txEl>
+                                              <p:pRg st="5" end="5"/>
+                                            </p:txEl>
+                                          </p:spTgt>
+                                        </p:tgtEl>
+                                        <p:attrNameLst>
+                                          <p:attrName>style.visibility</p:attrName>
+                                        </p:attrNameLst>
+                                      </p:cBhvr>
+                                      <p:to>
+                                        <p:strVal val="visible"/>
+                                      </p:to>
+                                    </p:set>
+                                    <p:anim calcmode="lin" valueType="num">
+                                      <p:cBhvr additive="base">
+                                        <p:cTn id="37" dur="500" fill="hold"/>
+                                        <p:tgtEl>
+                                          <p:spTgt spid="3">
+                                            <p:txEl>
+                                              <p:pRg st="5" end="5"/>
+                                            </p:txEl>
+                                          </p:spTgt>
+                                        </p:tgtEl>
+                                        <p:attrNameLst>
+                                          <p:attrName>ppt_x</p:attrName>
+                                        </p:attrNameLst>
+                                      </p:cBhvr>
+                                      <p:tavLst>
+                                        <p:tav tm="0">
+                                          <p:val>
+                                            <p:strVal val="#ppt_x"/>
+                                          </p:val>
+                                        </p:tav>
+                                        <p:tav tm="100000">
+                                          <p:val>
+                                            <p:strVal val="#ppt_x"/>
+                                          </p:val>
+                                        </p:tav>
+                                      </p:tavLst>
+                                    </p:anim>
+                                    <p:anim calcmode="lin" valueType="num">
+                                      <p:cBhvr additive="base">
+                                        <p:cTn id="38" dur="500" fill="hold"/>
+                                        <p:tgtEl>
+                                          <p:spTgt spid="3">
+                                            <p:txEl>
+                                              <p:pRg st="5" end="5"/>
+                                            </p:txEl>
+                                          </p:spTgt>
+                                        </p:tgtEl>
+                                        <p:attrNameLst>
+                                          <p:attrName>ppt_y</p:attrName>
+                                        </p:attrNameLst>
+                                      </p:cBhvr>
+                                      <p:tavLst>
+                                        <p:tav tm="0">
+                                          <p:val>
+                                            <p:strVal val="1+#ppt_h/2"/>
+                                          </p:val>
+                                        </p:tav>
+                                        <p:tav tm="100000">
+                                          <p:val>
+                                            <p:strVal val="#ppt_y"/>
+                                          </p:val>
+                                        </p:tav>
+                                      </p:tavLst>
+                                    </p:anim>
+                                  </p:childTnLst>
+                                </p:cTn>
+                              </p:par>
+                            </p:childTnLst>
+                          </p:cTn>
+                        </p:par>
+                      </p:childTnLst>
+                    </p:cTn>
+                  </p:par>
+                  <p:par>
+                    <p:cTn id="39" fill="hold">
+                      <p:stCondLst>
+                        <p:cond delay="indefinite"/>
+                      </p:stCondLst>
+                      <p:childTnLst>
+                        <p:par>
+                          <p:cTn id="40" fill="hold">
+                            <p:stCondLst>
+                              <p:cond delay="0"/>
+                            </p:stCondLst>
+                            <p:childTnLst>
+                              <p:par>
+                                <p:cTn id="41" presetID="2" presetClass="entr" presetSubtype="4" fill="hold" grpId="0" nodeType="clickEffect">
+                                  <p:stCondLst>
+                                    <p:cond delay="0"/>
+                                  </p:stCondLst>
+                                  <p:childTnLst>
+                                    <p:set>
+                                      <p:cBhvr>
+                                        <p:cTn id="42" dur="1" fill="hold">
+                                          <p:stCondLst>
+                                            <p:cond delay="0"/>
+                                          </p:stCondLst>
+                                        </p:cTn>
+                                        <p:tgtEl>
+                                          <p:spTgt spid="3">
+                                            <p:txEl>
+                                              <p:pRg st="6" end="6"/>
+                                            </p:txEl>
+                                          </p:spTgt>
+                                        </p:tgtEl>
+                                        <p:attrNameLst>
+                                          <p:attrName>style.visibility</p:attrName>
+                                        </p:attrNameLst>
+                                      </p:cBhvr>
+                                      <p:to>
+                                        <p:strVal val="visible"/>
+                                      </p:to>
+                                    </p:set>
+                                    <p:anim calcmode="lin" valueType="num">
+                                      <p:cBhvr additive="base">
+                                        <p:cTn id="43" dur="500" fill="hold"/>
+                                        <p:tgtEl>
+                                          <p:spTgt spid="3">
+                                            <p:txEl>
+                                              <p:pRg st="6" end="6"/>
+                                            </p:txEl>
+                                          </p:spTgt>
+                                        </p:tgtEl>
+                                        <p:attrNameLst>
+                                          <p:attrName>ppt_x</p:attrName>
+                                        </p:attrNameLst>
+                                      </p:cBhvr>
+                                      <p:tavLst>
+                                        <p:tav tm="0">
+                                          <p:val>
+                                            <p:strVal val="#ppt_x"/>
+                                          </p:val>
+                                        </p:tav>
+                                        <p:tav tm="100000">
+                                          <p:val>
+                                            <p:strVal val="#ppt_x"/>
+                                          </p:val>
+                                        </p:tav>
+                                      </p:tavLst>
+                                    </p:anim>
+                                    <p:anim calcmode="lin" valueType="num">
+                                      <p:cBhvr additive="base">
+                                        <p:cTn id="44" dur="500" fill="hold"/>
+                                        <p:tgtEl>
+                                          <p:spTgt spid="3">
+                                            <p:txEl>
+                                              <p:pRg st="6" end="6"/>
+                                            </p:txEl>
+                                          </p:spTgt>
+                                        </p:tgtEl>
+                                        <p:attrNameLst>
+                                          <p:attrName>ppt_y</p:attrName>
+                                        </p:attrNameLst>
+                                      </p:cBhvr>
+                                      <p:tavLst>
+                                        <p:tav tm="0">
+                                          <p:val>
+                                            <p:strVal val="1+#ppt_h/2"/>
+                                          </p:val>
+                                        </p:tav>
+                                        <p:tav tm="100000">
+                                          <p:val>
+                                            <p:strVal val="#ppt_y"/>
+                                          </p:val>
+                                        </p:tav>
+                                      </p:tavLst>
+                                    </p:anim>
+                                  </p:childTnLst>
+                                </p:cTn>
+                              </p:par>
+                            </p:childTnLst>
+                          </p:cTn>
+                        </p:par>
+                      </p:childTnLst>
+                    </p:cTn>
+                  </p:par>
+                </p:childTnLst>
+              </p:cTn>
+              <p:prevCondLst>
+                <p:cond evt="onPrev" delay="0">
+                  <p:tgtEl>
+                    <p:sldTgt/>
+                  </p:tgtEl>
+                </p:cond>
+              </p:prevCondLst>
+              <p:nextCondLst>
+                <p:cond evt="onNext" delay="0">
+                  <p:tgtEl>
+                    <p:sldTgt/>
+                  </p:tgtEl>
+                </p:cond>
+              </p:nextCondLst>
+            </p:seq>
+          </p:childTnLst>
+        </p:cTn>
+      </p:par>
+    </p:tnLst>
+    <p:bldLst>
+      <p:bldP spid="3" grpId="0" build="p"/>
+    </p:bldLst>
+  </p:timing>
+</p:sld>
+</file>
+
+<file path=ppt/slides/slide7.xml><?xml version="1.0" encoding="utf-8"?>
+<p:sld xmlns:a="http://schemas.openxmlformats.org/drawingml/2006/main" xmlns:r="http://schemas.openxmlformats.org/officeDocument/2006/relationships" xmlns:p="http://schemas.openxmlformats.org/presentationml/2006/main">
+  <p:cSld>
+    <p:spTree>
+      <p:nvGrpSpPr>
+        <p:cNvPr id="1" name=""/>
+        <p:cNvGrpSpPr/>
+        <p:nvPr/>
+      </p:nvGrpSpPr>
+      <p:grpSpPr>
+        <a:xfrm>
+          <a:off x="0" y="0"/>
+          <a:ext cx="0" cy="0"/>
+          <a:chOff x="0" y="0"/>
+          <a:chExt cx="0" cy="0"/>
+        </a:xfrm>
+      </p:grpSpPr>
+      <p:sp>
+        <p:nvSpPr>
+          <p:cNvPr id="2" name="Title 1"/>
+          <p:cNvSpPr>
+            <a:spLocks noGrp="1"/>
+          </p:cNvSpPr>
+          <p:nvPr>
+            <p:ph type="title"/>
+          </p:nvPr>
+        </p:nvSpPr>
+        <p:spPr/>
+        <p:txBody>
+          <a:bodyPr/>
+          <a:lstStyle/>
+          <a:p>
+            <a:r>
+              <a:rPr lang="sv-SE" dirty="0" smtClean="0"/>
+              <a:t>SOLID</a:t>
+            </a:r>
+            <a:endParaRPr lang="sv-SE" dirty="0"/>
+          </a:p>
+        </p:txBody>
+      </p:sp>
+      <p:sp>
+        <p:nvSpPr>
+          <p:cNvPr id="4" name="Content Placeholder 3"/>
+          <p:cNvSpPr>
+            <a:spLocks noGrp="1"/>
+          </p:cNvSpPr>
+          <p:nvPr>
+            <p:ph idx="1"/>
+          </p:nvPr>
+        </p:nvSpPr>
+        <p:spPr/>
+        <p:txBody>
+          <a:bodyPr>
+            <a:normAutofit fontScale="62500" lnSpcReduction="20000"/>
+          </a:bodyPr>
+          <a:lstStyle/>
+          <a:p>
+            <a:r>
+              <a:rPr lang="sv-SE" dirty="0" smtClean="0"/>
+              <a:t>The </a:t>
+            </a:r>
+            <a:r>
+              <a:rPr lang="sv-SE" u="sng" dirty="0" smtClean="0"/>
+              <a:t>S</a:t>
+            </a:r>
+            <a:r>
+              <a:rPr lang="sv-SE" dirty="0" smtClean="0"/>
+              <a:t>ingle Responsibility Principle</a:t>
+            </a:r>
+            <a:br>
+              <a:rPr lang="sv-SE" dirty="0" smtClean="0"/>
+            </a:br>
+            <a:r>
+              <a:rPr lang="sv-SE" dirty="0" smtClean="0">
+                <a:solidFill>
+                  <a:schemeClr val="tx2"/>
+                </a:solidFill>
+              </a:rPr>
+              <a:t>Software entities* should have only one reason to change</a:t>
+            </a:r>
+            <a:r>
+              <a:rPr lang="sv-SE" dirty="0" smtClean="0">
+                <a:solidFill>
+                  <a:srgbClr val="0070C0"/>
+                </a:solidFill>
+              </a:rPr>
+              <a:t/>
+            </a:r>
+            <a:br>
+              <a:rPr lang="sv-SE" dirty="0" smtClean="0">
+                <a:solidFill>
+                  <a:srgbClr val="0070C0"/>
+                </a:solidFill>
+              </a:rPr>
+            </a:br>
+            <a:r>
+              <a:rPr lang="sv-SE" sz="2600" dirty="0" smtClean="0">
+                <a:solidFill>
+                  <a:schemeClr val="tx2"/>
+                </a:solidFill>
+              </a:rPr>
+              <a:t>*</a:t>
+            </a:r>
+            <a:r>
+              <a:rPr lang="sv-SE" sz="2200" dirty="0" smtClean="0">
+                <a:solidFill>
+                  <a:schemeClr val="tx2"/>
+                </a:solidFill>
+              </a:rPr>
+              <a:t>classes, interfaces, functions, etc</a:t>
+            </a:r>
+          </a:p>
+          <a:p>
+            <a:r>
+              <a:rPr lang="sv-SE" dirty="0" smtClean="0"/>
+              <a:t>The </a:t>
+            </a:r>
+            <a:r>
+              <a:rPr lang="sv-SE" u="sng" dirty="0" smtClean="0"/>
+              <a:t>O</a:t>
+            </a:r>
+            <a:r>
+              <a:rPr lang="sv-SE" dirty="0" smtClean="0"/>
+              <a:t>pen Closed Principle</a:t>
+            </a:r>
+            <a:br>
+              <a:rPr lang="sv-SE" dirty="0" smtClean="0"/>
+            </a:br>
+            <a:r>
+              <a:rPr lang="sv-SE" dirty="0" smtClean="0">
+                <a:solidFill>
+                  <a:schemeClr val="tx2"/>
+                </a:solidFill>
+              </a:rPr>
+              <a:t>Software entities should be open for extension but closed for modification</a:t>
+            </a:r>
+          </a:p>
+          <a:p>
+            <a:r>
+              <a:rPr lang="sv-SE" dirty="0" smtClean="0"/>
+              <a:t>The </a:t>
+            </a:r>
+            <a:r>
+              <a:rPr lang="sv-SE" u="sng" dirty="0" smtClean="0"/>
+              <a:t>L</a:t>
+            </a:r>
+            <a:r>
+              <a:rPr lang="sv-SE" dirty="0" smtClean="0"/>
+              <a:t>iskov Substitution Principle</a:t>
+            </a:r>
+            <a:br>
+              <a:rPr lang="sv-SE" dirty="0" smtClean="0"/>
+            </a:br>
+            <a:r>
+              <a:rPr lang="sv-SE" dirty="0" smtClean="0">
+                <a:solidFill>
+                  <a:schemeClr val="tx2"/>
+                </a:solidFill>
+              </a:rPr>
+              <a:t>Derived classes must be substitutable for their base classes/interfaces</a:t>
+            </a:r>
+          </a:p>
+          <a:p>
+            <a:r>
+              <a:rPr lang="sv-SE" dirty="0" smtClean="0"/>
+              <a:t>The </a:t>
+            </a:r>
+            <a:r>
+              <a:rPr lang="sv-SE" u="sng" dirty="0" smtClean="0"/>
+              <a:t>I</a:t>
+            </a:r>
+            <a:r>
+              <a:rPr lang="sv-SE" dirty="0" smtClean="0"/>
+              <a:t>nterface Segregation Principle</a:t>
+            </a:r>
+            <a:br>
+              <a:rPr lang="sv-SE" dirty="0" smtClean="0"/>
+            </a:br>
+            <a:r>
+              <a:rPr lang="sv-SE" dirty="0" smtClean="0">
+                <a:solidFill>
+                  <a:schemeClr val="tx2"/>
+                </a:solidFill>
+              </a:rPr>
+              <a:t>Make fine grained interfaces that are client specific</a:t>
+            </a:r>
+            <a:br>
+              <a:rPr lang="sv-SE" dirty="0" smtClean="0">
+                <a:solidFill>
+                  <a:schemeClr val="tx2"/>
+                </a:solidFill>
+              </a:rPr>
+            </a:br>
+            <a:r>
+              <a:rPr lang="sv-SE" dirty="0" smtClean="0">
+                <a:solidFill>
+                  <a:schemeClr val="tx2"/>
+                </a:solidFill>
+              </a:rPr>
+              <a:t>Clients should not be forced to depend on methods they do not use</a:t>
+            </a:r>
+          </a:p>
+          <a:p>
+            <a:r>
+              <a:rPr lang="sv-SE" dirty="0" smtClean="0"/>
+              <a:t>The </a:t>
+            </a:r>
+            <a:r>
+              <a:rPr lang="sv-SE" u="sng" dirty="0" smtClean="0"/>
+              <a:t>D</a:t>
+            </a:r>
+            <a:r>
+              <a:rPr lang="sv-SE" dirty="0" smtClean="0"/>
+              <a:t>ependency Inversion Principle</a:t>
+            </a:r>
+            <a:br>
+              <a:rPr lang="sv-SE" dirty="0" smtClean="0"/>
+            </a:br>
+            <a:r>
+              <a:rPr lang="sv-SE" dirty="0" smtClean="0">
+                <a:solidFill>
+                  <a:schemeClr val="tx2"/>
+                </a:solidFill>
+              </a:rPr>
+              <a:t>Depend on abstractions, not on concretions</a:t>
+            </a:r>
+            <a:br>
+              <a:rPr lang="sv-SE" dirty="0" smtClean="0">
+                <a:solidFill>
+                  <a:schemeClr val="tx2"/>
+                </a:solidFill>
+              </a:rPr>
+            </a:br>
+            <a:r>
+              <a:rPr lang="sv-SE" dirty="0" smtClean="0">
+                <a:solidFill>
+                  <a:schemeClr val="tx2"/>
+                </a:solidFill>
+              </a:rPr>
+              <a:t>Abstractions should not depend on details, details should depend on </a:t>
+            </a:r>
+            <a:r>
+              <a:rPr lang="sv-SE" dirty="0" smtClean="0">
+                <a:solidFill>
+                  <a:schemeClr val="tx2"/>
+                </a:solidFill>
+              </a:rPr>
+              <a:t>abstractions</a:t>
+            </a:r>
+            <a:endParaRPr lang="sv-SE" dirty="0"/>
+          </a:p>
+        </p:txBody>
+      </p:sp>
+    </p:spTree>
+  </p:cSld>
+  <p:clrMapOvr>
+    <a:masterClrMapping/>
+  </p:clrMapOvr>
+  <p:transition>
+    <p:wipe dir="r"/>
+  </p:transition>
+  <p:timing>
+    <p:tnLst>
+      <p:par>
+        <p:cTn id="1" dur="indefinite" restart="never" nodeType="tmRoot">
+          <p:childTnLst>
+            <p:seq concurrent="1" nextAc="seek">
+              <p:cTn id="2" dur="indefinite" nodeType="mainSeq">
+                <p:childTnLst>
+                  <p:par>
+                    <p:cTn id="3" fill="hold">
+                      <p:stCondLst>
+                        <p:cond delay="indefinite"/>
+                      </p:stCondLst>
+                      <p:childTnLst>
+                        <p:par>
+                          <p:cTn id="4" fill="hold">
+                            <p:stCondLst>
+                              <p:cond delay="0"/>
+                            </p:stCondLst>
+                            <p:childTnLst>
+                              <p:par>
+                                <p:cTn id="5" presetID="2" presetClass="entr" presetSubtype="4" fill="hold" grpId="0" nodeType="clickEffect">
+                                  <p:stCondLst>
+                                    <p:cond delay="0"/>
+                                  </p:stCondLst>
+                                  <p:childTnLst>
+                                    <p:set>
+                                      <p:cBhvr>
+                                        <p:cTn id="6" dur="1" fill="hold">
+                                          <p:stCondLst>
+                                            <p:cond delay="0"/>
+                                          </p:stCondLst>
+                                        </p:cTn>
+                                        <p:tgtEl>
+                                          <p:spTgt spid="4">
+                                            <p:txEl>
+                                              <p:pRg st="0" end="0"/>
+                                            </p:txEl>
+                                          </p:spTgt>
+                                        </p:tgtEl>
+                                        <p:attrNameLst>
+                                          <p:attrName>style.visibility</p:attrName>
+                                        </p:attrNameLst>
+                                      </p:cBhvr>
+                                      <p:to>
+                                        <p:strVal val="visible"/>
+                                      </p:to>
+                                    </p:set>
+                                    <p:anim calcmode="lin" valueType="num">
+                                      <p:cBhvr additive="base">
+                                        <p:cTn id="7" dur="500" fill="hold"/>
+                                        <p:tgtEl>
+                                          <p:spTgt spid="4">
+                                            <p:txEl>
+                                              <p:pRg st="0" end="0"/>
+                                            </p:txEl>
+                                          </p:spTgt>
+                                        </p:tgtEl>
+                                        <p:attrNameLst>
+                                          <p:attrName>ppt_x</p:attrName>
+                                        </p:attrNameLst>
+                                      </p:cBhvr>
+                                      <p:tavLst>
+                                        <p:tav tm="0">
+                                          <p:val>
+                                            <p:strVal val="#ppt_x"/>
+                                          </p:val>
+                                        </p:tav>
+                                        <p:tav tm="100000">
+                                          <p:val>
+                                            <p:strVal val="#ppt_x"/>
+                                          </p:val>
+                                        </p:tav>
+                                      </p:tavLst>
+                                    </p:anim>
+                                    <p:anim calcmode="lin" valueType="num">
+                                      <p:cBhvr additive="base">
+                                        <p:cTn id="8" dur="500" fill="hold"/>
+                                        <p:tgtEl>
+                                          <p:spTgt spid="4">
+                                            <p:txEl>
+                                              <p:pRg st="0" end="0"/>
+                                            </p:txEl>
+                                          </p:spTgt>
+                                        </p:tgtEl>
+                                        <p:attrNameLst>
+                                          <p:attrName>ppt_y</p:attrName>
+                                        </p:attrNameLst>
+                                      </p:cBhvr>
+                                      <p:tavLst>
+                                        <p:tav tm="0">
+                                          <p:val>
+                                            <p:strVal val="1+#ppt_h/2"/>
+                                          </p:val>
+                                        </p:tav>
+                                        <p:tav tm="100000">
+                                          <p:val>
+                                            <p:strVal val="#ppt_y"/>
+                                          </p:val>
+                                        </p:tav>
+                                      </p:tavLst>
+                                    </p:anim>
+                                  </p:childTnLst>
+                                </p:cTn>
+                              </p:par>
+                            </p:childTnLst>
+                          </p:cTn>
+                        </p:par>
+                      </p:childTnLst>
+                    </p:cTn>
+                  </p:par>
+                  <p:par>
+                    <p:cTn id="9" fill="hold">
+                      <p:stCondLst>
+                        <p:cond delay="indefinite"/>
+                      </p:stCondLst>
+                      <p:childTnLst>
+                        <p:par>
+                          <p:cTn id="10" fill="hold">
+                            <p:stCondLst>
+                              <p:cond delay="0"/>
+                            </p:stCondLst>
+                            <p:childTnLst>
+                              <p:par>
+                                <p:cTn id="11" presetID="2" presetClass="entr" presetSubtype="4" fill="hold" grpId="0" nodeType="clickEffect">
+                                  <p:stCondLst>
+                                    <p:cond delay="0"/>
+                                  </p:stCondLst>
+                                  <p:childTnLst>
+                                    <p:set>
+                                      <p:cBhvr>
+                                        <p:cTn id="12" dur="1" fill="hold">
+                                          <p:stCondLst>
+                                            <p:cond delay="0"/>
+                                          </p:stCondLst>
+                                        </p:cTn>
+                                        <p:tgtEl>
+                                          <p:spTgt spid="4">
+                                            <p:txEl>
+                                              <p:pRg st="1" end="1"/>
+                                            </p:txEl>
+                                          </p:spTgt>
+                                        </p:tgtEl>
+                                        <p:attrNameLst>
+                                          <p:attrName>style.visibility</p:attrName>
+                                        </p:attrNameLst>
+                                      </p:cBhvr>
+                                      <p:to>
+                                        <p:strVal val="visible"/>
+                                      </p:to>
+                                    </p:set>
+                                    <p:anim calcmode="lin" valueType="num">
+                                      <p:cBhvr additive="base">
+                                        <p:cTn id="13" dur="500" fill="hold"/>
+                                        <p:tgtEl>
+                                          <p:spTgt spid="4">
+                                            <p:txEl>
+                                              <p:pRg st="1" end="1"/>
+                                            </p:txEl>
+                                          </p:spTgt>
+                                        </p:tgtEl>
+                                        <p:attrNameLst>
+                                          <p:attrName>ppt_x</p:attrName>
+                                        </p:attrNameLst>
+                                      </p:cBhvr>
+                                      <p:tavLst>
+                                        <p:tav tm="0">
+                                          <p:val>
+                                            <p:strVal val="#ppt_x"/>
+                                          </p:val>
+                                        </p:tav>
+                                        <p:tav tm="100000">
+                                          <p:val>
+                                            <p:strVal val="#ppt_x"/>
+                                          </p:val>
+                                        </p:tav>
+                                      </p:tavLst>
+                                    </p:anim>
+                                    <p:anim calcmode="lin" valueType="num">
+                                      <p:cBhvr additive="base">
+                                        <p:cTn id="14" dur="500" fill="hold"/>
+                                        <p:tgtEl>
+                                          <p:spTgt spid="4">
+                                            <p:txEl>
+                                              <p:pRg st="1" end="1"/>
+                                            </p:txEl>
+                                          </p:spTgt>
+                                        </p:tgtEl>
+                                        <p:attrNameLst>
+                                          <p:attrName>ppt_y</p:attrName>
+                                        </p:attrNameLst>
+                                      </p:cBhvr>
+                                      <p:tavLst>
+                                        <p:tav tm="0">
+                                          <p:val>
+                                            <p:strVal val="1+#ppt_h/2"/>
+                                          </p:val>
+                                        </p:tav>
+                                        <p:tav tm="100000">
+                                          <p:val>
+                                            <p:strVal val="#ppt_y"/>
+                                          </p:val>
+                                        </p:tav>
+                                      </p:tavLst>
+                                    </p:anim>
+                                  </p:childTnLst>
+                                </p:cTn>
+                              </p:par>
+                            </p:childTnLst>
+                          </p:cTn>
+                        </p:par>
+                      </p:childTnLst>
+                    </p:cTn>
+                  </p:par>
+                  <p:par>
+                    <p:cTn id="15" fill="hold">
+                      <p:stCondLst>
+                        <p:cond delay="indefinite"/>
+                      </p:stCondLst>
+                      <p:childTnLst>
+                        <p:par>
+                          <p:cTn id="16" fill="hold">
+                            <p:stCondLst>
+                              <p:cond delay="0"/>
+                            </p:stCondLst>
+                            <p:childTnLst>
+                              <p:par>
+                                <p:cTn id="17" presetID="2" presetClass="entr" presetSubtype="4" fill="hold" grpId="0" nodeType="clickEffect">
+                                  <p:stCondLst>
+                                    <p:cond delay="0"/>
+                                  </p:stCondLst>
+                                  <p:childTnLst>
+                                    <p:set>
+                                      <p:cBhvr>
+                                        <p:cTn id="18" dur="1" fill="hold">
+                                          <p:stCondLst>
+                                            <p:cond delay="0"/>
+                                          </p:stCondLst>
+                                        </p:cTn>
+                                        <p:tgtEl>
+                                          <p:spTgt spid="4">
+                                            <p:txEl>
+                                              <p:pRg st="2" end="2"/>
+                                            </p:txEl>
+                                          </p:spTgt>
+                                        </p:tgtEl>
+                                        <p:attrNameLst>
+                                          <p:attrName>style.visibility</p:attrName>
+                                        </p:attrNameLst>
+                                      </p:cBhvr>
+                                      <p:to>
+                                        <p:strVal val="visible"/>
+                                      </p:to>
+                                    </p:set>
+                                    <p:anim calcmode="lin" valueType="num">
+                                      <p:cBhvr additive="base">
+                                        <p:cTn id="19" dur="500" fill="hold"/>
+                                        <p:tgtEl>
+                                          <p:spTgt spid="4">
+                                            <p:txEl>
+                                              <p:pRg st="2" end="2"/>
+                                            </p:txEl>
+                                          </p:spTgt>
+                                        </p:tgtEl>
+                                        <p:attrNameLst>
+                                          <p:attrName>ppt_x</p:attrName>
+                                        </p:attrNameLst>
+                                      </p:cBhvr>
+                                      <p:tavLst>
+                                        <p:tav tm="0">
+                                          <p:val>
+                                            <p:strVal val="#ppt_x"/>
+                                          </p:val>
+                                        </p:tav>
+                                        <p:tav tm="100000">
+                                          <p:val>
+                                            <p:strVal val="#ppt_x"/>
+                                          </p:val>
+                                        </p:tav>
+                                      </p:tavLst>
+                                    </p:anim>
+                                    <p:anim calcmode="lin" valueType="num">
+                                      <p:cBhvr additive="base">
+                                        <p:cTn id="20" dur="500" fill="hold"/>
+                                        <p:tgtEl>
+                                          <p:spTgt spid="4">
+                                            <p:txEl>
+                                              <p:pRg st="2" end="2"/>
+                                            </p:txEl>
+                                          </p:spTgt>
+                                        </p:tgtEl>
+                                        <p:attrNameLst>
+                                          <p:attrName>ppt_y</p:attrName>
+                                        </p:attrNameLst>
+                                      </p:cBhvr>
+                                      <p:tavLst>
+                                        <p:tav tm="0">
+                                          <p:val>
+                                            <p:strVal val="1+#ppt_h/2"/>
+                                          </p:val>
+                                        </p:tav>
+                                        <p:tav tm="100000">
+                                          <p:val>
+                                            <p:strVal val="#ppt_y"/>
+                                          </p:val>
+                                        </p:tav>
+                                      </p:tavLst>
+                                    </p:anim>
+                                  </p:childTnLst>
+                                </p:cTn>
+                              </p:par>
+                            </p:childTnLst>
+                          </p:cTn>
+                        </p:par>
+                      </p:childTnLst>
+                    </p:cTn>
+                  </p:par>
+                  <p:par>
+                    <p:cTn id="21" fill="hold">
+                      <p:stCondLst>
+                        <p:cond delay="indefinite"/>
+                      </p:stCondLst>
+                      <p:childTnLst>
+                        <p:par>
+                          <p:cTn id="22" fill="hold">
+                            <p:stCondLst>
+                              <p:cond delay="0"/>
+                            </p:stCondLst>
+                            <p:childTnLst>
+                              <p:par>
+                                <p:cTn id="23" presetID="2" presetClass="entr" presetSubtype="4" fill="hold" grpId="0" nodeType="clickEffect">
+                                  <p:stCondLst>
+                                    <p:cond delay="0"/>
+                                  </p:stCondLst>
+                                  <p:childTnLst>
+                                    <p:set>
+                                      <p:cBhvr>
+                                        <p:cTn id="24" dur="1" fill="hold">
+                                          <p:stCondLst>
+                                            <p:cond delay="0"/>
+                                          </p:stCondLst>
+                                        </p:cTn>
+                                        <p:tgtEl>
+                                          <p:spTgt spid="4">
+                                            <p:txEl>
+                                              <p:pRg st="3" end="3"/>
+                                            </p:txEl>
+                                          </p:spTgt>
+                                        </p:tgtEl>
+                                        <p:attrNameLst>
+                                          <p:attrName>style.visibility</p:attrName>
+                                        </p:attrNameLst>
+                                      </p:cBhvr>
+                                      <p:to>
+                                        <p:strVal val="visible"/>
+                                      </p:to>
+                                    </p:set>
+                                    <p:anim calcmode="lin" valueType="num">
+                                      <p:cBhvr additive="base">
+                                        <p:cTn id="25" dur="500" fill="hold"/>
+                                        <p:tgtEl>
+                                          <p:spTgt spid="4">
+                                            <p:txEl>
+                                              <p:pRg st="3" end="3"/>
+                                            </p:txEl>
+                                          </p:spTgt>
+                                        </p:tgtEl>
+                                        <p:attrNameLst>
+                                          <p:attrName>ppt_x</p:attrName>
+                                        </p:attrNameLst>
+                                      </p:cBhvr>
+                                      <p:tavLst>
+                                        <p:tav tm="0">
+                                          <p:val>
+                                            <p:strVal val="#ppt_x"/>
+                                          </p:val>
+                                        </p:tav>
+                                        <p:tav tm="100000">
+                                          <p:val>
+                                            <p:strVal val="#ppt_x"/>
+                                          </p:val>
+                                        </p:tav>
+                                      </p:tavLst>
+                                    </p:anim>
+                                    <p:anim calcmode="lin" valueType="num">
+                                      <p:cBhvr additive="base">
+                                        <p:cTn id="26" dur="500" fill="hold"/>
+                                        <p:tgtEl>
+                                          <p:spTgt spid="4">
+                                            <p:txEl>
+                                              <p:pRg st="3" end="3"/>
+                                            </p:txEl>
+                                          </p:spTgt>
+                                        </p:tgtEl>
+                                        <p:attrNameLst>
+                                          <p:attrName>ppt_y</p:attrName>
+                                        </p:attrNameLst>
+                                      </p:cBhvr>
+                                      <p:tavLst>
+                                        <p:tav tm="0">
+                                          <p:val>
+                                            <p:strVal val="1+#ppt_h/2"/>
+                                          </p:val>
+                                        </p:tav>
+                                        <p:tav tm="100000">
+                                          <p:val>
+                                            <p:strVal val="#ppt_y"/>
+                                          </p:val>
+                                        </p:tav>
+                                      </p:tavLst>
+                                    </p:anim>
+                                  </p:childTnLst>
+                                </p:cTn>
+                              </p:par>
+                            </p:childTnLst>
+                          </p:cTn>
+                        </p:par>
+                      </p:childTnLst>
+                    </p:cTn>
+                  </p:par>
+                  <p:par>
+                    <p:cTn id="27" fill="hold">
+                      <p:stCondLst>
+                        <p:cond delay="indefinite"/>
+                      </p:stCondLst>
+                      <p:childTnLst>
+                        <p:par>
+                          <p:cTn id="28" fill="hold">
+                            <p:stCondLst>
+                              <p:cond delay="0"/>
+                            </p:stCondLst>
+                            <p:childTnLst>
+                              <p:par>
+                                <p:cTn id="29" presetID="2" presetClass="entr" presetSubtype="4" fill="hold" grpId="0" nodeType="clickEffect">
+                                  <p:stCondLst>
+                                    <p:cond delay="0"/>
+                                  </p:stCondLst>
+                                  <p:childTnLst>
+                                    <p:set>
+                                      <p:cBhvr>
+                                        <p:cTn id="30" dur="1" fill="hold">
+                                          <p:stCondLst>
+                                            <p:cond delay="0"/>
+                                          </p:stCondLst>
+                                        </p:cTn>
+                                        <p:tgtEl>
+                                          <p:spTgt spid="4">
+                                            <p:txEl>
+                                              <p:pRg st="4" end="4"/>
+                                            </p:txEl>
+                                          </p:spTgt>
+                                        </p:tgtEl>
+                                        <p:attrNameLst>
+                                          <p:attrName>style.visibility</p:attrName>
+                                        </p:attrNameLst>
+                                      </p:cBhvr>
+                                      <p:to>
+                                        <p:strVal val="visible"/>
+                                      </p:to>
+                                    </p:set>
+                                    <p:anim calcmode="lin" valueType="num">
+                                      <p:cBhvr additive="base">
+                                        <p:cTn id="31" dur="500" fill="hold"/>
+                                        <p:tgtEl>
+                                          <p:spTgt spid="4">
+                                            <p:txEl>
+                                              <p:pRg st="4" end="4"/>
+                                            </p:txEl>
+                                          </p:spTgt>
+                                        </p:tgtEl>
+                                        <p:attrNameLst>
+                                          <p:attrName>ppt_x</p:attrName>
+                                        </p:attrNameLst>
+                                      </p:cBhvr>
+                                      <p:tavLst>
+                                        <p:tav tm="0">
+                                          <p:val>
+                                            <p:strVal val="#ppt_x"/>
+                                          </p:val>
+                                        </p:tav>
+                                        <p:tav tm="100000">
+                                          <p:val>
+                                            <p:strVal val="#ppt_x"/>
+                                          </p:val>
+                                        </p:tav>
+                                      </p:tavLst>
+                                    </p:anim>
+                                    <p:anim calcmode="lin" valueType="num">
+                                      <p:cBhvr additive="base">
+                                        <p:cTn id="32" dur="500" fill="hold"/>
+                                        <p:tgtEl>
+                                          <p:spTgt spid="4">
+                                            <p:txEl>
+                                              <p:pRg st="4" end="4"/>
+                                            </p:txEl>
+                                          </p:spTgt>
+                                        </p:tgtEl>
+                                        <p:attrNameLst>
+                                          <p:attrName>ppt_y</p:attrName>
+                                        </p:attrNameLst>
+                                      </p:cBhvr>
+                                      <p:tavLst>
+                                        <p:tav tm="0">
+                                          <p:val>
+                                            <p:strVal val="1+#ppt_h/2"/>
+                                          </p:val>
+                                        </p:tav>
+                                        <p:tav tm="100000">
+                                          <p:val>
+                                            <p:strVal val="#ppt_y"/>
+                                          </p:val>
+                                        </p:tav>
+                                      </p:tavLst>
+                                    </p:anim>
+                                  </p:childTnLst>
+                                </p:cTn>
+                              </p:par>
+                            </p:childTnLst>
+                          </p:cTn>
+                        </p:par>
+                      </p:childTnLst>
+                    </p:cTn>
+                  </p:par>
+                </p:childTnLst>
+              </p:cTn>
+              <p:prevCondLst>
+                <p:cond evt="onPrev" delay="0">
+                  <p:tgtEl>
+                    <p:sldTgt/>
+                  </p:tgtEl>
+                </p:cond>
+              </p:prevCondLst>
+              <p:nextCondLst>
+                <p:cond evt="onNext" delay="0">
+                  <p:tgtEl>
+                    <p:sldTgt/>
+                  </p:tgtEl>
+                </p:cond>
+              </p:nextCondLst>
+            </p:seq>
+          </p:childTnLst>
+        </p:cTn>
+      </p:par>
+    </p:tnLst>
+    <p:bldLst>
+      <p:bldP spid="4" grpId="0" build="p"/>
+    </p:bldLst>
+  </p:timing>
+</p:sld>
+</file>
+
+<file path=ppt/slides/slide8.xml><?xml version="1.0" encoding="utf-8"?>
+<p:sld xmlns:a="http://schemas.openxmlformats.org/drawingml/2006/main" xmlns:r="http://schemas.openxmlformats.org/officeDocument/2006/relationships" xmlns:p="http://schemas.openxmlformats.org/presentationml/2006/main">
+  <p:cSld>
+    <p:spTree>
+      <p:nvGrpSpPr>
+        <p:cNvPr id="1" name=""/>
+        <p:cNvGrpSpPr/>
+        <p:nvPr/>
+      </p:nvGrpSpPr>
+      <p:grpSpPr>
+        <a:xfrm>
+          <a:off x="0" y="0"/>
+          <a:ext cx="0" cy="0"/>
+          <a:chOff x="0" y="0"/>
+          <a:chExt cx="0" cy="0"/>
+        </a:xfrm>
+      </p:grpSpPr>
+      <p:sp>
+        <p:nvSpPr>
+          <p:cNvPr id="2" name="Title 1"/>
+          <p:cNvSpPr>
+            <a:spLocks noGrp="1"/>
+          </p:cNvSpPr>
+          <p:nvPr>
+            <p:ph type="title"/>
+          </p:nvPr>
+        </p:nvSpPr>
+        <p:spPr/>
+        <p:txBody>
+          <a:bodyPr/>
+          <a:lstStyle/>
+          <a:p>
+            <a:r>
+              <a:rPr lang="sv-SE" dirty="0" smtClean="0"/>
+              <a:t>Composability, OO, FP, SOLID</a:t>
+            </a:r>
+            <a:endParaRPr lang="sv-SE" dirty="0"/>
+          </a:p>
+        </p:txBody>
+      </p:sp>
+      <p:sp>
+        <p:nvSpPr>
+          <p:cNvPr id="3" name="Content Placeholder 2"/>
+          <p:cNvSpPr>
+            <a:spLocks noGrp="1"/>
+          </p:cNvSpPr>
+          <p:nvPr>
+            <p:ph idx="1"/>
+          </p:nvPr>
+        </p:nvSpPr>
+        <p:spPr/>
+        <p:txBody>
+          <a:bodyPr>
+            <a:normAutofit/>
+          </a:bodyPr>
+          <a:lstStyle/>
+          <a:p>
+            <a:r>
+              <a:rPr lang="sv-SE" dirty="0" smtClean="0"/>
+              <a:t>Composability</a:t>
+            </a:r>
+          </a:p>
+          <a:p>
+            <a:pPr lvl="1"/>
+            <a:r>
+              <a:rPr lang="sv-SE" dirty="0" smtClean="0"/>
+              <a:t>The ability for software entities to be easily reused without violating the SOLID principles.</a:t>
+            </a:r>
+          </a:p>
+          <a:p>
+            <a:r>
+              <a:rPr lang="sv-SE" dirty="0" smtClean="0"/>
+              <a:t>Object oriented programming</a:t>
+            </a:r>
+          </a:p>
+          <a:p>
+            <a:pPr lvl="1"/>
+            <a:r>
+              <a:rPr lang="sv-SE" dirty="0" smtClean="0"/>
+              <a:t>Composable data</a:t>
+            </a:r>
+          </a:p>
+          <a:p>
+            <a:r>
+              <a:rPr lang="sv-SE" dirty="0" smtClean="0"/>
+              <a:t>Functional programming</a:t>
+            </a:r>
+          </a:p>
+          <a:p>
+            <a:pPr lvl="1"/>
+            <a:r>
+              <a:rPr lang="sv-SE" dirty="0" smtClean="0"/>
+              <a:t>Composable algorithms</a:t>
+            </a:r>
+          </a:p>
+          <a:p>
+            <a:r>
+              <a:rPr lang="sv-SE" dirty="0" smtClean="0"/>
+              <a:t>SOLID without contortionism requires </a:t>
+            </a:r>
+            <a:r>
+              <a:rPr lang="en-US" dirty="0" smtClean="0"/>
+              <a:t>both</a:t>
+            </a:r>
+            <a:r>
+              <a:rPr lang="sv-SE" dirty="0" smtClean="0"/>
+              <a:t>.</a:t>
+            </a:r>
           </a:p>
         </p:txBody>
       </p:sp>
@@ -7057,33 +7893,15 @@
                                   </p:childTnLst>
                                 </p:cTn>
                               </p:par>
-                            </p:childTnLst>
-                          </p:cTn>
-                        </p:par>
-                      </p:childTnLst>
-                    </p:cTn>
-                  </p:par>
-                  <p:par>
-                    <p:cTn id="9" fill="hold">
-                      <p:stCondLst>
-                        <p:cond delay="indefinite"/>
-                      </p:stCondLst>
-                      <p:childTnLst>
-                        <p:par>
-                          <p:cTn id="10" fill="hold">
-                            <p:stCondLst>
-                              <p:cond delay="0"/>
-                            </p:stCondLst>
-                            <p:childTnLst>
                               <p:par>
-                                <p:cTn id="11" presetID="2" presetClass="entr" presetSubtype="4" fill="hold" grpId="0" nodeType="clickEffect">
+                                <p:cTn id="9" presetID="2" presetClass="entr" presetSubtype="4" fill="hold" grpId="0" nodeType="withEffect">
                                   <p:stCondLst>
                                     <p:cond delay="0"/>
                                   </p:stCondLst>
                                   <p:childTnLst>
                                     <p:set>
                                       <p:cBhvr>
-                                        <p:cTn id="12" dur="1" fill="hold">
+                                        <p:cTn id="10" dur="1" fill="hold">
                                           <p:stCondLst>
                                             <p:cond delay="0"/>
                                           </p:stCondLst>
@@ -7105,7 +7923,7 @@
                                     </p:set>
                                     <p:anim calcmode="lin" valueType="num">
                                       <p:cBhvr additive="base">
-                                        <p:cTn id="13" dur="500" fill="hold"/>
+                                        <p:cTn id="11" dur="500" fill="hold"/>
                                         <p:tgtEl>
                                           <p:spTgt spid="3">
                                             <p:txEl>
@@ -7132,7 +7950,7 @@
                                     </p:anim>
                                     <p:anim calcmode="lin" valueType="num">
                                       <p:cBhvr additive="base">
-                                        <p:cTn id="14" dur="500" fill="hold"/>
+                                        <p:cTn id="12" dur="500" fill="hold"/>
                                         <p:tgtEl>
                                           <p:spTgt spid="3">
                                             <p:txEl>
@@ -7167,26 +7985,26 @@
                     </p:cTn>
                   </p:par>
                   <p:par>
-                    <p:cTn id="15" fill="hold">
+                    <p:cTn id="13" fill="hold">
                       <p:stCondLst>
                         <p:cond delay="indefinite"/>
                       </p:stCondLst>
                       <p:childTnLst>
                         <p:par>
-                          <p:cTn id="16" fill="hold">
+                          <p:cTn id="14" fill="hold">
                             <p:stCondLst>
                               <p:cond delay="0"/>
                             </p:stCondLst>
                             <p:childTnLst>
                               <p:par>
-                                <p:cTn id="17" presetID="2" presetClass="entr" presetSubtype="4" fill="hold" grpId="0" nodeType="clickEffect">
+                                <p:cTn id="15" presetID="2" presetClass="entr" presetSubtype="4" fill="hold" grpId="0" nodeType="clickEffect">
                                   <p:stCondLst>
                                     <p:cond delay="0"/>
                                   </p:stCondLst>
                                   <p:childTnLst>
                                     <p:set>
                                       <p:cBhvr>
-                                        <p:cTn id="18" dur="1" fill="hold">
+                                        <p:cTn id="16" dur="1" fill="hold">
                                           <p:stCondLst>
                                             <p:cond delay="0"/>
                                           </p:stCondLst>
@@ -7208,7 +8026,7 @@
                                     </p:set>
                                     <p:anim calcmode="lin" valueType="num">
                                       <p:cBhvr additive="base">
-                                        <p:cTn id="19" dur="500" fill="hold"/>
+                                        <p:cTn id="17" dur="500" fill="hold"/>
                                         <p:tgtEl>
                                           <p:spTgt spid="3">
                                             <p:txEl>
@@ -7235,11 +8053,96 @@
                                     </p:anim>
                                     <p:anim calcmode="lin" valueType="num">
                                       <p:cBhvr additive="base">
-                                        <p:cTn id="20" dur="500" fill="hold"/>
+                                        <p:cTn id="18" dur="500" fill="hold"/>
                                         <p:tgtEl>
                                           <p:spTgt spid="3">
                                             <p:txEl>
                                               <p:pRg st="2" end="2"/>
+                                            </p:txEl>
+                                          </p:spTgt>
+                                        </p:tgtEl>
+                                        <p:attrNameLst>
+                                          <p:attrName>ppt_y</p:attrName>
+                                        </p:attrNameLst>
+                                      </p:cBhvr>
+                                      <p:tavLst>
+                                        <p:tav tm="0">
+                                          <p:val>
+                                            <p:strVal val="1+#ppt_h/2"/>
+                                          </p:val>
+                                        </p:tav>
+                                        <p:tav tm="100000">
+                                          <p:val>
+                                            <p:strVal val="#ppt_y"/>
+                                          </p:val>
+                                        </p:tav>
+                                      </p:tavLst>
+                                    </p:anim>
+                                  </p:childTnLst>
+                                </p:cTn>
+                              </p:par>
+                              <p:par>
+                                <p:cTn id="19" presetID="2" presetClass="entr" presetSubtype="4" fill="hold" grpId="0" nodeType="withEffect">
+                                  <p:stCondLst>
+                                    <p:cond delay="0"/>
+                                  </p:stCondLst>
+                                  <p:childTnLst>
+                                    <p:set>
+                                      <p:cBhvr>
+                                        <p:cTn id="20" dur="1" fill="hold">
+                                          <p:stCondLst>
+                                            <p:cond delay="0"/>
+                                          </p:stCondLst>
+                                        </p:cTn>
+                                        <p:tgtEl>
+                                          <p:spTgt spid="3">
+                                            <p:txEl>
+                                              <p:pRg st="3" end="3"/>
+                                            </p:txEl>
+                                          </p:spTgt>
+                                        </p:tgtEl>
+                                        <p:attrNameLst>
+                                          <p:attrName>style.visibility</p:attrName>
+                                        </p:attrNameLst>
+                                      </p:cBhvr>
+                                      <p:to>
+                                        <p:strVal val="visible"/>
+                                      </p:to>
+                                    </p:set>
+                                    <p:anim calcmode="lin" valueType="num">
+                                      <p:cBhvr additive="base">
+                                        <p:cTn id="21" dur="500" fill="hold"/>
+                                        <p:tgtEl>
+                                          <p:spTgt spid="3">
+                                            <p:txEl>
+                                              <p:pRg st="3" end="3"/>
+                                            </p:txEl>
+                                          </p:spTgt>
+                                        </p:tgtEl>
+                                        <p:attrNameLst>
+                                          <p:attrName>ppt_x</p:attrName>
+                                        </p:attrNameLst>
+                                      </p:cBhvr>
+                                      <p:tavLst>
+                                        <p:tav tm="0">
+                                          <p:val>
+                                            <p:strVal val="#ppt_x"/>
+                                          </p:val>
+                                        </p:tav>
+                                        <p:tav tm="100000">
+                                          <p:val>
+                                            <p:strVal val="#ppt_x"/>
+                                          </p:val>
+                                        </p:tav>
+                                      </p:tavLst>
+                                    </p:anim>
+                                    <p:anim calcmode="lin" valueType="num">
+                                      <p:cBhvr additive="base">
+                                        <p:cTn id="22" dur="500" fill="hold"/>
+                                        <p:tgtEl>
+                                          <p:spTgt spid="3">
+                                            <p:txEl>
+                                              <p:pRg st="3" end="3"/>
                                             </p:txEl>
                                           </p:spTgt>
                                         </p:tgtEl>
@@ -7270,26 +8173,26 @@
                     </p:cTn>
                   </p:par>
                   <p:par>
-                    <p:cTn id="21" fill="hold">
+                    <p:cTn id="23" fill="hold">
                       <p:stCondLst>
                         <p:cond delay="indefinite"/>
                       </p:stCondLst>
                       <p:childTnLst>
                         <p:par>
-                          <p:cTn id="22" fill="hold">
+                          <p:cTn id="24" fill="hold">
                             <p:stCondLst>
                               <p:cond delay="0"/>
                             </p:stCondLst>
                             <p:childTnLst>
                               <p:par>
-                                <p:cTn id="23" presetID="2" presetClass="entr" presetSubtype="4" fill="hold" grpId="0" nodeType="clickEffect">
+                                <p:cTn id="25" presetID="2" presetClass="entr" presetSubtype="4" fill="hold" grpId="0" nodeType="clickEffect">
                                   <p:stCondLst>
                                     <p:cond delay="0"/>
                                   </p:stCondLst>
                                   <p:childTnLst>
                                     <p:set>
                                       <p:cBhvr>
-                                        <p:cTn id="24" dur="1" fill="hold">
+                                        <p:cTn id="26" dur="1" fill="hold">
                                           <p:stCondLst>
                                             <p:cond delay="0"/>
                                           </p:stCondLst>
@@ -7297,7 +8200,7 @@
                                         <p:tgtEl>
                                           <p:spTgt spid="3">
                                             <p:txEl>
-                                              <p:pRg st="3" end="3"/>
+                                              <p:pRg st="4" end="4"/>
                                             </p:txEl>
                                           </p:spTgt>
                                         </p:tgtEl>
@@ -7311,11 +8214,11 @@
                                     </p:set>
                                     <p:anim calcmode="lin" valueType="num">
                                       <p:cBhvr additive="base">
-                                        <p:cTn id="25" dur="500" fill="hold"/>
+                                        <p:cTn id="27" dur="500" fill="hold"/>
                                         <p:tgtEl>
                                           <p:spTgt spid="3">
                                             <p:txEl>
-                                              <p:pRg st="3" end="3"/>
+                                              <p:pRg st="4" end="4"/>
                                             </p:txEl>
                                           </p:spTgt>
                                         </p:tgtEl>
@@ -7338,11 +8241,11 @@
                                     </p:anim>
                                     <p:anim calcmode="lin" valueType="num">
                                       <p:cBhvr additive="base">
-                                        <p:cTn id="26" dur="500" fill="hold"/>
+                                        <p:cTn id="28" dur="500" fill="hold"/>
                                         <p:tgtEl>
                                           <p:spTgt spid="3">
                                             <p:txEl>
-                                              <p:pRg st="3" end="3"/>
+                                              <p:pRg st="4" end="4"/>
                                             </p:txEl>
                                           </p:spTgt>
                                         </p:tgtEl>
@@ -7366,26 +8269,8 @@
                                   </p:childTnLst>
                                 </p:cTn>
                               </p:par>
-                            </p:childTnLst>
-                          </p:cTn>
-                        </p:par>
-                      </p:childTnLst>
-                    </p:cTn>
-                  </p:par>
-                  <p:par>
-                    <p:cTn id="27" fill="hold">
-                      <p:stCondLst>
-                        <p:cond delay="indefinite"/>
-                      </p:stCondLst>
-                      <p:childTnLst>
-                        <p:par>
-                          <p:cTn id="28" fill="hold">
-                            <p:stCondLst>
-                              <p:cond delay="0"/>
-                            </p:stCondLst>
-                            <p:childTnLst>
                               <p:par>
-                                <p:cTn id="29" presetID="2" presetClass="entr" presetSubtype="4" fill="hold" grpId="0" nodeType="clickEffect">
+                                <p:cTn id="29" presetID="2" presetClass="entr" presetSubtype="4" fill="hold" grpId="0" nodeType="withEffect">
                                   <p:stCondLst>
                                     <p:cond delay="0"/>
                                   </p:stCondLst>
@@ -7400,7 +8285,7 @@
                                         <p:tgtEl>
                                           <p:spTgt spid="3">
                                             <p:txEl>
-                                              <p:pRg st="4" end="4"/>
+                                              <p:pRg st="5" end="5"/>
                                             </p:txEl>
                                           </p:spTgt>
                                         </p:tgtEl>
@@ -7418,7 +8303,7 @@
                                         <p:tgtEl>
                                           <p:spTgt spid="3">
                                             <p:txEl>
-                                              <p:pRg st="4" end="4"/>
+                                              <p:pRg st="5" end="5"/>
                                             </p:txEl>
                                           </p:spTgt>
                                         </p:tgtEl>
@@ -7445,7 +8330,7 @@
                                         <p:tgtEl>
                                           <p:spTgt spid="3">
                                             <p:txEl>
-                                              <p:pRg st="4" end="4"/>
+                                              <p:pRg st="5" end="5"/>
                                             </p:txEl>
                                           </p:spTgt>
                                         </p:tgtEl>
@@ -7503,7 +8388,7 @@
                                         <p:tgtEl>
                                           <p:spTgt spid="3">
                                             <p:txEl>
-                                              <p:pRg st="5" end="5"/>
+                                              <p:pRg st="6" end="6"/>
                                             </p:txEl>
                                           </p:spTgt>
                                         </p:tgtEl>
@@ -7521,7 +8406,7 @@
                                         <p:tgtEl>
                                           <p:spTgt spid="3">
                                             <p:txEl>
-                                              <p:pRg st="5" end="5"/>
+                                              <p:pRg st="6" end="6"/>
                                             </p:txEl>
                                           </p:spTgt>
                                         </p:tgtEl>
@@ -7545,109 +8430,6 @@
                                     <p:anim calcmode="lin" valueType="num">
                                       <p:cBhvr additive="base">
                                         <p:cTn id="38" dur="500" fill="hold"/>
-                                        <p:tgtEl>
-                                          <p:spTgt spid="3">
-                                            <p:txEl>
-                                              <p:pRg st="5" end="5"/>
-                                            </p:txEl>
-                                          </p:spTgt>
-                                        </p:tgtEl>
-                                        <p:attrNameLst>
-                                          <p:attrName>ppt_y</p:attrName>
-                                        </p:attrNameLst>
-                                      </p:cBhvr>
-                                      <p:tavLst>
-                                        <p:tav tm="0">
-                                          <p:val>
-                                            <p:strVal val="1+#ppt_h/2"/>
-                                          </p:val>
-                                        </p:tav>
-                                        <p:tav tm="100000">
-                                          <p:val>
-                                            <p:strVal val="#ppt_y"/>
-                                          </p:val>
-                                        </p:tav>
-                                      </p:tavLst>
-                                    </p:anim>
-                                  </p:childTnLst>
-                                </p:cTn>
-                              </p:par>
-                            </p:childTnLst>
-                          </p:cTn>
-                        </p:par>
-                      </p:childTnLst>
-                    </p:cTn>
-                  </p:par>
-                  <p:par>
-                    <p:cTn id="39" fill="hold">
-                      <p:stCondLst>
-                        <p:cond delay="indefinite"/>
-                      </p:stCondLst>
-                      <p:childTnLst>
-                        <p:par>
-                          <p:cTn id="40" fill="hold">
-                            <p:stCondLst>
-                              <p:cond delay="0"/>
-                            </p:stCondLst>
-                            <p:childTnLst>
-                              <p:par>
-                                <p:cTn id="41" presetID="2" presetClass="entr" presetSubtype="4" fill="hold" grpId="0" nodeType="clickEffect">
-                                  <p:stCondLst>
-                                    <p:cond delay="0"/>
-                                  </p:stCondLst>
-                                  <p:childTnLst>
-                                    <p:set>
-                                      <p:cBhvr>
-                                        <p:cTn id="42" dur="1" fill="hold">
-                                          <p:stCondLst>
-                                            <p:cond delay="0"/>
-                                          </p:stCondLst>
-                                        </p:cTn>
-                                        <p:tgtEl>
-                                          <p:spTgt spid="3">
-                                            <p:txEl>
-                                              <p:pRg st="6" end="6"/>
-                                            </p:txEl>
-                                          </p:spTgt>
-                                        </p:tgtEl>
-                                        <p:attrNameLst>
-                                          <p:attrName>style.visibility</p:attrName>
-                                        </p:attrNameLst>
-                                      </p:cBhvr>
-                                      <p:to>
-                                        <p:strVal val="visible"/>
-                                      </p:to>
-                                    </p:set>
-                                    <p:anim calcmode="lin" valueType="num">
-                                      <p:cBhvr additive="base">
-                                        <p:cTn id="43" dur="500" fill="hold"/>
-                                        <p:tgtEl>
-                                          <p:spTgt spid="3">
-                                            <p:txEl>
-                                              <p:pRg st="6" end="6"/>
-                                            </p:txEl>
-                                          </p:spTgt>
-                                        </p:tgtEl>
-                                        <p:attrNameLst>
-                                          <p:attrName>ppt_x</p:attrName>
-                                        </p:attrNameLst>
-                                      </p:cBhvr>
-                                      <p:tavLst>
-                                        <p:tav tm="0">
-                                          <p:val>
-                                            <p:strVal val="#ppt_x"/>
-                                          </p:val>
-                                        </p:tav>
-                                        <p:tav tm="100000">
-                                          <p:val>
-                                            <p:strVal val="#ppt_x"/>
-                                          </p:val>
-                                        </p:tav>
-                                      </p:tavLst>
-                                    </p:anim>
-                                    <p:anim calcmode="lin" valueType="num">
-                                      <p:cBhvr additive="base">
-                                        <p:cTn id="44" dur="500" fill="hold"/>
                                         <p:tgtEl>
                                           <p:spTgt spid="3">
                                             <p:txEl>
@@ -7705,6 +8487,61 @@
     <p:bldLst>
       <p:bldP spid="3" grpId="0" build="p"/>
     </p:bldLst>
+  </p:timing>
+</p:sld>
+</file>
+
+<file path=ppt/slides/slide9.xml><?xml version="1.0" encoding="utf-8"?>
+<p:sld xmlns:a="http://schemas.openxmlformats.org/drawingml/2006/main" xmlns:r="http://schemas.openxmlformats.org/officeDocument/2006/relationships" xmlns:p="http://schemas.openxmlformats.org/presentationml/2006/main">
+  <p:cSld>
+    <p:spTree>
+      <p:nvGrpSpPr>
+        <p:cNvPr id="1" name=""/>
+        <p:cNvGrpSpPr/>
+        <p:nvPr/>
+      </p:nvGrpSpPr>
+      <p:grpSpPr>
+        <a:xfrm>
+          <a:off x="0" y="0"/>
+          <a:ext cx="0" cy="0"/>
+          <a:chOff x="0" y="0"/>
+          <a:chExt cx="0" cy="0"/>
+        </a:xfrm>
+      </p:grpSpPr>
+      <p:sp>
+        <p:nvSpPr>
+          <p:cNvPr id="2" name="Title 1"/>
+          <p:cNvSpPr>
+            <a:spLocks noGrp="1"/>
+          </p:cNvSpPr>
+          <p:nvPr>
+            <p:ph type="title"/>
+          </p:nvPr>
+        </p:nvSpPr>
+        <p:spPr/>
+        <p:txBody>
+          <a:bodyPr/>
+          <a:lstStyle/>
+          <a:p>
+            <a:r>
+              <a:rPr lang="sv-SE" dirty="0" smtClean="0"/>
+              <a:t>Lets look at some code</a:t>
+            </a:r>
+            <a:endParaRPr lang="sv-SE" dirty="0"/>
+          </a:p>
+        </p:txBody>
+      </p:sp>
+    </p:spTree>
+  </p:cSld>
+  <p:clrMapOvr>
+    <a:masterClrMapping/>
+  </p:clrMapOvr>
+  <p:timing>
+    <p:tnLst>
+      <p:par>
+        <p:cTn id="1" dur="indefinite" restart="never" nodeType="tmRoot"/>
+      </p:par>
+    </p:tnLst>
   </p:timing>
 </p:sld>
 </file>

--- a/CSharp3.pptx
+++ b/CSharp3.pptx
@@ -5,7 +5,7 @@
     <p:sldMasterId id="2147483684" r:id="rId1"/>
   </p:sldMasterIdLst>
   <p:notesMasterIdLst>
-    <p:notesMasterId r:id="rId11"/>
+    <p:notesMasterId r:id="rId12"/>
   </p:notesMasterIdLst>
   <p:sldIdLst>
     <p:sldId id="256" r:id="rId2"/>
@@ -17,6 +17,7 @@
     <p:sldId id="260" r:id="rId8"/>
     <p:sldId id="264" r:id="rId9"/>
     <p:sldId id="265" r:id="rId10"/>
+    <p:sldId id="266" r:id="rId11"/>
   </p:sldIdLst>
   <p:sldSz cx="9144000" cy="6858000" type="screen4x3"/>
   <p:notesSz cx="6858000" cy="9144000"/>
@@ -3718,6 +3719,1883 @@
         <p:cTn id="1" dur="indefinite" restart="never" nodeType="tmRoot"/>
       </p:par>
     </p:tnLst>
+  </p:timing>
+</p:sld>
+</file>
+
+<file path=ppt/slides/slide10.xml><?xml version="1.0" encoding="utf-8"?>
+<p:sld xmlns:a="http://schemas.openxmlformats.org/drawingml/2006/main" xmlns:r="http://schemas.openxmlformats.org/officeDocument/2006/relationships" xmlns:p="http://schemas.openxmlformats.org/presentationml/2006/main">
+  <p:cSld>
+    <p:spTree>
+      <p:nvGrpSpPr>
+        <p:cNvPr id="1" name=""/>
+        <p:cNvGrpSpPr/>
+        <p:nvPr/>
+      </p:nvGrpSpPr>
+      <p:grpSpPr>
+        <a:xfrm>
+          <a:off x="0" y="0"/>
+          <a:ext cx="0" cy="0"/>
+          <a:chOff x="0" y="0"/>
+          <a:chExt cx="0" cy="0"/>
+        </a:xfrm>
+      </p:grpSpPr>
+      <p:sp>
+        <p:nvSpPr>
+          <p:cNvPr id="2" name="Title 1"/>
+          <p:cNvSpPr>
+            <a:spLocks noGrp="1"/>
+          </p:cNvSpPr>
+          <p:nvPr>
+            <p:ph type="title"/>
+          </p:nvPr>
+        </p:nvSpPr>
+        <p:spPr/>
+        <p:txBody>
+          <a:bodyPr>
+            <a:normAutofit/>
+          </a:bodyPr>
+          <a:lstStyle/>
+          <a:p>
+            <a:r>
+              <a:rPr lang="sv-SE" dirty="0" smtClean="0"/>
+              <a:t>SOLID extension vs members</a:t>
+            </a:r>
+            <a:br>
+              <a:rPr lang="sv-SE" dirty="0" smtClean="0"/>
+            </a:br>
+            <a:r>
+              <a:rPr lang="sv-SE" sz="1600" dirty="0" smtClean="0"/>
+              <a:t>(Examined in the context of an interface method that could be implemented as an extension)</a:t>
+            </a:r>
+            <a:endParaRPr lang="sv-SE" sz="1600" dirty="0"/>
+          </a:p>
+        </p:txBody>
+      </p:sp>
+      <p:sp>
+        <p:nvSpPr>
+          <p:cNvPr id="3" name="Content Placeholder 2"/>
+          <p:cNvSpPr>
+            <a:spLocks noGrp="1"/>
+          </p:cNvSpPr>
+          <p:nvPr>
+            <p:ph idx="1"/>
+          </p:nvPr>
+        </p:nvSpPr>
+        <p:spPr>
+          <a:xfrm>
+            <a:off x="457200" y="1600200"/>
+            <a:ext cx="8229600" cy="4972072"/>
+          </a:xfrm>
+        </p:spPr>
+        <p:txBody>
+          <a:bodyPr>
+            <a:normAutofit fontScale="92500" lnSpcReduction="20000"/>
+          </a:bodyPr>
+          <a:lstStyle/>
+          <a:p>
+            <a:r>
+              <a:rPr lang="sv-SE" sz="2000" dirty="0" smtClean="0"/>
+              <a:t>SRP</a:t>
+            </a:r>
+          </a:p>
+          <a:p>
+            <a:pPr lvl="1"/>
+            <a:r>
+              <a:rPr lang="sv-SE" sz="1800" dirty="0" smtClean="0"/>
+              <a:t>Extensions lets interfaces and implementors stay minimal and cohesive</a:t>
+            </a:r>
+          </a:p>
+          <a:p>
+            <a:pPr lvl="2"/>
+            <a:r>
+              <a:rPr lang="sv-SE" sz="1400" dirty="0" smtClean="0"/>
+              <a:t>Formatting, Conversions, Projections etc is not something that IEnumerable&lt;T&gt; </a:t>
+            </a:r>
+            <a:r>
+              <a:rPr lang="sv-SE" sz="1400" b="1" dirty="0" smtClean="0"/>
+              <a:t>does</a:t>
+            </a:r>
+            <a:r>
+              <a:rPr lang="sv-SE" sz="1400" dirty="0" smtClean="0"/>
+              <a:t>.</a:t>
+            </a:r>
+            <a:br>
+              <a:rPr lang="sv-SE" sz="1400" dirty="0" smtClean="0"/>
+            </a:br>
+            <a:r>
+              <a:rPr lang="sv-SE" sz="1400" dirty="0" smtClean="0"/>
+              <a:t>It’s something you </a:t>
+            </a:r>
+            <a:r>
+              <a:rPr lang="sv-SE" sz="1400" b="1" dirty="0" smtClean="0"/>
+              <a:t>do with</a:t>
+            </a:r>
+            <a:r>
+              <a:rPr lang="sv-SE" sz="1400" dirty="0" smtClean="0"/>
+              <a:t> an IEnumerable&lt;T&gt;.</a:t>
+            </a:r>
+          </a:p>
+          <a:p>
+            <a:r>
+              <a:rPr lang="sv-SE" sz="2000" dirty="0" smtClean="0"/>
+              <a:t>OCP</a:t>
+            </a:r>
+          </a:p>
+          <a:p>
+            <a:pPr lvl="1"/>
+            <a:r>
+              <a:rPr lang="sv-SE" sz="1800" dirty="0" smtClean="0"/>
+              <a:t>Extensions add functionality without modifying interfaces or implementors</a:t>
+            </a:r>
+          </a:p>
+          <a:p>
+            <a:pPr lvl="2"/>
+            <a:r>
+              <a:rPr lang="sv-SE" sz="1400" dirty="0" smtClean="0"/>
+              <a:t>You can add an Linq operator that will work with all others without changing IEnumerable&lt;T&gt;</a:t>
+            </a:r>
+          </a:p>
+          <a:p>
+            <a:r>
+              <a:rPr lang="sv-SE" sz="2200" dirty="0" smtClean="0"/>
+              <a:t>LSP</a:t>
+            </a:r>
+          </a:p>
+          <a:p>
+            <a:pPr lvl="1"/>
+            <a:r>
+              <a:rPr lang="sv-SE" sz="1800" dirty="0" smtClean="0"/>
+              <a:t>Minimal interfaces make implementation simpler and less likely to violate LSP</a:t>
+            </a:r>
+          </a:p>
+          <a:p>
+            <a:pPr lvl="2"/>
+            <a:r>
+              <a:rPr lang="sv-SE" sz="1400" dirty="0" smtClean="0"/>
+              <a:t>Implementing IEnumerable&lt;T&gt; is trivial but the power you get for free is huge.</a:t>
+            </a:r>
+          </a:p>
+          <a:p>
+            <a:r>
+              <a:rPr lang="sv-SE" sz="2200" dirty="0" smtClean="0"/>
+              <a:t>ISP</a:t>
+            </a:r>
+          </a:p>
+          <a:p>
+            <a:pPr lvl="1"/>
+            <a:r>
+              <a:rPr lang="sv-SE" sz="1800" dirty="0" smtClean="0"/>
+              <a:t>A method operating on a type is a client. </a:t>
+            </a:r>
+          </a:p>
+          <a:p>
+            <a:pPr lvl="2"/>
+            <a:r>
+              <a:rPr lang="sv-SE" sz="1400" dirty="0" smtClean="0"/>
+              <a:t>A member is forced to depend on the fattest existing interface to a class. The private view.</a:t>
+            </a:r>
+          </a:p>
+          <a:p>
+            <a:pPr lvl="1"/>
+            <a:r>
+              <a:rPr lang="sv-SE" sz="1800" dirty="0" smtClean="0"/>
+              <a:t>Implementors are clients</a:t>
+            </a:r>
+          </a:p>
+          <a:p>
+            <a:pPr lvl="2"/>
+            <a:r>
+              <a:rPr lang="sv-SE" sz="1400" dirty="0" smtClean="0"/>
+              <a:t>Implementors cannot possibly need to reimplement something that can be an extension</a:t>
+            </a:r>
+          </a:p>
+          <a:p>
+            <a:r>
+              <a:rPr lang="sv-SE" sz="2400" dirty="0" smtClean="0"/>
+              <a:t>DRY</a:t>
+            </a:r>
+          </a:p>
+          <a:p>
+            <a:pPr lvl="1"/>
+            <a:r>
+              <a:rPr lang="sv-SE" sz="2000" dirty="0" smtClean="0"/>
+              <a:t>Members forces multiple implementors to rewrite identical logic</a:t>
+            </a:r>
+          </a:p>
+          <a:p>
+            <a:pPr lvl="2"/>
+            <a:r>
+              <a:rPr lang="sv-SE" sz="1400" dirty="0" smtClean="0"/>
+              <a:t>Extensions enable multiple inheritance of functionality</a:t>
+            </a:r>
+          </a:p>
+          <a:p>
+            <a:pPr lvl="2"/>
+            <a:r>
+              <a:rPr lang="sv-SE" sz="1400" dirty="0" smtClean="0"/>
+              <a:t>Duplicate methods avoided with extensions  =  (methods * implementors) - methods</a:t>
+            </a:r>
+          </a:p>
+        </p:txBody>
+      </p:sp>
+    </p:spTree>
+  </p:cSld>
+  <p:clrMapOvr>
+    <a:masterClrMapping/>
+  </p:clrMapOvr>
+  <p:timing>
+    <p:tnLst>
+      <p:par>
+        <p:cTn id="1" dur="indefinite" restart="never" nodeType="tmRoot">
+          <p:childTnLst>
+            <p:seq concurrent="1" nextAc="seek">
+              <p:cTn id="2" dur="indefinite" nodeType="mainSeq">
+                <p:childTnLst>
+                  <p:par>
+                    <p:cTn id="3" fill="hold">
+                      <p:stCondLst>
+                        <p:cond delay="indefinite"/>
+                      </p:stCondLst>
+                      <p:childTnLst>
+                        <p:par>
+                          <p:cTn id="4" fill="hold">
+                            <p:stCondLst>
+                              <p:cond delay="0"/>
+                            </p:stCondLst>
+                            <p:childTnLst>
+                              <p:par>
+                                <p:cTn id="5" presetID="2" presetClass="entr" presetSubtype="4" fill="hold" grpId="0" nodeType="clickEffect">
+                                  <p:stCondLst>
+                                    <p:cond delay="0"/>
+                                  </p:stCondLst>
+                                  <p:childTnLst>
+                                    <p:set>
+                                      <p:cBhvr>
+                                        <p:cTn id="6" dur="1" fill="hold">
+                                          <p:stCondLst>
+                                            <p:cond delay="0"/>
+                                          </p:stCondLst>
+                                        </p:cTn>
+                                        <p:tgtEl>
+                                          <p:spTgt spid="3">
+                                            <p:txEl>
+                                              <p:pRg st="0" end="0"/>
+                                            </p:txEl>
+                                          </p:spTgt>
+                                        </p:tgtEl>
+                                        <p:attrNameLst>
+                                          <p:attrName>style.visibility</p:attrName>
+                                        </p:attrNameLst>
+                                      </p:cBhvr>
+                                      <p:to>
+                                        <p:strVal val="visible"/>
+                                      </p:to>
+                                    </p:set>
+                                    <p:anim calcmode="lin" valueType="num">
+                                      <p:cBhvr additive="base">
+                                        <p:cTn id="7" dur="500" fill="hold"/>
+                                        <p:tgtEl>
+                                          <p:spTgt spid="3">
+                                            <p:txEl>
+                                              <p:pRg st="0" end="0"/>
+                                            </p:txEl>
+                                          </p:spTgt>
+                                        </p:tgtEl>
+                                        <p:attrNameLst>
+                                          <p:attrName>ppt_x</p:attrName>
+                                        </p:attrNameLst>
+                                      </p:cBhvr>
+                                      <p:tavLst>
+                                        <p:tav tm="0">
+                                          <p:val>
+                                            <p:strVal val="#ppt_x"/>
+                                          </p:val>
+                                        </p:tav>
+                                        <p:tav tm="100000">
+                                          <p:val>
+                                            <p:strVal val="#ppt_x"/>
+                                          </p:val>
+                                        </p:tav>
+                                      </p:tavLst>
+                                    </p:anim>
+                                    <p:anim calcmode="lin" valueType="num">
+                                      <p:cBhvr additive="base">
+                                        <p:cTn id="8" dur="500" fill="hold"/>
+                                        <p:tgtEl>
+                                          <p:spTgt spid="3">
+                                            <p:txEl>
+                                              <p:pRg st="0" end="0"/>
+                                            </p:txEl>
+                                          </p:spTgt>
+                                        </p:tgtEl>
+                                        <p:attrNameLst>
+                                          <p:attrName>ppt_y</p:attrName>
+                                        </p:attrNameLst>
+                                      </p:cBhvr>
+                                      <p:tavLst>
+                                        <p:tav tm="0">
+                                          <p:val>
+                                            <p:strVal val="1+#ppt_h/2"/>
+                                          </p:val>
+                                        </p:tav>
+                                        <p:tav tm="100000">
+                                          <p:val>
+                                            <p:strVal val="#ppt_y"/>
+                                          </p:val>
+                                        </p:tav>
+                                      </p:tavLst>
+                                    </p:anim>
+                                  </p:childTnLst>
+                                </p:cTn>
+                              </p:par>
+                              <p:par>
+                                <p:cTn id="9" presetID="2" presetClass="entr" presetSubtype="4" fill="hold" grpId="0" nodeType="withEffect">
+                                  <p:stCondLst>
+                                    <p:cond delay="0"/>
+                                  </p:stCondLst>
+                                  <p:childTnLst>
+                                    <p:set>
+                                      <p:cBhvr>
+                                        <p:cTn id="10" dur="1" fill="hold">
+                                          <p:stCondLst>
+                                            <p:cond delay="0"/>
+                                          </p:stCondLst>
+                                        </p:cTn>
+                                        <p:tgtEl>
+                                          <p:spTgt spid="3">
+                                            <p:txEl>
+                                              <p:pRg st="1" end="1"/>
+                                            </p:txEl>
+                                          </p:spTgt>
+                                        </p:tgtEl>
+                                        <p:attrNameLst>
+                                          <p:attrName>style.visibility</p:attrName>
+                                        </p:attrNameLst>
+                                      </p:cBhvr>
+                                      <p:to>
+                                        <p:strVal val="visible"/>
+                                      </p:to>
+                                    </p:set>
+                                    <p:anim calcmode="lin" valueType="num">
+                                      <p:cBhvr additive="base">
+                                        <p:cTn id="11" dur="500" fill="hold"/>
+                                        <p:tgtEl>
+                                          <p:spTgt spid="3">
+                                            <p:txEl>
+                                              <p:pRg st="1" end="1"/>
+                                            </p:txEl>
+                                          </p:spTgt>
+                                        </p:tgtEl>
+                                        <p:attrNameLst>
+                                          <p:attrName>ppt_x</p:attrName>
+                                        </p:attrNameLst>
+                                      </p:cBhvr>
+                                      <p:tavLst>
+                                        <p:tav tm="0">
+                                          <p:val>
+                                            <p:strVal val="#ppt_x"/>
+                                          </p:val>
+                                        </p:tav>
+                                        <p:tav tm="100000">
+                                          <p:val>
+                                            <p:strVal val="#ppt_x"/>
+                                          </p:val>
+                                        </p:tav>
+                                      </p:tavLst>
+                                    </p:anim>
+                                    <p:anim calcmode="lin" valueType="num">
+                                      <p:cBhvr additive="base">
+                                        <p:cTn id="12" dur="500" fill="hold"/>
+                                        <p:tgtEl>
+                                          <p:spTgt spid="3">
+                                            <p:txEl>
+                                              <p:pRg st="1" end="1"/>
+                                            </p:txEl>
+                                          </p:spTgt>
+                                        </p:tgtEl>
+                                        <p:attrNameLst>
+                                          <p:attrName>ppt_y</p:attrName>
+                                        </p:attrNameLst>
+                                      </p:cBhvr>
+                                      <p:tavLst>
+                                        <p:tav tm="0">
+                                          <p:val>
+                                            <p:strVal val="1+#ppt_h/2"/>
+                                          </p:val>
+                                        </p:tav>
+                                        <p:tav tm="100000">
+                                          <p:val>
+                                            <p:strVal val="#ppt_y"/>
+                                          </p:val>
+                                        </p:tav>
+                                      </p:tavLst>
+                                    </p:anim>
+                                  </p:childTnLst>
+                                </p:cTn>
+                              </p:par>
+                              <p:par>
+                                <p:cTn id="13" presetID="2" presetClass="entr" presetSubtype="4" fill="hold" grpId="0" nodeType="withEffect">
+                                  <p:stCondLst>
+                                    <p:cond delay="0"/>
+                                  </p:stCondLst>
+                                  <p:childTnLst>
+                                    <p:set>
+                                      <p:cBhvr>
+                                        <p:cTn id="14" dur="1" fill="hold">
+                                          <p:stCondLst>
+                                            <p:cond delay="0"/>
+                                          </p:stCondLst>
+                                        </p:cTn>
+                                        <p:tgtEl>
+                                          <p:spTgt spid="3">
+                                            <p:txEl>
+                                              <p:pRg st="2" end="2"/>
+                                            </p:txEl>
+                                          </p:spTgt>
+                                        </p:tgtEl>
+                                        <p:attrNameLst>
+                                          <p:attrName>style.visibility</p:attrName>
+                                        </p:attrNameLst>
+                                      </p:cBhvr>
+                                      <p:to>
+                                        <p:strVal val="visible"/>
+                                      </p:to>
+                                    </p:set>
+                                    <p:anim calcmode="lin" valueType="num">
+                                      <p:cBhvr additive="base">
+                                        <p:cTn id="15" dur="500" fill="hold"/>
+                                        <p:tgtEl>
+                                          <p:spTgt spid="3">
+                                            <p:txEl>
+                                              <p:pRg st="2" end="2"/>
+                                            </p:txEl>
+                                          </p:spTgt>
+                                        </p:tgtEl>
+                                        <p:attrNameLst>
+                                          <p:attrName>ppt_x</p:attrName>
+                                        </p:attrNameLst>
+                                      </p:cBhvr>
+                                      <p:tavLst>
+                                        <p:tav tm="0">
+                                          <p:val>
+                                            <p:strVal val="#ppt_x"/>
+                                          </p:val>
+                                        </p:tav>
+                                        <p:tav tm="100000">
+                                          <p:val>
+                                            <p:strVal val="#ppt_x"/>
+                                          </p:val>
+                                        </p:tav>
+                                      </p:tavLst>
+                                    </p:anim>
+                                    <p:anim calcmode="lin" valueType="num">
+                                      <p:cBhvr additive="base">
+                                        <p:cTn id="16" dur="500" fill="hold"/>
+                                        <p:tgtEl>
+                                          <p:spTgt spid="3">
+                                            <p:txEl>
+                                              <p:pRg st="2" end="2"/>
+                                            </p:txEl>
+                                          </p:spTgt>
+                                        </p:tgtEl>
+                                        <p:attrNameLst>
+                                          <p:attrName>ppt_y</p:attrName>
+                                        </p:attrNameLst>
+                                      </p:cBhvr>
+                                      <p:tavLst>
+                                        <p:tav tm="0">
+                                          <p:val>
+                                            <p:strVal val="1+#ppt_h/2"/>
+                                          </p:val>
+                                        </p:tav>
+                                        <p:tav tm="100000">
+                                          <p:val>
+                                            <p:strVal val="#ppt_y"/>
+                                          </p:val>
+                                        </p:tav>
+                                      </p:tavLst>
+                                    </p:anim>
+                                  </p:childTnLst>
+                                </p:cTn>
+                              </p:par>
+                            </p:childTnLst>
+                          </p:cTn>
+                        </p:par>
+                      </p:childTnLst>
+                    </p:cTn>
+                  </p:par>
+                  <p:par>
+                    <p:cTn id="17" fill="hold">
+                      <p:stCondLst>
+                        <p:cond delay="indefinite"/>
+                      </p:stCondLst>
+                      <p:childTnLst>
+                        <p:par>
+                          <p:cTn id="18" fill="hold">
+                            <p:stCondLst>
+                              <p:cond delay="0"/>
+                            </p:stCondLst>
+                            <p:childTnLst>
+                              <p:par>
+                                <p:cTn id="19" presetID="2" presetClass="entr" presetSubtype="4" fill="hold" grpId="0" nodeType="clickEffect">
+                                  <p:stCondLst>
+                                    <p:cond delay="0"/>
+                                  </p:stCondLst>
+                                  <p:childTnLst>
+                                    <p:set>
+                                      <p:cBhvr>
+                                        <p:cTn id="20" dur="1" fill="hold">
+                                          <p:stCondLst>
+                                            <p:cond delay="0"/>
+                                          </p:stCondLst>
+                                        </p:cTn>
+                                        <p:tgtEl>
+                                          <p:spTgt spid="3">
+                                            <p:txEl>
+                                              <p:pRg st="3" end="3"/>
+                                            </p:txEl>
+                                          </p:spTgt>
+                                        </p:tgtEl>
+                                        <p:attrNameLst>
+                                          <p:attrName>style.visibility</p:attrName>
+                                        </p:attrNameLst>
+                                      </p:cBhvr>
+                                      <p:to>
+                                        <p:strVal val="visible"/>
+                                      </p:to>
+                                    </p:set>
+                                    <p:anim calcmode="lin" valueType="num">
+                                      <p:cBhvr additive="base">
+                                        <p:cTn id="21" dur="500" fill="hold"/>
+                                        <p:tgtEl>
+                                          <p:spTgt spid="3">
+                                            <p:txEl>
+                                              <p:pRg st="3" end="3"/>
+                                            </p:txEl>
+                                          </p:spTgt>
+                                        </p:tgtEl>
+                                        <p:attrNameLst>
+                                          <p:attrName>ppt_x</p:attrName>
+                                        </p:attrNameLst>
+                                      </p:cBhvr>
+                                      <p:tavLst>
+                                        <p:tav tm="0">
+                                          <p:val>
+                                            <p:strVal val="#ppt_x"/>
+                                          </p:val>
+                                        </p:tav>
+                                        <p:tav tm="100000">
+                                          <p:val>
+                                            <p:strVal val="#ppt_x"/>
+                                          </p:val>
+                                        </p:tav>
+                                      </p:tavLst>
+                                    </p:anim>
+                                    <p:anim calcmode="lin" valueType="num">
+                                      <p:cBhvr additive="base">
+                                        <p:cTn id="22" dur="500" fill="hold"/>
+                                        <p:tgtEl>
+                                          <p:spTgt spid="3">
+                                            <p:txEl>
+                                              <p:pRg st="3" end="3"/>
+                                            </p:txEl>
+                                          </p:spTgt>
+                                        </p:tgtEl>
+                                        <p:attrNameLst>
+                                          <p:attrName>ppt_y</p:attrName>
+                                        </p:attrNameLst>
+                                      </p:cBhvr>
+                                      <p:tavLst>
+                                        <p:tav tm="0">
+                                          <p:val>
+                                            <p:strVal val="1+#ppt_h/2"/>
+                                          </p:val>
+                                        </p:tav>
+                                        <p:tav tm="100000">
+                                          <p:val>
+                                            <p:strVal val="#ppt_y"/>
+                                          </p:val>
+                                        </p:tav>
+                                      </p:tavLst>
+                                    </p:anim>
+                                  </p:childTnLst>
+                                </p:cTn>
+                              </p:par>
+                              <p:par>
+                                <p:cTn id="23" presetID="2" presetClass="entr" presetSubtype="4" fill="hold" grpId="0" nodeType="withEffect">
+                                  <p:stCondLst>
+                                    <p:cond delay="0"/>
+                                  </p:stCondLst>
+                                  <p:childTnLst>
+                                    <p:set>
+                                      <p:cBhvr>
+                                        <p:cTn id="24" dur="1" fill="hold">
+                                          <p:stCondLst>
+                                            <p:cond delay="0"/>
+                                          </p:stCondLst>
+                                        </p:cTn>
+                                        <p:tgtEl>
+                                          <p:spTgt spid="3">
+                                            <p:txEl>
+                                              <p:pRg st="4" end="4"/>
+                                            </p:txEl>
+                                          </p:spTgt>
+                                        </p:tgtEl>
+                                        <p:attrNameLst>
+                                          <p:attrName>style.visibility</p:attrName>
+                                        </p:attrNameLst>
+                                      </p:cBhvr>
+                                      <p:to>
+                                        <p:strVal val="visible"/>
+                                      </p:to>
+                                    </p:set>
+                                    <p:anim calcmode="lin" valueType="num">
+                                      <p:cBhvr additive="base">
+                                        <p:cTn id="25" dur="500" fill="hold"/>
+                                        <p:tgtEl>
+                                          <p:spTgt spid="3">
+                                            <p:txEl>
+                                              <p:pRg st="4" end="4"/>
+                                            </p:txEl>
+                                          </p:spTgt>
+                                        </p:tgtEl>
+                                        <p:attrNameLst>
+                                          <p:attrName>ppt_x</p:attrName>
+                                        </p:attrNameLst>
+                                      </p:cBhvr>
+                                      <p:tavLst>
+                                        <p:tav tm="0">
+                                          <p:val>
+                                            <p:strVal val="#ppt_x"/>
+                                          </p:val>
+                                        </p:tav>
+                                        <p:tav tm="100000">
+                                          <p:val>
+                                            <p:strVal val="#ppt_x"/>
+                                          </p:val>
+                                        </p:tav>
+                                      </p:tavLst>
+                                    </p:anim>
+                                    <p:anim calcmode="lin" valueType="num">
+                                      <p:cBhvr additive="base">
+                                        <p:cTn id="26" dur="500" fill="hold"/>
+                                        <p:tgtEl>
+                                          <p:spTgt spid="3">
+                                            <p:txEl>
+                                              <p:pRg st="4" end="4"/>
+                                            </p:txEl>
+                                          </p:spTgt>
+                                        </p:tgtEl>
+                                        <p:attrNameLst>
+                                          <p:attrName>ppt_y</p:attrName>
+                                        </p:attrNameLst>
+                                      </p:cBhvr>
+                                      <p:tavLst>
+                                        <p:tav tm="0">
+                                          <p:val>
+                                            <p:strVal val="1+#ppt_h/2"/>
+                                          </p:val>
+                                        </p:tav>
+                                        <p:tav tm="100000">
+                                          <p:val>
+                                            <p:strVal val="#ppt_y"/>
+                                          </p:val>
+                                        </p:tav>
+                                      </p:tavLst>
+                                    </p:anim>
+                                  </p:childTnLst>
+                                </p:cTn>
+                              </p:par>
+                              <p:par>
+                                <p:cTn id="27" presetID="2" presetClass="entr" presetSubtype="4" fill="hold" grpId="0" nodeType="withEffect">
+                                  <p:stCondLst>
+                                    <p:cond delay="0"/>
+                                  </p:stCondLst>
+                                  <p:childTnLst>
+                                    <p:set>
+                                      <p:cBhvr>
+                                        <p:cTn id="28" dur="1" fill="hold">
+                                          <p:stCondLst>
+                                            <p:cond delay="0"/>
+                                          </p:stCondLst>
+                                        </p:cTn>
+                                        <p:tgtEl>
+                                          <p:spTgt spid="3">
+                                            <p:txEl>
+                                              <p:pRg st="5" end="5"/>
+                                            </p:txEl>
+                                          </p:spTgt>
+                                        </p:tgtEl>
+                                        <p:attrNameLst>
+                                          <p:attrName>style.visibility</p:attrName>
+                                        </p:attrNameLst>
+                                      </p:cBhvr>
+                                      <p:to>
+                                        <p:strVal val="visible"/>
+                                      </p:to>
+                                    </p:set>
+                                    <p:anim calcmode="lin" valueType="num">
+                                      <p:cBhvr additive="base">
+                                        <p:cTn id="29" dur="500" fill="hold"/>
+                                        <p:tgtEl>
+                                          <p:spTgt spid="3">
+                                            <p:txEl>
+                                              <p:pRg st="5" end="5"/>
+                                            </p:txEl>
+                                          </p:spTgt>
+                                        </p:tgtEl>
+                                        <p:attrNameLst>
+                                          <p:attrName>ppt_x</p:attrName>
+                                        </p:attrNameLst>
+                                      </p:cBhvr>
+                                      <p:tavLst>
+                                        <p:tav tm="0">
+                                          <p:val>
+                                            <p:strVal val="#ppt_x"/>
+                                          </p:val>
+                                        </p:tav>
+                                        <p:tav tm="100000">
+                                          <p:val>
+                                            <p:strVal val="#ppt_x"/>
+                                          </p:val>
+                                        </p:tav>
+                                      </p:tavLst>
+                                    </p:anim>
+                                    <p:anim calcmode="lin" valueType="num">
+                                      <p:cBhvr additive="base">
+                                        <p:cTn id="30" dur="500" fill="hold"/>
+                                        <p:tgtEl>
+                                          <p:spTgt spid="3">
+                                            <p:txEl>
+                                              <p:pRg st="5" end="5"/>
+                                            </p:txEl>
+                                          </p:spTgt>
+                                        </p:tgtEl>
+                                        <p:attrNameLst>
+                                          <p:attrName>ppt_y</p:attrName>
+                                        </p:attrNameLst>
+                                      </p:cBhvr>
+                                      <p:tavLst>
+                                        <p:tav tm="0">
+                                          <p:val>
+                                            <p:strVal val="1+#ppt_h/2"/>
+                                          </p:val>
+                                        </p:tav>
+                                        <p:tav tm="100000">
+                                          <p:val>
+                                            <p:strVal val="#ppt_y"/>
+                                          </p:val>
+                                        </p:tav>
+                                      </p:tavLst>
+                                    </p:anim>
+                                  </p:childTnLst>
+                                </p:cTn>
+                              </p:par>
+                            </p:childTnLst>
+                          </p:cTn>
+                        </p:par>
+                      </p:childTnLst>
+                    </p:cTn>
+                  </p:par>
+                  <p:par>
+                    <p:cTn id="31" fill="hold">
+                      <p:stCondLst>
+                        <p:cond delay="indefinite"/>
+                      </p:stCondLst>
+                      <p:childTnLst>
+                        <p:par>
+                          <p:cTn id="32" fill="hold">
+                            <p:stCondLst>
+                              <p:cond delay="0"/>
+                            </p:stCondLst>
+                            <p:childTnLst>
+                              <p:par>
+                                <p:cTn id="33" presetID="2" presetClass="entr" presetSubtype="4" fill="hold" grpId="0" nodeType="clickEffect">
+                                  <p:stCondLst>
+                                    <p:cond delay="0"/>
+                                  </p:stCondLst>
+                                  <p:childTnLst>
+                                    <p:set>
+                                      <p:cBhvr>
+                                        <p:cTn id="34" dur="1" fill="hold">
+                                          <p:stCondLst>
+                                            <p:cond delay="0"/>
+                                          </p:stCondLst>
+                                        </p:cTn>
+                                        <p:tgtEl>
+                                          <p:spTgt spid="3">
+                                            <p:txEl>
+                                              <p:pRg st="6" end="6"/>
+                                            </p:txEl>
+                                          </p:spTgt>
+                                        </p:tgtEl>
+                                        <p:attrNameLst>
+                                          <p:attrName>style.visibility</p:attrName>
+                                        </p:attrNameLst>
+                                      </p:cBhvr>
+                                      <p:to>
+                                        <p:strVal val="visible"/>
+                                      </p:to>
+                                    </p:set>
+                                    <p:anim calcmode="lin" valueType="num">
+                                      <p:cBhvr additive="base">
+                                        <p:cTn id="35" dur="500" fill="hold"/>
+                                        <p:tgtEl>
+                                          <p:spTgt spid="3">
+                                            <p:txEl>
+                                              <p:pRg st="6" end="6"/>
+                                            </p:txEl>
+                                          </p:spTgt>
+                                        </p:tgtEl>
+                                        <p:attrNameLst>
+                                          <p:attrName>ppt_x</p:attrName>
+                                        </p:attrNameLst>
+                                      </p:cBhvr>
+                                      <p:tavLst>
+                                        <p:tav tm="0">
+                                          <p:val>
+                                            <p:strVal val="#ppt_x"/>
+                                          </p:val>
+                                        </p:tav>
+                                        <p:tav tm="100000">
+                                          <p:val>
+                                            <p:strVal val="#ppt_x"/>
+                                          </p:val>
+                                        </p:tav>
+                                      </p:tavLst>
+                                    </p:anim>
+                                    <p:anim calcmode="lin" valueType="num">
+                                      <p:cBhvr additive="base">
+                                        <p:cTn id="36" dur="500" fill="hold"/>
+                                        <p:tgtEl>
+                                          <p:spTgt spid="3">
+                                            <p:txEl>
+                                              <p:pRg st="6" end="6"/>
+                                            </p:txEl>
+                                          </p:spTgt>
+                                        </p:tgtEl>
+                                        <p:attrNameLst>
+                                          <p:attrName>ppt_y</p:attrName>
+                                        </p:attrNameLst>
+                                      </p:cBhvr>
+                                      <p:tavLst>
+                                        <p:tav tm="0">
+                                          <p:val>
+                                            <p:strVal val="1+#ppt_h/2"/>
+                                          </p:val>
+                                        </p:tav>
+                                        <p:tav tm="100000">
+                                          <p:val>
+                                            <p:strVal val="#ppt_y"/>
+                                          </p:val>
+                                        </p:tav>
+                                      </p:tavLst>
+                                    </p:anim>
+                                  </p:childTnLst>
+                                </p:cTn>
+                              </p:par>
+                              <p:par>
+                                <p:cTn id="37" presetID="2" presetClass="entr" presetSubtype="4" fill="hold" grpId="0" nodeType="withEffect">
+                                  <p:stCondLst>
+                                    <p:cond delay="0"/>
+                                  </p:stCondLst>
+                                  <p:childTnLst>
+                                    <p:set>
+                                      <p:cBhvr>
+                                        <p:cTn id="38" dur="1" fill="hold">
+                                          <p:stCondLst>
+                                            <p:cond delay="0"/>
+                                          </p:stCondLst>
+                                        </p:cTn>
+                                        <p:tgtEl>
+                                          <p:spTgt spid="3">
+                                            <p:txEl>
+                                              <p:pRg st="7" end="7"/>
+                                            </p:txEl>
+                                          </p:spTgt>
+                                        </p:tgtEl>
+                                        <p:attrNameLst>
+                                          <p:attrName>style.visibility</p:attrName>
+                                        </p:attrNameLst>
+                                      </p:cBhvr>
+                                      <p:to>
+                                        <p:strVal val="visible"/>
+                                      </p:to>
+                                    </p:set>
+                                    <p:anim calcmode="lin" valueType="num">
+                                      <p:cBhvr additive="base">
+                                        <p:cTn id="39" dur="500" fill="hold"/>
+                                        <p:tgtEl>
+                                          <p:spTgt spid="3">
+                                            <p:txEl>
+                                              <p:pRg st="7" end="7"/>
+                                            </p:txEl>
+                                          </p:spTgt>
+                                        </p:tgtEl>
+                                        <p:attrNameLst>
+                                          <p:attrName>ppt_x</p:attrName>
+                                        </p:attrNameLst>
+                                      </p:cBhvr>
+                                      <p:tavLst>
+                                        <p:tav tm="0">
+                                          <p:val>
+                                            <p:strVal val="#ppt_x"/>
+                                          </p:val>
+                                        </p:tav>
+                                        <p:tav tm="100000">
+                                          <p:val>
+                                            <p:strVal val="#ppt_x"/>
+                                          </p:val>
+                                        </p:tav>
+                                      </p:tavLst>
+                                    </p:anim>
+                                    <p:anim calcmode="lin" valueType="num">
+                                      <p:cBhvr additive="base">
+                                        <p:cTn id="40" dur="500" fill="hold"/>
+                                        <p:tgtEl>
+                                          <p:spTgt spid="3">
+                                            <p:txEl>
+                                              <p:pRg st="7" end="7"/>
+                                            </p:txEl>
+                                          </p:spTgt>
+                                        </p:tgtEl>
+                                        <p:attrNameLst>
+                                          <p:attrName>ppt_y</p:attrName>
+                                        </p:attrNameLst>
+                                      </p:cBhvr>
+                                      <p:tavLst>
+                                        <p:tav tm="0">
+                                          <p:val>
+                                            <p:strVal val="1+#ppt_h/2"/>
+                                          </p:val>
+                                        </p:tav>
+                                        <p:tav tm="100000">
+                                          <p:val>
+                                            <p:strVal val="#ppt_y"/>
+                                          </p:val>
+                                        </p:tav>
+                                      </p:tavLst>
+                                    </p:anim>
+                                  </p:childTnLst>
+                                </p:cTn>
+                              </p:par>
+                              <p:par>
+                                <p:cTn id="41" presetID="2" presetClass="entr" presetSubtype="4" fill="hold" grpId="0" nodeType="withEffect">
+                                  <p:stCondLst>
+                                    <p:cond delay="0"/>
+                                  </p:stCondLst>
+                                  <p:childTnLst>
+                                    <p:set>
+                                      <p:cBhvr>
+                                        <p:cTn id="42" dur="1" fill="hold">
+                                          <p:stCondLst>
+                                            <p:cond delay="0"/>
+                                          </p:stCondLst>
+                                        </p:cTn>
+                                        <p:tgtEl>
+                                          <p:spTgt spid="3">
+                                            <p:txEl>
+                                              <p:pRg st="8" end="8"/>
+                                            </p:txEl>
+                                          </p:spTgt>
+                                        </p:tgtEl>
+                                        <p:attrNameLst>
+                                          <p:attrName>style.visibility</p:attrName>
+                                        </p:attrNameLst>
+                                      </p:cBhvr>
+                                      <p:to>
+                                        <p:strVal val="visible"/>
+                                      </p:to>
+                                    </p:set>
+                                    <p:anim calcmode="lin" valueType="num">
+                                      <p:cBhvr additive="base">
+                                        <p:cTn id="43" dur="500" fill="hold"/>
+                                        <p:tgtEl>
+                                          <p:spTgt spid="3">
+                                            <p:txEl>
+                                              <p:pRg st="8" end="8"/>
+                                            </p:txEl>
+                                          </p:spTgt>
+                                        </p:tgtEl>
+                                        <p:attrNameLst>
+                                          <p:attrName>ppt_x</p:attrName>
+                                        </p:attrNameLst>
+                                      </p:cBhvr>
+                                      <p:tavLst>
+                                        <p:tav tm="0">
+                                          <p:val>
+                                            <p:strVal val="#ppt_x"/>
+                                          </p:val>
+                                        </p:tav>
+                                        <p:tav tm="100000">
+                                          <p:val>
+                                            <p:strVal val="#ppt_x"/>
+                                          </p:val>
+                                        </p:tav>
+                                      </p:tavLst>
+                                    </p:anim>
+                                    <p:anim calcmode="lin" valueType="num">
+                                      <p:cBhvr additive="base">
+                                        <p:cTn id="44" dur="500" fill="hold"/>
+                                        <p:tgtEl>
+                                          <p:spTgt spid="3">
+                                            <p:txEl>
+                                              <p:pRg st="8" end="8"/>
+                                            </p:txEl>
+                                          </p:spTgt>
+                                        </p:tgtEl>
+                                        <p:attrNameLst>
+                                          <p:attrName>ppt_y</p:attrName>
+                                        </p:attrNameLst>
+                                      </p:cBhvr>
+                                      <p:tavLst>
+                                        <p:tav tm="0">
+                                          <p:val>
+                                            <p:strVal val="1+#ppt_h/2"/>
+                                          </p:val>
+                                        </p:tav>
+                                        <p:tav tm="100000">
+                                          <p:val>
+                                            <p:strVal val="#ppt_y"/>
+                                          </p:val>
+                                        </p:tav>
+                                      </p:tavLst>
+                                    </p:anim>
+                                  </p:childTnLst>
+                                </p:cTn>
+                              </p:par>
+                            </p:childTnLst>
+                          </p:cTn>
+                        </p:par>
+                      </p:childTnLst>
+                    </p:cTn>
+                  </p:par>
+                  <p:par>
+                    <p:cTn id="45" fill="hold">
+                      <p:stCondLst>
+                        <p:cond delay="indefinite"/>
+                      </p:stCondLst>
+                      <p:childTnLst>
+                        <p:par>
+                          <p:cTn id="46" fill="hold">
+                            <p:stCondLst>
+                              <p:cond delay="0"/>
+                            </p:stCondLst>
+                            <p:childTnLst>
+                              <p:par>
+                                <p:cTn id="47" presetID="2" presetClass="entr" presetSubtype="4" fill="hold" grpId="0" nodeType="clickEffect">
+                                  <p:stCondLst>
+                                    <p:cond delay="0"/>
+                                  </p:stCondLst>
+                                  <p:childTnLst>
+                                    <p:set>
+                                      <p:cBhvr>
+                                        <p:cTn id="48" dur="1" fill="hold">
+                                          <p:stCondLst>
+                                            <p:cond delay="0"/>
+                                          </p:stCondLst>
+                                        </p:cTn>
+                                        <p:tgtEl>
+                                          <p:spTgt spid="3">
+                                            <p:txEl>
+                                              <p:pRg st="9" end="9"/>
+                                            </p:txEl>
+                                          </p:spTgt>
+                                        </p:tgtEl>
+                                        <p:attrNameLst>
+                                          <p:attrName>style.visibility</p:attrName>
+                                        </p:attrNameLst>
+                                      </p:cBhvr>
+                                      <p:to>
+                                        <p:strVal val="visible"/>
+                                      </p:to>
+                                    </p:set>
+                                    <p:anim calcmode="lin" valueType="num">
+                                      <p:cBhvr additive="base">
+                                        <p:cTn id="49" dur="500" fill="hold"/>
+                                        <p:tgtEl>
+                                          <p:spTgt spid="3">
+                                            <p:txEl>
+                                              <p:pRg st="9" end="9"/>
+                                            </p:txEl>
+                                          </p:spTgt>
+                                        </p:tgtEl>
+                                        <p:attrNameLst>
+                                          <p:attrName>ppt_x</p:attrName>
+                                        </p:attrNameLst>
+                                      </p:cBhvr>
+                                      <p:tavLst>
+                                        <p:tav tm="0">
+                                          <p:val>
+                                            <p:strVal val="#ppt_x"/>
+                                          </p:val>
+                                        </p:tav>
+                                        <p:tav tm="100000">
+                                          <p:val>
+                                            <p:strVal val="#ppt_x"/>
+                                          </p:val>
+                                        </p:tav>
+                                      </p:tavLst>
+                                    </p:anim>
+                                    <p:anim calcmode="lin" valueType="num">
+                                      <p:cBhvr additive="base">
+                                        <p:cTn id="50" dur="500" fill="hold"/>
+                                        <p:tgtEl>
+                                          <p:spTgt spid="3">
+                                            <p:txEl>
+                                              <p:pRg st="9" end="9"/>
+                                            </p:txEl>
+                                          </p:spTgt>
+                                        </p:tgtEl>
+                                        <p:attrNameLst>
+                                          <p:attrName>ppt_y</p:attrName>
+                                        </p:attrNameLst>
+                                      </p:cBhvr>
+                                      <p:tavLst>
+                                        <p:tav tm="0">
+                                          <p:val>
+                                            <p:strVal val="1+#ppt_h/2"/>
+                                          </p:val>
+                                        </p:tav>
+                                        <p:tav tm="100000">
+                                          <p:val>
+                                            <p:strVal val="#ppt_y"/>
+                                          </p:val>
+                                        </p:tav>
+                                      </p:tavLst>
+                                    </p:anim>
+                                  </p:childTnLst>
+                                </p:cTn>
+                              </p:par>
+                              <p:par>
+                                <p:cTn id="51" presetID="2" presetClass="entr" presetSubtype="4" fill="hold" grpId="0" nodeType="withEffect">
+                                  <p:stCondLst>
+                                    <p:cond delay="0"/>
+                                  </p:stCondLst>
+                                  <p:childTnLst>
+                                    <p:set>
+                                      <p:cBhvr>
+                                        <p:cTn id="52" dur="1" fill="hold">
+                                          <p:stCondLst>
+                                            <p:cond delay="0"/>
+                                          </p:stCondLst>
+                                        </p:cTn>
+                                        <p:tgtEl>
+                                          <p:spTgt spid="3">
+                                            <p:txEl>
+                                              <p:pRg st="10" end="10"/>
+                                            </p:txEl>
+                                          </p:spTgt>
+                                        </p:tgtEl>
+                                        <p:attrNameLst>
+                                          <p:attrName>style.visibility</p:attrName>
+                                        </p:attrNameLst>
+                                      </p:cBhvr>
+                                      <p:to>
+                                        <p:strVal val="visible"/>
+                                      </p:to>
+                                    </p:set>
+                                    <p:anim calcmode="lin" valueType="num">
+                                      <p:cBhvr additive="base">
+                                        <p:cTn id="53" dur="500" fill="hold"/>
+                                        <p:tgtEl>
+                                          <p:spTgt spid="3">
+                                            <p:txEl>
+                                              <p:pRg st="10" end="10"/>
+                                            </p:txEl>
+                                          </p:spTgt>
+                                        </p:tgtEl>
+                                        <p:attrNameLst>
+                                          <p:attrName>ppt_x</p:attrName>
+                                        </p:attrNameLst>
+                                      </p:cBhvr>
+                                      <p:tavLst>
+                                        <p:tav tm="0">
+                                          <p:val>
+                                            <p:strVal val="#ppt_x"/>
+                                          </p:val>
+                                        </p:tav>
+                                        <p:tav tm="100000">
+                                          <p:val>
+                                            <p:strVal val="#ppt_x"/>
+                                          </p:val>
+                                        </p:tav>
+                                      </p:tavLst>
+                                    </p:anim>
+                                    <p:anim calcmode="lin" valueType="num">
+                                      <p:cBhvr additive="base">
+                                        <p:cTn id="54" dur="500" fill="hold"/>
+                                        <p:tgtEl>
+                                          <p:spTgt spid="3">
+                                            <p:txEl>
+                                              <p:pRg st="10" end="10"/>
+                                            </p:txEl>
+                                          </p:spTgt>
+                                        </p:tgtEl>
+                                        <p:attrNameLst>
+                                          <p:attrName>ppt_y</p:attrName>
+                                        </p:attrNameLst>
+                                      </p:cBhvr>
+                                      <p:tavLst>
+                                        <p:tav tm="0">
+                                          <p:val>
+                                            <p:strVal val="1+#ppt_h/2"/>
+                                          </p:val>
+                                        </p:tav>
+                                        <p:tav tm="100000">
+                                          <p:val>
+                                            <p:strVal val="#ppt_y"/>
+                                          </p:val>
+                                        </p:tav>
+                                      </p:tavLst>
+                                    </p:anim>
+                                  </p:childTnLst>
+                                </p:cTn>
+                              </p:par>
+                              <p:par>
+                                <p:cTn id="55" presetID="2" presetClass="entr" presetSubtype="4" fill="hold" grpId="0" nodeType="withEffect">
+                                  <p:stCondLst>
+                                    <p:cond delay="0"/>
+                                  </p:stCondLst>
+                                  <p:childTnLst>
+                                    <p:set>
+                                      <p:cBhvr>
+                                        <p:cTn id="56" dur="1" fill="hold">
+                                          <p:stCondLst>
+                                            <p:cond delay="0"/>
+                                          </p:stCondLst>
+                                        </p:cTn>
+                                        <p:tgtEl>
+                                          <p:spTgt spid="3">
+                                            <p:txEl>
+                                              <p:pRg st="11" end="11"/>
+                                            </p:txEl>
+                                          </p:spTgt>
+                                        </p:tgtEl>
+                                        <p:attrNameLst>
+                                          <p:attrName>style.visibility</p:attrName>
+                                        </p:attrNameLst>
+                                      </p:cBhvr>
+                                      <p:to>
+                                        <p:strVal val="visible"/>
+                                      </p:to>
+                                    </p:set>
+                                    <p:anim calcmode="lin" valueType="num">
+                                      <p:cBhvr additive="base">
+                                        <p:cTn id="57" dur="500" fill="hold"/>
+                                        <p:tgtEl>
+                                          <p:spTgt spid="3">
+                                            <p:txEl>
+                                              <p:pRg st="11" end="11"/>
+                                            </p:txEl>
+                                          </p:spTgt>
+                                        </p:tgtEl>
+                                        <p:attrNameLst>
+                                          <p:attrName>ppt_x</p:attrName>
+                                        </p:attrNameLst>
+                                      </p:cBhvr>
+                                      <p:tavLst>
+                                        <p:tav tm="0">
+                                          <p:val>
+                                            <p:strVal val="#ppt_x"/>
+                                          </p:val>
+                                        </p:tav>
+                                        <p:tav tm="100000">
+                                          <p:val>
+                                            <p:strVal val="#ppt_x"/>
+                                          </p:val>
+                                        </p:tav>
+                                      </p:tavLst>
+                                    </p:anim>
+                                    <p:anim calcmode="lin" valueType="num">
+                                      <p:cBhvr additive="base">
+                                        <p:cTn id="58" dur="500" fill="hold"/>
+                                        <p:tgtEl>
+                                          <p:spTgt spid="3">
+                                            <p:txEl>
+                                              <p:pRg st="11" end="11"/>
+                                            </p:txEl>
+                                          </p:spTgt>
+                                        </p:tgtEl>
+                                        <p:attrNameLst>
+                                          <p:attrName>ppt_y</p:attrName>
+                                        </p:attrNameLst>
+                                      </p:cBhvr>
+                                      <p:tavLst>
+                                        <p:tav tm="0">
+                                          <p:val>
+                                            <p:strVal val="1+#ppt_h/2"/>
+                                          </p:val>
+                                        </p:tav>
+                                        <p:tav tm="100000">
+                                          <p:val>
+                                            <p:strVal val="#ppt_y"/>
+                                          </p:val>
+                                        </p:tav>
+                                      </p:tavLst>
+                                    </p:anim>
+                                  </p:childTnLst>
+                                </p:cTn>
+                              </p:par>
+                              <p:par>
+                                <p:cTn id="59" presetID="2" presetClass="entr" presetSubtype="4" fill="hold" grpId="0" nodeType="withEffect">
+                                  <p:stCondLst>
+                                    <p:cond delay="0"/>
+                                  </p:stCondLst>
+                                  <p:childTnLst>
+                                    <p:set>
+                                      <p:cBhvr>
+                                        <p:cTn id="60" dur="1" fill="hold">
+                                          <p:stCondLst>
+                                            <p:cond delay="0"/>
+                                          </p:stCondLst>
+                                        </p:cTn>
+                                        <p:tgtEl>
+                                          <p:spTgt spid="3">
+                                            <p:txEl>
+                                              <p:pRg st="12" end="12"/>
+                                            </p:txEl>
+                                          </p:spTgt>
+                                        </p:tgtEl>
+                                        <p:attrNameLst>
+                                          <p:attrName>style.visibility</p:attrName>
+                                        </p:attrNameLst>
+                                      </p:cBhvr>
+                                      <p:to>
+                                        <p:strVal val="visible"/>
+                                      </p:to>
+                                    </p:set>
+                                    <p:anim calcmode="lin" valueType="num">
+                                      <p:cBhvr additive="base">
+                                        <p:cTn id="61" dur="500" fill="hold"/>
+                                        <p:tgtEl>
+                                          <p:spTgt spid="3">
+                                            <p:txEl>
+                                              <p:pRg st="12" end="12"/>
+                                            </p:txEl>
+                                          </p:spTgt>
+                                        </p:tgtEl>
+                                        <p:attrNameLst>
+                                          <p:attrName>ppt_x</p:attrName>
+                                        </p:attrNameLst>
+                                      </p:cBhvr>
+                                      <p:tavLst>
+                                        <p:tav tm="0">
+                                          <p:val>
+                                            <p:strVal val="#ppt_x"/>
+                                          </p:val>
+                                        </p:tav>
+                                        <p:tav tm="100000">
+                                          <p:val>
+                                            <p:strVal val="#ppt_x"/>
+                                          </p:val>
+                                        </p:tav>
+                                      </p:tavLst>
+                                    </p:anim>
+                                    <p:anim calcmode="lin" valueType="num">
+                                      <p:cBhvr additive="base">
+                                        <p:cTn id="62" dur="500" fill="hold"/>
+                                        <p:tgtEl>
+                                          <p:spTgt spid="3">
+                                            <p:txEl>
+                                              <p:pRg st="12" end="12"/>
+                                            </p:txEl>
+                                          </p:spTgt>
+                                        </p:tgtEl>
+                                        <p:attrNameLst>
+                                          <p:attrName>ppt_y</p:attrName>
+                                        </p:attrNameLst>
+                                      </p:cBhvr>
+                                      <p:tavLst>
+                                        <p:tav tm="0">
+                                          <p:val>
+                                            <p:strVal val="1+#ppt_h/2"/>
+                                          </p:val>
+                                        </p:tav>
+                                        <p:tav tm="100000">
+                                          <p:val>
+                                            <p:strVal val="#ppt_y"/>
+                                          </p:val>
+                                        </p:tav>
+                                      </p:tavLst>
+                                    </p:anim>
+                                  </p:childTnLst>
+                                </p:cTn>
+                              </p:par>
+                              <p:par>
+                                <p:cTn id="63" presetID="2" presetClass="entr" presetSubtype="4" fill="hold" grpId="0" nodeType="withEffect">
+                                  <p:stCondLst>
+                                    <p:cond delay="0"/>
+                                  </p:stCondLst>
+                                  <p:childTnLst>
+                                    <p:set>
+                                      <p:cBhvr>
+                                        <p:cTn id="64" dur="1" fill="hold">
+                                          <p:stCondLst>
+                                            <p:cond delay="0"/>
+                                          </p:stCondLst>
+                                        </p:cTn>
+                                        <p:tgtEl>
+                                          <p:spTgt spid="3">
+                                            <p:txEl>
+                                              <p:pRg st="13" end="13"/>
+                                            </p:txEl>
+                                          </p:spTgt>
+                                        </p:tgtEl>
+                                        <p:attrNameLst>
+                                          <p:attrName>style.visibility</p:attrName>
+                                        </p:attrNameLst>
+                                      </p:cBhvr>
+                                      <p:to>
+                                        <p:strVal val="visible"/>
+                                      </p:to>
+                                    </p:set>
+                                    <p:anim calcmode="lin" valueType="num">
+                                      <p:cBhvr additive="base">
+                                        <p:cTn id="65" dur="500" fill="hold"/>
+                                        <p:tgtEl>
+                                          <p:spTgt spid="3">
+                                            <p:txEl>
+                                              <p:pRg st="13" end="13"/>
+                                            </p:txEl>
+                                          </p:spTgt>
+                                        </p:tgtEl>
+                                        <p:attrNameLst>
+                                          <p:attrName>ppt_x</p:attrName>
+                                        </p:attrNameLst>
+                                      </p:cBhvr>
+                                      <p:tavLst>
+                                        <p:tav tm="0">
+                                          <p:val>
+                                            <p:strVal val="#ppt_x"/>
+                                          </p:val>
+                                        </p:tav>
+                                        <p:tav tm="100000">
+                                          <p:val>
+                                            <p:strVal val="#ppt_x"/>
+                                          </p:val>
+                                        </p:tav>
+                                      </p:tavLst>
+                                    </p:anim>
+                                    <p:anim calcmode="lin" valueType="num">
+                                      <p:cBhvr additive="base">
+                                        <p:cTn id="66" dur="500" fill="hold"/>
+                                        <p:tgtEl>
+                                          <p:spTgt spid="3">
+                                            <p:txEl>
+                                              <p:pRg st="13" end="13"/>
+                                            </p:txEl>
+                                          </p:spTgt>
+                                        </p:tgtEl>
+                                        <p:attrNameLst>
+                                          <p:attrName>ppt_y</p:attrName>
+                                        </p:attrNameLst>
+                                      </p:cBhvr>
+                                      <p:tavLst>
+                                        <p:tav tm="0">
+                                          <p:val>
+                                            <p:strVal val="1+#ppt_h/2"/>
+                                          </p:val>
+                                        </p:tav>
+                                        <p:tav tm="100000">
+                                          <p:val>
+                                            <p:strVal val="#ppt_y"/>
+                                          </p:val>
+                                        </p:tav>
+                                      </p:tavLst>
+                                    </p:anim>
+                                  </p:childTnLst>
+                                </p:cTn>
+                              </p:par>
+                            </p:childTnLst>
+                          </p:cTn>
+                        </p:par>
+                      </p:childTnLst>
+                    </p:cTn>
+                  </p:par>
+                  <p:par>
+                    <p:cTn id="67" fill="hold">
+                      <p:stCondLst>
+                        <p:cond delay="indefinite"/>
+                      </p:stCondLst>
+                      <p:childTnLst>
+                        <p:par>
+                          <p:cTn id="68" fill="hold">
+                            <p:stCondLst>
+                              <p:cond delay="0"/>
+                            </p:stCondLst>
+                            <p:childTnLst>
+                              <p:par>
+                                <p:cTn id="69" presetID="2" presetClass="entr" presetSubtype="4" fill="hold" grpId="0" nodeType="clickEffect">
+                                  <p:stCondLst>
+                                    <p:cond delay="0"/>
+                                  </p:stCondLst>
+                                  <p:childTnLst>
+                                    <p:set>
+                                      <p:cBhvr>
+                                        <p:cTn id="70" dur="1" fill="hold">
+                                          <p:stCondLst>
+                                            <p:cond delay="0"/>
+                                          </p:stCondLst>
+                                        </p:cTn>
+                                        <p:tgtEl>
+                                          <p:spTgt spid="3">
+                                            <p:txEl>
+                                              <p:pRg st="14" end="14"/>
+                                            </p:txEl>
+                                          </p:spTgt>
+                                        </p:tgtEl>
+                                        <p:attrNameLst>
+                                          <p:attrName>style.visibility</p:attrName>
+                                        </p:attrNameLst>
+                                      </p:cBhvr>
+                                      <p:to>
+                                        <p:strVal val="visible"/>
+                                      </p:to>
+                                    </p:set>
+                                    <p:anim calcmode="lin" valueType="num">
+                                      <p:cBhvr additive="base">
+                                        <p:cTn id="71" dur="500" fill="hold"/>
+                                        <p:tgtEl>
+                                          <p:spTgt spid="3">
+                                            <p:txEl>
+                                              <p:pRg st="14" end="14"/>
+                                            </p:txEl>
+                                          </p:spTgt>
+                                        </p:tgtEl>
+                                        <p:attrNameLst>
+                                          <p:attrName>ppt_x</p:attrName>
+                                        </p:attrNameLst>
+                                      </p:cBhvr>
+                                      <p:tavLst>
+                                        <p:tav tm="0">
+                                          <p:val>
+                                            <p:strVal val="#ppt_x"/>
+                                          </p:val>
+                                        </p:tav>
+                                        <p:tav tm="100000">
+                                          <p:val>
+                                            <p:strVal val="#ppt_x"/>
+                                          </p:val>
+                                        </p:tav>
+                                      </p:tavLst>
+                                    </p:anim>
+                                    <p:anim calcmode="lin" valueType="num">
+                                      <p:cBhvr additive="base">
+                                        <p:cTn id="72" dur="500" fill="hold"/>
+                                        <p:tgtEl>
+                                          <p:spTgt spid="3">
+                                            <p:txEl>
+                                              <p:pRg st="14" end="14"/>
+                                            </p:txEl>
+                                          </p:spTgt>
+                                        </p:tgtEl>
+                                        <p:attrNameLst>
+                                          <p:attrName>ppt_y</p:attrName>
+                                        </p:attrNameLst>
+                                      </p:cBhvr>
+                                      <p:tavLst>
+                                        <p:tav tm="0">
+                                          <p:val>
+                                            <p:strVal val="1+#ppt_h/2"/>
+                                          </p:val>
+                                        </p:tav>
+                                        <p:tav tm="100000">
+                                          <p:val>
+                                            <p:strVal val="#ppt_y"/>
+                                          </p:val>
+                                        </p:tav>
+                                      </p:tavLst>
+                                    </p:anim>
+                                  </p:childTnLst>
+                                </p:cTn>
+                              </p:par>
+                              <p:par>
+                                <p:cTn id="73" presetID="2" presetClass="entr" presetSubtype="4" fill="hold" grpId="0" nodeType="withEffect">
+                                  <p:stCondLst>
+                                    <p:cond delay="0"/>
+                                  </p:stCondLst>
+                                  <p:childTnLst>
+                                    <p:set>
+                                      <p:cBhvr>
+                                        <p:cTn id="74" dur="1" fill="hold">
+                                          <p:stCondLst>
+                                            <p:cond delay="0"/>
+                                          </p:stCondLst>
+                                        </p:cTn>
+                                        <p:tgtEl>
+                                          <p:spTgt spid="3">
+                                            <p:txEl>
+                                              <p:pRg st="15" end="15"/>
+                                            </p:txEl>
+                                          </p:spTgt>
+                                        </p:tgtEl>
+                                        <p:attrNameLst>
+                                          <p:attrName>style.visibility</p:attrName>
+                                        </p:attrNameLst>
+                                      </p:cBhvr>
+                                      <p:to>
+                                        <p:strVal val="visible"/>
+                                      </p:to>
+                                    </p:set>
+                                    <p:anim calcmode="lin" valueType="num">
+                                      <p:cBhvr additive="base">
+                                        <p:cTn id="75" dur="500" fill="hold"/>
+                                        <p:tgtEl>
+                                          <p:spTgt spid="3">
+                                            <p:txEl>
+                                              <p:pRg st="15" end="15"/>
+                                            </p:txEl>
+                                          </p:spTgt>
+                                        </p:tgtEl>
+                                        <p:attrNameLst>
+                                          <p:attrName>ppt_x</p:attrName>
+                                        </p:attrNameLst>
+                                      </p:cBhvr>
+                                      <p:tavLst>
+                                        <p:tav tm="0">
+                                          <p:val>
+                                            <p:strVal val="#ppt_x"/>
+                                          </p:val>
+                                        </p:tav>
+                                        <p:tav tm="100000">
+                                          <p:val>
+                                            <p:strVal val="#ppt_x"/>
+                                          </p:val>
+                                        </p:tav>
+                                      </p:tavLst>
+                                    </p:anim>
+                                    <p:anim calcmode="lin" valueType="num">
+                                      <p:cBhvr additive="base">
+                                        <p:cTn id="76" dur="500" fill="hold"/>
+                                        <p:tgtEl>
+                                          <p:spTgt spid="3">
+                                            <p:txEl>
+                                              <p:pRg st="15" end="15"/>
+                                            </p:txEl>
+                                          </p:spTgt>
+                                        </p:tgtEl>
+                                        <p:attrNameLst>
+                                          <p:attrName>ppt_y</p:attrName>
+                                        </p:attrNameLst>
+                                      </p:cBhvr>
+                                      <p:tavLst>
+                                        <p:tav tm="0">
+                                          <p:val>
+                                            <p:strVal val="1+#ppt_h/2"/>
+                                          </p:val>
+                                        </p:tav>
+                                        <p:tav tm="100000">
+                                          <p:val>
+                                            <p:strVal val="#ppt_y"/>
+                                          </p:val>
+                                        </p:tav>
+                                      </p:tavLst>
+                                    </p:anim>
+                                  </p:childTnLst>
+                                </p:cTn>
+                              </p:par>
+                              <p:par>
+                                <p:cTn id="77" presetID="2" presetClass="entr" presetSubtype="4" fill="hold" grpId="0" nodeType="withEffect">
+                                  <p:stCondLst>
+                                    <p:cond delay="0"/>
+                                  </p:stCondLst>
+                                  <p:childTnLst>
+                                    <p:set>
+                                      <p:cBhvr>
+                                        <p:cTn id="78" dur="1" fill="hold">
+                                          <p:stCondLst>
+                                            <p:cond delay="0"/>
+                                          </p:stCondLst>
+                                        </p:cTn>
+                                        <p:tgtEl>
+                                          <p:spTgt spid="3">
+                                            <p:txEl>
+                                              <p:pRg st="16" end="16"/>
+                                            </p:txEl>
+                                          </p:spTgt>
+                                        </p:tgtEl>
+                                        <p:attrNameLst>
+                                          <p:attrName>style.visibility</p:attrName>
+                                        </p:attrNameLst>
+                                      </p:cBhvr>
+                                      <p:to>
+                                        <p:strVal val="visible"/>
+                                      </p:to>
+                                    </p:set>
+                                    <p:anim calcmode="lin" valueType="num">
+                                      <p:cBhvr additive="base">
+                                        <p:cTn id="79" dur="500" fill="hold"/>
+                                        <p:tgtEl>
+                                          <p:spTgt spid="3">
+                                            <p:txEl>
+                                              <p:pRg st="16" end="16"/>
+                                            </p:txEl>
+                                          </p:spTgt>
+                                        </p:tgtEl>
+                                        <p:attrNameLst>
+                                          <p:attrName>ppt_x</p:attrName>
+                                        </p:attrNameLst>
+                                      </p:cBhvr>
+                                      <p:tavLst>
+                                        <p:tav tm="0">
+                                          <p:val>
+                                            <p:strVal val="#ppt_x"/>
+                                          </p:val>
+                                        </p:tav>
+                                        <p:tav tm="100000">
+                                          <p:val>
+                                            <p:strVal val="#ppt_x"/>
+                                          </p:val>
+                                        </p:tav>
+                                      </p:tavLst>
+                                    </p:anim>
+                                    <p:anim calcmode="lin" valueType="num">
+                                      <p:cBhvr additive="base">
+                                        <p:cTn id="80" dur="500" fill="hold"/>
+                                        <p:tgtEl>
+                                          <p:spTgt spid="3">
+                                            <p:txEl>
+                                              <p:pRg st="16" end="16"/>
+                                            </p:txEl>
+                                          </p:spTgt>
+                                        </p:tgtEl>
+                                        <p:attrNameLst>
+                                          <p:attrName>ppt_y</p:attrName>
+                                        </p:attrNameLst>
+                                      </p:cBhvr>
+                                      <p:tavLst>
+                                        <p:tav tm="0">
+                                          <p:val>
+                                            <p:strVal val="1+#ppt_h/2"/>
+                                          </p:val>
+                                        </p:tav>
+                                        <p:tav tm="100000">
+                                          <p:val>
+                                            <p:strVal val="#ppt_y"/>
+                                          </p:val>
+                                        </p:tav>
+                                      </p:tavLst>
+                                    </p:anim>
+                                  </p:childTnLst>
+                                </p:cTn>
+                              </p:par>
+                              <p:par>
+                                <p:cTn id="81" presetID="2" presetClass="entr" presetSubtype="4" fill="hold" grpId="0" nodeType="withEffect">
+                                  <p:stCondLst>
+                                    <p:cond delay="0"/>
+                                  </p:stCondLst>
+                                  <p:childTnLst>
+                                    <p:set>
+                                      <p:cBhvr>
+                                        <p:cTn id="82" dur="1" fill="hold">
+                                          <p:stCondLst>
+                                            <p:cond delay="0"/>
+                                          </p:stCondLst>
+                                        </p:cTn>
+                                        <p:tgtEl>
+                                          <p:spTgt spid="3">
+                                            <p:txEl>
+                                              <p:pRg st="17" end="17"/>
+                                            </p:txEl>
+                                          </p:spTgt>
+                                        </p:tgtEl>
+                                        <p:attrNameLst>
+                                          <p:attrName>style.visibility</p:attrName>
+                                        </p:attrNameLst>
+                                      </p:cBhvr>
+                                      <p:to>
+                                        <p:strVal val="visible"/>
+                                      </p:to>
+                                    </p:set>
+                                    <p:anim calcmode="lin" valueType="num">
+                                      <p:cBhvr additive="base">
+                                        <p:cTn id="83" dur="500" fill="hold"/>
+                                        <p:tgtEl>
+                                          <p:spTgt spid="3">
+                                            <p:txEl>
+                                              <p:pRg st="17" end="17"/>
+                                            </p:txEl>
+                                          </p:spTgt>
+                                        </p:tgtEl>
+                                        <p:attrNameLst>
+                                          <p:attrName>ppt_x</p:attrName>
+                                        </p:attrNameLst>
+                                      </p:cBhvr>
+                                      <p:tavLst>
+                                        <p:tav tm="0">
+                                          <p:val>
+                                            <p:strVal val="#ppt_x"/>
+                                          </p:val>
+                                        </p:tav>
+                                        <p:tav tm="100000">
+                                          <p:val>
+                                            <p:strVal val="#ppt_x"/>
+                                          </p:val>
+                                        </p:tav>
+                                      </p:tavLst>
+                                    </p:anim>
+                                    <p:anim calcmode="lin" valueType="num">
+                                      <p:cBhvr additive="base">
+                                        <p:cTn id="84" dur="500" fill="hold"/>
+                                        <p:tgtEl>
+                                          <p:spTgt spid="3">
+                                            <p:txEl>
+                                              <p:pRg st="17" end="17"/>
+                                            </p:txEl>
+                                          </p:spTgt>
+                                        </p:tgtEl>
+                                        <p:attrNameLst>
+                                          <p:attrName>ppt_y</p:attrName>
+                                        </p:attrNameLst>
+                                      </p:cBhvr>
+                                      <p:tavLst>
+                                        <p:tav tm="0">
+                                          <p:val>
+                                            <p:strVal val="1+#ppt_h/2"/>
+                                          </p:val>
+                                        </p:tav>
+                                        <p:tav tm="100000">
+                                          <p:val>
+                                            <p:strVal val="#ppt_y"/>
+                                          </p:val>
+                                        </p:tav>
+                                      </p:tavLst>
+                                    </p:anim>
+                                  </p:childTnLst>
+                                </p:cTn>
+                              </p:par>
+                            </p:childTnLst>
+                          </p:cTn>
+                        </p:par>
+                      </p:childTnLst>
+                    </p:cTn>
+                  </p:par>
+                </p:childTnLst>
+              </p:cTn>
+              <p:prevCondLst>
+                <p:cond evt="onPrev" delay="0">
+                  <p:tgtEl>
+                    <p:sldTgt/>
+                  </p:tgtEl>
+                </p:cond>
+              </p:prevCondLst>
+              <p:nextCondLst>
+                <p:cond evt="onNext" delay="0">
+                  <p:tgtEl>
+                    <p:sldTgt/>
+                  </p:tgtEl>
+                </p:cond>
+              </p:nextCondLst>
+            </p:seq>
+          </p:childTnLst>
+        </p:cTn>
+      </p:par>
+    </p:tnLst>
+    <p:bldLst>
+      <p:bldP spid="3" grpId="0" build="p"/>
+    </p:bldLst>
   </p:timing>
 </p:sld>
 </file>

--- a/CSharp3.pptx
+++ b/CSharp3.pptx
@@ -3758,8 +3758,12 @@
           <a:lstStyle/>
           <a:p>
             <a:r>
+              <a:rPr lang="sv-SE" smtClean="0"/>
+              <a:t>SOLID &amp; extension vs member</a:t>
+            </a:r>
+            <a:r>
               <a:rPr lang="sv-SE" dirty="0" smtClean="0"/>
-              <a:t>SOLID extension vs members</a:t>
+              <a:t/>
             </a:r>
             <a:br>
               <a:rPr lang="sv-SE" dirty="0" smtClean="0"/>

--- a/CSharp3.pptx
+++ b/CSharp3.pptx
@@ -3758,12 +3758,8 @@
           <a:lstStyle/>
           <a:p>
             <a:r>
-              <a:rPr lang="sv-SE" smtClean="0"/>
+              <a:rPr lang="sv-SE" dirty="0" smtClean="0"/>
               <a:t>SOLID &amp; extension vs member</a:t>
-            </a:r>
-            <a:r>
-              <a:rPr lang="sv-SE" dirty="0" smtClean="0"/>
-              <a:t/>
             </a:r>
             <a:br>
               <a:rPr lang="sv-SE" dirty="0" smtClean="0"/>

--- a/CSharp3.pptx
+++ b/CSharp3.pptx
@@ -202,7 +202,7 @@
             <a:fld id="{B3C36E66-5700-46DF-A747-EB1263159AB0}" type="datetimeFigureOut">
               <a:rPr lang="sv-SE" smtClean="0"/>
               <a:pPr/>
-              <a:t>2010-01-16</a:t>
+              <a:t>2010-01-26</a:t>
             </a:fld>
             <a:endParaRPr lang="sv-SE"/>
           </a:p>
@@ -896,7 +896,7 @@
             <a:fld id="{351ECD73-E38B-47F5-B197-B998FCFB2F11}" type="datetimeFigureOut">
               <a:rPr lang="sv-SE" smtClean="0"/>
               <a:pPr/>
-              <a:t>2010-01-16</a:t>
+              <a:t>2010-01-26</a:t>
             </a:fld>
             <a:endParaRPr lang="sv-SE"/>
           </a:p>
@@ -1063,7 +1063,7 @@
             <a:fld id="{351ECD73-E38B-47F5-B197-B998FCFB2F11}" type="datetimeFigureOut">
               <a:rPr lang="sv-SE" smtClean="0"/>
               <a:pPr/>
-              <a:t>2010-01-16</a:t>
+              <a:t>2010-01-26</a:t>
             </a:fld>
             <a:endParaRPr lang="sv-SE"/>
           </a:p>
@@ -1240,7 +1240,7 @@
             <a:fld id="{351ECD73-E38B-47F5-B197-B998FCFB2F11}" type="datetimeFigureOut">
               <a:rPr lang="sv-SE" smtClean="0"/>
               <a:pPr/>
-              <a:t>2010-01-16</a:t>
+              <a:t>2010-01-26</a:t>
             </a:fld>
             <a:endParaRPr lang="sv-SE"/>
           </a:p>
@@ -1407,7 +1407,7 @@
             <a:fld id="{351ECD73-E38B-47F5-B197-B998FCFB2F11}" type="datetimeFigureOut">
               <a:rPr lang="sv-SE" smtClean="0"/>
               <a:pPr/>
-              <a:t>2010-01-16</a:t>
+              <a:t>2010-01-26</a:t>
             </a:fld>
             <a:endParaRPr lang="sv-SE"/>
           </a:p>
@@ -1650,7 +1650,7 @@
             <a:fld id="{351ECD73-E38B-47F5-B197-B998FCFB2F11}" type="datetimeFigureOut">
               <a:rPr lang="sv-SE" smtClean="0"/>
               <a:pPr/>
-              <a:t>2010-01-16</a:t>
+              <a:t>2010-01-26</a:t>
             </a:fld>
             <a:endParaRPr lang="sv-SE"/>
           </a:p>
@@ -1935,7 +1935,7 @@
             <a:fld id="{351ECD73-E38B-47F5-B197-B998FCFB2F11}" type="datetimeFigureOut">
               <a:rPr lang="sv-SE" smtClean="0"/>
               <a:pPr/>
-              <a:t>2010-01-16</a:t>
+              <a:t>2010-01-26</a:t>
             </a:fld>
             <a:endParaRPr lang="sv-SE"/>
           </a:p>
@@ -2354,7 +2354,7 @@
             <a:fld id="{351ECD73-E38B-47F5-B197-B998FCFB2F11}" type="datetimeFigureOut">
               <a:rPr lang="sv-SE" smtClean="0"/>
               <a:pPr/>
-              <a:t>2010-01-16</a:t>
+              <a:t>2010-01-26</a:t>
             </a:fld>
             <a:endParaRPr lang="sv-SE"/>
           </a:p>
@@ -2469,7 +2469,7 @@
             <a:fld id="{351ECD73-E38B-47F5-B197-B998FCFB2F11}" type="datetimeFigureOut">
               <a:rPr lang="sv-SE" smtClean="0"/>
               <a:pPr/>
-              <a:t>2010-01-16</a:t>
+              <a:t>2010-01-26</a:t>
             </a:fld>
             <a:endParaRPr lang="sv-SE"/>
           </a:p>
@@ -2561,7 +2561,7 @@
             <a:fld id="{351ECD73-E38B-47F5-B197-B998FCFB2F11}" type="datetimeFigureOut">
               <a:rPr lang="sv-SE" smtClean="0"/>
               <a:pPr/>
-              <a:t>2010-01-16</a:t>
+              <a:t>2010-01-26</a:t>
             </a:fld>
             <a:endParaRPr lang="sv-SE"/>
           </a:p>
@@ -2835,7 +2835,7 @@
             <a:fld id="{351ECD73-E38B-47F5-B197-B998FCFB2F11}" type="datetimeFigureOut">
               <a:rPr lang="sv-SE" smtClean="0"/>
               <a:pPr/>
-              <a:t>2010-01-16</a:t>
+              <a:t>2010-01-26</a:t>
             </a:fld>
             <a:endParaRPr lang="sv-SE"/>
           </a:p>
@@ -3085,7 +3085,7 @@
             <a:fld id="{351ECD73-E38B-47F5-B197-B998FCFB2F11}" type="datetimeFigureOut">
               <a:rPr lang="sv-SE" smtClean="0"/>
               <a:pPr/>
-              <a:t>2010-01-16</a:t>
+              <a:t>2010-01-26</a:t>
             </a:fld>
             <a:endParaRPr lang="sv-SE"/>
           </a:p>
@@ -3295,7 +3295,7 @@
             <a:fld id="{351ECD73-E38B-47F5-B197-B998FCFB2F11}" type="datetimeFigureOut">
               <a:rPr lang="sv-SE" smtClean="0"/>
               <a:pPr/>
-              <a:t>2010-01-16</a:t>
+              <a:t>2010-01-26</a:t>
             </a:fld>
             <a:endParaRPr lang="sv-SE"/>
           </a:p>
@@ -3692,11 +3692,7 @@
             </a:br>
             <a:r>
               <a:rPr lang="en-US" dirty="0" smtClean="0"/>
-              <a:t>SOLID and </a:t>
-            </a:r>
-            <a:r>
-              <a:rPr lang="en-US" dirty="0" smtClean="0"/>
-              <a:t>the functional revolution</a:t>
+              <a:t>SOLID and the functional revolution</a:t>
             </a:r>
             <a:br>
               <a:rPr lang="en-US" dirty="0" smtClean="0"/>
@@ -3753,20 +3749,32 @@
         <p:spPr/>
         <p:txBody>
           <a:bodyPr>
-            <a:normAutofit/>
+            <a:normAutofit fontScale="90000"/>
           </a:bodyPr>
           <a:lstStyle/>
           <a:p>
             <a:r>
               <a:rPr lang="sv-SE" dirty="0" smtClean="0"/>
-              <a:t>SOLID &amp; extension vs member</a:t>
+              <a:t>Principles </a:t>
+            </a:r>
+            <a:r>
+              <a:rPr lang="sv-SE" dirty="0" smtClean="0"/>
+              <a:t>&amp; extension vs member</a:t>
             </a:r>
             <a:br>
               <a:rPr lang="sv-SE" dirty="0" smtClean="0"/>
             </a:br>
             <a:r>
               <a:rPr lang="sv-SE" sz="1600" dirty="0" smtClean="0"/>
-              <a:t>(Examined in the context of an interface method that could be implemented as an extension)</a:t>
+              <a:t>(context: Given a method </a:t>
+            </a:r>
+            <a:r>
+              <a:rPr lang="sv-SE" sz="1600" dirty="0" smtClean="0"/>
+              <a:t>that could be </a:t>
+            </a:r>
+            <a:r>
+              <a:rPr lang="sv-SE" sz="1600" dirty="0" smtClean="0"/>
+              <a:t>a member of an interface or an extension of the interface)</a:t>
             </a:r>
             <a:endParaRPr lang="sv-SE" sz="1600" dirty="0"/>
           </a:p>
@@ -3790,7 +3798,7 @@
         </p:spPr>
         <p:txBody>
           <a:bodyPr>
-            <a:normAutofit fontScale="92500" lnSpcReduction="20000"/>
+            <a:normAutofit fontScale="85000" lnSpcReduction="20000"/>
           </a:bodyPr>
           <a:lstStyle/>
           <a:p>
@@ -3825,11 +3833,19 @@
             </a:br>
             <a:r>
               <a:rPr lang="sv-SE" sz="1400" dirty="0" smtClean="0"/>
-              <a:t>It’s something you </a:t>
+              <a:t>It’s something </a:t>
+            </a:r>
+            <a:r>
+              <a:rPr lang="sv-SE" sz="1400" dirty="0" smtClean="0"/>
+              <a:t>that is </a:t>
             </a:r>
             <a:r>
               <a:rPr lang="sv-SE" sz="1400" b="1" dirty="0" smtClean="0"/>
-              <a:t>do with</a:t>
+              <a:t>done </a:t>
+            </a:r>
+            <a:r>
+              <a:rPr lang="sv-SE" sz="1400" b="1" dirty="0" smtClean="0"/>
+              <a:t>with</a:t>
             </a:r>
             <a:r>
               <a:rPr lang="sv-SE" sz="1400" dirty="0" smtClean="0"/>
@@ -3907,19 +3923,41 @@
             <a:pPr lvl="2"/>
             <a:r>
               <a:rPr lang="sv-SE" sz="1400" dirty="0" smtClean="0"/>
-              <a:t>Implementors cannot possibly need to reimplement something that can be an extension</a:t>
-            </a:r>
-          </a:p>
-          <a:p>
-            <a:r>
-              <a:rPr lang="sv-SE" sz="2400" dirty="0" smtClean="0"/>
+              <a:t>Implementors cannot possibly need to reimplement something that can be an </a:t>
+            </a:r>
+            <a:r>
+              <a:rPr lang="sv-SE" sz="1400" dirty="0" smtClean="0"/>
+              <a:t>extension</a:t>
+            </a:r>
+          </a:p>
+          <a:p>
+            <a:r>
+              <a:rPr lang="sv-SE" sz="2200" dirty="0" smtClean="0"/>
+              <a:t>DIP</a:t>
+            </a:r>
+          </a:p>
+          <a:p>
+            <a:pPr lvl="1"/>
+            <a:r>
+              <a:rPr lang="sv-SE" sz="1800" dirty="0" smtClean="0"/>
+              <a:t>Rather than depend on an abstraction members depend on implementation details.</a:t>
+            </a:r>
+            <a:endParaRPr lang="sv-SE" sz="1800" dirty="0" smtClean="0"/>
+          </a:p>
+          <a:p>
+            <a:pPr lvl="1"/>
+            <a:endParaRPr lang="sv-SE" sz="1800" dirty="0" smtClean="0"/>
+          </a:p>
+          <a:p>
+            <a:r>
+              <a:rPr lang="sv-SE" sz="2200" dirty="0" smtClean="0"/>
               <a:t>DRY</a:t>
             </a:r>
           </a:p>
           <a:p>
             <a:pPr lvl="1"/>
             <a:r>
-              <a:rPr lang="sv-SE" sz="2000" dirty="0" smtClean="0"/>
+              <a:rPr lang="sv-SE" sz="1800" dirty="0" smtClean="0"/>
               <a:t>Members forces multiple implementors to rewrite identical logic</a:t>
             </a:r>
           </a:p>
@@ -5396,15 +5434,33 @@
                                   </p:childTnLst>
                                 </p:cTn>
                               </p:par>
+                            </p:childTnLst>
+                          </p:cTn>
+                        </p:par>
+                      </p:childTnLst>
+                    </p:cTn>
+                  </p:par>
+                  <p:par>
+                    <p:cTn id="77" fill="hold">
+                      <p:stCondLst>
+                        <p:cond delay="indefinite"/>
+                      </p:stCondLst>
+                      <p:childTnLst>
+                        <p:par>
+                          <p:cTn id="78" fill="hold">
+                            <p:stCondLst>
+                              <p:cond delay="0"/>
+                            </p:stCondLst>
+                            <p:childTnLst>
                               <p:par>
-                                <p:cTn id="77" presetID="2" presetClass="entr" presetSubtype="4" fill="hold" grpId="0" nodeType="withEffect">
+                                <p:cTn id="79" presetID="2" presetClass="entr" presetSubtype="4" fill="hold" grpId="0" nodeType="clickEffect">
                                   <p:stCondLst>
                                     <p:cond delay="0"/>
                                   </p:stCondLst>
                                   <p:childTnLst>
                                     <p:set>
                                       <p:cBhvr>
-                                        <p:cTn id="78" dur="1" fill="hold">
+                                        <p:cTn id="80" dur="1" fill="hold">
                                           <p:stCondLst>
                                             <p:cond delay="0"/>
                                           </p:stCondLst>
@@ -5412,7 +5468,7 @@
                                         <p:tgtEl>
                                           <p:spTgt spid="3">
                                             <p:txEl>
-                                              <p:pRg st="16" end="16"/>
+                                              <p:pRg st="17" end="17"/>
                                             </p:txEl>
                                           </p:spTgt>
                                         </p:tgtEl>
@@ -5426,11 +5482,11 @@
                                     </p:set>
                                     <p:anim calcmode="lin" valueType="num">
                                       <p:cBhvr additive="base">
-                                        <p:cTn id="79" dur="500" fill="hold"/>
-                                        <p:tgtEl>
-                                          <p:spTgt spid="3">
-                                            <p:txEl>
-                                              <p:pRg st="16" end="16"/>
+                                        <p:cTn id="81" dur="500" fill="hold"/>
+                                        <p:tgtEl>
+                                          <p:spTgt spid="3">
+                                            <p:txEl>
+                                              <p:pRg st="17" end="17"/>
                                             </p:txEl>
                                           </p:spTgt>
                                         </p:tgtEl>
@@ -5453,11 +5509,11 @@
                                     </p:anim>
                                     <p:anim calcmode="lin" valueType="num">
                                       <p:cBhvr additive="base">
-                                        <p:cTn id="80" dur="500" fill="hold"/>
-                                        <p:tgtEl>
-                                          <p:spTgt spid="3">
-                                            <p:txEl>
-                                              <p:pRg st="16" end="16"/>
+                                        <p:cTn id="82" dur="500" fill="hold"/>
+                                        <p:tgtEl>
+                                          <p:spTgt spid="3">
+                                            <p:txEl>
+                                              <p:pRg st="17" end="17"/>
                                             </p:txEl>
                                           </p:spTgt>
                                         </p:tgtEl>
@@ -5482,14 +5538,14 @@
                                 </p:cTn>
                               </p:par>
                               <p:par>
-                                <p:cTn id="81" presetID="2" presetClass="entr" presetSubtype="4" fill="hold" grpId="0" nodeType="withEffect">
+                                <p:cTn id="83" presetID="2" presetClass="entr" presetSubtype="4" fill="hold" grpId="0" nodeType="withEffect">
                                   <p:stCondLst>
                                     <p:cond delay="0"/>
                                   </p:stCondLst>
                                   <p:childTnLst>
                                     <p:set>
                                       <p:cBhvr>
-                                        <p:cTn id="82" dur="1" fill="hold">
+                                        <p:cTn id="84" dur="1" fill="hold">
                                           <p:stCondLst>
                                             <p:cond delay="0"/>
                                           </p:stCondLst>
@@ -5497,7 +5553,7 @@
                                         <p:tgtEl>
                                           <p:spTgt spid="3">
                                             <p:txEl>
-                                              <p:pRg st="17" end="17"/>
+                                              <p:pRg st="18" end="18"/>
                                             </p:txEl>
                                           </p:spTgt>
                                         </p:tgtEl>
@@ -5511,11 +5567,11 @@
                                     </p:set>
                                     <p:anim calcmode="lin" valueType="num">
                                       <p:cBhvr additive="base">
-                                        <p:cTn id="83" dur="500" fill="hold"/>
-                                        <p:tgtEl>
-                                          <p:spTgt spid="3">
-                                            <p:txEl>
-                                              <p:pRg st="17" end="17"/>
+                                        <p:cTn id="85" dur="500" fill="hold"/>
+                                        <p:tgtEl>
+                                          <p:spTgt spid="3">
+                                            <p:txEl>
+                                              <p:pRg st="18" end="18"/>
                                             </p:txEl>
                                           </p:spTgt>
                                         </p:tgtEl>
@@ -5538,11 +5594,181 @@
                                     </p:anim>
                                     <p:anim calcmode="lin" valueType="num">
                                       <p:cBhvr additive="base">
-                                        <p:cTn id="84" dur="500" fill="hold"/>
-                                        <p:tgtEl>
-                                          <p:spTgt spid="3">
-                                            <p:txEl>
-                                              <p:pRg st="17" end="17"/>
+                                        <p:cTn id="86" dur="500" fill="hold"/>
+                                        <p:tgtEl>
+                                          <p:spTgt spid="3">
+                                            <p:txEl>
+                                              <p:pRg st="18" end="18"/>
+                                            </p:txEl>
+                                          </p:spTgt>
+                                        </p:tgtEl>
+                                        <p:attrNameLst>
+                                          <p:attrName>ppt_y</p:attrName>
+                                        </p:attrNameLst>
+                                      </p:cBhvr>
+                                      <p:tavLst>
+                                        <p:tav tm="0">
+                                          <p:val>
+                                            <p:strVal val="1+#ppt_h/2"/>
+                                          </p:val>
+                                        </p:tav>
+                                        <p:tav tm="100000">
+                                          <p:val>
+                                            <p:strVal val="#ppt_y"/>
+                                          </p:val>
+                                        </p:tav>
+                                      </p:tavLst>
+                                    </p:anim>
+                                  </p:childTnLst>
+                                </p:cTn>
+                              </p:par>
+                              <p:par>
+                                <p:cTn id="87" presetID="2" presetClass="entr" presetSubtype="4" fill="hold" grpId="0" nodeType="withEffect">
+                                  <p:stCondLst>
+                                    <p:cond delay="0"/>
+                                  </p:stCondLst>
+                                  <p:childTnLst>
+                                    <p:set>
+                                      <p:cBhvr>
+                                        <p:cTn id="88" dur="1" fill="hold">
+                                          <p:stCondLst>
+                                            <p:cond delay="0"/>
+                                          </p:stCondLst>
+                                        </p:cTn>
+                                        <p:tgtEl>
+                                          <p:spTgt spid="3">
+                                            <p:txEl>
+                                              <p:pRg st="19" end="19"/>
+                                            </p:txEl>
+                                          </p:spTgt>
+                                        </p:tgtEl>
+                                        <p:attrNameLst>
+                                          <p:attrName>style.visibility</p:attrName>
+                                        </p:attrNameLst>
+                                      </p:cBhvr>
+                                      <p:to>
+                                        <p:strVal val="visible"/>
+                                      </p:to>
+                                    </p:set>
+                                    <p:anim calcmode="lin" valueType="num">
+                                      <p:cBhvr additive="base">
+                                        <p:cTn id="89" dur="500" fill="hold"/>
+                                        <p:tgtEl>
+                                          <p:spTgt spid="3">
+                                            <p:txEl>
+                                              <p:pRg st="19" end="19"/>
+                                            </p:txEl>
+                                          </p:spTgt>
+                                        </p:tgtEl>
+                                        <p:attrNameLst>
+                                          <p:attrName>ppt_x</p:attrName>
+                                        </p:attrNameLst>
+                                      </p:cBhvr>
+                                      <p:tavLst>
+                                        <p:tav tm="0">
+                                          <p:val>
+                                            <p:strVal val="#ppt_x"/>
+                                          </p:val>
+                                        </p:tav>
+                                        <p:tav tm="100000">
+                                          <p:val>
+                                            <p:strVal val="#ppt_x"/>
+                                          </p:val>
+                                        </p:tav>
+                                      </p:tavLst>
+                                    </p:anim>
+                                    <p:anim calcmode="lin" valueType="num">
+                                      <p:cBhvr additive="base">
+                                        <p:cTn id="90" dur="500" fill="hold"/>
+                                        <p:tgtEl>
+                                          <p:spTgt spid="3">
+                                            <p:txEl>
+                                              <p:pRg st="19" end="19"/>
+                                            </p:txEl>
+                                          </p:spTgt>
+                                        </p:tgtEl>
+                                        <p:attrNameLst>
+                                          <p:attrName>ppt_y</p:attrName>
+                                        </p:attrNameLst>
+                                      </p:cBhvr>
+                                      <p:tavLst>
+                                        <p:tav tm="0">
+                                          <p:val>
+                                            <p:strVal val="1+#ppt_h/2"/>
+                                          </p:val>
+                                        </p:tav>
+                                        <p:tav tm="100000">
+                                          <p:val>
+                                            <p:strVal val="#ppt_y"/>
+                                          </p:val>
+                                        </p:tav>
+                                      </p:tavLst>
+                                    </p:anim>
+                                  </p:childTnLst>
+                                </p:cTn>
+                              </p:par>
+                              <p:par>
+                                <p:cTn id="91" presetID="2" presetClass="entr" presetSubtype="4" fill="hold" grpId="0" nodeType="withEffect">
+                                  <p:stCondLst>
+                                    <p:cond delay="0"/>
+                                  </p:stCondLst>
+                                  <p:childTnLst>
+                                    <p:set>
+                                      <p:cBhvr>
+                                        <p:cTn id="92" dur="1" fill="hold">
+                                          <p:stCondLst>
+                                            <p:cond delay="0"/>
+                                          </p:stCondLst>
+                                        </p:cTn>
+                                        <p:tgtEl>
+                                          <p:spTgt spid="3">
+                                            <p:txEl>
+                                              <p:pRg st="20" end="20"/>
+                                            </p:txEl>
+                                          </p:spTgt>
+                                        </p:tgtEl>
+                                        <p:attrNameLst>
+                                          <p:attrName>style.visibility</p:attrName>
+                                        </p:attrNameLst>
+                                      </p:cBhvr>
+                                      <p:to>
+                                        <p:strVal val="visible"/>
+                                      </p:to>
+                                    </p:set>
+                                    <p:anim calcmode="lin" valueType="num">
+                                      <p:cBhvr additive="base">
+                                        <p:cTn id="93" dur="500" fill="hold"/>
+                                        <p:tgtEl>
+                                          <p:spTgt spid="3">
+                                            <p:txEl>
+                                              <p:pRg st="20" end="20"/>
+                                            </p:txEl>
+                                          </p:spTgt>
+                                        </p:tgtEl>
+                                        <p:attrNameLst>
+                                          <p:attrName>ppt_x</p:attrName>
+                                        </p:attrNameLst>
+                                      </p:cBhvr>
+                                      <p:tavLst>
+                                        <p:tav tm="0">
+                                          <p:val>
+                                            <p:strVal val="#ppt_x"/>
+                                          </p:val>
+                                        </p:tav>
+                                        <p:tav tm="100000">
+                                          <p:val>
+                                            <p:strVal val="#ppt_x"/>
+                                          </p:val>
+                                        </p:tav>
+                                      </p:tavLst>
+                                    </p:anim>
+                                    <p:anim calcmode="lin" valueType="num">
+                                      <p:cBhvr additive="base">
+                                        <p:cTn id="94" dur="500" fill="hold"/>
+                                        <p:tgtEl>
+                                          <p:spTgt spid="3">
+                                            <p:txEl>
+                                              <p:pRg st="20" end="20"/>
                                             </p:txEl>
                                           </p:spTgt>
                                         </p:tgtEl>
@@ -6295,11 +6521,7 @@
             <a:pPr lvl="1"/>
             <a:r>
               <a:rPr lang="sv-SE" sz="1600" dirty="0" smtClean="0"/>
-              <a:t>Safe and simple </a:t>
-            </a:r>
-            <a:r>
-              <a:rPr lang="sv-SE" sz="1600" dirty="0" smtClean="0"/>
-              <a:t>multithreading</a:t>
+              <a:t>Safe and simple multithreading</a:t>
             </a:r>
             <a:endParaRPr lang="sv-SE" sz="2000" dirty="0" smtClean="0"/>
           </a:p>
@@ -7645,15 +7867,7 @@
           <a:p>
             <a:r>
               <a:rPr lang="sv-SE" sz="2000" dirty="0" smtClean="0"/>
-              <a:t>Class </a:t>
-            </a:r>
-            <a:r>
-              <a:rPr lang="sv-SE" sz="2000" dirty="0" smtClean="0"/>
-              <a:t>and collection initializer </a:t>
-            </a:r>
-            <a:r>
-              <a:rPr lang="sv-SE" sz="2000" dirty="0" smtClean="0"/>
-              <a:t>expressions</a:t>
+              <a:t>Class and collection initializer expressions</a:t>
             </a:r>
             <a:br>
               <a:rPr lang="sv-SE" sz="2000" dirty="0" smtClean="0"/>
@@ -7680,15 +7894,7 @@
                   <a:srgbClr val="2B91AF"/>
                 </a:solidFill>
               </a:rPr>
-              <a:t> </a:t>
-            </a:r>
-            <a:r>
-              <a:rPr lang="fr-FR" sz="1200" dirty="0" smtClean="0">
-                <a:solidFill>
-                  <a:srgbClr val="2B91AF"/>
-                </a:solidFill>
-              </a:rPr>
-              <a:t>= </a:t>
+              <a:t> = </a:t>
             </a:r>
             <a:r>
               <a:rPr lang="fr-FR" sz="1200" dirty="0" smtClean="0">
@@ -7712,15 +7918,7 @@
                   <a:srgbClr val="A31515"/>
                 </a:solidFill>
               </a:rPr>
-              <a:t>"Magnus Lidbom</a:t>
-            </a:r>
-            <a:r>
-              <a:rPr lang="fr-FR" sz="1200" dirty="0" smtClean="0">
-                <a:solidFill>
-                  <a:srgbClr val="A31515"/>
-                </a:solidFill>
-              </a:rPr>
-              <a:t>"};</a:t>
+              <a:t>"Magnus Lidbom"};</a:t>
             </a:r>
             <a:br>
               <a:rPr lang="fr-FR" sz="1200" dirty="0" smtClean="0">
@@ -7743,15 +7941,7 @@
                   <a:srgbClr val="0000FF"/>
                 </a:solidFill>
               </a:rPr>
-              <a:t>string</a:t>
-            </a:r>
-            <a:r>
-              <a:rPr lang="en-US" sz="1200" dirty="0" smtClean="0">
-                <a:solidFill>
-                  <a:srgbClr val="0000FF"/>
-                </a:solidFill>
-              </a:rPr>
-              <a:t>&gt; names = new string[] {</a:t>
+              <a:t>string&gt; names = new string[] {</a:t>
             </a:r>
             <a:r>
               <a:rPr lang="en-US" sz="1200" dirty="0" smtClean="0">
@@ -7759,15 +7949,7 @@
                   <a:srgbClr val="A31515"/>
                 </a:solidFill>
               </a:rPr>
-              <a:t>"Calle", "Oscar</a:t>
-            </a:r>
-            <a:r>
-              <a:rPr lang="en-US" sz="1200" dirty="0" smtClean="0">
-                <a:solidFill>
-                  <a:srgbClr val="A31515"/>
-                </a:solidFill>
-              </a:rPr>
-              <a:t>"};</a:t>
+              <a:t>"Calle", "Oscar"};</a:t>
             </a:r>
             <a:endParaRPr lang="sv-SE" sz="1200" dirty="0" smtClean="0"/>
           </a:p>
@@ -7792,11 +7974,7 @@
           <a:p>
             <a:r>
               <a:rPr lang="sv-SE" sz="2000" dirty="0" smtClean="0"/>
-              <a:t>Type </a:t>
-            </a:r>
-            <a:r>
-              <a:rPr lang="sv-SE" sz="2000" dirty="0" smtClean="0"/>
-              <a:t>inference and the var keyword</a:t>
+              <a:t>Type inference and the var keyword</a:t>
             </a:r>
             <a:br>
               <a:rPr lang="sv-SE" sz="2000" dirty="0" smtClean="0"/>
@@ -7851,25 +8029,13 @@
                   <a:srgbClr val="0000FF"/>
                 </a:solidFill>
               </a:rPr>
-              <a:t>var upperCaseNames = names.Select(name =&gt; name.ToUpper</a:t>
-            </a:r>
-            <a:r>
-              <a:rPr lang="sv-SE" sz="1200" dirty="0" smtClean="0">
-                <a:solidFill>
-                  <a:srgbClr val="0000FF"/>
-                </a:solidFill>
-              </a:rPr>
-              <a:t>());</a:t>
+              <a:t>var upperCaseNames = names.Select(name =&gt; name.ToUpper());</a:t>
             </a:r>
           </a:p>
           <a:p>
             <a:r>
               <a:rPr lang="sv-SE" sz="2000" dirty="0" smtClean="0"/>
-              <a:t>Expression&lt;T</a:t>
-            </a:r>
-            <a:r>
-              <a:rPr lang="sv-SE" sz="2000" dirty="0" smtClean="0"/>
-              <a:t>&gt;</a:t>
+              <a:t>Expression&lt;T&gt;</a:t>
             </a:r>
             <a:br>
               <a:rPr lang="sv-SE" sz="2000" dirty="0" smtClean="0"/>
@@ -7906,31 +8072,7 @@
                   <a:srgbClr val="0000FF"/>
                 </a:solidFill>
               </a:rPr>
-              <a:t>var lowerCaseNames = </a:t>
-            </a:r>
-            <a:r>
-              <a:rPr lang="en-US" sz="1200" dirty="0" smtClean="0">
-                <a:solidFill>
-                  <a:srgbClr val="0000FF"/>
-                </a:solidFill>
-              </a:rPr>
-              <a:t> from </a:t>
-            </a:r>
-            <a:r>
-              <a:rPr lang="en-US" sz="1200" dirty="0" smtClean="0">
-                <a:solidFill>
-                  <a:srgbClr val="0000FF"/>
-                </a:solidFill>
-              </a:rPr>
-              <a:t>name in </a:t>
-            </a:r>
-            <a:r>
-              <a:rPr lang="en-US" sz="1200" dirty="0" smtClean="0">
-                <a:solidFill>
-                  <a:srgbClr val="0000FF"/>
-                </a:solidFill>
-              </a:rPr>
-              <a:t>names</a:t>
+              <a:t>var lowerCaseNames =  from name in names</a:t>
             </a:r>
             <a:br>
               <a:rPr lang="en-US" sz="1200" dirty="0" smtClean="0">
@@ -7953,23 +8095,7 @@
                   <a:srgbClr val="0000FF"/>
                 </a:solidFill>
               </a:rPr>
-              <a:t>ct </a:t>
-            </a:r>
-            <a:r>
-              <a:rPr lang="sv-SE" sz="1200" dirty="0" smtClean="0">
-                <a:solidFill>
-                  <a:srgbClr val="0000FF"/>
-                </a:solidFill>
-              </a:rPr>
-              <a:t>name.ToLower</a:t>
-            </a:r>
-            <a:r>
-              <a:rPr lang="sv-SE" sz="1200" dirty="0" smtClean="0">
-                <a:solidFill>
-                  <a:srgbClr val="0000FF"/>
-                </a:solidFill>
-              </a:rPr>
-              <a:t>();</a:t>
+              <a:t>ct name.ToLower();</a:t>
             </a:r>
             <a:endParaRPr lang="sv-SE" sz="1200" dirty="0" smtClean="0"/>
           </a:p>
@@ -8911,18 +9037,19 @@
             </a:r>
             <a:r>
               <a:rPr lang="sv-SE" dirty="0" smtClean="0"/>
-              <a:t>nterface Segregation Principle</a:t>
-            </a:r>
-            <a:br>
+              <a:t>nterface Segregation </a:t>
+            </a:r>
+            <a:r>
               <a:rPr lang="sv-SE" dirty="0" smtClean="0"/>
-            </a:br>
+              <a:t>Principle</a:t>
+            </a:r>
             <a:r>
               <a:rPr lang="sv-SE" dirty="0" smtClean="0">
                 <a:solidFill>
                   <a:schemeClr val="tx2"/>
                 </a:solidFill>
               </a:rPr>
-              <a:t>Make fine grained interfaces that are client specific</a:t>
+              <a:t/>
             </a:r>
             <a:br>
               <a:rPr lang="sv-SE" dirty="0" smtClean="0">
@@ -8962,7 +9089,15 @@
                   <a:schemeClr val="tx2"/>
                 </a:solidFill>
               </a:rPr>
-              <a:t>Depend on abstractions, not on concretions</a:t>
+              <a:t>High level modules should not depend on low level modules. Both should depend on abstractions.</a:t>
+            </a:r>
+            <a:r>
+              <a:rPr lang="sv-SE" dirty="0" smtClean="0">
+                <a:solidFill>
+                  <a:schemeClr val="tx2"/>
+                </a:solidFill>
+              </a:rPr>
+              <a:t/>
             </a:r>
             <a:br>
               <a:rPr lang="sv-SE" dirty="0" smtClean="0">
@@ -8977,7 +9112,7 @@
                   <a:schemeClr val="tx2"/>
                 </a:solidFill>
               </a:rPr>
-              <a:t>Abstractions should not depend on details, details should depend on </a:t>
+              <a:t>Abstractions should not depend on </a:t>
             </a:r>
             <a:r>
               <a:rPr lang="sv-SE" dirty="0" smtClean="0">
@@ -8985,7 +9120,31 @@
                   <a:schemeClr val="tx2"/>
                 </a:solidFill>
               </a:rPr>
-              <a:t>abstractions</a:t>
+              <a:t>details. </a:t>
+            </a:r>
+            <a:r>
+              <a:rPr lang="sv-SE" dirty="0" smtClean="0">
+                <a:solidFill>
+                  <a:schemeClr val="tx2"/>
+                </a:solidFill>
+              </a:rPr>
+              <a:t>D</a:t>
+            </a:r>
+            <a:r>
+              <a:rPr lang="sv-SE" dirty="0" smtClean="0">
+                <a:solidFill>
+                  <a:schemeClr val="tx2"/>
+                </a:solidFill>
+              </a:rPr>
+              <a:t>etails </a:t>
+            </a:r>
+            <a:r>
+              <a:rPr lang="sv-SE" dirty="0" smtClean="0">
+                <a:solidFill>
+                  <a:schemeClr val="tx2"/>
+                </a:solidFill>
+              </a:rPr>
+              <a:t>should depend on abstractions</a:t>
             </a:r>
             <a:endParaRPr lang="sv-SE" dirty="0"/>
           </a:p>
@@ -9603,7 +9762,7 @@
         <p:spPr/>
         <p:txBody>
           <a:bodyPr>
-            <a:normAutofit/>
+            <a:normAutofit fontScale="85000" lnSpcReduction="20000"/>
           </a:bodyPr>
           <a:lstStyle/>
           <a:p>
@@ -9629,8 +9788,13 @@
             <a:pPr lvl="1"/>
             <a:r>
               <a:rPr lang="sv-SE" dirty="0" smtClean="0"/>
-              <a:t>Composable data</a:t>
-            </a:r>
+              <a:t>Composable </a:t>
+            </a:r>
+            <a:r>
+              <a:rPr lang="sv-SE" dirty="0" smtClean="0"/>
+              <a:t>datastructures</a:t>
+            </a:r>
+            <a:endParaRPr lang="sv-SE" dirty="0" smtClean="0"/>
           </a:p>
           <a:p>
             <a:r>
@@ -9642,8 +9806,26 @@
             <a:pPr lvl="1"/>
             <a:r>
               <a:rPr lang="sv-SE" dirty="0" smtClean="0"/>
-              <a:t>Composable algorithms</a:t>
-            </a:r>
+              <a:t>Composable </a:t>
+            </a:r>
+            <a:r>
+              <a:rPr lang="sv-SE" dirty="0" smtClean="0"/>
+              <a:t>algorithms</a:t>
+            </a:r>
+          </a:p>
+          <a:p>
+            <a:r>
+              <a:rPr lang="sv-SE" dirty="0" smtClean="0"/>
+              <a:t>Generic programming</a:t>
+            </a:r>
+          </a:p>
+          <a:p>
+            <a:pPr lvl="1"/>
+            <a:r>
+              <a:rPr lang="sv-SE" dirty="0" smtClean="0"/>
+              <a:t>Datastructures and algorithms that can be applied to various concrete types</a:t>
+            </a:r>
+            <a:endParaRPr lang="sv-SE" dirty="0" smtClean="0"/>
           </a:p>
           <a:p>
             <a:r>
@@ -9652,12 +9834,13 @@
             </a:r>
             <a:r>
               <a:rPr lang="en-US" dirty="0" smtClean="0"/>
-              <a:t>both</a:t>
+              <a:t>all three</a:t>
             </a:r>
             <a:r>
               <a:rPr lang="sv-SE" dirty="0" smtClean="0"/>
               <a:t>.</a:t>
             </a:r>
+            <a:endParaRPr lang="sv-SE" dirty="0" smtClean="0"/>
           </a:p>
         </p:txBody>
       </p:sp>
@@ -10312,6 +10495,194 @@
                                           <p:spTgt spid="3">
                                             <p:txEl>
                                               <p:pRg st="6" end="6"/>
+                                            </p:txEl>
+                                          </p:spTgt>
+                                        </p:tgtEl>
+                                        <p:attrNameLst>
+                                          <p:attrName>ppt_y</p:attrName>
+                                        </p:attrNameLst>
+                                      </p:cBhvr>
+                                      <p:tavLst>
+                                        <p:tav tm="0">
+                                          <p:val>
+                                            <p:strVal val="1+#ppt_h/2"/>
+                                          </p:val>
+                                        </p:tav>
+                                        <p:tav tm="100000">
+                                          <p:val>
+                                            <p:strVal val="#ppt_y"/>
+                                          </p:val>
+                                        </p:tav>
+                                      </p:tavLst>
+                                    </p:anim>
+                                  </p:childTnLst>
+                                </p:cTn>
+                              </p:par>
+                              <p:par>
+                                <p:cTn id="39" presetID="2" presetClass="entr" presetSubtype="4" fill="hold" grpId="0" nodeType="withEffect">
+                                  <p:stCondLst>
+                                    <p:cond delay="0"/>
+                                  </p:stCondLst>
+                                  <p:childTnLst>
+                                    <p:set>
+                                      <p:cBhvr>
+                                        <p:cTn id="40" dur="1" fill="hold">
+                                          <p:stCondLst>
+                                            <p:cond delay="0"/>
+                                          </p:stCondLst>
+                                        </p:cTn>
+                                        <p:tgtEl>
+                                          <p:spTgt spid="3">
+                                            <p:txEl>
+                                              <p:pRg st="7" end="7"/>
+                                            </p:txEl>
+                                          </p:spTgt>
+                                        </p:tgtEl>
+                                        <p:attrNameLst>
+                                          <p:attrName>style.visibility</p:attrName>
+                                        </p:attrNameLst>
+                                      </p:cBhvr>
+                                      <p:to>
+                                        <p:strVal val="visible"/>
+                                      </p:to>
+                                    </p:set>
+                                    <p:anim calcmode="lin" valueType="num">
+                                      <p:cBhvr additive="base">
+                                        <p:cTn id="41" dur="500" fill="hold"/>
+                                        <p:tgtEl>
+                                          <p:spTgt spid="3">
+                                            <p:txEl>
+                                              <p:pRg st="7" end="7"/>
+                                            </p:txEl>
+                                          </p:spTgt>
+                                        </p:tgtEl>
+                                        <p:attrNameLst>
+                                          <p:attrName>ppt_x</p:attrName>
+                                        </p:attrNameLst>
+                                      </p:cBhvr>
+                                      <p:tavLst>
+                                        <p:tav tm="0">
+                                          <p:val>
+                                            <p:strVal val="#ppt_x"/>
+                                          </p:val>
+                                        </p:tav>
+                                        <p:tav tm="100000">
+                                          <p:val>
+                                            <p:strVal val="#ppt_x"/>
+                                          </p:val>
+                                        </p:tav>
+                                      </p:tavLst>
+                                    </p:anim>
+                                    <p:anim calcmode="lin" valueType="num">
+                                      <p:cBhvr additive="base">
+                                        <p:cTn id="42" dur="500" fill="hold"/>
+                                        <p:tgtEl>
+                                          <p:spTgt spid="3">
+                                            <p:txEl>
+                                              <p:pRg st="7" end="7"/>
+                                            </p:txEl>
+                                          </p:spTgt>
+                                        </p:tgtEl>
+                                        <p:attrNameLst>
+                                          <p:attrName>ppt_y</p:attrName>
+                                        </p:attrNameLst>
+                                      </p:cBhvr>
+                                      <p:tavLst>
+                                        <p:tav tm="0">
+                                          <p:val>
+                                            <p:strVal val="1+#ppt_h/2"/>
+                                          </p:val>
+                                        </p:tav>
+                                        <p:tav tm="100000">
+                                          <p:val>
+                                            <p:strVal val="#ppt_y"/>
+                                          </p:val>
+                                        </p:tav>
+                                      </p:tavLst>
+                                    </p:anim>
+                                  </p:childTnLst>
+                                </p:cTn>
+                              </p:par>
+                            </p:childTnLst>
+                          </p:cTn>
+                        </p:par>
+                      </p:childTnLst>
+                    </p:cTn>
+                  </p:par>
+                  <p:par>
+                    <p:cTn id="43" fill="hold">
+                      <p:stCondLst>
+                        <p:cond delay="indefinite"/>
+                      </p:stCondLst>
+                      <p:childTnLst>
+                        <p:par>
+                          <p:cTn id="44" fill="hold">
+                            <p:stCondLst>
+                              <p:cond delay="0"/>
+                            </p:stCondLst>
+                            <p:childTnLst>
+                              <p:par>
+                                <p:cTn id="45" presetID="2" presetClass="entr" presetSubtype="4" fill="hold" grpId="0" nodeType="clickEffect">
+                                  <p:stCondLst>
+                                    <p:cond delay="0"/>
+                                  </p:stCondLst>
+                                  <p:childTnLst>
+                                    <p:set>
+                                      <p:cBhvr>
+                                        <p:cTn id="46" dur="1" fill="hold">
+                                          <p:stCondLst>
+                                            <p:cond delay="0"/>
+                                          </p:stCondLst>
+                                        </p:cTn>
+                                        <p:tgtEl>
+                                          <p:spTgt spid="3">
+                                            <p:txEl>
+                                              <p:pRg st="8" end="8"/>
+                                            </p:txEl>
+                                          </p:spTgt>
+                                        </p:tgtEl>
+                                        <p:attrNameLst>
+                                          <p:attrName>style.visibility</p:attrName>
+                                        </p:attrNameLst>
+                                      </p:cBhvr>
+                                      <p:to>
+                                        <p:strVal val="visible"/>
+                                      </p:to>
+                                    </p:set>
+                                    <p:anim calcmode="lin" valueType="num">
+                                      <p:cBhvr additive="base">
+                                        <p:cTn id="47" dur="500" fill="hold"/>
+                                        <p:tgtEl>
+                                          <p:spTgt spid="3">
+                                            <p:txEl>
+                                              <p:pRg st="8" end="8"/>
+                                            </p:txEl>
+                                          </p:spTgt>
+                                        </p:tgtEl>
+                                        <p:attrNameLst>
+                                          <p:attrName>ppt_x</p:attrName>
+                                        </p:attrNameLst>
+                                      </p:cBhvr>
+                                      <p:tavLst>
+                                        <p:tav tm="0">
+                                          <p:val>
+                                            <p:strVal val="#ppt_x"/>
+                                          </p:val>
+                                        </p:tav>
+                                        <p:tav tm="100000">
+                                          <p:val>
+                                            <p:strVal val="#ppt_x"/>
+                                          </p:val>
+                                        </p:tav>
+                                      </p:tavLst>
+                                    </p:anim>
+                                    <p:anim calcmode="lin" valueType="num">
+                                      <p:cBhvr additive="base">
+                                        <p:cTn id="48" dur="500" fill="hold"/>
+                                        <p:tgtEl>
+                                          <p:spTgt spid="3">
+                                            <p:txEl>
+                                              <p:pRg st="8" end="8"/>
                                             </p:txEl>
                                           </p:spTgt>
                                         </p:tgtEl>

--- a/CSharp3.pptx
+++ b/CSharp3.pptx
@@ -5,19 +5,20 @@
     <p:sldMasterId id="2147483684" r:id="rId1"/>
   </p:sldMasterIdLst>
   <p:notesMasterIdLst>
-    <p:notesMasterId r:id="rId12"/>
+    <p:notesMasterId r:id="rId13"/>
   </p:notesMasterIdLst>
   <p:sldIdLst>
     <p:sldId id="256" r:id="rId2"/>
     <p:sldId id="257" r:id="rId3"/>
     <p:sldId id="263" r:id="rId4"/>
-    <p:sldId id="258" r:id="rId5"/>
-    <p:sldId id="261" r:id="rId6"/>
-    <p:sldId id="262" r:id="rId7"/>
-    <p:sldId id="260" r:id="rId8"/>
-    <p:sldId id="264" r:id="rId9"/>
-    <p:sldId id="265" r:id="rId10"/>
-    <p:sldId id="266" r:id="rId11"/>
+    <p:sldId id="267" r:id="rId5"/>
+    <p:sldId id="258" r:id="rId6"/>
+    <p:sldId id="261" r:id="rId7"/>
+    <p:sldId id="262" r:id="rId8"/>
+    <p:sldId id="260" r:id="rId9"/>
+    <p:sldId id="264" r:id="rId10"/>
+    <p:sldId id="265" r:id="rId11"/>
+    <p:sldId id="266" r:id="rId12"/>
   </p:sldIdLst>
   <p:sldSz cx="9144000" cy="6858000" type="screen4x3"/>
   <p:notesSz cx="6858000" cy="9144000"/>
@@ -618,7 +619,7 @@
             <a:fld id="{85CAAF2B-3AA5-4172-94F1-2CA2368BF571}" type="slidenum">
               <a:rPr lang="sv-SE" smtClean="0"/>
               <a:pPr/>
-              <a:t>5</a:t>
+              <a:t>6</a:t>
             </a:fld>
             <a:endParaRPr lang="sv-SE"/>
           </a:p>
@@ -700,7 +701,7 @@
             <a:fld id="{85CAAF2B-3AA5-4172-94F1-2CA2368BF571}" type="slidenum">
               <a:rPr lang="sv-SE" smtClean="0"/>
               <a:pPr/>
-              <a:t>7</a:t>
+              <a:t>8</a:t>
             </a:fld>
             <a:endParaRPr lang="sv-SE"/>
           </a:p>
@@ -3748,6 +3749,61 @@
         </p:nvSpPr>
         <p:spPr/>
         <p:txBody>
+          <a:bodyPr/>
+          <a:lstStyle/>
+          <a:p>
+            <a:r>
+              <a:rPr lang="sv-SE" dirty="0" smtClean="0"/>
+              <a:t>Lets look at some code</a:t>
+            </a:r>
+            <a:endParaRPr lang="sv-SE" dirty="0"/>
+          </a:p>
+        </p:txBody>
+      </p:sp>
+    </p:spTree>
+  </p:cSld>
+  <p:clrMapOvr>
+    <a:masterClrMapping/>
+  </p:clrMapOvr>
+  <p:timing>
+    <p:tnLst>
+      <p:par>
+        <p:cTn id="1" dur="indefinite" restart="never" nodeType="tmRoot"/>
+      </p:par>
+    </p:tnLst>
+  </p:timing>
+</p:sld>
+</file>
+
+<file path=ppt/slides/slide11.xml><?xml version="1.0" encoding="utf-8"?>
+<p:sld xmlns:a="http://schemas.openxmlformats.org/drawingml/2006/main" xmlns:r="http://schemas.openxmlformats.org/officeDocument/2006/relationships" xmlns:p="http://schemas.openxmlformats.org/presentationml/2006/main">
+  <p:cSld>
+    <p:spTree>
+      <p:nvGrpSpPr>
+        <p:cNvPr id="1" name=""/>
+        <p:cNvGrpSpPr/>
+        <p:nvPr/>
+      </p:nvGrpSpPr>
+      <p:grpSpPr>
+        <a:xfrm>
+          <a:off x="0" y="0"/>
+          <a:ext cx="0" cy="0"/>
+          <a:chOff x="0" y="0"/>
+          <a:chExt cx="0" cy="0"/>
+        </a:xfrm>
+      </p:grpSpPr>
+      <p:sp>
+        <p:nvSpPr>
+          <p:cNvPr id="2" name="Title 1"/>
+          <p:cNvSpPr>
+            <a:spLocks noGrp="1"/>
+          </p:cNvSpPr>
+          <p:nvPr>
+            <p:ph type="title"/>
+          </p:nvPr>
+        </p:nvSpPr>
+        <p:spPr/>
+        <p:txBody>
           <a:bodyPr>
             <a:normAutofit fontScale="90000"/>
           </a:bodyPr>
@@ -3755,26 +3811,14 @@
           <a:p>
             <a:r>
               <a:rPr lang="sv-SE" dirty="0" smtClean="0"/>
-              <a:t>Principles </a:t>
-            </a:r>
-            <a:r>
-              <a:rPr lang="sv-SE" dirty="0" smtClean="0"/>
-              <a:t>&amp; extension vs member</a:t>
+              <a:t>Principles &amp; extension vs member</a:t>
             </a:r>
             <a:br>
               <a:rPr lang="sv-SE" dirty="0" smtClean="0"/>
             </a:br>
             <a:r>
               <a:rPr lang="sv-SE" sz="1600" dirty="0" smtClean="0"/>
-              <a:t>(context: Given a method </a:t>
-            </a:r>
-            <a:r>
-              <a:rPr lang="sv-SE" sz="1600" dirty="0" smtClean="0"/>
-              <a:t>that could be </a:t>
-            </a:r>
-            <a:r>
-              <a:rPr lang="sv-SE" sz="1600" dirty="0" smtClean="0"/>
-              <a:t>a member of an interface or an extension of the interface)</a:t>
+              <a:t>(context: Given a method that could be a member of an interface or an extension of the interface)</a:t>
             </a:r>
             <a:endParaRPr lang="sv-SE" sz="1600" dirty="0"/>
           </a:p>
@@ -3833,19 +3877,11 @@
             </a:br>
             <a:r>
               <a:rPr lang="sv-SE" sz="1400" dirty="0" smtClean="0"/>
-              <a:t>It’s something </a:t>
-            </a:r>
-            <a:r>
-              <a:rPr lang="sv-SE" sz="1400" dirty="0" smtClean="0"/>
-              <a:t>that is </a:t>
+              <a:t>It’s something that is </a:t>
             </a:r>
             <a:r>
               <a:rPr lang="sv-SE" sz="1400" b="1" dirty="0" smtClean="0"/>
-              <a:t>done </a:t>
-            </a:r>
-            <a:r>
-              <a:rPr lang="sv-SE" sz="1400" b="1" dirty="0" smtClean="0"/>
-              <a:t>with</a:t>
+              <a:t>done with</a:t>
             </a:r>
             <a:r>
               <a:rPr lang="sv-SE" sz="1400" dirty="0" smtClean="0"/>
@@ -3923,11 +3959,7 @@
             <a:pPr lvl="2"/>
             <a:r>
               <a:rPr lang="sv-SE" sz="1400" dirty="0" smtClean="0"/>
-              <a:t>Implementors cannot possibly need to reimplement something that can be an </a:t>
-            </a:r>
-            <a:r>
-              <a:rPr lang="sv-SE" sz="1400" dirty="0" smtClean="0"/>
-              <a:t>extension</a:t>
+              <a:t>Implementors cannot possibly need to reimplement something that can be an extension</a:t>
             </a:r>
           </a:p>
           <a:p>
@@ -3942,7 +3974,6 @@
               <a:rPr lang="sv-SE" sz="1800" dirty="0" smtClean="0"/>
               <a:t>Rather than depend on an abstraction members depend on implementation details.</a:t>
             </a:r>
-            <a:endParaRPr lang="sv-SE" sz="1800" dirty="0" smtClean="0"/>
           </a:p>
           <a:p>
             <a:pPr lvl="1"/>
@@ -6589,6 +6620,257 @@
         </p:nvSpPr>
         <p:spPr/>
         <p:txBody>
+          <a:bodyPr/>
+          <a:lstStyle/>
+          <a:p>
+            <a:r>
+              <a:rPr lang="sv-SE" dirty="0" smtClean="0"/>
+              <a:t>Generic programming</a:t>
+            </a:r>
+            <a:endParaRPr lang="sv-SE" dirty="0"/>
+          </a:p>
+        </p:txBody>
+      </p:sp>
+      <p:sp>
+        <p:nvSpPr>
+          <p:cNvPr id="3" name="Content Placeholder 2"/>
+          <p:cNvSpPr>
+            <a:spLocks noGrp="1"/>
+          </p:cNvSpPr>
+          <p:nvPr>
+            <p:ph idx="1"/>
+          </p:nvPr>
+        </p:nvSpPr>
+        <p:spPr/>
+        <p:txBody>
+          <a:bodyPr>
+            <a:normAutofit lnSpcReduction="10000"/>
+          </a:bodyPr>
+          <a:lstStyle/>
+          <a:p>
+            <a:r>
+              <a:rPr lang="sv-SE" dirty="0" smtClean="0"/>
+              <a:t>Meta abstractions instantiated </a:t>
+            </a:r>
+            <a:r>
+              <a:rPr lang="sv-SE" dirty="0" smtClean="0"/>
+              <a:t>by </a:t>
+            </a:r>
+            <a:r>
+              <a:rPr lang="sv-SE" dirty="0" smtClean="0"/>
+              <a:t>supplying a type parameter</a:t>
+            </a:r>
+          </a:p>
+          <a:p>
+            <a:pPr>
+              <a:buNone/>
+            </a:pPr>
+            <a:r>
+              <a:rPr lang="sv-SE" dirty="0" smtClean="0"/>
+              <a:t>Methods	</a:t>
+            </a:r>
+          </a:p>
+          <a:p>
+            <a:pPr lvl="1">
+              <a:buNone/>
+            </a:pPr>
+            <a:r>
+              <a:rPr lang="sv-SE" sz="1800" dirty="0" smtClean="0">
+                <a:solidFill>
+                  <a:srgbClr val="0000FF"/>
+                </a:solidFill>
+              </a:rPr>
+              <a:t>public static </a:t>
+            </a:r>
+            <a:r>
+              <a:rPr lang="sv-SE" sz="1800" dirty="0" smtClean="0">
+                <a:solidFill>
+                  <a:srgbClr val="2B91AF"/>
+                </a:solidFill>
+              </a:rPr>
+              <a:t>IEnumerable&lt;T&gt; Where&lt;T&gt;(IEnumerable&lt;T&gt; me,.....)</a:t>
+            </a:r>
+          </a:p>
+          <a:p>
+            <a:pPr lvl="1">
+              <a:buNone/>
+            </a:pPr>
+            <a:r>
+              <a:rPr lang="sv-SE" sz="1800" dirty="0" smtClean="0">
+                <a:solidFill>
+                  <a:srgbClr val="2B91AF"/>
+                </a:solidFill>
+              </a:rPr>
+              <a:t>{</a:t>
+            </a:r>
+          </a:p>
+          <a:p>
+            <a:pPr lvl="1">
+              <a:buNone/>
+            </a:pPr>
+            <a:r>
+              <a:rPr lang="sv-SE" sz="1800" dirty="0" smtClean="0">
+                <a:solidFill>
+                  <a:srgbClr val="2B91AF"/>
+                </a:solidFill>
+              </a:rPr>
+              <a:t>	...</a:t>
+            </a:r>
+          </a:p>
+          <a:p>
+            <a:pPr lvl="1">
+              <a:buNone/>
+            </a:pPr>
+            <a:r>
+              <a:rPr lang="sv-SE" sz="1800" dirty="0" smtClean="0">
+                <a:solidFill>
+                  <a:srgbClr val="2B91AF"/>
+                </a:solidFill>
+              </a:rPr>
+              <a:t>}</a:t>
+            </a:r>
+            <a:endParaRPr lang="sv-SE" sz="1800" dirty="0" smtClean="0"/>
+          </a:p>
+          <a:p>
+            <a:pPr>
+              <a:buNone/>
+            </a:pPr>
+            <a:r>
+              <a:rPr lang="sv-SE" dirty="0" smtClean="0"/>
+              <a:t>Datastructures</a:t>
+            </a:r>
+          </a:p>
+          <a:p>
+            <a:pPr lvl="1">
+              <a:buNone/>
+            </a:pPr>
+            <a:r>
+              <a:rPr lang="sv-SE" sz="1800" dirty="0" smtClean="0">
+                <a:solidFill>
+                  <a:srgbClr val="0000FF"/>
+                </a:solidFill>
+              </a:rPr>
+              <a:t>interface </a:t>
+            </a:r>
+            <a:r>
+              <a:rPr lang="sv-SE" sz="1800" dirty="0" smtClean="0">
+                <a:solidFill>
+                  <a:srgbClr val="2B91AF"/>
+                </a:solidFill>
+              </a:rPr>
+              <a:t>IHierarchy&lt;T&gt; </a:t>
+            </a:r>
+            <a:r>
+              <a:rPr lang="sv-SE" sz="1800" dirty="0" smtClean="0">
+                <a:solidFill>
+                  <a:srgbClr val="0000FF"/>
+                </a:solidFill>
+              </a:rPr>
+              <a:t>where T : </a:t>
+            </a:r>
+            <a:r>
+              <a:rPr lang="sv-SE" sz="1800" dirty="0" smtClean="0">
+                <a:solidFill>
+                  <a:srgbClr val="2B91AF"/>
+                </a:solidFill>
+              </a:rPr>
+              <a:t>IHierarchy&lt;T&gt;</a:t>
+            </a:r>
+          </a:p>
+          <a:p>
+            <a:pPr lvl="1">
+              <a:buNone/>
+            </a:pPr>
+            <a:r>
+              <a:rPr lang="sv-SE" sz="1800" dirty="0" smtClean="0">
+                <a:solidFill>
+                  <a:srgbClr val="2B91AF"/>
+                </a:solidFill>
+              </a:rPr>
+              <a:t>{</a:t>
+            </a:r>
+          </a:p>
+          <a:p>
+            <a:pPr lvl="1">
+              <a:buNone/>
+            </a:pPr>
+            <a:r>
+              <a:rPr lang="sv-SE" sz="1800" dirty="0" smtClean="0">
+                <a:solidFill>
+                  <a:srgbClr val="2B91AF"/>
+                </a:solidFill>
+              </a:rPr>
+              <a:t>        IEnumerable&lt;T&gt; Children { </a:t>
+            </a:r>
+            <a:r>
+              <a:rPr lang="sv-SE" sz="1800" dirty="0" smtClean="0">
+                <a:solidFill>
+                  <a:srgbClr val="0000FF"/>
+                </a:solidFill>
+              </a:rPr>
+              <a:t>get; }</a:t>
+            </a:r>
+          </a:p>
+          <a:p>
+            <a:pPr lvl="1">
+              <a:buNone/>
+            </a:pPr>
+            <a:r>
+              <a:rPr lang="sv-SE" sz="1800" dirty="0" smtClean="0">
+                <a:solidFill>
+                  <a:srgbClr val="0000FF"/>
+                </a:solidFill>
+              </a:rPr>
+              <a:t>}</a:t>
+            </a:r>
+            <a:endParaRPr lang="sv-SE" sz="1800" dirty="0" smtClean="0"/>
+          </a:p>
+        </p:txBody>
+      </p:sp>
+    </p:spTree>
+  </p:cSld>
+  <p:clrMapOvr>
+    <a:masterClrMapping/>
+  </p:clrMapOvr>
+  <p:timing>
+    <p:tnLst>
+      <p:par>
+        <p:cTn id="1" dur="indefinite" restart="never" nodeType="tmRoot"/>
+      </p:par>
+    </p:tnLst>
+  </p:timing>
+</p:sld>
+</file>
+
+<file path=ppt/slides/slide5.xml><?xml version="1.0" encoding="utf-8"?>
+<p:sld xmlns:a="http://schemas.openxmlformats.org/drawingml/2006/main" xmlns:r="http://schemas.openxmlformats.org/officeDocument/2006/relationships" xmlns:p="http://schemas.openxmlformats.org/presentationml/2006/main">
+  <p:cSld>
+    <p:spTree>
+      <p:nvGrpSpPr>
+        <p:cNvPr id="1" name=""/>
+        <p:cNvGrpSpPr/>
+        <p:nvPr/>
+      </p:nvGrpSpPr>
+      <p:grpSpPr>
+        <a:xfrm>
+          <a:off x="0" y="0"/>
+          <a:ext cx="0" cy="0"/>
+          <a:chOff x="0" y="0"/>
+          <a:chExt cx="0" cy="0"/>
+        </a:xfrm>
+      </p:grpSpPr>
+      <p:sp>
+        <p:nvSpPr>
+          <p:cNvPr id="2" name="Title 1"/>
+          <p:cNvSpPr>
+            <a:spLocks noGrp="1"/>
+          </p:cNvSpPr>
+          <p:nvPr>
+            <p:ph type="title"/>
+          </p:nvPr>
+        </p:nvSpPr>
+        <p:spPr/>
+        <p:txBody>
           <a:bodyPr>
             <a:normAutofit fontScale="90000"/>
           </a:bodyPr>
@@ -6633,13 +6915,44 @@
             </a:r>
             <a:r>
               <a:rPr lang="en-US" sz="2000" dirty="0" smtClean="0"/>
-              <a:t> interfaces</a:t>
-            </a:r>
-          </a:p>
-          <a:p>
+              <a:t> </a:t>
+            </a:r>
             <a:r>
               <a:rPr lang="en-US" sz="2000" dirty="0" smtClean="0"/>
-              <a:t>Linq operators are </a:t>
+              <a:t>interfaces</a:t>
+            </a:r>
+          </a:p>
+          <a:p>
+            <a:r>
+              <a:rPr lang="en-US" sz="2000" dirty="0" smtClean="0"/>
+              <a:t>IEnumerable&lt;T&gt; and IQueryable&lt;T&gt; are </a:t>
+            </a:r>
+            <a:r>
+              <a:rPr lang="en-US" sz="2000" i="1" dirty="0" smtClean="0">
+                <a:solidFill>
+                  <a:schemeClr val="tx2"/>
+                </a:solidFill>
+              </a:rPr>
+              <a:t>generic</a:t>
+            </a:r>
+            <a:r>
+              <a:rPr lang="en-US" sz="2000" dirty="0" smtClean="0"/>
+              <a:t> </a:t>
+            </a:r>
+            <a:r>
+              <a:rPr lang="en-US" sz="2000" dirty="0" smtClean="0"/>
+              <a:t>interfaces</a:t>
+            </a:r>
+            <a:endParaRPr lang="en-US" sz="2000" dirty="0" smtClean="0"/>
+          </a:p>
+          <a:p>
+            <a:r>
+              <a:rPr lang="en-US" sz="2000" dirty="0" smtClean="0"/>
+              <a:t>Linq </a:t>
+            </a:r>
+            <a:r>
+              <a:rPr lang="en-US" sz="2000" dirty="0" smtClean="0"/>
+              <a:t>operators are </a:t>
             </a:r>
             <a:r>
               <a:rPr lang="en-US" sz="2000" i="1" dirty="0" smtClean="0">
@@ -6661,8 +6974,35 @@
                   <a:schemeClr val="tx2"/>
                 </a:solidFill>
               </a:rPr>
-              <a:t>higher order functions</a:t>
-            </a:r>
+              <a:t>higher order </a:t>
+            </a:r>
+            <a:r>
+              <a:rPr lang="en-US" sz="2000" i="1" dirty="0" smtClean="0">
+                <a:solidFill>
+                  <a:schemeClr val="tx2"/>
+                </a:solidFill>
+              </a:rPr>
+              <a:t>functions</a:t>
+            </a:r>
+          </a:p>
+          <a:p>
+            <a:r>
+              <a:rPr lang="en-US" sz="2000" dirty="0" smtClean="0"/>
+              <a:t>Many Linq operators are </a:t>
+            </a:r>
+            <a:r>
+              <a:rPr lang="en-US" sz="2000" i="1" dirty="0" smtClean="0">
+                <a:solidFill>
+                  <a:schemeClr val="tx2"/>
+                </a:solidFill>
+              </a:rPr>
+              <a:t>generic functions</a:t>
+            </a:r>
+            <a:endParaRPr lang="en-US" sz="2000" i="1" dirty="0" smtClean="0">
+              <a:solidFill>
+                <a:schemeClr val="tx2"/>
+              </a:solidFill>
+            </a:endParaRPr>
           </a:p>
           <a:p>
             <a:r>
@@ -7218,6 +7558,212 @@
                       </p:childTnLst>
                     </p:cTn>
                   </p:par>
+                  <p:par>
+                    <p:cTn id="33" fill="hold">
+                      <p:stCondLst>
+                        <p:cond delay="indefinite"/>
+                      </p:stCondLst>
+                      <p:childTnLst>
+                        <p:par>
+                          <p:cTn id="34" fill="hold">
+                            <p:stCondLst>
+                              <p:cond delay="0"/>
+                            </p:stCondLst>
+                            <p:childTnLst>
+                              <p:par>
+                                <p:cTn id="35" presetID="2" presetClass="entr" presetSubtype="4" fill="hold" grpId="0" nodeType="clickEffect">
+                                  <p:stCondLst>
+                                    <p:cond delay="0"/>
+                                  </p:stCondLst>
+                                  <p:childTnLst>
+                                    <p:set>
+                                      <p:cBhvr>
+                                        <p:cTn id="36" dur="1" fill="hold">
+                                          <p:stCondLst>
+                                            <p:cond delay="0"/>
+                                          </p:stCondLst>
+                                        </p:cTn>
+                                        <p:tgtEl>
+                                          <p:spTgt spid="5">
+                                            <p:txEl>
+                                              <p:pRg st="5" end="5"/>
+                                            </p:txEl>
+                                          </p:spTgt>
+                                        </p:tgtEl>
+                                        <p:attrNameLst>
+                                          <p:attrName>style.visibility</p:attrName>
+                                        </p:attrNameLst>
+                                      </p:cBhvr>
+                                      <p:to>
+                                        <p:strVal val="visible"/>
+                                      </p:to>
+                                    </p:set>
+                                    <p:anim calcmode="lin" valueType="num">
+                                      <p:cBhvr additive="base">
+                                        <p:cTn id="37" dur="500" fill="hold"/>
+                                        <p:tgtEl>
+                                          <p:spTgt spid="5">
+                                            <p:txEl>
+                                              <p:pRg st="5" end="5"/>
+                                            </p:txEl>
+                                          </p:spTgt>
+                                        </p:tgtEl>
+                                        <p:attrNameLst>
+                                          <p:attrName>ppt_x</p:attrName>
+                                        </p:attrNameLst>
+                                      </p:cBhvr>
+                                      <p:tavLst>
+                                        <p:tav tm="0">
+                                          <p:val>
+                                            <p:strVal val="#ppt_x"/>
+                                          </p:val>
+                                        </p:tav>
+                                        <p:tav tm="100000">
+                                          <p:val>
+                                            <p:strVal val="#ppt_x"/>
+                                          </p:val>
+                                        </p:tav>
+                                      </p:tavLst>
+                                    </p:anim>
+                                    <p:anim calcmode="lin" valueType="num">
+                                      <p:cBhvr additive="base">
+                                        <p:cTn id="38" dur="500" fill="hold"/>
+                                        <p:tgtEl>
+                                          <p:spTgt spid="5">
+                                            <p:txEl>
+                                              <p:pRg st="5" end="5"/>
+                                            </p:txEl>
+                                          </p:spTgt>
+                                        </p:tgtEl>
+                                        <p:attrNameLst>
+                                          <p:attrName>ppt_y</p:attrName>
+                                        </p:attrNameLst>
+                                      </p:cBhvr>
+                                      <p:tavLst>
+                                        <p:tav tm="0">
+                                          <p:val>
+                                            <p:strVal val="1+#ppt_h/2"/>
+                                          </p:val>
+                                        </p:tav>
+                                        <p:tav tm="100000">
+                                          <p:val>
+                                            <p:strVal val="#ppt_y"/>
+                                          </p:val>
+                                        </p:tav>
+                                      </p:tavLst>
+                                    </p:anim>
+                                  </p:childTnLst>
+                                </p:cTn>
+                              </p:par>
+                            </p:childTnLst>
+                          </p:cTn>
+                        </p:par>
+                      </p:childTnLst>
+                    </p:cTn>
+                  </p:par>
+                  <p:par>
+                    <p:cTn id="39" fill="hold">
+                      <p:stCondLst>
+                        <p:cond delay="indefinite"/>
+                      </p:stCondLst>
+                      <p:childTnLst>
+                        <p:par>
+                          <p:cTn id="40" fill="hold">
+                            <p:stCondLst>
+                              <p:cond delay="0"/>
+                            </p:stCondLst>
+                            <p:childTnLst>
+                              <p:par>
+                                <p:cTn id="41" presetID="2" presetClass="entr" presetSubtype="4" fill="hold" grpId="0" nodeType="clickEffect">
+                                  <p:stCondLst>
+                                    <p:cond delay="0"/>
+                                  </p:stCondLst>
+                                  <p:childTnLst>
+                                    <p:set>
+                                      <p:cBhvr>
+                                        <p:cTn id="42" dur="1" fill="hold">
+                                          <p:stCondLst>
+                                            <p:cond delay="0"/>
+                                          </p:stCondLst>
+                                        </p:cTn>
+                                        <p:tgtEl>
+                                          <p:spTgt spid="5">
+                                            <p:txEl>
+                                              <p:pRg st="6" end="6"/>
+                                            </p:txEl>
+                                          </p:spTgt>
+                                        </p:tgtEl>
+                                        <p:attrNameLst>
+                                          <p:attrName>style.visibility</p:attrName>
+                                        </p:attrNameLst>
+                                      </p:cBhvr>
+                                      <p:to>
+                                        <p:strVal val="visible"/>
+                                      </p:to>
+                                    </p:set>
+                                    <p:anim calcmode="lin" valueType="num">
+                                      <p:cBhvr additive="base">
+                                        <p:cTn id="43" dur="500" fill="hold"/>
+                                        <p:tgtEl>
+                                          <p:spTgt spid="5">
+                                            <p:txEl>
+                                              <p:pRg st="6" end="6"/>
+                                            </p:txEl>
+                                          </p:spTgt>
+                                        </p:tgtEl>
+                                        <p:attrNameLst>
+                                          <p:attrName>ppt_x</p:attrName>
+                                        </p:attrNameLst>
+                                      </p:cBhvr>
+                                      <p:tavLst>
+                                        <p:tav tm="0">
+                                          <p:val>
+                                            <p:strVal val="#ppt_x"/>
+                                          </p:val>
+                                        </p:tav>
+                                        <p:tav tm="100000">
+                                          <p:val>
+                                            <p:strVal val="#ppt_x"/>
+                                          </p:val>
+                                        </p:tav>
+                                      </p:tavLst>
+                                    </p:anim>
+                                    <p:anim calcmode="lin" valueType="num">
+                                      <p:cBhvr additive="base">
+                                        <p:cTn id="44" dur="500" fill="hold"/>
+                                        <p:tgtEl>
+                                          <p:spTgt spid="5">
+                                            <p:txEl>
+                                              <p:pRg st="6" end="6"/>
+                                            </p:txEl>
+                                          </p:spTgt>
+                                        </p:tgtEl>
+                                        <p:attrNameLst>
+                                          <p:attrName>ppt_y</p:attrName>
+                                        </p:attrNameLst>
+                                      </p:cBhvr>
+                                      <p:tavLst>
+                                        <p:tav tm="0">
+                                          <p:val>
+                                            <p:strVal val="1+#ppt_h/2"/>
+                                          </p:val>
+                                        </p:tav>
+                                        <p:tav tm="100000">
+                                          <p:val>
+                                            <p:strVal val="#ppt_y"/>
+                                          </p:val>
+                                        </p:tav>
+                                      </p:tavLst>
+                                    </p:anim>
+                                  </p:childTnLst>
+                                </p:cTn>
+                              </p:par>
+                            </p:childTnLst>
+                          </p:cTn>
+                        </p:par>
+                      </p:childTnLst>
+                    </p:cTn>
+                  </p:par>
                 </p:childTnLst>
               </p:cTn>
               <p:prevCondLst>
@@ -7246,7 +7792,7 @@
 </p:sld>
 </file>
 
-<file path=ppt/slides/slide5.xml><?xml version="1.0" encoding="utf-8"?>
+<file path=ppt/slides/slide6.xml><?xml version="1.0" encoding="utf-8"?>
 <p:sld xmlns:a="http://schemas.openxmlformats.org/drawingml/2006/main" xmlns:r="http://schemas.openxmlformats.org/officeDocument/2006/relationships" xmlns:p="http://schemas.openxmlformats.org/presentationml/2006/main">
   <p:cSld>
     <p:spTree>
@@ -7751,1062 +8297,6 @@
                                           <p:spTgt spid="3">
                                             <p:txEl>
                                               <p:pRg st="3" end="3"/>
-                                            </p:txEl>
-                                          </p:spTgt>
-                                        </p:tgtEl>
-                                        <p:attrNameLst>
-                                          <p:attrName>ppt_y</p:attrName>
-                                        </p:attrNameLst>
-                                      </p:cBhvr>
-                                      <p:tavLst>
-                                        <p:tav tm="0">
-                                          <p:val>
-                                            <p:strVal val="1+#ppt_h/2"/>
-                                          </p:val>
-                                        </p:tav>
-                                        <p:tav tm="100000">
-                                          <p:val>
-                                            <p:strVal val="#ppt_y"/>
-                                          </p:val>
-                                        </p:tav>
-                                      </p:tavLst>
-                                    </p:anim>
-                                  </p:childTnLst>
-                                </p:cTn>
-                              </p:par>
-                            </p:childTnLst>
-                          </p:cTn>
-                        </p:par>
-                      </p:childTnLst>
-                    </p:cTn>
-                  </p:par>
-                </p:childTnLst>
-              </p:cTn>
-              <p:prevCondLst>
-                <p:cond evt="onPrev" delay="0">
-                  <p:tgtEl>
-                    <p:sldTgt/>
-                  </p:tgtEl>
-                </p:cond>
-              </p:prevCondLst>
-              <p:nextCondLst>
-                <p:cond evt="onNext" delay="0">
-                  <p:tgtEl>
-                    <p:sldTgt/>
-                  </p:tgtEl>
-                </p:cond>
-              </p:nextCondLst>
-            </p:seq>
-          </p:childTnLst>
-        </p:cTn>
-      </p:par>
-    </p:tnLst>
-    <p:bldLst>
-      <p:bldP spid="3" grpId="0" build="p"/>
-    </p:bldLst>
-  </p:timing>
-</p:sld>
-</file>
-
-<file path=ppt/slides/slide6.xml><?xml version="1.0" encoding="utf-8"?>
-<p:sld xmlns:a="http://schemas.openxmlformats.org/drawingml/2006/main" xmlns:r="http://schemas.openxmlformats.org/officeDocument/2006/relationships" xmlns:p="http://schemas.openxmlformats.org/presentationml/2006/main">
-  <p:cSld>
-    <p:spTree>
-      <p:nvGrpSpPr>
-        <p:cNvPr id="1" name=""/>
-        <p:cNvGrpSpPr/>
-        <p:nvPr/>
-      </p:nvGrpSpPr>
-      <p:grpSpPr>
-        <a:xfrm>
-          <a:off x="0" y="0"/>
-          <a:ext cx="0" cy="0"/>
-          <a:chOff x="0" y="0"/>
-          <a:chExt cx="0" cy="0"/>
-        </a:xfrm>
-      </p:grpSpPr>
-      <p:sp>
-        <p:nvSpPr>
-          <p:cNvPr id="2" name="Title 1"/>
-          <p:cNvSpPr>
-            <a:spLocks noGrp="1"/>
-          </p:cNvSpPr>
-          <p:nvPr>
-            <p:ph type="title"/>
-          </p:nvPr>
-        </p:nvSpPr>
-        <p:spPr/>
-        <p:txBody>
-          <a:bodyPr/>
-          <a:lstStyle/>
-          <a:p>
-            <a:r>
-              <a:rPr lang="sv-SE" dirty="0" smtClean="0"/>
-              <a:t>Language features enabling Linq</a:t>
-            </a:r>
-            <a:endParaRPr lang="sv-SE" dirty="0"/>
-          </a:p>
-        </p:txBody>
-      </p:sp>
-      <p:sp>
-        <p:nvSpPr>
-          <p:cNvPr id="3" name="Content Placeholder 2"/>
-          <p:cNvSpPr>
-            <a:spLocks noGrp="1"/>
-          </p:cNvSpPr>
-          <p:nvPr>
-            <p:ph idx="1"/>
-          </p:nvPr>
-        </p:nvSpPr>
-        <p:spPr/>
-        <p:txBody>
-          <a:bodyPr>
-            <a:normAutofit/>
-          </a:bodyPr>
-          <a:lstStyle/>
-          <a:p>
-            <a:r>
-              <a:rPr lang="sv-SE" sz="2000" dirty="0" smtClean="0"/>
-              <a:t>Class and collection initializer expressions</a:t>
-            </a:r>
-            <a:br>
-              <a:rPr lang="sv-SE" sz="2000" dirty="0" smtClean="0"/>
-            </a:br>
-            <a:r>
-              <a:rPr lang="fr-FR" sz="1200" dirty="0" smtClean="0">
-                <a:solidFill>
-                  <a:srgbClr val="2B91AF"/>
-                </a:solidFill>
-              </a:rPr>
-              <a:t>Person </a:t>
-            </a:r>
-            <a:r>
-              <a:rPr lang="en-US" sz="1200" dirty="0" smtClean="0">
-                <a:solidFill>
-                  <a:srgbClr val="2B91AF"/>
-                </a:solidFill>
-              </a:rPr>
-              <a:t>magnus</a:t>
-            </a:r>
-            <a:r>
-              <a:rPr lang="fr-FR" sz="1200" dirty="0" smtClean="0">
-                <a:solidFill>
-                  <a:srgbClr val="2B91AF"/>
-                </a:solidFill>
-              </a:rPr>
-              <a:t> = </a:t>
-            </a:r>
-            <a:r>
-              <a:rPr lang="fr-FR" sz="1200" dirty="0" smtClean="0">
-                <a:solidFill>
-                  <a:srgbClr val="0000FF"/>
-                </a:solidFill>
-              </a:rPr>
-              <a:t>new </a:t>
-            </a:r>
-            <a:r>
-              <a:rPr lang="fr-FR" sz="1200" dirty="0" smtClean="0">
-                <a:solidFill>
-                  <a:srgbClr val="2B91AF"/>
-                </a:solidFill>
-              </a:rPr>
-              <a:t>Person {Name = </a:t>
-            </a:r>
-            <a:r>
-              <a:rPr lang="fr-FR" sz="1200" dirty="0" smtClean="0">
-                <a:solidFill>
-                  <a:srgbClr val="A31515"/>
-                </a:solidFill>
-              </a:rPr>
-              <a:t>"Magnus Lidbom"};</a:t>
-            </a:r>
-            <a:br>
-              <a:rPr lang="fr-FR" sz="1200" dirty="0" smtClean="0">
-                <a:solidFill>
-                  <a:srgbClr val="A31515"/>
-                </a:solidFill>
-              </a:rPr>
-            </a:br>
-            <a:r>
-              <a:rPr lang="en-US" sz="1200" dirty="0" smtClean="0">
-                <a:solidFill>
-                  <a:srgbClr val="2B91AF"/>
-                </a:solidFill>
-              </a:rPr>
-              <a:t>IEnumerable&lt;</a:t>
-            </a:r>
-            <a:r>
-              <a:rPr lang="en-US" sz="1200" dirty="0" smtClean="0">
-                <a:solidFill>
-                  <a:srgbClr val="0000FF"/>
-                </a:solidFill>
-              </a:rPr>
-              <a:t>string&gt; names = new string[] {</a:t>
-            </a:r>
-            <a:r>
-              <a:rPr lang="en-US" sz="1200" dirty="0" smtClean="0">
-                <a:solidFill>
-                  <a:srgbClr val="A31515"/>
-                </a:solidFill>
-              </a:rPr>
-              <a:t>"Calle", "Oscar"};</a:t>
-            </a:r>
-            <a:endParaRPr lang="sv-SE" sz="1200" dirty="0" smtClean="0"/>
-          </a:p>
-          <a:p>
-            <a:r>
-              <a:rPr lang="sv-SE" sz="2000" dirty="0" smtClean="0"/>
-              <a:t>Extension methods</a:t>
-            </a:r>
-            <a:br>
-              <a:rPr lang="sv-SE" sz="2000" dirty="0" smtClean="0"/>
-            </a:br>
-            <a:r>
-              <a:rPr lang="sv-SE" sz="1400" dirty="0" smtClean="0">
-                <a:solidFill>
-                  <a:srgbClr val="0000FF"/>
-                </a:solidFill>
-              </a:rPr>
-              <a:t>string first = names.First();</a:t>
-            </a:r>
-            <a:endParaRPr lang="sv-SE" sz="1400" dirty="0" smtClean="0"/>
-          </a:p>
-          <a:p>
-            <a:r>
-              <a:rPr lang="sv-SE" sz="2000" dirty="0" smtClean="0"/>
-              <a:t>Type inference and the var keyword</a:t>
-            </a:r>
-            <a:br>
-              <a:rPr lang="sv-SE" sz="2000" dirty="0" smtClean="0"/>
-            </a:br>
-            <a:r>
-              <a:rPr lang="sv-SE" sz="1200" dirty="0" smtClean="0">
-                <a:solidFill>
-                  <a:srgbClr val="0000FF"/>
-                </a:solidFill>
-              </a:rPr>
-              <a:t>var alsoNames = names;</a:t>
-            </a:r>
-            <a:endParaRPr lang="sv-SE" sz="1200" dirty="0" smtClean="0"/>
-          </a:p>
-          <a:p>
-            <a:r>
-              <a:rPr lang="sv-SE" sz="2000" dirty="0" smtClean="0"/>
-              <a:t>Anonymous types</a:t>
-            </a:r>
-            <a:br>
-              <a:rPr lang="sv-SE" sz="2000" dirty="0" smtClean="0"/>
-            </a:br>
-            <a:r>
-              <a:rPr lang="en-US" sz="1200" dirty="0" smtClean="0">
-                <a:solidFill>
-                  <a:srgbClr val="0000FF"/>
-                </a:solidFill>
-              </a:rPr>
-              <a:t>var address = new {Street = </a:t>
-            </a:r>
-            <a:r>
-              <a:rPr lang="en-US" sz="1200" dirty="0" smtClean="0">
-                <a:solidFill>
-                  <a:srgbClr val="A31515"/>
-                </a:solidFill>
-              </a:rPr>
-              <a:t>"AStreet", Zip = "111111"};</a:t>
-            </a:r>
-            <a:endParaRPr lang="sv-SE" sz="1200" dirty="0" smtClean="0"/>
-          </a:p>
-          <a:p>
-            <a:r>
-              <a:rPr lang="sv-SE" sz="2000" dirty="0" smtClean="0"/>
-              <a:t>Lamda expressions</a:t>
-            </a:r>
-            <a:br>
-              <a:rPr lang="sv-SE" sz="2000" dirty="0" smtClean="0"/>
-            </a:br>
-            <a:r>
-              <a:rPr lang="sv-SE" sz="1200" dirty="0" smtClean="0">
-                <a:solidFill>
-                  <a:srgbClr val="0000FF"/>
-                </a:solidFill>
-              </a:rPr>
-              <a:t>var upperCaseNames = names.Select(name =&gt; name.ToUpper());</a:t>
-            </a:r>
-          </a:p>
-          <a:p>
-            <a:r>
-              <a:rPr lang="sv-SE" sz="2000" dirty="0" smtClean="0"/>
-              <a:t>Expression&lt;T&gt;</a:t>
-            </a:r>
-            <a:br>
-              <a:rPr lang="sv-SE" sz="2000" dirty="0" smtClean="0"/>
-            </a:br>
-            <a:r>
-              <a:rPr lang="en-US" sz="1200" dirty="0" smtClean="0">
-                <a:solidFill>
-                  <a:srgbClr val="2B91AF"/>
-                </a:solidFill>
-              </a:rPr>
-              <a:t>Expression&lt;Func&lt;</a:t>
-            </a:r>
-            <a:r>
-              <a:rPr lang="en-US" sz="1200" dirty="0" smtClean="0">
-                <a:solidFill>
-                  <a:srgbClr val="0000FF"/>
-                </a:solidFill>
-              </a:rPr>
-              <a:t>string, bool&gt;&gt; isUpperCased = test =&gt; test == test.ToUpper();</a:t>
-            </a:r>
-            <a:endParaRPr lang="sv-SE" sz="1200" dirty="0" smtClean="0"/>
-          </a:p>
-          <a:p>
-            <a:r>
-              <a:rPr lang="sv-SE" sz="2000" dirty="0" smtClean="0"/>
-              <a:t>Comprehension syntax</a:t>
-            </a:r>
-            <a:br>
-              <a:rPr lang="sv-SE" sz="2000" dirty="0" smtClean="0"/>
-            </a:br>
-            <a:r>
-              <a:rPr lang="en-US" sz="1200" dirty="0" smtClean="0">
-                <a:solidFill>
-                  <a:srgbClr val="0000FF"/>
-                </a:solidFill>
-              </a:rPr>
-              <a:t>var lowerCaseNames =  from name in names</a:t>
-            </a:r>
-            <a:br>
-              <a:rPr lang="en-US" sz="1200" dirty="0" smtClean="0">
-                <a:solidFill>
-                  <a:srgbClr val="0000FF"/>
-                </a:solidFill>
-              </a:rPr>
-            </a:br>
-            <a:r>
-              <a:rPr lang="en-US" sz="1200" dirty="0" smtClean="0">
-                <a:solidFill>
-                  <a:srgbClr val="0000FF"/>
-                </a:solidFill>
-              </a:rPr>
-              <a:t>		sele</a:t>
-            </a:r>
-            <a:r>
-              <a:rPr lang="sv-SE" sz="1200" dirty="0" smtClean="0">
-                <a:solidFill>
-                  <a:srgbClr val="0000FF"/>
-                </a:solidFill>
-              </a:rPr>
-              <a:t>ct name.ToLower();</a:t>
-            </a:r>
-            <a:endParaRPr lang="sv-SE" sz="1200" dirty="0" smtClean="0"/>
-          </a:p>
-        </p:txBody>
-      </p:sp>
-    </p:spTree>
-  </p:cSld>
-  <p:clrMapOvr>
-    <a:masterClrMapping/>
-  </p:clrMapOvr>
-  <p:transition/>
-  <p:timing>
-    <p:tnLst>
-      <p:par>
-        <p:cTn id="1" dur="indefinite" restart="never" nodeType="tmRoot">
-          <p:childTnLst>
-            <p:seq concurrent="1" nextAc="seek">
-              <p:cTn id="2" dur="indefinite" nodeType="mainSeq">
-                <p:childTnLst>
-                  <p:par>
-                    <p:cTn id="3" fill="hold">
-                      <p:stCondLst>
-                        <p:cond delay="indefinite"/>
-                      </p:stCondLst>
-                      <p:childTnLst>
-                        <p:par>
-                          <p:cTn id="4" fill="hold">
-                            <p:stCondLst>
-                              <p:cond delay="0"/>
-                            </p:stCondLst>
-                            <p:childTnLst>
-                              <p:par>
-                                <p:cTn id="5" presetID="2" presetClass="entr" presetSubtype="4" fill="hold" grpId="0" nodeType="clickEffect">
-                                  <p:stCondLst>
-                                    <p:cond delay="0"/>
-                                  </p:stCondLst>
-                                  <p:childTnLst>
-                                    <p:set>
-                                      <p:cBhvr>
-                                        <p:cTn id="6" dur="1" fill="hold">
-                                          <p:stCondLst>
-                                            <p:cond delay="0"/>
-                                          </p:stCondLst>
-                                        </p:cTn>
-                                        <p:tgtEl>
-                                          <p:spTgt spid="3">
-                                            <p:txEl>
-                                              <p:pRg st="0" end="0"/>
-                                            </p:txEl>
-                                          </p:spTgt>
-                                        </p:tgtEl>
-                                        <p:attrNameLst>
-                                          <p:attrName>style.visibility</p:attrName>
-                                        </p:attrNameLst>
-                                      </p:cBhvr>
-                                      <p:to>
-                                        <p:strVal val="visible"/>
-                                      </p:to>
-                                    </p:set>
-                                    <p:anim calcmode="lin" valueType="num">
-                                      <p:cBhvr additive="base">
-                                        <p:cTn id="7" dur="500" fill="hold"/>
-                                        <p:tgtEl>
-                                          <p:spTgt spid="3">
-                                            <p:txEl>
-                                              <p:pRg st="0" end="0"/>
-                                            </p:txEl>
-                                          </p:spTgt>
-                                        </p:tgtEl>
-                                        <p:attrNameLst>
-                                          <p:attrName>ppt_x</p:attrName>
-                                        </p:attrNameLst>
-                                      </p:cBhvr>
-                                      <p:tavLst>
-                                        <p:tav tm="0">
-                                          <p:val>
-                                            <p:strVal val="#ppt_x"/>
-                                          </p:val>
-                                        </p:tav>
-                                        <p:tav tm="100000">
-                                          <p:val>
-                                            <p:strVal val="#ppt_x"/>
-                                          </p:val>
-                                        </p:tav>
-                                      </p:tavLst>
-                                    </p:anim>
-                                    <p:anim calcmode="lin" valueType="num">
-                                      <p:cBhvr additive="base">
-                                        <p:cTn id="8" dur="500" fill="hold"/>
-                                        <p:tgtEl>
-                                          <p:spTgt spid="3">
-                                            <p:txEl>
-                                              <p:pRg st="0" end="0"/>
-                                            </p:txEl>
-                                          </p:spTgt>
-                                        </p:tgtEl>
-                                        <p:attrNameLst>
-                                          <p:attrName>ppt_y</p:attrName>
-                                        </p:attrNameLst>
-                                      </p:cBhvr>
-                                      <p:tavLst>
-                                        <p:tav tm="0">
-                                          <p:val>
-                                            <p:strVal val="1+#ppt_h/2"/>
-                                          </p:val>
-                                        </p:tav>
-                                        <p:tav tm="100000">
-                                          <p:val>
-                                            <p:strVal val="#ppt_y"/>
-                                          </p:val>
-                                        </p:tav>
-                                      </p:tavLst>
-                                    </p:anim>
-                                  </p:childTnLst>
-                                </p:cTn>
-                              </p:par>
-                            </p:childTnLst>
-                          </p:cTn>
-                        </p:par>
-                      </p:childTnLst>
-                    </p:cTn>
-                  </p:par>
-                  <p:par>
-                    <p:cTn id="9" fill="hold">
-                      <p:stCondLst>
-                        <p:cond delay="indefinite"/>
-                      </p:stCondLst>
-                      <p:childTnLst>
-                        <p:par>
-                          <p:cTn id="10" fill="hold">
-                            <p:stCondLst>
-                              <p:cond delay="0"/>
-                            </p:stCondLst>
-                            <p:childTnLst>
-                              <p:par>
-                                <p:cTn id="11" presetID="2" presetClass="entr" presetSubtype="4" fill="hold" grpId="0" nodeType="clickEffect">
-                                  <p:stCondLst>
-                                    <p:cond delay="0"/>
-                                  </p:stCondLst>
-                                  <p:childTnLst>
-                                    <p:set>
-                                      <p:cBhvr>
-                                        <p:cTn id="12" dur="1" fill="hold">
-                                          <p:stCondLst>
-                                            <p:cond delay="0"/>
-                                          </p:stCondLst>
-                                        </p:cTn>
-                                        <p:tgtEl>
-                                          <p:spTgt spid="3">
-                                            <p:txEl>
-                                              <p:pRg st="1" end="1"/>
-                                            </p:txEl>
-                                          </p:spTgt>
-                                        </p:tgtEl>
-                                        <p:attrNameLst>
-                                          <p:attrName>style.visibility</p:attrName>
-                                        </p:attrNameLst>
-                                      </p:cBhvr>
-                                      <p:to>
-                                        <p:strVal val="visible"/>
-                                      </p:to>
-                                    </p:set>
-                                    <p:anim calcmode="lin" valueType="num">
-                                      <p:cBhvr additive="base">
-                                        <p:cTn id="13" dur="500" fill="hold"/>
-                                        <p:tgtEl>
-                                          <p:spTgt spid="3">
-                                            <p:txEl>
-                                              <p:pRg st="1" end="1"/>
-                                            </p:txEl>
-                                          </p:spTgt>
-                                        </p:tgtEl>
-                                        <p:attrNameLst>
-                                          <p:attrName>ppt_x</p:attrName>
-                                        </p:attrNameLst>
-                                      </p:cBhvr>
-                                      <p:tavLst>
-                                        <p:tav tm="0">
-                                          <p:val>
-                                            <p:strVal val="#ppt_x"/>
-                                          </p:val>
-                                        </p:tav>
-                                        <p:tav tm="100000">
-                                          <p:val>
-                                            <p:strVal val="#ppt_x"/>
-                                          </p:val>
-                                        </p:tav>
-                                      </p:tavLst>
-                                    </p:anim>
-                                    <p:anim calcmode="lin" valueType="num">
-                                      <p:cBhvr additive="base">
-                                        <p:cTn id="14" dur="500" fill="hold"/>
-                                        <p:tgtEl>
-                                          <p:spTgt spid="3">
-                                            <p:txEl>
-                                              <p:pRg st="1" end="1"/>
-                                            </p:txEl>
-                                          </p:spTgt>
-                                        </p:tgtEl>
-                                        <p:attrNameLst>
-                                          <p:attrName>ppt_y</p:attrName>
-                                        </p:attrNameLst>
-                                      </p:cBhvr>
-                                      <p:tavLst>
-                                        <p:tav tm="0">
-                                          <p:val>
-                                            <p:strVal val="1+#ppt_h/2"/>
-                                          </p:val>
-                                        </p:tav>
-                                        <p:tav tm="100000">
-                                          <p:val>
-                                            <p:strVal val="#ppt_y"/>
-                                          </p:val>
-                                        </p:tav>
-                                      </p:tavLst>
-                                    </p:anim>
-                                  </p:childTnLst>
-                                </p:cTn>
-                              </p:par>
-                            </p:childTnLst>
-                          </p:cTn>
-                        </p:par>
-                      </p:childTnLst>
-                    </p:cTn>
-                  </p:par>
-                  <p:par>
-                    <p:cTn id="15" fill="hold">
-                      <p:stCondLst>
-                        <p:cond delay="indefinite"/>
-                      </p:stCondLst>
-                      <p:childTnLst>
-                        <p:par>
-                          <p:cTn id="16" fill="hold">
-                            <p:stCondLst>
-                              <p:cond delay="0"/>
-                            </p:stCondLst>
-                            <p:childTnLst>
-                              <p:par>
-                                <p:cTn id="17" presetID="2" presetClass="entr" presetSubtype="4" fill="hold" grpId="0" nodeType="clickEffect">
-                                  <p:stCondLst>
-                                    <p:cond delay="0"/>
-                                  </p:stCondLst>
-                                  <p:childTnLst>
-                                    <p:set>
-                                      <p:cBhvr>
-                                        <p:cTn id="18" dur="1" fill="hold">
-                                          <p:stCondLst>
-                                            <p:cond delay="0"/>
-                                          </p:stCondLst>
-                                        </p:cTn>
-                                        <p:tgtEl>
-                                          <p:spTgt spid="3">
-                                            <p:txEl>
-                                              <p:pRg st="2" end="2"/>
-                                            </p:txEl>
-                                          </p:spTgt>
-                                        </p:tgtEl>
-                                        <p:attrNameLst>
-                                          <p:attrName>style.visibility</p:attrName>
-                                        </p:attrNameLst>
-                                      </p:cBhvr>
-                                      <p:to>
-                                        <p:strVal val="visible"/>
-                                      </p:to>
-                                    </p:set>
-                                    <p:anim calcmode="lin" valueType="num">
-                                      <p:cBhvr additive="base">
-                                        <p:cTn id="19" dur="500" fill="hold"/>
-                                        <p:tgtEl>
-                                          <p:spTgt spid="3">
-                                            <p:txEl>
-                                              <p:pRg st="2" end="2"/>
-                                            </p:txEl>
-                                          </p:spTgt>
-                                        </p:tgtEl>
-                                        <p:attrNameLst>
-                                          <p:attrName>ppt_x</p:attrName>
-                                        </p:attrNameLst>
-                                      </p:cBhvr>
-                                      <p:tavLst>
-                                        <p:tav tm="0">
-                                          <p:val>
-                                            <p:strVal val="#ppt_x"/>
-                                          </p:val>
-                                        </p:tav>
-                                        <p:tav tm="100000">
-                                          <p:val>
-                                            <p:strVal val="#ppt_x"/>
-                                          </p:val>
-                                        </p:tav>
-                                      </p:tavLst>
-                                    </p:anim>
-                                    <p:anim calcmode="lin" valueType="num">
-                                      <p:cBhvr additive="base">
-                                        <p:cTn id="20" dur="500" fill="hold"/>
-                                        <p:tgtEl>
-                                          <p:spTgt spid="3">
-                                            <p:txEl>
-                                              <p:pRg st="2" end="2"/>
-                                            </p:txEl>
-                                          </p:spTgt>
-                                        </p:tgtEl>
-                                        <p:attrNameLst>
-                                          <p:attrName>ppt_y</p:attrName>
-                                        </p:attrNameLst>
-                                      </p:cBhvr>
-                                      <p:tavLst>
-                                        <p:tav tm="0">
-                                          <p:val>
-                                            <p:strVal val="1+#ppt_h/2"/>
-                                          </p:val>
-                                        </p:tav>
-                                        <p:tav tm="100000">
-                                          <p:val>
-                                            <p:strVal val="#ppt_y"/>
-                                          </p:val>
-                                        </p:tav>
-                                      </p:tavLst>
-                                    </p:anim>
-                                  </p:childTnLst>
-                                </p:cTn>
-                              </p:par>
-                            </p:childTnLst>
-                          </p:cTn>
-                        </p:par>
-                      </p:childTnLst>
-                    </p:cTn>
-                  </p:par>
-                  <p:par>
-                    <p:cTn id="21" fill="hold">
-                      <p:stCondLst>
-                        <p:cond delay="indefinite"/>
-                      </p:stCondLst>
-                      <p:childTnLst>
-                        <p:par>
-                          <p:cTn id="22" fill="hold">
-                            <p:stCondLst>
-                              <p:cond delay="0"/>
-                            </p:stCondLst>
-                            <p:childTnLst>
-                              <p:par>
-                                <p:cTn id="23" presetID="2" presetClass="entr" presetSubtype="4" fill="hold" grpId="0" nodeType="clickEffect">
-                                  <p:stCondLst>
-                                    <p:cond delay="0"/>
-                                  </p:stCondLst>
-                                  <p:childTnLst>
-                                    <p:set>
-                                      <p:cBhvr>
-                                        <p:cTn id="24" dur="1" fill="hold">
-                                          <p:stCondLst>
-                                            <p:cond delay="0"/>
-                                          </p:stCondLst>
-                                        </p:cTn>
-                                        <p:tgtEl>
-                                          <p:spTgt spid="3">
-                                            <p:txEl>
-                                              <p:pRg st="3" end="3"/>
-                                            </p:txEl>
-                                          </p:spTgt>
-                                        </p:tgtEl>
-                                        <p:attrNameLst>
-                                          <p:attrName>style.visibility</p:attrName>
-                                        </p:attrNameLst>
-                                      </p:cBhvr>
-                                      <p:to>
-                                        <p:strVal val="visible"/>
-                                      </p:to>
-                                    </p:set>
-                                    <p:anim calcmode="lin" valueType="num">
-                                      <p:cBhvr additive="base">
-                                        <p:cTn id="25" dur="500" fill="hold"/>
-                                        <p:tgtEl>
-                                          <p:spTgt spid="3">
-                                            <p:txEl>
-                                              <p:pRg st="3" end="3"/>
-                                            </p:txEl>
-                                          </p:spTgt>
-                                        </p:tgtEl>
-                                        <p:attrNameLst>
-                                          <p:attrName>ppt_x</p:attrName>
-                                        </p:attrNameLst>
-                                      </p:cBhvr>
-                                      <p:tavLst>
-                                        <p:tav tm="0">
-                                          <p:val>
-                                            <p:strVal val="#ppt_x"/>
-                                          </p:val>
-                                        </p:tav>
-                                        <p:tav tm="100000">
-                                          <p:val>
-                                            <p:strVal val="#ppt_x"/>
-                                          </p:val>
-                                        </p:tav>
-                                      </p:tavLst>
-                                    </p:anim>
-                                    <p:anim calcmode="lin" valueType="num">
-                                      <p:cBhvr additive="base">
-                                        <p:cTn id="26" dur="500" fill="hold"/>
-                                        <p:tgtEl>
-                                          <p:spTgt spid="3">
-                                            <p:txEl>
-                                              <p:pRg st="3" end="3"/>
-                                            </p:txEl>
-                                          </p:spTgt>
-                                        </p:tgtEl>
-                                        <p:attrNameLst>
-                                          <p:attrName>ppt_y</p:attrName>
-                                        </p:attrNameLst>
-                                      </p:cBhvr>
-                                      <p:tavLst>
-                                        <p:tav tm="0">
-                                          <p:val>
-                                            <p:strVal val="1+#ppt_h/2"/>
-                                          </p:val>
-                                        </p:tav>
-                                        <p:tav tm="100000">
-                                          <p:val>
-                                            <p:strVal val="#ppt_y"/>
-                                          </p:val>
-                                        </p:tav>
-                                      </p:tavLst>
-                                    </p:anim>
-                                  </p:childTnLst>
-                                </p:cTn>
-                              </p:par>
-                            </p:childTnLst>
-                          </p:cTn>
-                        </p:par>
-                      </p:childTnLst>
-                    </p:cTn>
-                  </p:par>
-                  <p:par>
-                    <p:cTn id="27" fill="hold">
-                      <p:stCondLst>
-                        <p:cond delay="indefinite"/>
-                      </p:stCondLst>
-                      <p:childTnLst>
-                        <p:par>
-                          <p:cTn id="28" fill="hold">
-                            <p:stCondLst>
-                              <p:cond delay="0"/>
-                            </p:stCondLst>
-                            <p:childTnLst>
-                              <p:par>
-                                <p:cTn id="29" presetID="2" presetClass="entr" presetSubtype="4" fill="hold" grpId="0" nodeType="clickEffect">
-                                  <p:stCondLst>
-                                    <p:cond delay="0"/>
-                                  </p:stCondLst>
-                                  <p:childTnLst>
-                                    <p:set>
-                                      <p:cBhvr>
-                                        <p:cTn id="30" dur="1" fill="hold">
-                                          <p:stCondLst>
-                                            <p:cond delay="0"/>
-                                          </p:stCondLst>
-                                        </p:cTn>
-                                        <p:tgtEl>
-                                          <p:spTgt spid="3">
-                                            <p:txEl>
-                                              <p:pRg st="4" end="4"/>
-                                            </p:txEl>
-                                          </p:spTgt>
-                                        </p:tgtEl>
-                                        <p:attrNameLst>
-                                          <p:attrName>style.visibility</p:attrName>
-                                        </p:attrNameLst>
-                                      </p:cBhvr>
-                                      <p:to>
-                                        <p:strVal val="visible"/>
-                                      </p:to>
-                                    </p:set>
-                                    <p:anim calcmode="lin" valueType="num">
-                                      <p:cBhvr additive="base">
-                                        <p:cTn id="31" dur="500" fill="hold"/>
-                                        <p:tgtEl>
-                                          <p:spTgt spid="3">
-                                            <p:txEl>
-                                              <p:pRg st="4" end="4"/>
-                                            </p:txEl>
-                                          </p:spTgt>
-                                        </p:tgtEl>
-                                        <p:attrNameLst>
-                                          <p:attrName>ppt_x</p:attrName>
-                                        </p:attrNameLst>
-                                      </p:cBhvr>
-                                      <p:tavLst>
-                                        <p:tav tm="0">
-                                          <p:val>
-                                            <p:strVal val="#ppt_x"/>
-                                          </p:val>
-                                        </p:tav>
-                                        <p:tav tm="100000">
-                                          <p:val>
-                                            <p:strVal val="#ppt_x"/>
-                                          </p:val>
-                                        </p:tav>
-                                      </p:tavLst>
-                                    </p:anim>
-                                    <p:anim calcmode="lin" valueType="num">
-                                      <p:cBhvr additive="base">
-                                        <p:cTn id="32" dur="500" fill="hold"/>
-                                        <p:tgtEl>
-                                          <p:spTgt spid="3">
-                                            <p:txEl>
-                                              <p:pRg st="4" end="4"/>
-                                            </p:txEl>
-                                          </p:spTgt>
-                                        </p:tgtEl>
-                                        <p:attrNameLst>
-                                          <p:attrName>ppt_y</p:attrName>
-                                        </p:attrNameLst>
-                                      </p:cBhvr>
-                                      <p:tavLst>
-                                        <p:tav tm="0">
-                                          <p:val>
-                                            <p:strVal val="1+#ppt_h/2"/>
-                                          </p:val>
-                                        </p:tav>
-                                        <p:tav tm="100000">
-                                          <p:val>
-                                            <p:strVal val="#ppt_y"/>
-                                          </p:val>
-                                        </p:tav>
-                                      </p:tavLst>
-                                    </p:anim>
-                                  </p:childTnLst>
-                                </p:cTn>
-                              </p:par>
-                            </p:childTnLst>
-                          </p:cTn>
-                        </p:par>
-                      </p:childTnLst>
-                    </p:cTn>
-                  </p:par>
-                  <p:par>
-                    <p:cTn id="33" fill="hold">
-                      <p:stCondLst>
-                        <p:cond delay="indefinite"/>
-                      </p:stCondLst>
-                      <p:childTnLst>
-                        <p:par>
-                          <p:cTn id="34" fill="hold">
-                            <p:stCondLst>
-                              <p:cond delay="0"/>
-                            </p:stCondLst>
-                            <p:childTnLst>
-                              <p:par>
-                                <p:cTn id="35" presetID="2" presetClass="entr" presetSubtype="4" fill="hold" grpId="0" nodeType="clickEffect">
-                                  <p:stCondLst>
-                                    <p:cond delay="0"/>
-                                  </p:stCondLst>
-                                  <p:childTnLst>
-                                    <p:set>
-                                      <p:cBhvr>
-                                        <p:cTn id="36" dur="1" fill="hold">
-                                          <p:stCondLst>
-                                            <p:cond delay="0"/>
-                                          </p:stCondLst>
-                                        </p:cTn>
-                                        <p:tgtEl>
-                                          <p:spTgt spid="3">
-                                            <p:txEl>
-                                              <p:pRg st="5" end="5"/>
-                                            </p:txEl>
-                                          </p:spTgt>
-                                        </p:tgtEl>
-                                        <p:attrNameLst>
-                                          <p:attrName>style.visibility</p:attrName>
-                                        </p:attrNameLst>
-                                      </p:cBhvr>
-                                      <p:to>
-                                        <p:strVal val="visible"/>
-                                      </p:to>
-                                    </p:set>
-                                    <p:anim calcmode="lin" valueType="num">
-                                      <p:cBhvr additive="base">
-                                        <p:cTn id="37" dur="500" fill="hold"/>
-                                        <p:tgtEl>
-                                          <p:spTgt spid="3">
-                                            <p:txEl>
-                                              <p:pRg st="5" end="5"/>
-                                            </p:txEl>
-                                          </p:spTgt>
-                                        </p:tgtEl>
-                                        <p:attrNameLst>
-                                          <p:attrName>ppt_x</p:attrName>
-                                        </p:attrNameLst>
-                                      </p:cBhvr>
-                                      <p:tavLst>
-                                        <p:tav tm="0">
-                                          <p:val>
-                                            <p:strVal val="#ppt_x"/>
-                                          </p:val>
-                                        </p:tav>
-                                        <p:tav tm="100000">
-                                          <p:val>
-                                            <p:strVal val="#ppt_x"/>
-                                          </p:val>
-                                        </p:tav>
-                                      </p:tavLst>
-                                    </p:anim>
-                                    <p:anim calcmode="lin" valueType="num">
-                                      <p:cBhvr additive="base">
-                                        <p:cTn id="38" dur="500" fill="hold"/>
-                                        <p:tgtEl>
-                                          <p:spTgt spid="3">
-                                            <p:txEl>
-                                              <p:pRg st="5" end="5"/>
-                                            </p:txEl>
-                                          </p:spTgt>
-                                        </p:tgtEl>
-                                        <p:attrNameLst>
-                                          <p:attrName>ppt_y</p:attrName>
-                                        </p:attrNameLst>
-                                      </p:cBhvr>
-                                      <p:tavLst>
-                                        <p:tav tm="0">
-                                          <p:val>
-                                            <p:strVal val="1+#ppt_h/2"/>
-                                          </p:val>
-                                        </p:tav>
-                                        <p:tav tm="100000">
-                                          <p:val>
-                                            <p:strVal val="#ppt_y"/>
-                                          </p:val>
-                                        </p:tav>
-                                      </p:tavLst>
-                                    </p:anim>
-                                  </p:childTnLst>
-                                </p:cTn>
-                              </p:par>
-                            </p:childTnLst>
-                          </p:cTn>
-                        </p:par>
-                      </p:childTnLst>
-                    </p:cTn>
-                  </p:par>
-                  <p:par>
-                    <p:cTn id="39" fill="hold">
-                      <p:stCondLst>
-                        <p:cond delay="indefinite"/>
-                      </p:stCondLst>
-                      <p:childTnLst>
-                        <p:par>
-                          <p:cTn id="40" fill="hold">
-                            <p:stCondLst>
-                              <p:cond delay="0"/>
-                            </p:stCondLst>
-                            <p:childTnLst>
-                              <p:par>
-                                <p:cTn id="41" presetID="2" presetClass="entr" presetSubtype="4" fill="hold" grpId="0" nodeType="clickEffect">
-                                  <p:stCondLst>
-                                    <p:cond delay="0"/>
-                                  </p:stCondLst>
-                                  <p:childTnLst>
-                                    <p:set>
-                                      <p:cBhvr>
-                                        <p:cTn id="42" dur="1" fill="hold">
-                                          <p:stCondLst>
-                                            <p:cond delay="0"/>
-                                          </p:stCondLst>
-                                        </p:cTn>
-                                        <p:tgtEl>
-                                          <p:spTgt spid="3">
-                                            <p:txEl>
-                                              <p:pRg st="6" end="6"/>
-                                            </p:txEl>
-                                          </p:spTgt>
-                                        </p:tgtEl>
-                                        <p:attrNameLst>
-                                          <p:attrName>style.visibility</p:attrName>
-                                        </p:attrNameLst>
-                                      </p:cBhvr>
-                                      <p:to>
-                                        <p:strVal val="visible"/>
-                                      </p:to>
-                                    </p:set>
-                                    <p:anim calcmode="lin" valueType="num">
-                                      <p:cBhvr additive="base">
-                                        <p:cTn id="43" dur="500" fill="hold"/>
-                                        <p:tgtEl>
-                                          <p:spTgt spid="3">
-                                            <p:txEl>
-                                              <p:pRg st="6" end="6"/>
-                                            </p:txEl>
-                                          </p:spTgt>
-                                        </p:tgtEl>
-                                        <p:attrNameLst>
-                                          <p:attrName>ppt_x</p:attrName>
-                                        </p:attrNameLst>
-                                      </p:cBhvr>
-                                      <p:tavLst>
-                                        <p:tav tm="0">
-                                          <p:val>
-                                            <p:strVal val="#ppt_x"/>
-                                          </p:val>
-                                        </p:tav>
-                                        <p:tav tm="100000">
-                                          <p:val>
-                                            <p:strVal val="#ppt_x"/>
-                                          </p:val>
-                                        </p:tav>
-                                      </p:tavLst>
-                                    </p:anim>
-                                    <p:anim calcmode="lin" valueType="num">
-                                      <p:cBhvr additive="base">
-                                        <p:cTn id="44" dur="500" fill="hold"/>
-                                        <p:tgtEl>
-                                          <p:spTgt spid="3">
-                                            <p:txEl>
-                                              <p:pRg st="6" end="6"/>
                                             </p:txEl>
                                           </p:spTgt>
                                         </p:tgtEl>
@@ -8898,6 +8388,1062 @@
           <a:p>
             <a:r>
               <a:rPr lang="sv-SE" dirty="0" smtClean="0"/>
+              <a:t>Language features enabling Linq</a:t>
+            </a:r>
+            <a:endParaRPr lang="sv-SE" dirty="0"/>
+          </a:p>
+        </p:txBody>
+      </p:sp>
+      <p:sp>
+        <p:nvSpPr>
+          <p:cNvPr id="3" name="Content Placeholder 2"/>
+          <p:cNvSpPr>
+            <a:spLocks noGrp="1"/>
+          </p:cNvSpPr>
+          <p:nvPr>
+            <p:ph idx="1"/>
+          </p:nvPr>
+        </p:nvSpPr>
+        <p:spPr/>
+        <p:txBody>
+          <a:bodyPr>
+            <a:normAutofit/>
+          </a:bodyPr>
+          <a:lstStyle/>
+          <a:p>
+            <a:r>
+              <a:rPr lang="sv-SE" sz="2000" dirty="0" smtClean="0"/>
+              <a:t>Class and collection initializer expressions</a:t>
+            </a:r>
+            <a:br>
+              <a:rPr lang="sv-SE" sz="2000" dirty="0" smtClean="0"/>
+            </a:br>
+            <a:r>
+              <a:rPr lang="fr-FR" sz="1200" dirty="0" smtClean="0">
+                <a:solidFill>
+                  <a:srgbClr val="2B91AF"/>
+                </a:solidFill>
+              </a:rPr>
+              <a:t>Person </a:t>
+            </a:r>
+            <a:r>
+              <a:rPr lang="en-US" sz="1200" dirty="0" smtClean="0">
+                <a:solidFill>
+                  <a:srgbClr val="2B91AF"/>
+                </a:solidFill>
+              </a:rPr>
+              <a:t>magnus</a:t>
+            </a:r>
+            <a:r>
+              <a:rPr lang="fr-FR" sz="1200" dirty="0" smtClean="0">
+                <a:solidFill>
+                  <a:srgbClr val="2B91AF"/>
+                </a:solidFill>
+              </a:rPr>
+              <a:t> = </a:t>
+            </a:r>
+            <a:r>
+              <a:rPr lang="fr-FR" sz="1200" dirty="0" smtClean="0">
+                <a:solidFill>
+                  <a:srgbClr val="0000FF"/>
+                </a:solidFill>
+              </a:rPr>
+              <a:t>new </a:t>
+            </a:r>
+            <a:r>
+              <a:rPr lang="fr-FR" sz="1200" dirty="0" smtClean="0">
+                <a:solidFill>
+                  <a:srgbClr val="2B91AF"/>
+                </a:solidFill>
+              </a:rPr>
+              <a:t>Person {Name = </a:t>
+            </a:r>
+            <a:r>
+              <a:rPr lang="fr-FR" sz="1200" dirty="0" smtClean="0">
+                <a:solidFill>
+                  <a:srgbClr val="A31515"/>
+                </a:solidFill>
+              </a:rPr>
+              <a:t>"Magnus Lidbom"};</a:t>
+            </a:r>
+            <a:br>
+              <a:rPr lang="fr-FR" sz="1200" dirty="0" smtClean="0">
+                <a:solidFill>
+                  <a:srgbClr val="A31515"/>
+                </a:solidFill>
+              </a:rPr>
+            </a:br>
+            <a:r>
+              <a:rPr lang="en-US" sz="1200" dirty="0" smtClean="0">
+                <a:solidFill>
+                  <a:srgbClr val="2B91AF"/>
+                </a:solidFill>
+              </a:rPr>
+              <a:t>IEnumerable&lt;</a:t>
+            </a:r>
+            <a:r>
+              <a:rPr lang="en-US" sz="1200" dirty="0" smtClean="0">
+                <a:solidFill>
+                  <a:srgbClr val="0000FF"/>
+                </a:solidFill>
+              </a:rPr>
+              <a:t>string&gt; names = new string[] {</a:t>
+            </a:r>
+            <a:r>
+              <a:rPr lang="en-US" sz="1200" dirty="0" smtClean="0">
+                <a:solidFill>
+                  <a:srgbClr val="A31515"/>
+                </a:solidFill>
+              </a:rPr>
+              <a:t>"Calle", "Oscar"};</a:t>
+            </a:r>
+            <a:endParaRPr lang="sv-SE" sz="1200" dirty="0" smtClean="0"/>
+          </a:p>
+          <a:p>
+            <a:r>
+              <a:rPr lang="sv-SE" sz="2000" dirty="0" smtClean="0"/>
+              <a:t>Extension methods</a:t>
+            </a:r>
+            <a:br>
+              <a:rPr lang="sv-SE" sz="2000" dirty="0" smtClean="0"/>
+            </a:br>
+            <a:r>
+              <a:rPr lang="sv-SE" sz="1400" dirty="0" smtClean="0">
+                <a:solidFill>
+                  <a:srgbClr val="0000FF"/>
+                </a:solidFill>
+              </a:rPr>
+              <a:t>string first = names.First();</a:t>
+            </a:r>
+            <a:endParaRPr lang="sv-SE" sz="1400" dirty="0" smtClean="0"/>
+          </a:p>
+          <a:p>
+            <a:r>
+              <a:rPr lang="sv-SE" sz="2000" dirty="0" smtClean="0"/>
+              <a:t>Type inference and the var keyword</a:t>
+            </a:r>
+            <a:br>
+              <a:rPr lang="sv-SE" sz="2000" dirty="0" smtClean="0"/>
+            </a:br>
+            <a:r>
+              <a:rPr lang="sv-SE" sz="1200" dirty="0" smtClean="0">
+                <a:solidFill>
+                  <a:srgbClr val="0000FF"/>
+                </a:solidFill>
+              </a:rPr>
+              <a:t>var alsoNames = names;</a:t>
+            </a:r>
+            <a:endParaRPr lang="sv-SE" sz="1200" dirty="0" smtClean="0"/>
+          </a:p>
+          <a:p>
+            <a:r>
+              <a:rPr lang="sv-SE" sz="2000" dirty="0" smtClean="0"/>
+              <a:t>Anonymous types</a:t>
+            </a:r>
+            <a:br>
+              <a:rPr lang="sv-SE" sz="2000" dirty="0" smtClean="0"/>
+            </a:br>
+            <a:r>
+              <a:rPr lang="en-US" sz="1200" dirty="0" smtClean="0">
+                <a:solidFill>
+                  <a:srgbClr val="0000FF"/>
+                </a:solidFill>
+              </a:rPr>
+              <a:t>var address = new {Street = </a:t>
+            </a:r>
+            <a:r>
+              <a:rPr lang="en-US" sz="1200" dirty="0" smtClean="0">
+                <a:solidFill>
+                  <a:srgbClr val="A31515"/>
+                </a:solidFill>
+              </a:rPr>
+              <a:t>"AStreet", Zip = "111111"};</a:t>
+            </a:r>
+            <a:endParaRPr lang="sv-SE" sz="1200" dirty="0" smtClean="0"/>
+          </a:p>
+          <a:p>
+            <a:r>
+              <a:rPr lang="sv-SE" sz="2000" dirty="0" smtClean="0"/>
+              <a:t>Lamda expressions</a:t>
+            </a:r>
+            <a:br>
+              <a:rPr lang="sv-SE" sz="2000" dirty="0" smtClean="0"/>
+            </a:br>
+            <a:r>
+              <a:rPr lang="sv-SE" sz="1200" dirty="0" smtClean="0">
+                <a:solidFill>
+                  <a:srgbClr val="0000FF"/>
+                </a:solidFill>
+              </a:rPr>
+              <a:t>var upperCaseNames = names.Select(name =&gt; name.ToUpper());</a:t>
+            </a:r>
+          </a:p>
+          <a:p>
+            <a:r>
+              <a:rPr lang="sv-SE" sz="2000" dirty="0" smtClean="0"/>
+              <a:t>Expression&lt;T&gt;</a:t>
+            </a:r>
+            <a:br>
+              <a:rPr lang="sv-SE" sz="2000" dirty="0" smtClean="0"/>
+            </a:br>
+            <a:r>
+              <a:rPr lang="en-US" sz="1200" dirty="0" smtClean="0">
+                <a:solidFill>
+                  <a:srgbClr val="2B91AF"/>
+                </a:solidFill>
+              </a:rPr>
+              <a:t>Expression&lt;Func&lt;</a:t>
+            </a:r>
+            <a:r>
+              <a:rPr lang="en-US" sz="1200" dirty="0" smtClean="0">
+                <a:solidFill>
+                  <a:srgbClr val="0000FF"/>
+                </a:solidFill>
+              </a:rPr>
+              <a:t>string, bool&gt;&gt; isUpperCased = test =&gt; test == test.ToUpper();</a:t>
+            </a:r>
+            <a:endParaRPr lang="sv-SE" sz="1200" dirty="0" smtClean="0"/>
+          </a:p>
+          <a:p>
+            <a:r>
+              <a:rPr lang="sv-SE" sz="2000" dirty="0" smtClean="0"/>
+              <a:t>Comprehension syntax</a:t>
+            </a:r>
+            <a:br>
+              <a:rPr lang="sv-SE" sz="2000" dirty="0" smtClean="0"/>
+            </a:br>
+            <a:r>
+              <a:rPr lang="en-US" sz="1200" dirty="0" smtClean="0">
+                <a:solidFill>
+                  <a:srgbClr val="0000FF"/>
+                </a:solidFill>
+              </a:rPr>
+              <a:t>var lowerCaseNames =  from name in names</a:t>
+            </a:r>
+            <a:br>
+              <a:rPr lang="en-US" sz="1200" dirty="0" smtClean="0">
+                <a:solidFill>
+                  <a:srgbClr val="0000FF"/>
+                </a:solidFill>
+              </a:rPr>
+            </a:br>
+            <a:r>
+              <a:rPr lang="en-US" sz="1200" dirty="0" smtClean="0">
+                <a:solidFill>
+                  <a:srgbClr val="0000FF"/>
+                </a:solidFill>
+              </a:rPr>
+              <a:t>		sele</a:t>
+            </a:r>
+            <a:r>
+              <a:rPr lang="sv-SE" sz="1200" dirty="0" smtClean="0">
+                <a:solidFill>
+                  <a:srgbClr val="0000FF"/>
+                </a:solidFill>
+              </a:rPr>
+              <a:t>ct name.ToLower();</a:t>
+            </a:r>
+            <a:endParaRPr lang="sv-SE" sz="1200" dirty="0" smtClean="0"/>
+          </a:p>
+        </p:txBody>
+      </p:sp>
+    </p:spTree>
+  </p:cSld>
+  <p:clrMapOvr>
+    <a:masterClrMapping/>
+  </p:clrMapOvr>
+  <p:transition/>
+  <p:timing>
+    <p:tnLst>
+      <p:par>
+        <p:cTn id="1" dur="indefinite" restart="never" nodeType="tmRoot">
+          <p:childTnLst>
+            <p:seq concurrent="1" nextAc="seek">
+              <p:cTn id="2" dur="indefinite" nodeType="mainSeq">
+                <p:childTnLst>
+                  <p:par>
+                    <p:cTn id="3" fill="hold">
+                      <p:stCondLst>
+                        <p:cond delay="indefinite"/>
+                      </p:stCondLst>
+                      <p:childTnLst>
+                        <p:par>
+                          <p:cTn id="4" fill="hold">
+                            <p:stCondLst>
+                              <p:cond delay="0"/>
+                            </p:stCondLst>
+                            <p:childTnLst>
+                              <p:par>
+                                <p:cTn id="5" presetID="2" presetClass="entr" presetSubtype="4" fill="hold" grpId="0" nodeType="clickEffect">
+                                  <p:stCondLst>
+                                    <p:cond delay="0"/>
+                                  </p:stCondLst>
+                                  <p:childTnLst>
+                                    <p:set>
+                                      <p:cBhvr>
+                                        <p:cTn id="6" dur="1" fill="hold">
+                                          <p:stCondLst>
+                                            <p:cond delay="0"/>
+                                          </p:stCondLst>
+                                        </p:cTn>
+                                        <p:tgtEl>
+                                          <p:spTgt spid="3">
+                                            <p:txEl>
+                                              <p:pRg st="0" end="0"/>
+                                            </p:txEl>
+                                          </p:spTgt>
+                                        </p:tgtEl>
+                                        <p:attrNameLst>
+                                          <p:attrName>style.visibility</p:attrName>
+                                        </p:attrNameLst>
+                                      </p:cBhvr>
+                                      <p:to>
+                                        <p:strVal val="visible"/>
+                                      </p:to>
+                                    </p:set>
+                                    <p:anim calcmode="lin" valueType="num">
+                                      <p:cBhvr additive="base">
+                                        <p:cTn id="7" dur="500" fill="hold"/>
+                                        <p:tgtEl>
+                                          <p:spTgt spid="3">
+                                            <p:txEl>
+                                              <p:pRg st="0" end="0"/>
+                                            </p:txEl>
+                                          </p:spTgt>
+                                        </p:tgtEl>
+                                        <p:attrNameLst>
+                                          <p:attrName>ppt_x</p:attrName>
+                                        </p:attrNameLst>
+                                      </p:cBhvr>
+                                      <p:tavLst>
+                                        <p:tav tm="0">
+                                          <p:val>
+                                            <p:strVal val="#ppt_x"/>
+                                          </p:val>
+                                        </p:tav>
+                                        <p:tav tm="100000">
+                                          <p:val>
+                                            <p:strVal val="#ppt_x"/>
+                                          </p:val>
+                                        </p:tav>
+                                      </p:tavLst>
+                                    </p:anim>
+                                    <p:anim calcmode="lin" valueType="num">
+                                      <p:cBhvr additive="base">
+                                        <p:cTn id="8" dur="500" fill="hold"/>
+                                        <p:tgtEl>
+                                          <p:spTgt spid="3">
+                                            <p:txEl>
+                                              <p:pRg st="0" end="0"/>
+                                            </p:txEl>
+                                          </p:spTgt>
+                                        </p:tgtEl>
+                                        <p:attrNameLst>
+                                          <p:attrName>ppt_y</p:attrName>
+                                        </p:attrNameLst>
+                                      </p:cBhvr>
+                                      <p:tavLst>
+                                        <p:tav tm="0">
+                                          <p:val>
+                                            <p:strVal val="1+#ppt_h/2"/>
+                                          </p:val>
+                                        </p:tav>
+                                        <p:tav tm="100000">
+                                          <p:val>
+                                            <p:strVal val="#ppt_y"/>
+                                          </p:val>
+                                        </p:tav>
+                                      </p:tavLst>
+                                    </p:anim>
+                                  </p:childTnLst>
+                                </p:cTn>
+                              </p:par>
+                            </p:childTnLst>
+                          </p:cTn>
+                        </p:par>
+                      </p:childTnLst>
+                    </p:cTn>
+                  </p:par>
+                  <p:par>
+                    <p:cTn id="9" fill="hold">
+                      <p:stCondLst>
+                        <p:cond delay="indefinite"/>
+                      </p:stCondLst>
+                      <p:childTnLst>
+                        <p:par>
+                          <p:cTn id="10" fill="hold">
+                            <p:stCondLst>
+                              <p:cond delay="0"/>
+                            </p:stCondLst>
+                            <p:childTnLst>
+                              <p:par>
+                                <p:cTn id="11" presetID="2" presetClass="entr" presetSubtype="4" fill="hold" grpId="0" nodeType="clickEffect">
+                                  <p:stCondLst>
+                                    <p:cond delay="0"/>
+                                  </p:stCondLst>
+                                  <p:childTnLst>
+                                    <p:set>
+                                      <p:cBhvr>
+                                        <p:cTn id="12" dur="1" fill="hold">
+                                          <p:stCondLst>
+                                            <p:cond delay="0"/>
+                                          </p:stCondLst>
+                                        </p:cTn>
+                                        <p:tgtEl>
+                                          <p:spTgt spid="3">
+                                            <p:txEl>
+                                              <p:pRg st="1" end="1"/>
+                                            </p:txEl>
+                                          </p:spTgt>
+                                        </p:tgtEl>
+                                        <p:attrNameLst>
+                                          <p:attrName>style.visibility</p:attrName>
+                                        </p:attrNameLst>
+                                      </p:cBhvr>
+                                      <p:to>
+                                        <p:strVal val="visible"/>
+                                      </p:to>
+                                    </p:set>
+                                    <p:anim calcmode="lin" valueType="num">
+                                      <p:cBhvr additive="base">
+                                        <p:cTn id="13" dur="500" fill="hold"/>
+                                        <p:tgtEl>
+                                          <p:spTgt spid="3">
+                                            <p:txEl>
+                                              <p:pRg st="1" end="1"/>
+                                            </p:txEl>
+                                          </p:spTgt>
+                                        </p:tgtEl>
+                                        <p:attrNameLst>
+                                          <p:attrName>ppt_x</p:attrName>
+                                        </p:attrNameLst>
+                                      </p:cBhvr>
+                                      <p:tavLst>
+                                        <p:tav tm="0">
+                                          <p:val>
+                                            <p:strVal val="#ppt_x"/>
+                                          </p:val>
+                                        </p:tav>
+                                        <p:tav tm="100000">
+                                          <p:val>
+                                            <p:strVal val="#ppt_x"/>
+                                          </p:val>
+                                        </p:tav>
+                                      </p:tavLst>
+                                    </p:anim>
+                                    <p:anim calcmode="lin" valueType="num">
+                                      <p:cBhvr additive="base">
+                                        <p:cTn id="14" dur="500" fill="hold"/>
+                                        <p:tgtEl>
+                                          <p:spTgt spid="3">
+                                            <p:txEl>
+                                              <p:pRg st="1" end="1"/>
+                                            </p:txEl>
+                                          </p:spTgt>
+                                        </p:tgtEl>
+                                        <p:attrNameLst>
+                                          <p:attrName>ppt_y</p:attrName>
+                                        </p:attrNameLst>
+                                      </p:cBhvr>
+                                      <p:tavLst>
+                                        <p:tav tm="0">
+                                          <p:val>
+                                            <p:strVal val="1+#ppt_h/2"/>
+                                          </p:val>
+                                        </p:tav>
+                                        <p:tav tm="100000">
+                                          <p:val>
+                                            <p:strVal val="#ppt_y"/>
+                                          </p:val>
+                                        </p:tav>
+                                      </p:tavLst>
+                                    </p:anim>
+                                  </p:childTnLst>
+                                </p:cTn>
+                              </p:par>
+                            </p:childTnLst>
+                          </p:cTn>
+                        </p:par>
+                      </p:childTnLst>
+                    </p:cTn>
+                  </p:par>
+                  <p:par>
+                    <p:cTn id="15" fill="hold">
+                      <p:stCondLst>
+                        <p:cond delay="indefinite"/>
+                      </p:stCondLst>
+                      <p:childTnLst>
+                        <p:par>
+                          <p:cTn id="16" fill="hold">
+                            <p:stCondLst>
+                              <p:cond delay="0"/>
+                            </p:stCondLst>
+                            <p:childTnLst>
+                              <p:par>
+                                <p:cTn id="17" presetID="2" presetClass="entr" presetSubtype="4" fill="hold" grpId="0" nodeType="clickEffect">
+                                  <p:stCondLst>
+                                    <p:cond delay="0"/>
+                                  </p:stCondLst>
+                                  <p:childTnLst>
+                                    <p:set>
+                                      <p:cBhvr>
+                                        <p:cTn id="18" dur="1" fill="hold">
+                                          <p:stCondLst>
+                                            <p:cond delay="0"/>
+                                          </p:stCondLst>
+                                        </p:cTn>
+                                        <p:tgtEl>
+                                          <p:spTgt spid="3">
+                                            <p:txEl>
+                                              <p:pRg st="2" end="2"/>
+                                            </p:txEl>
+                                          </p:spTgt>
+                                        </p:tgtEl>
+                                        <p:attrNameLst>
+                                          <p:attrName>style.visibility</p:attrName>
+                                        </p:attrNameLst>
+                                      </p:cBhvr>
+                                      <p:to>
+                                        <p:strVal val="visible"/>
+                                      </p:to>
+                                    </p:set>
+                                    <p:anim calcmode="lin" valueType="num">
+                                      <p:cBhvr additive="base">
+                                        <p:cTn id="19" dur="500" fill="hold"/>
+                                        <p:tgtEl>
+                                          <p:spTgt spid="3">
+                                            <p:txEl>
+                                              <p:pRg st="2" end="2"/>
+                                            </p:txEl>
+                                          </p:spTgt>
+                                        </p:tgtEl>
+                                        <p:attrNameLst>
+                                          <p:attrName>ppt_x</p:attrName>
+                                        </p:attrNameLst>
+                                      </p:cBhvr>
+                                      <p:tavLst>
+                                        <p:tav tm="0">
+                                          <p:val>
+                                            <p:strVal val="#ppt_x"/>
+                                          </p:val>
+                                        </p:tav>
+                                        <p:tav tm="100000">
+                                          <p:val>
+                                            <p:strVal val="#ppt_x"/>
+                                          </p:val>
+                                        </p:tav>
+                                      </p:tavLst>
+                                    </p:anim>
+                                    <p:anim calcmode="lin" valueType="num">
+                                      <p:cBhvr additive="base">
+                                        <p:cTn id="20" dur="500" fill="hold"/>
+                                        <p:tgtEl>
+                                          <p:spTgt spid="3">
+                                            <p:txEl>
+                                              <p:pRg st="2" end="2"/>
+                                            </p:txEl>
+                                          </p:spTgt>
+                                        </p:tgtEl>
+                                        <p:attrNameLst>
+                                          <p:attrName>ppt_y</p:attrName>
+                                        </p:attrNameLst>
+                                      </p:cBhvr>
+                                      <p:tavLst>
+                                        <p:tav tm="0">
+                                          <p:val>
+                                            <p:strVal val="1+#ppt_h/2"/>
+                                          </p:val>
+                                        </p:tav>
+                                        <p:tav tm="100000">
+                                          <p:val>
+                                            <p:strVal val="#ppt_y"/>
+                                          </p:val>
+                                        </p:tav>
+                                      </p:tavLst>
+                                    </p:anim>
+                                  </p:childTnLst>
+                                </p:cTn>
+                              </p:par>
+                            </p:childTnLst>
+                          </p:cTn>
+                        </p:par>
+                      </p:childTnLst>
+                    </p:cTn>
+                  </p:par>
+                  <p:par>
+                    <p:cTn id="21" fill="hold">
+                      <p:stCondLst>
+                        <p:cond delay="indefinite"/>
+                      </p:stCondLst>
+                      <p:childTnLst>
+                        <p:par>
+                          <p:cTn id="22" fill="hold">
+                            <p:stCondLst>
+                              <p:cond delay="0"/>
+                            </p:stCondLst>
+                            <p:childTnLst>
+                              <p:par>
+                                <p:cTn id="23" presetID="2" presetClass="entr" presetSubtype="4" fill="hold" grpId="0" nodeType="clickEffect">
+                                  <p:stCondLst>
+                                    <p:cond delay="0"/>
+                                  </p:stCondLst>
+                                  <p:childTnLst>
+                                    <p:set>
+                                      <p:cBhvr>
+                                        <p:cTn id="24" dur="1" fill="hold">
+                                          <p:stCondLst>
+                                            <p:cond delay="0"/>
+                                          </p:stCondLst>
+                                        </p:cTn>
+                                        <p:tgtEl>
+                                          <p:spTgt spid="3">
+                                            <p:txEl>
+                                              <p:pRg st="3" end="3"/>
+                                            </p:txEl>
+                                          </p:spTgt>
+                                        </p:tgtEl>
+                                        <p:attrNameLst>
+                                          <p:attrName>style.visibility</p:attrName>
+                                        </p:attrNameLst>
+                                      </p:cBhvr>
+                                      <p:to>
+                                        <p:strVal val="visible"/>
+                                      </p:to>
+                                    </p:set>
+                                    <p:anim calcmode="lin" valueType="num">
+                                      <p:cBhvr additive="base">
+                                        <p:cTn id="25" dur="500" fill="hold"/>
+                                        <p:tgtEl>
+                                          <p:spTgt spid="3">
+                                            <p:txEl>
+                                              <p:pRg st="3" end="3"/>
+                                            </p:txEl>
+                                          </p:spTgt>
+                                        </p:tgtEl>
+                                        <p:attrNameLst>
+                                          <p:attrName>ppt_x</p:attrName>
+                                        </p:attrNameLst>
+                                      </p:cBhvr>
+                                      <p:tavLst>
+                                        <p:tav tm="0">
+                                          <p:val>
+                                            <p:strVal val="#ppt_x"/>
+                                          </p:val>
+                                        </p:tav>
+                                        <p:tav tm="100000">
+                                          <p:val>
+                                            <p:strVal val="#ppt_x"/>
+                                          </p:val>
+                                        </p:tav>
+                                      </p:tavLst>
+                                    </p:anim>
+                                    <p:anim calcmode="lin" valueType="num">
+                                      <p:cBhvr additive="base">
+                                        <p:cTn id="26" dur="500" fill="hold"/>
+                                        <p:tgtEl>
+                                          <p:spTgt spid="3">
+                                            <p:txEl>
+                                              <p:pRg st="3" end="3"/>
+                                            </p:txEl>
+                                          </p:spTgt>
+                                        </p:tgtEl>
+                                        <p:attrNameLst>
+                                          <p:attrName>ppt_y</p:attrName>
+                                        </p:attrNameLst>
+                                      </p:cBhvr>
+                                      <p:tavLst>
+                                        <p:tav tm="0">
+                                          <p:val>
+                                            <p:strVal val="1+#ppt_h/2"/>
+                                          </p:val>
+                                        </p:tav>
+                                        <p:tav tm="100000">
+                                          <p:val>
+                                            <p:strVal val="#ppt_y"/>
+                                          </p:val>
+                                        </p:tav>
+                                      </p:tavLst>
+                                    </p:anim>
+                                  </p:childTnLst>
+                                </p:cTn>
+                              </p:par>
+                            </p:childTnLst>
+                          </p:cTn>
+                        </p:par>
+                      </p:childTnLst>
+                    </p:cTn>
+                  </p:par>
+                  <p:par>
+                    <p:cTn id="27" fill="hold">
+                      <p:stCondLst>
+                        <p:cond delay="indefinite"/>
+                      </p:stCondLst>
+                      <p:childTnLst>
+                        <p:par>
+                          <p:cTn id="28" fill="hold">
+                            <p:stCondLst>
+                              <p:cond delay="0"/>
+                            </p:stCondLst>
+                            <p:childTnLst>
+                              <p:par>
+                                <p:cTn id="29" presetID="2" presetClass="entr" presetSubtype="4" fill="hold" grpId="0" nodeType="clickEffect">
+                                  <p:stCondLst>
+                                    <p:cond delay="0"/>
+                                  </p:stCondLst>
+                                  <p:childTnLst>
+                                    <p:set>
+                                      <p:cBhvr>
+                                        <p:cTn id="30" dur="1" fill="hold">
+                                          <p:stCondLst>
+                                            <p:cond delay="0"/>
+                                          </p:stCondLst>
+                                        </p:cTn>
+                                        <p:tgtEl>
+                                          <p:spTgt spid="3">
+                                            <p:txEl>
+                                              <p:pRg st="4" end="4"/>
+                                            </p:txEl>
+                                          </p:spTgt>
+                                        </p:tgtEl>
+                                        <p:attrNameLst>
+                                          <p:attrName>style.visibility</p:attrName>
+                                        </p:attrNameLst>
+                                      </p:cBhvr>
+                                      <p:to>
+                                        <p:strVal val="visible"/>
+                                      </p:to>
+                                    </p:set>
+                                    <p:anim calcmode="lin" valueType="num">
+                                      <p:cBhvr additive="base">
+                                        <p:cTn id="31" dur="500" fill="hold"/>
+                                        <p:tgtEl>
+                                          <p:spTgt spid="3">
+                                            <p:txEl>
+                                              <p:pRg st="4" end="4"/>
+                                            </p:txEl>
+                                          </p:spTgt>
+                                        </p:tgtEl>
+                                        <p:attrNameLst>
+                                          <p:attrName>ppt_x</p:attrName>
+                                        </p:attrNameLst>
+                                      </p:cBhvr>
+                                      <p:tavLst>
+                                        <p:tav tm="0">
+                                          <p:val>
+                                            <p:strVal val="#ppt_x"/>
+                                          </p:val>
+                                        </p:tav>
+                                        <p:tav tm="100000">
+                                          <p:val>
+                                            <p:strVal val="#ppt_x"/>
+                                          </p:val>
+                                        </p:tav>
+                                      </p:tavLst>
+                                    </p:anim>
+                                    <p:anim calcmode="lin" valueType="num">
+                                      <p:cBhvr additive="base">
+                                        <p:cTn id="32" dur="500" fill="hold"/>
+                                        <p:tgtEl>
+                                          <p:spTgt spid="3">
+                                            <p:txEl>
+                                              <p:pRg st="4" end="4"/>
+                                            </p:txEl>
+                                          </p:spTgt>
+                                        </p:tgtEl>
+                                        <p:attrNameLst>
+                                          <p:attrName>ppt_y</p:attrName>
+                                        </p:attrNameLst>
+                                      </p:cBhvr>
+                                      <p:tavLst>
+                                        <p:tav tm="0">
+                                          <p:val>
+                                            <p:strVal val="1+#ppt_h/2"/>
+                                          </p:val>
+                                        </p:tav>
+                                        <p:tav tm="100000">
+                                          <p:val>
+                                            <p:strVal val="#ppt_y"/>
+                                          </p:val>
+                                        </p:tav>
+                                      </p:tavLst>
+                                    </p:anim>
+                                  </p:childTnLst>
+                                </p:cTn>
+                              </p:par>
+                            </p:childTnLst>
+                          </p:cTn>
+                        </p:par>
+                      </p:childTnLst>
+                    </p:cTn>
+                  </p:par>
+                  <p:par>
+                    <p:cTn id="33" fill="hold">
+                      <p:stCondLst>
+                        <p:cond delay="indefinite"/>
+                      </p:stCondLst>
+                      <p:childTnLst>
+                        <p:par>
+                          <p:cTn id="34" fill="hold">
+                            <p:stCondLst>
+                              <p:cond delay="0"/>
+                            </p:stCondLst>
+                            <p:childTnLst>
+                              <p:par>
+                                <p:cTn id="35" presetID="2" presetClass="entr" presetSubtype="4" fill="hold" grpId="0" nodeType="clickEffect">
+                                  <p:stCondLst>
+                                    <p:cond delay="0"/>
+                                  </p:stCondLst>
+                                  <p:childTnLst>
+                                    <p:set>
+                                      <p:cBhvr>
+                                        <p:cTn id="36" dur="1" fill="hold">
+                                          <p:stCondLst>
+                                            <p:cond delay="0"/>
+                                          </p:stCondLst>
+                                        </p:cTn>
+                                        <p:tgtEl>
+                                          <p:spTgt spid="3">
+                                            <p:txEl>
+                                              <p:pRg st="5" end="5"/>
+                                            </p:txEl>
+                                          </p:spTgt>
+                                        </p:tgtEl>
+                                        <p:attrNameLst>
+                                          <p:attrName>style.visibility</p:attrName>
+                                        </p:attrNameLst>
+                                      </p:cBhvr>
+                                      <p:to>
+                                        <p:strVal val="visible"/>
+                                      </p:to>
+                                    </p:set>
+                                    <p:anim calcmode="lin" valueType="num">
+                                      <p:cBhvr additive="base">
+                                        <p:cTn id="37" dur="500" fill="hold"/>
+                                        <p:tgtEl>
+                                          <p:spTgt spid="3">
+                                            <p:txEl>
+                                              <p:pRg st="5" end="5"/>
+                                            </p:txEl>
+                                          </p:spTgt>
+                                        </p:tgtEl>
+                                        <p:attrNameLst>
+                                          <p:attrName>ppt_x</p:attrName>
+                                        </p:attrNameLst>
+                                      </p:cBhvr>
+                                      <p:tavLst>
+                                        <p:tav tm="0">
+                                          <p:val>
+                                            <p:strVal val="#ppt_x"/>
+                                          </p:val>
+                                        </p:tav>
+                                        <p:tav tm="100000">
+                                          <p:val>
+                                            <p:strVal val="#ppt_x"/>
+                                          </p:val>
+                                        </p:tav>
+                                      </p:tavLst>
+                                    </p:anim>
+                                    <p:anim calcmode="lin" valueType="num">
+                                      <p:cBhvr additive="base">
+                                        <p:cTn id="38" dur="500" fill="hold"/>
+                                        <p:tgtEl>
+                                          <p:spTgt spid="3">
+                                            <p:txEl>
+                                              <p:pRg st="5" end="5"/>
+                                            </p:txEl>
+                                          </p:spTgt>
+                                        </p:tgtEl>
+                                        <p:attrNameLst>
+                                          <p:attrName>ppt_y</p:attrName>
+                                        </p:attrNameLst>
+                                      </p:cBhvr>
+                                      <p:tavLst>
+                                        <p:tav tm="0">
+                                          <p:val>
+                                            <p:strVal val="1+#ppt_h/2"/>
+                                          </p:val>
+                                        </p:tav>
+                                        <p:tav tm="100000">
+                                          <p:val>
+                                            <p:strVal val="#ppt_y"/>
+                                          </p:val>
+                                        </p:tav>
+                                      </p:tavLst>
+                                    </p:anim>
+                                  </p:childTnLst>
+                                </p:cTn>
+                              </p:par>
+                            </p:childTnLst>
+                          </p:cTn>
+                        </p:par>
+                      </p:childTnLst>
+                    </p:cTn>
+                  </p:par>
+                  <p:par>
+                    <p:cTn id="39" fill="hold">
+                      <p:stCondLst>
+                        <p:cond delay="indefinite"/>
+                      </p:stCondLst>
+                      <p:childTnLst>
+                        <p:par>
+                          <p:cTn id="40" fill="hold">
+                            <p:stCondLst>
+                              <p:cond delay="0"/>
+                            </p:stCondLst>
+                            <p:childTnLst>
+                              <p:par>
+                                <p:cTn id="41" presetID="2" presetClass="entr" presetSubtype="4" fill="hold" grpId="0" nodeType="clickEffect">
+                                  <p:stCondLst>
+                                    <p:cond delay="0"/>
+                                  </p:stCondLst>
+                                  <p:childTnLst>
+                                    <p:set>
+                                      <p:cBhvr>
+                                        <p:cTn id="42" dur="1" fill="hold">
+                                          <p:stCondLst>
+                                            <p:cond delay="0"/>
+                                          </p:stCondLst>
+                                        </p:cTn>
+                                        <p:tgtEl>
+                                          <p:spTgt spid="3">
+                                            <p:txEl>
+                                              <p:pRg st="6" end="6"/>
+                                            </p:txEl>
+                                          </p:spTgt>
+                                        </p:tgtEl>
+                                        <p:attrNameLst>
+                                          <p:attrName>style.visibility</p:attrName>
+                                        </p:attrNameLst>
+                                      </p:cBhvr>
+                                      <p:to>
+                                        <p:strVal val="visible"/>
+                                      </p:to>
+                                    </p:set>
+                                    <p:anim calcmode="lin" valueType="num">
+                                      <p:cBhvr additive="base">
+                                        <p:cTn id="43" dur="500" fill="hold"/>
+                                        <p:tgtEl>
+                                          <p:spTgt spid="3">
+                                            <p:txEl>
+                                              <p:pRg st="6" end="6"/>
+                                            </p:txEl>
+                                          </p:spTgt>
+                                        </p:tgtEl>
+                                        <p:attrNameLst>
+                                          <p:attrName>ppt_x</p:attrName>
+                                        </p:attrNameLst>
+                                      </p:cBhvr>
+                                      <p:tavLst>
+                                        <p:tav tm="0">
+                                          <p:val>
+                                            <p:strVal val="#ppt_x"/>
+                                          </p:val>
+                                        </p:tav>
+                                        <p:tav tm="100000">
+                                          <p:val>
+                                            <p:strVal val="#ppt_x"/>
+                                          </p:val>
+                                        </p:tav>
+                                      </p:tavLst>
+                                    </p:anim>
+                                    <p:anim calcmode="lin" valueType="num">
+                                      <p:cBhvr additive="base">
+                                        <p:cTn id="44" dur="500" fill="hold"/>
+                                        <p:tgtEl>
+                                          <p:spTgt spid="3">
+                                            <p:txEl>
+                                              <p:pRg st="6" end="6"/>
+                                            </p:txEl>
+                                          </p:spTgt>
+                                        </p:tgtEl>
+                                        <p:attrNameLst>
+                                          <p:attrName>ppt_y</p:attrName>
+                                        </p:attrNameLst>
+                                      </p:cBhvr>
+                                      <p:tavLst>
+                                        <p:tav tm="0">
+                                          <p:val>
+                                            <p:strVal val="1+#ppt_h/2"/>
+                                          </p:val>
+                                        </p:tav>
+                                        <p:tav tm="100000">
+                                          <p:val>
+                                            <p:strVal val="#ppt_y"/>
+                                          </p:val>
+                                        </p:tav>
+                                      </p:tavLst>
+                                    </p:anim>
+                                  </p:childTnLst>
+                                </p:cTn>
+                              </p:par>
+                            </p:childTnLst>
+                          </p:cTn>
+                        </p:par>
+                      </p:childTnLst>
+                    </p:cTn>
+                  </p:par>
+                </p:childTnLst>
+              </p:cTn>
+              <p:prevCondLst>
+                <p:cond evt="onPrev" delay="0">
+                  <p:tgtEl>
+                    <p:sldTgt/>
+                  </p:tgtEl>
+                </p:cond>
+              </p:prevCondLst>
+              <p:nextCondLst>
+                <p:cond evt="onNext" delay="0">
+                  <p:tgtEl>
+                    <p:sldTgt/>
+                  </p:tgtEl>
+                </p:cond>
+              </p:nextCondLst>
+            </p:seq>
+          </p:childTnLst>
+        </p:cTn>
+      </p:par>
+    </p:tnLst>
+    <p:bldLst>
+      <p:bldP spid="3" grpId="0" build="p"/>
+    </p:bldLst>
+  </p:timing>
+</p:sld>
+</file>
+
+<file path=ppt/slides/slide8.xml><?xml version="1.0" encoding="utf-8"?>
+<p:sld xmlns:a="http://schemas.openxmlformats.org/drawingml/2006/main" xmlns:r="http://schemas.openxmlformats.org/officeDocument/2006/relationships" xmlns:p="http://schemas.openxmlformats.org/presentationml/2006/main">
+  <p:cSld>
+    <p:spTree>
+      <p:nvGrpSpPr>
+        <p:cNvPr id="1" name=""/>
+        <p:cNvGrpSpPr/>
+        <p:nvPr/>
+      </p:nvGrpSpPr>
+      <p:grpSpPr>
+        <a:xfrm>
+          <a:off x="0" y="0"/>
+          <a:ext cx="0" cy="0"/>
+          <a:chOff x="0" y="0"/>
+          <a:chExt cx="0" cy="0"/>
+        </a:xfrm>
+      </p:grpSpPr>
+      <p:sp>
+        <p:nvSpPr>
+          <p:cNvPr id="2" name="Title 1"/>
+          <p:cNvSpPr>
+            <a:spLocks noGrp="1"/>
+          </p:cNvSpPr>
+          <p:nvPr>
+            <p:ph type="title"/>
+          </p:nvPr>
+        </p:nvSpPr>
+        <p:spPr/>
+        <p:txBody>
+          <a:bodyPr/>
+          <a:lstStyle/>
+          <a:p>
+            <a:r>
+              <a:rPr lang="sv-SE" dirty="0" smtClean="0"/>
               <a:t>SOLID</a:t>
             </a:r>
             <a:endParaRPr lang="sv-SE" dirty="0"/>
@@ -9037,11 +9583,7 @@
             </a:r>
             <a:r>
               <a:rPr lang="sv-SE" dirty="0" smtClean="0"/>
-              <a:t>nterface Segregation </a:t>
-            </a:r>
-            <a:r>
-              <a:rPr lang="sv-SE" dirty="0" smtClean="0"/>
-              <a:t>Principle</a:t>
+              <a:t>nterface Segregation Principle</a:t>
             </a:r>
             <a:r>
               <a:rPr lang="sv-SE" dirty="0" smtClean="0">
@@ -9091,14 +9633,6 @@
               </a:rPr>
               <a:t>High level modules should not depend on low level modules. Both should depend on abstractions.</a:t>
             </a:r>
-            <a:r>
-              <a:rPr lang="sv-SE" dirty="0" smtClean="0">
-                <a:solidFill>
-                  <a:schemeClr val="tx2"/>
-                </a:solidFill>
-              </a:rPr>
-              <a:t/>
-            </a:r>
             <a:br>
               <a:rPr lang="sv-SE" dirty="0" smtClean="0">
                 <a:solidFill>
@@ -9112,39 +9646,7 @@
                   <a:schemeClr val="tx2"/>
                 </a:solidFill>
               </a:rPr>
-              <a:t>Abstractions should not depend on </a:t>
-            </a:r>
-            <a:r>
-              <a:rPr lang="sv-SE" dirty="0" smtClean="0">
-                <a:solidFill>
-                  <a:schemeClr val="tx2"/>
-                </a:solidFill>
-              </a:rPr>
-              <a:t>details. </a:t>
-            </a:r>
-            <a:r>
-              <a:rPr lang="sv-SE" dirty="0" smtClean="0">
-                <a:solidFill>
-                  <a:schemeClr val="tx2"/>
-                </a:solidFill>
-              </a:rPr>
-              <a:t>D</a:t>
-            </a:r>
-            <a:r>
-              <a:rPr lang="sv-SE" dirty="0" smtClean="0">
-                <a:solidFill>
-                  <a:schemeClr val="tx2"/>
-                </a:solidFill>
-              </a:rPr>
-              <a:t>etails </a:t>
-            </a:r>
-            <a:r>
-              <a:rPr lang="sv-SE" dirty="0" smtClean="0">
-                <a:solidFill>
-                  <a:schemeClr val="tx2"/>
-                </a:solidFill>
-              </a:rPr>
-              <a:t>should depend on abstractions</a:t>
+              <a:t>Abstractions should not depend on details. Details should depend on abstractions</a:t>
             </a:r>
             <a:endParaRPr lang="sv-SE" dirty="0"/>
           </a:p>
@@ -9709,7 +10211,7 @@
 </p:sld>
 </file>
 
-<file path=ppt/slides/slide8.xml><?xml version="1.0" encoding="utf-8"?>
+<file path=ppt/slides/slide9.xml><?xml version="1.0" encoding="utf-8"?>
 <p:sld xmlns:a="http://schemas.openxmlformats.org/drawingml/2006/main" xmlns:r="http://schemas.openxmlformats.org/officeDocument/2006/relationships" xmlns:p="http://schemas.openxmlformats.org/presentationml/2006/main">
   <p:cSld>
     <p:spTree>
@@ -9743,7 +10245,7 @@
           <a:p>
             <a:r>
               <a:rPr lang="sv-SE" dirty="0" smtClean="0"/>
-              <a:t>Composability, OO, FP, SOLID</a:t>
+              <a:t>Composability, OO, FP, Generics</a:t>
             </a:r>
             <a:endParaRPr lang="sv-SE" dirty="0"/>
           </a:p>
@@ -9788,13 +10290,8 @@
             <a:pPr lvl="1"/>
             <a:r>
               <a:rPr lang="sv-SE" dirty="0" smtClean="0"/>
-              <a:t>Composable </a:t>
-            </a:r>
-            <a:r>
-              <a:rPr lang="sv-SE" dirty="0" smtClean="0"/>
-              <a:t>datastructures</a:t>
-            </a:r>
-            <a:endParaRPr lang="sv-SE" dirty="0" smtClean="0"/>
+              <a:t>Composable datastructures</a:t>
+            </a:r>
           </a:p>
           <a:p>
             <a:r>
@@ -9806,11 +10303,7 @@
             <a:pPr lvl="1"/>
             <a:r>
               <a:rPr lang="sv-SE" dirty="0" smtClean="0"/>
-              <a:t>Composable </a:t>
-            </a:r>
-            <a:r>
-              <a:rPr lang="sv-SE" dirty="0" smtClean="0"/>
-              <a:t>algorithms</a:t>
+              <a:t>Composable algorithms</a:t>
             </a:r>
           </a:p>
           <a:p>
@@ -9823,9 +10316,8 @@
             <a:pPr lvl="1"/>
             <a:r>
               <a:rPr lang="sv-SE" dirty="0" smtClean="0"/>
-              <a:t>Datastructures and algorithms that can be applied to various concrete types</a:t>
-            </a:r>
-            <a:endParaRPr lang="sv-SE" dirty="0" smtClean="0"/>
+              <a:t>Enables SOLID FP and OO abstractions even when needing more concrete types than the abstraction knows about.</a:t>
+            </a:r>
           </a:p>
           <a:p>
             <a:r>
@@ -9840,7 +10332,6 @@
               <a:rPr lang="sv-SE" dirty="0" smtClean="0"/>
               <a:t>.</a:t>
             </a:r>
-            <a:endParaRPr lang="sv-SE" dirty="0" smtClean="0"/>
           </a:p>
         </p:txBody>
       </p:sp>
@@ -10736,61 +11227,6 @@
     <p:bldLst>
       <p:bldP spid="3" grpId="0" build="p"/>
     </p:bldLst>
-  </p:timing>
-</p:sld>
-</file>
-
-<file path=ppt/slides/slide9.xml><?xml version="1.0" encoding="utf-8"?>
-<p:sld xmlns:a="http://schemas.openxmlformats.org/drawingml/2006/main" xmlns:r="http://schemas.openxmlformats.org/officeDocument/2006/relationships" xmlns:p="http://schemas.openxmlformats.org/presentationml/2006/main">
-  <p:cSld>
-    <p:spTree>
-      <p:nvGrpSpPr>
-        <p:cNvPr id="1" name=""/>
-        <p:cNvGrpSpPr/>
-        <p:nvPr/>
-      </p:nvGrpSpPr>
-      <p:grpSpPr>
-        <a:xfrm>
-          <a:off x="0" y="0"/>
-          <a:ext cx="0" cy="0"/>
-          <a:chOff x="0" y="0"/>
-          <a:chExt cx="0" cy="0"/>
-        </a:xfrm>
-      </p:grpSpPr>
-      <p:sp>
-        <p:nvSpPr>
-          <p:cNvPr id="2" name="Title 1"/>
-          <p:cNvSpPr>
-            <a:spLocks noGrp="1"/>
-          </p:cNvSpPr>
-          <p:nvPr>
-            <p:ph type="title"/>
-          </p:nvPr>
-        </p:nvSpPr>
-        <p:spPr/>
-        <p:txBody>
-          <a:bodyPr/>
-          <a:lstStyle/>
-          <a:p>
-            <a:r>
-              <a:rPr lang="sv-SE" dirty="0" smtClean="0"/>
-              <a:t>Lets look at some code</a:t>
-            </a:r>
-            <a:endParaRPr lang="sv-SE" dirty="0"/>
-          </a:p>
-        </p:txBody>
-      </p:sp>
-    </p:spTree>
-  </p:cSld>
-  <p:clrMapOvr>
-    <a:masterClrMapping/>
-  </p:clrMapOvr>
-  <p:timing>
-    <p:tnLst>
-      <p:par>
-        <p:cTn id="1" dur="indefinite" restart="never" nodeType="tmRoot"/>
-      </p:par>
-    </p:tnLst>
   </p:timing>
 </p:sld>
 </file>

--- a/CSharp3.pptx
+++ b/CSharp3.pptx
@@ -6648,18 +6648,14 @@
           </a:bodyPr>
           <a:lstStyle/>
           <a:p>
+            <a:pPr>
+              <a:buNone/>
+            </a:pPr>
             <a:r>
               <a:rPr lang="sv-SE" dirty="0" smtClean="0"/>
-              <a:t>Meta abstractions instantiated </a:t>
-            </a:r>
-            <a:r>
-              <a:rPr lang="sv-SE" dirty="0" smtClean="0"/>
-              <a:t>by </a:t>
-            </a:r>
-            <a:r>
-              <a:rPr lang="sv-SE" dirty="0" smtClean="0"/>
-              <a:t>supplying a type parameter</a:t>
-            </a:r>
+              <a:t>Meta abstractions instantiated by supplying a type parameter</a:t>
+            </a:r>
+            <a:endParaRPr lang="sv-SE" dirty="0" smtClean="0"/>
           </a:p>
           <a:p>
             <a:pPr>
@@ -6835,9 +6831,1024 @@
   <p:timing>
     <p:tnLst>
       <p:par>
-        <p:cTn id="1" dur="indefinite" restart="never" nodeType="tmRoot"/>
+        <p:cTn id="1" dur="indefinite" restart="never" nodeType="tmRoot">
+          <p:childTnLst>
+            <p:seq concurrent="1" nextAc="seek">
+              <p:cTn id="2" dur="indefinite" nodeType="mainSeq">
+                <p:childTnLst>
+                  <p:par>
+                    <p:cTn id="3" fill="hold">
+                      <p:stCondLst>
+                        <p:cond delay="indefinite"/>
+                      </p:stCondLst>
+                      <p:childTnLst>
+                        <p:par>
+                          <p:cTn id="4" fill="hold">
+                            <p:stCondLst>
+                              <p:cond delay="0"/>
+                            </p:stCondLst>
+                            <p:childTnLst>
+                              <p:par>
+                                <p:cTn id="5" presetID="2" presetClass="entr" presetSubtype="4" fill="hold" grpId="0" nodeType="clickEffect">
+                                  <p:stCondLst>
+                                    <p:cond delay="0"/>
+                                  </p:stCondLst>
+                                  <p:childTnLst>
+                                    <p:set>
+                                      <p:cBhvr>
+                                        <p:cTn id="6" dur="1" fill="hold">
+                                          <p:stCondLst>
+                                            <p:cond delay="0"/>
+                                          </p:stCondLst>
+                                        </p:cTn>
+                                        <p:tgtEl>
+                                          <p:spTgt spid="3">
+                                            <p:txEl>
+                                              <p:pRg st="0" end="0"/>
+                                            </p:txEl>
+                                          </p:spTgt>
+                                        </p:tgtEl>
+                                        <p:attrNameLst>
+                                          <p:attrName>style.visibility</p:attrName>
+                                        </p:attrNameLst>
+                                      </p:cBhvr>
+                                      <p:to>
+                                        <p:strVal val="visible"/>
+                                      </p:to>
+                                    </p:set>
+                                    <p:anim calcmode="lin" valueType="num">
+                                      <p:cBhvr additive="base">
+                                        <p:cTn id="7" dur="500" fill="hold"/>
+                                        <p:tgtEl>
+                                          <p:spTgt spid="3">
+                                            <p:txEl>
+                                              <p:pRg st="0" end="0"/>
+                                            </p:txEl>
+                                          </p:spTgt>
+                                        </p:tgtEl>
+                                        <p:attrNameLst>
+                                          <p:attrName>ppt_x</p:attrName>
+                                        </p:attrNameLst>
+                                      </p:cBhvr>
+                                      <p:tavLst>
+                                        <p:tav tm="0">
+                                          <p:val>
+                                            <p:strVal val="#ppt_x"/>
+                                          </p:val>
+                                        </p:tav>
+                                        <p:tav tm="100000">
+                                          <p:val>
+                                            <p:strVal val="#ppt_x"/>
+                                          </p:val>
+                                        </p:tav>
+                                      </p:tavLst>
+                                    </p:anim>
+                                    <p:anim calcmode="lin" valueType="num">
+                                      <p:cBhvr additive="base">
+                                        <p:cTn id="8" dur="500" fill="hold"/>
+                                        <p:tgtEl>
+                                          <p:spTgt spid="3">
+                                            <p:txEl>
+                                              <p:pRg st="0" end="0"/>
+                                            </p:txEl>
+                                          </p:spTgt>
+                                        </p:tgtEl>
+                                        <p:attrNameLst>
+                                          <p:attrName>ppt_y</p:attrName>
+                                        </p:attrNameLst>
+                                      </p:cBhvr>
+                                      <p:tavLst>
+                                        <p:tav tm="0">
+                                          <p:val>
+                                            <p:strVal val="1+#ppt_h/2"/>
+                                          </p:val>
+                                        </p:tav>
+                                        <p:tav tm="100000">
+                                          <p:val>
+                                            <p:strVal val="#ppt_y"/>
+                                          </p:val>
+                                        </p:tav>
+                                      </p:tavLst>
+                                    </p:anim>
+                                  </p:childTnLst>
+                                </p:cTn>
+                              </p:par>
+                            </p:childTnLst>
+                          </p:cTn>
+                        </p:par>
+                      </p:childTnLst>
+                    </p:cTn>
+                  </p:par>
+                  <p:par>
+                    <p:cTn id="9" fill="hold">
+                      <p:stCondLst>
+                        <p:cond delay="indefinite"/>
+                      </p:stCondLst>
+                      <p:childTnLst>
+                        <p:par>
+                          <p:cTn id="10" fill="hold">
+                            <p:stCondLst>
+                              <p:cond delay="0"/>
+                            </p:stCondLst>
+                            <p:childTnLst>
+                              <p:par>
+                                <p:cTn id="11" presetID="2" presetClass="entr" presetSubtype="4" fill="hold" grpId="0" nodeType="clickEffect">
+                                  <p:stCondLst>
+                                    <p:cond delay="0"/>
+                                  </p:stCondLst>
+                                  <p:childTnLst>
+                                    <p:set>
+                                      <p:cBhvr>
+                                        <p:cTn id="12" dur="1" fill="hold">
+                                          <p:stCondLst>
+                                            <p:cond delay="0"/>
+                                          </p:stCondLst>
+                                        </p:cTn>
+                                        <p:tgtEl>
+                                          <p:spTgt spid="3">
+                                            <p:txEl>
+                                              <p:pRg st="1" end="1"/>
+                                            </p:txEl>
+                                          </p:spTgt>
+                                        </p:tgtEl>
+                                        <p:attrNameLst>
+                                          <p:attrName>style.visibility</p:attrName>
+                                        </p:attrNameLst>
+                                      </p:cBhvr>
+                                      <p:to>
+                                        <p:strVal val="visible"/>
+                                      </p:to>
+                                    </p:set>
+                                    <p:anim calcmode="lin" valueType="num">
+                                      <p:cBhvr additive="base">
+                                        <p:cTn id="13" dur="500" fill="hold"/>
+                                        <p:tgtEl>
+                                          <p:spTgt spid="3">
+                                            <p:txEl>
+                                              <p:pRg st="1" end="1"/>
+                                            </p:txEl>
+                                          </p:spTgt>
+                                        </p:tgtEl>
+                                        <p:attrNameLst>
+                                          <p:attrName>ppt_x</p:attrName>
+                                        </p:attrNameLst>
+                                      </p:cBhvr>
+                                      <p:tavLst>
+                                        <p:tav tm="0">
+                                          <p:val>
+                                            <p:strVal val="#ppt_x"/>
+                                          </p:val>
+                                        </p:tav>
+                                        <p:tav tm="100000">
+                                          <p:val>
+                                            <p:strVal val="#ppt_x"/>
+                                          </p:val>
+                                        </p:tav>
+                                      </p:tavLst>
+                                    </p:anim>
+                                    <p:anim calcmode="lin" valueType="num">
+                                      <p:cBhvr additive="base">
+                                        <p:cTn id="14" dur="500" fill="hold"/>
+                                        <p:tgtEl>
+                                          <p:spTgt spid="3">
+                                            <p:txEl>
+                                              <p:pRg st="1" end="1"/>
+                                            </p:txEl>
+                                          </p:spTgt>
+                                        </p:tgtEl>
+                                        <p:attrNameLst>
+                                          <p:attrName>ppt_y</p:attrName>
+                                        </p:attrNameLst>
+                                      </p:cBhvr>
+                                      <p:tavLst>
+                                        <p:tav tm="0">
+                                          <p:val>
+                                            <p:strVal val="1+#ppt_h/2"/>
+                                          </p:val>
+                                        </p:tav>
+                                        <p:tav tm="100000">
+                                          <p:val>
+                                            <p:strVal val="#ppt_y"/>
+                                          </p:val>
+                                        </p:tav>
+                                      </p:tavLst>
+                                    </p:anim>
+                                  </p:childTnLst>
+                                </p:cTn>
+                              </p:par>
+                              <p:par>
+                                <p:cTn id="15" presetID="2" presetClass="entr" presetSubtype="4" fill="hold" grpId="0" nodeType="withEffect">
+                                  <p:stCondLst>
+                                    <p:cond delay="0"/>
+                                  </p:stCondLst>
+                                  <p:childTnLst>
+                                    <p:set>
+                                      <p:cBhvr>
+                                        <p:cTn id="16" dur="1" fill="hold">
+                                          <p:stCondLst>
+                                            <p:cond delay="0"/>
+                                          </p:stCondLst>
+                                        </p:cTn>
+                                        <p:tgtEl>
+                                          <p:spTgt spid="3">
+                                            <p:txEl>
+                                              <p:pRg st="2" end="2"/>
+                                            </p:txEl>
+                                          </p:spTgt>
+                                        </p:tgtEl>
+                                        <p:attrNameLst>
+                                          <p:attrName>style.visibility</p:attrName>
+                                        </p:attrNameLst>
+                                      </p:cBhvr>
+                                      <p:to>
+                                        <p:strVal val="visible"/>
+                                      </p:to>
+                                    </p:set>
+                                    <p:anim calcmode="lin" valueType="num">
+                                      <p:cBhvr additive="base">
+                                        <p:cTn id="17" dur="500" fill="hold"/>
+                                        <p:tgtEl>
+                                          <p:spTgt spid="3">
+                                            <p:txEl>
+                                              <p:pRg st="2" end="2"/>
+                                            </p:txEl>
+                                          </p:spTgt>
+                                        </p:tgtEl>
+                                        <p:attrNameLst>
+                                          <p:attrName>ppt_x</p:attrName>
+                                        </p:attrNameLst>
+                                      </p:cBhvr>
+                                      <p:tavLst>
+                                        <p:tav tm="0">
+                                          <p:val>
+                                            <p:strVal val="#ppt_x"/>
+                                          </p:val>
+                                        </p:tav>
+                                        <p:tav tm="100000">
+                                          <p:val>
+                                            <p:strVal val="#ppt_x"/>
+                                          </p:val>
+                                        </p:tav>
+                                      </p:tavLst>
+                                    </p:anim>
+                                    <p:anim calcmode="lin" valueType="num">
+                                      <p:cBhvr additive="base">
+                                        <p:cTn id="18" dur="500" fill="hold"/>
+                                        <p:tgtEl>
+                                          <p:spTgt spid="3">
+                                            <p:txEl>
+                                              <p:pRg st="2" end="2"/>
+                                            </p:txEl>
+                                          </p:spTgt>
+                                        </p:tgtEl>
+                                        <p:attrNameLst>
+                                          <p:attrName>ppt_y</p:attrName>
+                                        </p:attrNameLst>
+                                      </p:cBhvr>
+                                      <p:tavLst>
+                                        <p:tav tm="0">
+                                          <p:val>
+                                            <p:strVal val="1+#ppt_h/2"/>
+                                          </p:val>
+                                        </p:tav>
+                                        <p:tav tm="100000">
+                                          <p:val>
+                                            <p:strVal val="#ppt_y"/>
+                                          </p:val>
+                                        </p:tav>
+                                      </p:tavLst>
+                                    </p:anim>
+                                  </p:childTnLst>
+                                </p:cTn>
+                              </p:par>
+                              <p:par>
+                                <p:cTn id="19" presetID="2" presetClass="entr" presetSubtype="4" fill="hold" grpId="0" nodeType="withEffect">
+                                  <p:stCondLst>
+                                    <p:cond delay="0"/>
+                                  </p:stCondLst>
+                                  <p:childTnLst>
+                                    <p:set>
+                                      <p:cBhvr>
+                                        <p:cTn id="20" dur="1" fill="hold">
+                                          <p:stCondLst>
+                                            <p:cond delay="0"/>
+                                          </p:stCondLst>
+                                        </p:cTn>
+                                        <p:tgtEl>
+                                          <p:spTgt spid="3">
+                                            <p:txEl>
+                                              <p:pRg st="3" end="3"/>
+                                            </p:txEl>
+                                          </p:spTgt>
+                                        </p:tgtEl>
+                                        <p:attrNameLst>
+                                          <p:attrName>style.visibility</p:attrName>
+                                        </p:attrNameLst>
+                                      </p:cBhvr>
+                                      <p:to>
+                                        <p:strVal val="visible"/>
+                                      </p:to>
+                                    </p:set>
+                                    <p:anim calcmode="lin" valueType="num">
+                                      <p:cBhvr additive="base">
+                                        <p:cTn id="21" dur="500" fill="hold"/>
+                                        <p:tgtEl>
+                                          <p:spTgt spid="3">
+                                            <p:txEl>
+                                              <p:pRg st="3" end="3"/>
+                                            </p:txEl>
+                                          </p:spTgt>
+                                        </p:tgtEl>
+                                        <p:attrNameLst>
+                                          <p:attrName>ppt_x</p:attrName>
+                                        </p:attrNameLst>
+                                      </p:cBhvr>
+                                      <p:tavLst>
+                                        <p:tav tm="0">
+                                          <p:val>
+                                            <p:strVal val="#ppt_x"/>
+                                          </p:val>
+                                        </p:tav>
+                                        <p:tav tm="100000">
+                                          <p:val>
+                                            <p:strVal val="#ppt_x"/>
+                                          </p:val>
+                                        </p:tav>
+                                      </p:tavLst>
+                                    </p:anim>
+                                    <p:anim calcmode="lin" valueType="num">
+                                      <p:cBhvr additive="base">
+                                        <p:cTn id="22" dur="500" fill="hold"/>
+                                        <p:tgtEl>
+                                          <p:spTgt spid="3">
+                                            <p:txEl>
+                                              <p:pRg st="3" end="3"/>
+                                            </p:txEl>
+                                          </p:spTgt>
+                                        </p:tgtEl>
+                                        <p:attrNameLst>
+                                          <p:attrName>ppt_y</p:attrName>
+                                        </p:attrNameLst>
+                                      </p:cBhvr>
+                                      <p:tavLst>
+                                        <p:tav tm="0">
+                                          <p:val>
+                                            <p:strVal val="1+#ppt_h/2"/>
+                                          </p:val>
+                                        </p:tav>
+                                        <p:tav tm="100000">
+                                          <p:val>
+                                            <p:strVal val="#ppt_y"/>
+                                          </p:val>
+                                        </p:tav>
+                                      </p:tavLst>
+                                    </p:anim>
+                                  </p:childTnLst>
+                                </p:cTn>
+                              </p:par>
+                              <p:par>
+                                <p:cTn id="23" presetID="2" presetClass="entr" presetSubtype="4" fill="hold" grpId="0" nodeType="withEffect">
+                                  <p:stCondLst>
+                                    <p:cond delay="0"/>
+                                  </p:stCondLst>
+                                  <p:childTnLst>
+                                    <p:set>
+                                      <p:cBhvr>
+                                        <p:cTn id="24" dur="1" fill="hold">
+                                          <p:stCondLst>
+                                            <p:cond delay="0"/>
+                                          </p:stCondLst>
+                                        </p:cTn>
+                                        <p:tgtEl>
+                                          <p:spTgt spid="3">
+                                            <p:txEl>
+                                              <p:pRg st="4" end="4"/>
+                                            </p:txEl>
+                                          </p:spTgt>
+                                        </p:tgtEl>
+                                        <p:attrNameLst>
+                                          <p:attrName>style.visibility</p:attrName>
+                                        </p:attrNameLst>
+                                      </p:cBhvr>
+                                      <p:to>
+                                        <p:strVal val="visible"/>
+                                      </p:to>
+                                    </p:set>
+                                    <p:anim calcmode="lin" valueType="num">
+                                      <p:cBhvr additive="base">
+                                        <p:cTn id="25" dur="500" fill="hold"/>
+                                        <p:tgtEl>
+                                          <p:spTgt spid="3">
+                                            <p:txEl>
+                                              <p:pRg st="4" end="4"/>
+                                            </p:txEl>
+                                          </p:spTgt>
+                                        </p:tgtEl>
+                                        <p:attrNameLst>
+                                          <p:attrName>ppt_x</p:attrName>
+                                        </p:attrNameLst>
+                                      </p:cBhvr>
+                                      <p:tavLst>
+                                        <p:tav tm="0">
+                                          <p:val>
+                                            <p:strVal val="#ppt_x"/>
+                                          </p:val>
+                                        </p:tav>
+                                        <p:tav tm="100000">
+                                          <p:val>
+                                            <p:strVal val="#ppt_x"/>
+                                          </p:val>
+                                        </p:tav>
+                                      </p:tavLst>
+                                    </p:anim>
+                                    <p:anim calcmode="lin" valueType="num">
+                                      <p:cBhvr additive="base">
+                                        <p:cTn id="26" dur="500" fill="hold"/>
+                                        <p:tgtEl>
+                                          <p:spTgt spid="3">
+                                            <p:txEl>
+                                              <p:pRg st="4" end="4"/>
+                                            </p:txEl>
+                                          </p:spTgt>
+                                        </p:tgtEl>
+                                        <p:attrNameLst>
+                                          <p:attrName>ppt_y</p:attrName>
+                                        </p:attrNameLst>
+                                      </p:cBhvr>
+                                      <p:tavLst>
+                                        <p:tav tm="0">
+                                          <p:val>
+                                            <p:strVal val="1+#ppt_h/2"/>
+                                          </p:val>
+                                        </p:tav>
+                                        <p:tav tm="100000">
+                                          <p:val>
+                                            <p:strVal val="#ppt_y"/>
+                                          </p:val>
+                                        </p:tav>
+                                      </p:tavLst>
+                                    </p:anim>
+                                  </p:childTnLst>
+                                </p:cTn>
+                              </p:par>
+                              <p:par>
+                                <p:cTn id="27" presetID="2" presetClass="entr" presetSubtype="4" fill="hold" grpId="0" nodeType="withEffect">
+                                  <p:stCondLst>
+                                    <p:cond delay="0"/>
+                                  </p:stCondLst>
+                                  <p:childTnLst>
+                                    <p:set>
+                                      <p:cBhvr>
+                                        <p:cTn id="28" dur="1" fill="hold">
+                                          <p:stCondLst>
+                                            <p:cond delay="0"/>
+                                          </p:stCondLst>
+                                        </p:cTn>
+                                        <p:tgtEl>
+                                          <p:spTgt spid="3">
+                                            <p:txEl>
+                                              <p:pRg st="5" end="5"/>
+                                            </p:txEl>
+                                          </p:spTgt>
+                                        </p:tgtEl>
+                                        <p:attrNameLst>
+                                          <p:attrName>style.visibility</p:attrName>
+                                        </p:attrNameLst>
+                                      </p:cBhvr>
+                                      <p:to>
+                                        <p:strVal val="visible"/>
+                                      </p:to>
+                                    </p:set>
+                                    <p:anim calcmode="lin" valueType="num">
+                                      <p:cBhvr additive="base">
+                                        <p:cTn id="29" dur="500" fill="hold"/>
+                                        <p:tgtEl>
+                                          <p:spTgt spid="3">
+                                            <p:txEl>
+                                              <p:pRg st="5" end="5"/>
+                                            </p:txEl>
+                                          </p:spTgt>
+                                        </p:tgtEl>
+                                        <p:attrNameLst>
+                                          <p:attrName>ppt_x</p:attrName>
+                                        </p:attrNameLst>
+                                      </p:cBhvr>
+                                      <p:tavLst>
+                                        <p:tav tm="0">
+                                          <p:val>
+                                            <p:strVal val="#ppt_x"/>
+                                          </p:val>
+                                        </p:tav>
+                                        <p:tav tm="100000">
+                                          <p:val>
+                                            <p:strVal val="#ppt_x"/>
+                                          </p:val>
+                                        </p:tav>
+                                      </p:tavLst>
+                                    </p:anim>
+                                    <p:anim calcmode="lin" valueType="num">
+                                      <p:cBhvr additive="base">
+                                        <p:cTn id="30" dur="500" fill="hold"/>
+                                        <p:tgtEl>
+                                          <p:spTgt spid="3">
+                                            <p:txEl>
+                                              <p:pRg st="5" end="5"/>
+                                            </p:txEl>
+                                          </p:spTgt>
+                                        </p:tgtEl>
+                                        <p:attrNameLst>
+                                          <p:attrName>ppt_y</p:attrName>
+                                        </p:attrNameLst>
+                                      </p:cBhvr>
+                                      <p:tavLst>
+                                        <p:tav tm="0">
+                                          <p:val>
+                                            <p:strVal val="1+#ppt_h/2"/>
+                                          </p:val>
+                                        </p:tav>
+                                        <p:tav tm="100000">
+                                          <p:val>
+                                            <p:strVal val="#ppt_y"/>
+                                          </p:val>
+                                        </p:tav>
+                                      </p:tavLst>
+                                    </p:anim>
+                                  </p:childTnLst>
+                                </p:cTn>
+                              </p:par>
+                            </p:childTnLst>
+                          </p:cTn>
+                        </p:par>
+                      </p:childTnLst>
+                    </p:cTn>
+                  </p:par>
+                  <p:par>
+                    <p:cTn id="31" fill="hold">
+                      <p:stCondLst>
+                        <p:cond delay="indefinite"/>
+                      </p:stCondLst>
+                      <p:childTnLst>
+                        <p:par>
+                          <p:cTn id="32" fill="hold">
+                            <p:stCondLst>
+                              <p:cond delay="0"/>
+                            </p:stCondLst>
+                            <p:childTnLst>
+                              <p:par>
+                                <p:cTn id="33" presetID="2" presetClass="entr" presetSubtype="4" fill="hold" grpId="0" nodeType="clickEffect">
+                                  <p:stCondLst>
+                                    <p:cond delay="0"/>
+                                  </p:stCondLst>
+                                  <p:childTnLst>
+                                    <p:set>
+                                      <p:cBhvr>
+                                        <p:cTn id="34" dur="1" fill="hold">
+                                          <p:stCondLst>
+                                            <p:cond delay="0"/>
+                                          </p:stCondLst>
+                                        </p:cTn>
+                                        <p:tgtEl>
+                                          <p:spTgt spid="3">
+                                            <p:txEl>
+                                              <p:pRg st="6" end="6"/>
+                                            </p:txEl>
+                                          </p:spTgt>
+                                        </p:tgtEl>
+                                        <p:attrNameLst>
+                                          <p:attrName>style.visibility</p:attrName>
+                                        </p:attrNameLst>
+                                      </p:cBhvr>
+                                      <p:to>
+                                        <p:strVal val="visible"/>
+                                      </p:to>
+                                    </p:set>
+                                    <p:anim calcmode="lin" valueType="num">
+                                      <p:cBhvr additive="base">
+                                        <p:cTn id="35" dur="500" fill="hold"/>
+                                        <p:tgtEl>
+                                          <p:spTgt spid="3">
+                                            <p:txEl>
+                                              <p:pRg st="6" end="6"/>
+                                            </p:txEl>
+                                          </p:spTgt>
+                                        </p:tgtEl>
+                                        <p:attrNameLst>
+                                          <p:attrName>ppt_x</p:attrName>
+                                        </p:attrNameLst>
+                                      </p:cBhvr>
+                                      <p:tavLst>
+                                        <p:tav tm="0">
+                                          <p:val>
+                                            <p:strVal val="#ppt_x"/>
+                                          </p:val>
+                                        </p:tav>
+                                        <p:tav tm="100000">
+                                          <p:val>
+                                            <p:strVal val="#ppt_x"/>
+                                          </p:val>
+                                        </p:tav>
+                                      </p:tavLst>
+                                    </p:anim>
+                                    <p:anim calcmode="lin" valueType="num">
+                                      <p:cBhvr additive="base">
+                                        <p:cTn id="36" dur="500" fill="hold"/>
+                                        <p:tgtEl>
+                                          <p:spTgt spid="3">
+                                            <p:txEl>
+                                              <p:pRg st="6" end="6"/>
+                                            </p:txEl>
+                                          </p:spTgt>
+                                        </p:tgtEl>
+                                        <p:attrNameLst>
+                                          <p:attrName>ppt_y</p:attrName>
+                                        </p:attrNameLst>
+                                      </p:cBhvr>
+                                      <p:tavLst>
+                                        <p:tav tm="0">
+                                          <p:val>
+                                            <p:strVal val="1+#ppt_h/2"/>
+                                          </p:val>
+                                        </p:tav>
+                                        <p:tav tm="100000">
+                                          <p:val>
+                                            <p:strVal val="#ppt_y"/>
+                                          </p:val>
+                                        </p:tav>
+                                      </p:tavLst>
+                                    </p:anim>
+                                  </p:childTnLst>
+                                </p:cTn>
+                              </p:par>
+                              <p:par>
+                                <p:cTn id="37" presetID="2" presetClass="entr" presetSubtype="4" fill="hold" grpId="0" nodeType="withEffect">
+                                  <p:stCondLst>
+                                    <p:cond delay="0"/>
+                                  </p:stCondLst>
+                                  <p:childTnLst>
+                                    <p:set>
+                                      <p:cBhvr>
+                                        <p:cTn id="38" dur="1" fill="hold">
+                                          <p:stCondLst>
+                                            <p:cond delay="0"/>
+                                          </p:stCondLst>
+                                        </p:cTn>
+                                        <p:tgtEl>
+                                          <p:spTgt spid="3">
+                                            <p:txEl>
+                                              <p:pRg st="7" end="7"/>
+                                            </p:txEl>
+                                          </p:spTgt>
+                                        </p:tgtEl>
+                                        <p:attrNameLst>
+                                          <p:attrName>style.visibility</p:attrName>
+                                        </p:attrNameLst>
+                                      </p:cBhvr>
+                                      <p:to>
+                                        <p:strVal val="visible"/>
+                                      </p:to>
+                                    </p:set>
+                                    <p:anim calcmode="lin" valueType="num">
+                                      <p:cBhvr additive="base">
+                                        <p:cTn id="39" dur="500" fill="hold"/>
+                                        <p:tgtEl>
+                                          <p:spTgt spid="3">
+                                            <p:txEl>
+                                              <p:pRg st="7" end="7"/>
+                                            </p:txEl>
+                                          </p:spTgt>
+                                        </p:tgtEl>
+                                        <p:attrNameLst>
+                                          <p:attrName>ppt_x</p:attrName>
+                                        </p:attrNameLst>
+                                      </p:cBhvr>
+                                      <p:tavLst>
+                                        <p:tav tm="0">
+                                          <p:val>
+                                            <p:strVal val="#ppt_x"/>
+                                          </p:val>
+                                        </p:tav>
+                                        <p:tav tm="100000">
+                                          <p:val>
+                                            <p:strVal val="#ppt_x"/>
+                                          </p:val>
+                                        </p:tav>
+                                      </p:tavLst>
+                                    </p:anim>
+                                    <p:anim calcmode="lin" valueType="num">
+                                      <p:cBhvr additive="base">
+                                        <p:cTn id="40" dur="500" fill="hold"/>
+                                        <p:tgtEl>
+                                          <p:spTgt spid="3">
+                                            <p:txEl>
+                                              <p:pRg st="7" end="7"/>
+                                            </p:txEl>
+                                          </p:spTgt>
+                                        </p:tgtEl>
+                                        <p:attrNameLst>
+                                          <p:attrName>ppt_y</p:attrName>
+                                        </p:attrNameLst>
+                                      </p:cBhvr>
+                                      <p:tavLst>
+                                        <p:tav tm="0">
+                                          <p:val>
+                                            <p:strVal val="1+#ppt_h/2"/>
+                                          </p:val>
+                                        </p:tav>
+                                        <p:tav tm="100000">
+                                          <p:val>
+                                            <p:strVal val="#ppt_y"/>
+                                          </p:val>
+                                        </p:tav>
+                                      </p:tavLst>
+                                    </p:anim>
+                                  </p:childTnLst>
+                                </p:cTn>
+                              </p:par>
+                              <p:par>
+                                <p:cTn id="41" presetID="2" presetClass="entr" presetSubtype="4" fill="hold" grpId="0" nodeType="withEffect">
+                                  <p:stCondLst>
+                                    <p:cond delay="0"/>
+                                  </p:stCondLst>
+                                  <p:childTnLst>
+                                    <p:set>
+                                      <p:cBhvr>
+                                        <p:cTn id="42" dur="1" fill="hold">
+                                          <p:stCondLst>
+                                            <p:cond delay="0"/>
+                                          </p:stCondLst>
+                                        </p:cTn>
+                                        <p:tgtEl>
+                                          <p:spTgt spid="3">
+                                            <p:txEl>
+                                              <p:pRg st="8" end="8"/>
+                                            </p:txEl>
+                                          </p:spTgt>
+                                        </p:tgtEl>
+                                        <p:attrNameLst>
+                                          <p:attrName>style.visibility</p:attrName>
+                                        </p:attrNameLst>
+                                      </p:cBhvr>
+                                      <p:to>
+                                        <p:strVal val="visible"/>
+                                      </p:to>
+                                    </p:set>
+                                    <p:anim calcmode="lin" valueType="num">
+                                      <p:cBhvr additive="base">
+                                        <p:cTn id="43" dur="500" fill="hold"/>
+                                        <p:tgtEl>
+                                          <p:spTgt spid="3">
+                                            <p:txEl>
+                                              <p:pRg st="8" end="8"/>
+                                            </p:txEl>
+                                          </p:spTgt>
+                                        </p:tgtEl>
+                                        <p:attrNameLst>
+                                          <p:attrName>ppt_x</p:attrName>
+                                        </p:attrNameLst>
+                                      </p:cBhvr>
+                                      <p:tavLst>
+                                        <p:tav tm="0">
+                                          <p:val>
+                                            <p:strVal val="#ppt_x"/>
+                                          </p:val>
+                                        </p:tav>
+                                        <p:tav tm="100000">
+                                          <p:val>
+                                            <p:strVal val="#ppt_x"/>
+                                          </p:val>
+                                        </p:tav>
+                                      </p:tavLst>
+                                    </p:anim>
+                                    <p:anim calcmode="lin" valueType="num">
+                                      <p:cBhvr additive="base">
+                                        <p:cTn id="44" dur="500" fill="hold"/>
+                                        <p:tgtEl>
+                                          <p:spTgt spid="3">
+                                            <p:txEl>
+                                              <p:pRg st="8" end="8"/>
+                                            </p:txEl>
+                                          </p:spTgt>
+                                        </p:tgtEl>
+                                        <p:attrNameLst>
+                                          <p:attrName>ppt_y</p:attrName>
+                                        </p:attrNameLst>
+                                      </p:cBhvr>
+                                      <p:tavLst>
+                                        <p:tav tm="0">
+                                          <p:val>
+                                            <p:strVal val="1+#ppt_h/2"/>
+                                          </p:val>
+                                        </p:tav>
+                                        <p:tav tm="100000">
+                                          <p:val>
+                                            <p:strVal val="#ppt_y"/>
+                                          </p:val>
+                                        </p:tav>
+                                      </p:tavLst>
+                                    </p:anim>
+                                  </p:childTnLst>
+                                </p:cTn>
+                              </p:par>
+                              <p:par>
+                                <p:cTn id="45" presetID="2" presetClass="entr" presetSubtype="4" fill="hold" grpId="0" nodeType="withEffect">
+                                  <p:stCondLst>
+                                    <p:cond delay="0"/>
+                                  </p:stCondLst>
+                                  <p:childTnLst>
+                                    <p:set>
+                                      <p:cBhvr>
+                                        <p:cTn id="46" dur="1" fill="hold">
+                                          <p:stCondLst>
+                                            <p:cond delay="0"/>
+                                          </p:stCondLst>
+                                        </p:cTn>
+                                        <p:tgtEl>
+                                          <p:spTgt spid="3">
+                                            <p:txEl>
+                                              <p:pRg st="9" end="9"/>
+                                            </p:txEl>
+                                          </p:spTgt>
+                                        </p:tgtEl>
+                                        <p:attrNameLst>
+                                          <p:attrName>style.visibility</p:attrName>
+                                        </p:attrNameLst>
+                                      </p:cBhvr>
+                                      <p:to>
+                                        <p:strVal val="visible"/>
+                                      </p:to>
+                                    </p:set>
+                                    <p:anim calcmode="lin" valueType="num">
+                                      <p:cBhvr additive="base">
+                                        <p:cTn id="47" dur="500" fill="hold"/>
+                                        <p:tgtEl>
+                                          <p:spTgt spid="3">
+                                            <p:txEl>
+                                              <p:pRg st="9" end="9"/>
+                                            </p:txEl>
+                                          </p:spTgt>
+                                        </p:tgtEl>
+                                        <p:attrNameLst>
+                                          <p:attrName>ppt_x</p:attrName>
+                                        </p:attrNameLst>
+                                      </p:cBhvr>
+                                      <p:tavLst>
+                                        <p:tav tm="0">
+                                          <p:val>
+                                            <p:strVal val="#ppt_x"/>
+                                          </p:val>
+                                        </p:tav>
+                                        <p:tav tm="100000">
+                                          <p:val>
+                                            <p:strVal val="#ppt_x"/>
+                                          </p:val>
+                                        </p:tav>
+                                      </p:tavLst>
+                                    </p:anim>
+                                    <p:anim calcmode="lin" valueType="num">
+                                      <p:cBhvr additive="base">
+                                        <p:cTn id="48" dur="500" fill="hold"/>
+                                        <p:tgtEl>
+                                          <p:spTgt spid="3">
+                                            <p:txEl>
+                                              <p:pRg st="9" end="9"/>
+                                            </p:txEl>
+                                          </p:spTgt>
+                                        </p:tgtEl>
+                                        <p:attrNameLst>
+                                          <p:attrName>ppt_y</p:attrName>
+                                        </p:attrNameLst>
+                                      </p:cBhvr>
+                                      <p:tavLst>
+                                        <p:tav tm="0">
+                                          <p:val>
+                                            <p:strVal val="1+#ppt_h/2"/>
+                                          </p:val>
+                                        </p:tav>
+                                        <p:tav tm="100000">
+                                          <p:val>
+                                            <p:strVal val="#ppt_y"/>
+                                          </p:val>
+                                        </p:tav>
+                                      </p:tavLst>
+                                    </p:anim>
+                                  </p:childTnLst>
+                                </p:cTn>
+                              </p:par>
+                              <p:par>
+                                <p:cTn id="49" presetID="2" presetClass="entr" presetSubtype="4" fill="hold" grpId="0" nodeType="withEffect">
+                                  <p:stCondLst>
+                                    <p:cond delay="0"/>
+                                  </p:stCondLst>
+                                  <p:childTnLst>
+                                    <p:set>
+                                      <p:cBhvr>
+                                        <p:cTn id="50" dur="1" fill="hold">
+                                          <p:stCondLst>
+                                            <p:cond delay="0"/>
+                                          </p:stCondLst>
+                                        </p:cTn>
+                                        <p:tgtEl>
+                                          <p:spTgt spid="3">
+                                            <p:txEl>
+                                              <p:pRg st="10" end="10"/>
+                                            </p:txEl>
+                                          </p:spTgt>
+                                        </p:tgtEl>
+                                        <p:attrNameLst>
+                                          <p:attrName>style.visibility</p:attrName>
+                                        </p:attrNameLst>
+                                      </p:cBhvr>
+                                      <p:to>
+                                        <p:strVal val="visible"/>
+                                      </p:to>
+                                    </p:set>
+                                    <p:anim calcmode="lin" valueType="num">
+                                      <p:cBhvr additive="base">
+                                        <p:cTn id="51" dur="500" fill="hold"/>
+                                        <p:tgtEl>
+                                          <p:spTgt spid="3">
+                                            <p:txEl>
+                                              <p:pRg st="10" end="10"/>
+                                            </p:txEl>
+                                          </p:spTgt>
+                                        </p:tgtEl>
+                                        <p:attrNameLst>
+                                          <p:attrName>ppt_x</p:attrName>
+                                        </p:attrNameLst>
+                                      </p:cBhvr>
+                                      <p:tavLst>
+                                        <p:tav tm="0">
+                                          <p:val>
+                                            <p:strVal val="#ppt_x"/>
+                                          </p:val>
+                                        </p:tav>
+                                        <p:tav tm="100000">
+                                          <p:val>
+                                            <p:strVal val="#ppt_x"/>
+                                          </p:val>
+                                        </p:tav>
+                                      </p:tavLst>
+                                    </p:anim>
+                                    <p:anim calcmode="lin" valueType="num">
+                                      <p:cBhvr additive="base">
+                                        <p:cTn id="52" dur="500" fill="hold"/>
+                                        <p:tgtEl>
+                                          <p:spTgt spid="3">
+                                            <p:txEl>
+                                              <p:pRg st="10" end="10"/>
+                                            </p:txEl>
+                                          </p:spTgt>
+                                        </p:tgtEl>
+                                        <p:attrNameLst>
+                                          <p:attrName>ppt_y</p:attrName>
+                                        </p:attrNameLst>
+                                      </p:cBhvr>
+                                      <p:tavLst>
+                                        <p:tav tm="0">
+                                          <p:val>
+                                            <p:strVal val="1+#ppt_h/2"/>
+                                          </p:val>
+                                        </p:tav>
+                                        <p:tav tm="100000">
+                                          <p:val>
+                                            <p:strVal val="#ppt_y"/>
+                                          </p:val>
+                                        </p:tav>
+                                      </p:tavLst>
+                                    </p:anim>
+                                  </p:childTnLst>
+                                </p:cTn>
+                              </p:par>
+                            </p:childTnLst>
+                          </p:cTn>
+                        </p:par>
+                      </p:childTnLst>
+                    </p:cTn>
+                  </p:par>
+                </p:childTnLst>
+              </p:cTn>
+              <p:prevCondLst>
+                <p:cond evt="onPrev" delay="0">
+                  <p:tgtEl>
+                    <p:sldTgt/>
+                  </p:tgtEl>
+                </p:cond>
+              </p:prevCondLst>
+              <p:nextCondLst>
+                <p:cond evt="onNext" delay="0">
+                  <p:tgtEl>
+                    <p:sldTgt/>
+                  </p:tgtEl>
+                </p:cond>
+              </p:nextCondLst>
+            </p:seq>
+          </p:childTnLst>
+        </p:cTn>
       </p:par>
     </p:tnLst>
+    <p:bldLst>
+      <p:bldP spid="3" grpId="0" build="p"/>
+    </p:bldLst>
   </p:timing>
 </p:sld>
 </file>

--- a/CSharp3.pptx
+++ b/CSharp3.pptx
@@ -6644,7 +6644,7 @@
         <p:spPr/>
         <p:txBody>
           <a:bodyPr>
-            <a:normAutofit lnSpcReduction="10000"/>
+            <a:normAutofit/>
           </a:bodyPr>
           <a:lstStyle/>
           <a:p>
@@ -6652,8 +6652,8 @@
               <a:buNone/>
             </a:pPr>
             <a:r>
-              <a:rPr lang="sv-SE" dirty="0" smtClean="0"/>
-              <a:t>Meta abstractions instantiated by supplying a type parameter</a:t>
+              <a:rPr lang="sv-SE" smtClean="0"/>
+              <a:t>Abstractions written in terms of unknown types</a:t>
             </a:r>
             <a:endParaRPr lang="sv-SE" dirty="0" smtClean="0"/>
           </a:p>

--- a/CSharp3.pptx
+++ b/CSharp3.pptx
@@ -203,7 +203,7 @@
             <a:fld id="{B3C36E66-5700-46DF-A747-EB1263159AB0}" type="datetimeFigureOut">
               <a:rPr lang="sv-SE" smtClean="0"/>
               <a:pPr/>
-              <a:t>2010-01-26</a:t>
+              <a:t>2010-02-20</a:t>
             </a:fld>
             <a:endParaRPr lang="sv-SE"/>
           </a:p>
@@ -897,7 +897,7 @@
             <a:fld id="{351ECD73-E38B-47F5-B197-B998FCFB2F11}" type="datetimeFigureOut">
               <a:rPr lang="sv-SE" smtClean="0"/>
               <a:pPr/>
-              <a:t>2010-01-26</a:t>
+              <a:t>2010-02-20</a:t>
             </a:fld>
             <a:endParaRPr lang="sv-SE"/>
           </a:p>
@@ -1064,7 +1064,7 @@
             <a:fld id="{351ECD73-E38B-47F5-B197-B998FCFB2F11}" type="datetimeFigureOut">
               <a:rPr lang="sv-SE" smtClean="0"/>
               <a:pPr/>
-              <a:t>2010-01-26</a:t>
+              <a:t>2010-02-20</a:t>
             </a:fld>
             <a:endParaRPr lang="sv-SE"/>
           </a:p>
@@ -1241,7 +1241,7 @@
             <a:fld id="{351ECD73-E38B-47F5-B197-B998FCFB2F11}" type="datetimeFigureOut">
               <a:rPr lang="sv-SE" smtClean="0"/>
               <a:pPr/>
-              <a:t>2010-01-26</a:t>
+              <a:t>2010-02-20</a:t>
             </a:fld>
             <a:endParaRPr lang="sv-SE"/>
           </a:p>
@@ -1408,7 +1408,7 @@
             <a:fld id="{351ECD73-E38B-47F5-B197-B998FCFB2F11}" type="datetimeFigureOut">
               <a:rPr lang="sv-SE" smtClean="0"/>
               <a:pPr/>
-              <a:t>2010-01-26</a:t>
+              <a:t>2010-02-20</a:t>
             </a:fld>
             <a:endParaRPr lang="sv-SE"/>
           </a:p>
@@ -1651,7 +1651,7 @@
             <a:fld id="{351ECD73-E38B-47F5-B197-B998FCFB2F11}" type="datetimeFigureOut">
               <a:rPr lang="sv-SE" smtClean="0"/>
               <a:pPr/>
-              <a:t>2010-01-26</a:t>
+              <a:t>2010-02-20</a:t>
             </a:fld>
             <a:endParaRPr lang="sv-SE"/>
           </a:p>
@@ -1936,7 +1936,7 @@
             <a:fld id="{351ECD73-E38B-47F5-B197-B998FCFB2F11}" type="datetimeFigureOut">
               <a:rPr lang="sv-SE" smtClean="0"/>
               <a:pPr/>
-              <a:t>2010-01-26</a:t>
+              <a:t>2010-02-20</a:t>
             </a:fld>
             <a:endParaRPr lang="sv-SE"/>
           </a:p>
@@ -2355,7 +2355,7 @@
             <a:fld id="{351ECD73-E38B-47F5-B197-B998FCFB2F11}" type="datetimeFigureOut">
               <a:rPr lang="sv-SE" smtClean="0"/>
               <a:pPr/>
-              <a:t>2010-01-26</a:t>
+              <a:t>2010-02-20</a:t>
             </a:fld>
             <a:endParaRPr lang="sv-SE"/>
           </a:p>
@@ -2470,7 +2470,7 @@
             <a:fld id="{351ECD73-E38B-47F5-B197-B998FCFB2F11}" type="datetimeFigureOut">
               <a:rPr lang="sv-SE" smtClean="0"/>
               <a:pPr/>
-              <a:t>2010-01-26</a:t>
+              <a:t>2010-02-20</a:t>
             </a:fld>
             <a:endParaRPr lang="sv-SE"/>
           </a:p>
@@ -2562,7 +2562,7 @@
             <a:fld id="{351ECD73-E38B-47F5-B197-B998FCFB2F11}" type="datetimeFigureOut">
               <a:rPr lang="sv-SE" smtClean="0"/>
               <a:pPr/>
-              <a:t>2010-01-26</a:t>
+              <a:t>2010-02-20</a:t>
             </a:fld>
             <a:endParaRPr lang="sv-SE"/>
           </a:p>
@@ -2836,7 +2836,7 @@
             <a:fld id="{351ECD73-E38B-47F5-B197-B998FCFB2F11}" type="datetimeFigureOut">
               <a:rPr lang="sv-SE" smtClean="0"/>
               <a:pPr/>
-              <a:t>2010-01-26</a:t>
+              <a:t>2010-02-20</a:t>
             </a:fld>
             <a:endParaRPr lang="sv-SE"/>
           </a:p>
@@ -3086,7 +3086,7 @@
             <a:fld id="{351ECD73-E38B-47F5-B197-B998FCFB2F11}" type="datetimeFigureOut">
               <a:rPr lang="sv-SE" smtClean="0"/>
               <a:pPr/>
-              <a:t>2010-01-26</a:t>
+              <a:t>2010-02-20</a:t>
             </a:fld>
             <a:endParaRPr lang="sv-SE"/>
           </a:p>
@@ -3296,7 +3296,7 @@
             <a:fld id="{351ECD73-E38B-47F5-B197-B998FCFB2F11}" type="datetimeFigureOut">
               <a:rPr lang="sv-SE" smtClean="0"/>
               <a:pPr/>
-              <a:t>2010-01-26</a:t>
+              <a:t>2010-02-20</a:t>
             </a:fld>
             <a:endParaRPr lang="sv-SE"/>
           </a:p>
@@ -3972,7 +3972,7 @@
             <a:pPr lvl="1"/>
             <a:r>
               <a:rPr lang="sv-SE" sz="1800" dirty="0" smtClean="0"/>
-              <a:t>Rather than depend on an abstraction members depend on implementation details.</a:t>
+              <a:t>Rather than depend on an abstractions, members depend on implementation details.</a:t>
             </a:r>
           </a:p>
           <a:p>
@@ -6652,10 +6652,9 @@
               <a:buNone/>
             </a:pPr>
             <a:r>
-              <a:rPr lang="sv-SE" smtClean="0"/>
+              <a:rPr lang="sv-SE" dirty="0" smtClean="0"/>
               <a:t>Abstractions written in terms of unknown types</a:t>
             </a:r>
-            <a:endParaRPr lang="sv-SE" dirty="0" smtClean="0"/>
           </a:p>
           <a:p>
             <a:pPr>
@@ -7926,11 +7925,7 @@
             </a:r>
             <a:r>
               <a:rPr lang="en-US" sz="2000" dirty="0" smtClean="0"/>
-              <a:t> </a:t>
-            </a:r>
-            <a:r>
-              <a:rPr lang="en-US" sz="2000" dirty="0" smtClean="0"/>
-              <a:t>interfaces</a:t>
+              <a:t> interfaces</a:t>
             </a:r>
           </a:p>
           <a:p>
@@ -7948,22 +7943,13 @@
             </a:r>
             <a:r>
               <a:rPr lang="en-US" sz="2000" dirty="0" smtClean="0"/>
-              <a:t> </a:t>
-            </a:r>
+              <a:t> interfaces</a:t>
+            </a:r>
+          </a:p>
+          <a:p>
             <a:r>
               <a:rPr lang="en-US" sz="2000" dirty="0" smtClean="0"/>
-              <a:t>interfaces</a:t>
-            </a:r>
-            <a:endParaRPr lang="en-US" sz="2000" dirty="0" smtClean="0"/>
-          </a:p>
-          <a:p>
-            <a:r>
-              <a:rPr lang="en-US" sz="2000" dirty="0" smtClean="0"/>
-              <a:t>Linq </a:t>
-            </a:r>
-            <a:r>
-              <a:rPr lang="en-US" sz="2000" dirty="0" smtClean="0"/>
-              <a:t>operators are </a:t>
+              <a:t>Linq operators are </a:t>
             </a:r>
             <a:r>
               <a:rPr lang="en-US" sz="2000" i="1" dirty="0" smtClean="0">
@@ -7985,15 +7971,7 @@
                   <a:schemeClr val="tx2"/>
                 </a:solidFill>
               </a:rPr>
-              <a:t>higher order </a:t>
-            </a:r>
-            <a:r>
-              <a:rPr lang="en-US" sz="2000" i="1" dirty="0" smtClean="0">
-                <a:solidFill>
-                  <a:schemeClr val="tx2"/>
-                </a:solidFill>
-              </a:rPr>
-              <a:t>functions</a:t>
+              <a:t>higher order functions</a:t>
             </a:r>
           </a:p>
           <a:p>
@@ -8009,11 +7987,6 @@
               </a:rPr>
               <a:t>generic functions</a:t>
             </a:r>
-            <a:endParaRPr lang="en-US" sz="2000" i="1" dirty="0" smtClean="0">
-              <a:solidFill>
-                <a:schemeClr val="tx2"/>
-              </a:solidFill>
-            </a:endParaRPr>
           </a:p>
           <a:p>
             <a:r>

--- a/CSharp3.pptx
+++ b/CSharp3.pptx
@@ -203,7 +203,7 @@
             <a:fld id="{B3C36E66-5700-46DF-A747-EB1263159AB0}" type="datetimeFigureOut">
               <a:rPr lang="sv-SE" smtClean="0"/>
               <a:pPr/>
-              <a:t>2010-02-20</a:t>
+              <a:t>2010-08-25</a:t>
             </a:fld>
             <a:endParaRPr lang="sv-SE"/>
           </a:p>
@@ -372,6 +372,11 @@
         </p:txBody>
       </p:sp>
     </p:spTree>
+    <p:extLst>
+      <p:ext uri="{BB962C8B-B14F-4D97-AF65-F5344CB8AC3E}">
+        <p14:creationId xmlns:p14="http://schemas.microsoft.com/office/powerpoint/2010/main" val="4131744874"/>
+      </p:ext>
+    </p:extLst>
   </p:cSld>
   <p:clrMap bg1="lt1" tx1="dk1" bg2="lt2" tx2="dk2" accent1="accent1" accent2="accent2" accent3="accent3" accent4="accent4" accent5="accent5" accent6="accent6" hlink="hlink" folHlink="folHlink"/>
   <p:notesStyle>
@@ -897,7 +902,7 @@
             <a:fld id="{351ECD73-E38B-47F5-B197-B998FCFB2F11}" type="datetimeFigureOut">
               <a:rPr lang="sv-SE" smtClean="0"/>
               <a:pPr/>
-              <a:t>2010-02-20</a:t>
+              <a:t>2010-08-25</a:t>
             </a:fld>
             <a:endParaRPr lang="sv-SE"/>
           </a:p>
@@ -1064,7 +1069,7 @@
             <a:fld id="{351ECD73-E38B-47F5-B197-B998FCFB2F11}" type="datetimeFigureOut">
               <a:rPr lang="sv-SE" smtClean="0"/>
               <a:pPr/>
-              <a:t>2010-02-20</a:t>
+              <a:t>2010-08-25</a:t>
             </a:fld>
             <a:endParaRPr lang="sv-SE"/>
           </a:p>
@@ -1241,7 +1246,7 @@
             <a:fld id="{351ECD73-E38B-47F5-B197-B998FCFB2F11}" type="datetimeFigureOut">
               <a:rPr lang="sv-SE" smtClean="0"/>
               <a:pPr/>
-              <a:t>2010-02-20</a:t>
+              <a:t>2010-08-25</a:t>
             </a:fld>
             <a:endParaRPr lang="sv-SE"/>
           </a:p>
@@ -1408,7 +1413,7 @@
             <a:fld id="{351ECD73-E38B-47F5-B197-B998FCFB2F11}" type="datetimeFigureOut">
               <a:rPr lang="sv-SE" smtClean="0"/>
               <a:pPr/>
-              <a:t>2010-02-20</a:t>
+              <a:t>2010-08-25</a:t>
             </a:fld>
             <a:endParaRPr lang="sv-SE"/>
           </a:p>
@@ -1651,7 +1656,7 @@
             <a:fld id="{351ECD73-E38B-47F5-B197-B998FCFB2F11}" type="datetimeFigureOut">
               <a:rPr lang="sv-SE" smtClean="0"/>
               <a:pPr/>
-              <a:t>2010-02-20</a:t>
+              <a:t>2010-08-25</a:t>
             </a:fld>
             <a:endParaRPr lang="sv-SE"/>
           </a:p>
@@ -1936,7 +1941,7 @@
             <a:fld id="{351ECD73-E38B-47F5-B197-B998FCFB2F11}" type="datetimeFigureOut">
               <a:rPr lang="sv-SE" smtClean="0"/>
               <a:pPr/>
-              <a:t>2010-02-20</a:t>
+              <a:t>2010-08-25</a:t>
             </a:fld>
             <a:endParaRPr lang="sv-SE"/>
           </a:p>
@@ -2355,7 +2360,7 @@
             <a:fld id="{351ECD73-E38B-47F5-B197-B998FCFB2F11}" type="datetimeFigureOut">
               <a:rPr lang="sv-SE" smtClean="0"/>
               <a:pPr/>
-              <a:t>2010-02-20</a:t>
+              <a:t>2010-08-25</a:t>
             </a:fld>
             <a:endParaRPr lang="sv-SE"/>
           </a:p>
@@ -2470,7 +2475,7 @@
             <a:fld id="{351ECD73-E38B-47F5-B197-B998FCFB2F11}" type="datetimeFigureOut">
               <a:rPr lang="sv-SE" smtClean="0"/>
               <a:pPr/>
-              <a:t>2010-02-20</a:t>
+              <a:t>2010-08-25</a:t>
             </a:fld>
             <a:endParaRPr lang="sv-SE"/>
           </a:p>
@@ -2562,7 +2567,7 @@
             <a:fld id="{351ECD73-E38B-47F5-B197-B998FCFB2F11}" type="datetimeFigureOut">
               <a:rPr lang="sv-SE" smtClean="0"/>
               <a:pPr/>
-              <a:t>2010-02-20</a:t>
+              <a:t>2010-08-25</a:t>
             </a:fld>
             <a:endParaRPr lang="sv-SE"/>
           </a:p>
@@ -2836,7 +2841,7 @@
             <a:fld id="{351ECD73-E38B-47F5-B197-B998FCFB2F11}" type="datetimeFigureOut">
               <a:rPr lang="sv-SE" smtClean="0"/>
               <a:pPr/>
-              <a:t>2010-02-20</a:t>
+              <a:t>2010-08-25</a:t>
             </a:fld>
             <a:endParaRPr lang="sv-SE"/>
           </a:p>
@@ -3086,7 +3091,7 @@
             <a:fld id="{351ECD73-E38B-47F5-B197-B998FCFB2F11}" type="datetimeFigureOut">
               <a:rPr lang="sv-SE" smtClean="0"/>
               <a:pPr/>
-              <a:t>2010-02-20</a:t>
+              <a:t>2010-08-25</a:t>
             </a:fld>
             <a:endParaRPr lang="sv-SE"/>
           </a:p>
@@ -3296,7 +3301,7 @@
             <a:fld id="{351ECD73-E38B-47F5-B197-B998FCFB2F11}" type="datetimeFigureOut">
               <a:rPr lang="sv-SE" smtClean="0"/>
               <a:pPr/>
-              <a:t>2010-02-20</a:t>
+              <a:t>2010-08-25</a:t>
             </a:fld>
             <a:endParaRPr lang="sv-SE"/>
           </a:p>
@@ -6588,6 +6593,13 @@
     <a:masterClrMapping/>
   </p:clrMapOvr>
   <p:transition/>
+  <p:timing>
+    <p:tnLst>
+      <p:par>
+        <p:cTn id="1" dur="indefinite" restart="never" nodeType="tmRoot"/>
+      </p:par>
+    </p:tnLst>
+  </p:timing>
 </p:sld>
 </file>
 
@@ -9584,25 +9596,121 @@
                   <a:srgbClr val="0000FF"/>
                 </a:solidFill>
               </a:rPr>
-              <a:t>string, bool&gt;&gt; isUpperCased = test =&gt; test == test.ToUpper();</a:t>
-            </a:r>
-            <a:endParaRPr lang="sv-SE" sz="1200" dirty="0" smtClean="0"/>
-          </a:p>
-          <a:p>
-            <a:r>
-              <a:rPr lang="sv-SE" sz="2000" dirty="0" smtClean="0"/>
-              <a:t>Comprehension syntax</a:t>
-            </a:r>
-            <a:br>
-              <a:rPr lang="sv-SE" sz="2000" dirty="0" smtClean="0"/>
-            </a:br>
+              <a:t>string, </a:t>
+            </a:r>
             <a:r>
               <a:rPr lang="en-US" sz="1200" dirty="0" smtClean="0">
                 <a:solidFill>
                   <a:srgbClr val="0000FF"/>
                 </a:solidFill>
               </a:rPr>
-              <a:t>var lowerCaseNames =  from name in names</a:t>
+              <a:t>string&gt;&gt; </a:t>
+            </a:r>
+            <a:r>
+              <a:rPr lang="en-US" sz="1200" dirty="0" err="1" smtClean="0">
+                <a:solidFill>
+                  <a:srgbClr val="0000FF"/>
+                </a:solidFill>
+              </a:rPr>
+              <a:t>upperCased</a:t>
+            </a:r>
+            <a:r>
+              <a:rPr lang="en-US" sz="1200" dirty="0" smtClean="0">
+                <a:solidFill>
+                  <a:srgbClr val="0000FF"/>
+                </a:solidFill>
+              </a:rPr>
+              <a:t> </a:t>
+            </a:r>
+            <a:r>
+              <a:rPr lang="en-US" sz="1200" dirty="0" smtClean="0">
+                <a:solidFill>
+                  <a:srgbClr val="0000FF"/>
+                </a:solidFill>
+              </a:rPr>
+              <a:t>= test </a:t>
+            </a:r>
+            <a:r>
+              <a:rPr lang="en-US" sz="1200" smtClean="0">
+                <a:solidFill>
+                  <a:srgbClr val="0000FF"/>
+                </a:solidFill>
+              </a:rPr>
+              <a:t>=&gt; </a:t>
+            </a:r>
+            <a:r>
+              <a:rPr lang="en-US" sz="1200" smtClean="0">
+                <a:solidFill>
+                  <a:srgbClr val="0000FF"/>
+                </a:solidFill>
+              </a:rPr>
+              <a:t>test.ToUpper</a:t>
+            </a:r>
+            <a:r>
+              <a:rPr lang="en-US" sz="1200" dirty="0" smtClean="0">
+                <a:solidFill>
+                  <a:srgbClr val="0000FF"/>
+                </a:solidFill>
+              </a:rPr>
+              <a:t>();</a:t>
+            </a:r>
+            <a:endParaRPr lang="sv-SE" sz="1200" dirty="0" smtClean="0"/>
+          </a:p>
+          <a:p>
+            <a:r>
+              <a:rPr lang="sv-SE" sz="2000" dirty="0" smtClean="0"/>
+              <a:t>Comprehension syntax</a:t>
+            </a:r>
+            <a:br>
+              <a:rPr lang="sv-SE" sz="2000" dirty="0" smtClean="0"/>
+            </a:br>
+            <a:r>
+              <a:rPr lang="en-US" sz="1200" dirty="0" err="1" smtClean="0">
+                <a:solidFill>
+                  <a:srgbClr val="0000FF"/>
+                </a:solidFill>
+              </a:rPr>
+              <a:t>var</a:t>
+            </a:r>
+            <a:r>
+              <a:rPr lang="en-US" sz="1200" dirty="0" smtClean="0">
+                <a:solidFill>
+                  <a:srgbClr val="0000FF"/>
+                </a:solidFill>
+              </a:rPr>
+              <a:t> </a:t>
+            </a:r>
+            <a:r>
+              <a:rPr lang="sv-SE" sz="1200" dirty="0" err="1">
+                <a:solidFill>
+                  <a:srgbClr val="0000FF"/>
+                </a:solidFill>
+              </a:rPr>
+              <a:t>upperCaseNames</a:t>
+            </a:r>
+            <a:r>
+              <a:rPr lang="sv-SE" sz="1200" dirty="0">
+                <a:solidFill>
+                  <a:srgbClr val="0000FF"/>
+                </a:solidFill>
+              </a:rPr>
+              <a:t>  </a:t>
+            </a:r>
+            <a:r>
+              <a:rPr lang="en-US" sz="1200" dirty="0" smtClean="0">
+                <a:solidFill>
+                  <a:srgbClr val="0000FF"/>
+                </a:solidFill>
+              </a:rPr>
+              <a:t>=  </a:t>
+            </a:r>
+            <a:r>
+              <a:rPr lang="en-US" sz="1200" dirty="0" smtClean="0">
+                <a:solidFill>
+                  <a:srgbClr val="0000FF"/>
+                </a:solidFill>
+              </a:rPr>
+              <a:t>from name in names</a:t>
             </a:r>
             <a:br>
               <a:rPr lang="en-US" sz="1200" dirty="0" smtClean="0">
@@ -9620,12 +9728,36 @@
               <a:t>		sele</a:t>
             </a:r>
             <a:r>
+              <a:rPr lang="sv-SE" sz="1200" dirty="0" err="1" smtClean="0">
+                <a:solidFill>
+                  <a:srgbClr val="0000FF"/>
+                </a:solidFill>
+              </a:rPr>
+              <a:t>ct</a:t>
+            </a:r>
+            <a:r>
               <a:rPr lang="sv-SE" sz="1200" dirty="0" smtClean="0">
                 <a:solidFill>
                   <a:srgbClr val="0000FF"/>
                 </a:solidFill>
               </a:rPr>
-              <a:t>ct name.ToLower();</a:t>
+              <a:t> </a:t>
+            </a:r>
+            <a:r>
+              <a:rPr lang="sv-SE" sz="1200" dirty="0" err="1" smtClean="0">
+                <a:solidFill>
+                  <a:srgbClr val="0000FF"/>
+                </a:solidFill>
+              </a:rPr>
+              <a:t>name.ToUpper</a:t>
+            </a:r>
+            <a:r>
+              <a:rPr lang="sv-SE" sz="1200" dirty="0" smtClean="0">
+                <a:solidFill>
+                  <a:srgbClr val="0000FF"/>
+                </a:solidFill>
+              </a:rPr>
+              <a:t>();</a:t>
             </a:r>
             <a:endParaRPr lang="sv-SE" sz="1200" dirty="0" smtClean="0"/>
           </a:p>
